--- a/AI/FrostVer3.pptx
+++ b/AI/FrostVer3.pptx
@@ -6,12 +6,14 @@
   </p:sldMasterIdLst>
   <p:sldIdLst>
     <p:sldId id="256" r:id="rId2"/>
-    <p:sldId id="263" r:id="rId3"/>
-    <p:sldId id="262" r:id="rId4"/>
-    <p:sldId id="261" r:id="rId5"/>
-    <p:sldId id="258" r:id="rId6"/>
-    <p:sldId id="260" r:id="rId7"/>
-    <p:sldId id="259" r:id="rId8"/>
+    <p:sldId id="266" r:id="rId3"/>
+    <p:sldId id="263" r:id="rId4"/>
+    <p:sldId id="265" r:id="rId5"/>
+    <p:sldId id="262" r:id="rId6"/>
+    <p:sldId id="261" r:id="rId7"/>
+    <p:sldId id="258" r:id="rId8"/>
+    <p:sldId id="260" r:id="rId9"/>
+    <p:sldId id="259" r:id="rId10"/>
   </p:sldIdLst>
   <p:sldSz cx="12192000" cy="6858000"/>
   <p:notesSz cx="6858000" cy="9144000"/>
@@ -3067,13 +3069,105 @@
           <a:chExt cx="0" cy="0"/>
         </a:xfrm>
       </p:grpSpPr>
+      <p:sp>
+        <p:nvSpPr>
+          <p:cNvPr id="2" name="TextBox 1">
+            <a:extLst>
+              <a:ext uri="{FF2B5EF4-FFF2-40B4-BE49-F238E27FC236}">
+                <a16:creationId xmlns:a16="http://schemas.microsoft.com/office/drawing/2014/main" id="{3A65CB99-A776-4530-B265-2274827102EE}"/>
+              </a:ext>
+            </a:extLst>
+          </p:cNvPr>
+          <p:cNvSpPr txBox="1"/>
+          <p:nvPr/>
+        </p:nvSpPr>
+        <p:spPr>
+          <a:xfrm>
+            <a:off x="359508" y="3305908"/>
+            <a:ext cx="10488246" cy="923330"/>
+          </a:xfrm>
+          <a:prstGeom prst="rect">
+            <a:avLst/>
+          </a:prstGeom>
+          <a:noFill/>
+        </p:spPr>
+        <p:txBody>
+          <a:bodyPr wrap="square" rtlCol="0">
+            <a:spAutoFit/>
+          </a:bodyPr>
+          <a:lstStyle/>
+          <a:p>
+            <a:r>
+              <a:rPr lang="en-US" altLang="zh-CN" dirty="0"/>
+              <a:t>Tile Encoding:</a:t>
+            </a:r>
+          </a:p>
+          <a:p>
+            <a:r>
+              <a:rPr lang="en-US" altLang="zh-CN" dirty="0"/>
+              <a:t>0    1    2   3  … … … … … … … … … … … … … … … … … … … … … … … … … … … … … … … … … … … … …  135</a:t>
+            </a:r>
+          </a:p>
+          <a:p>
+            <a:r>
+              <a:rPr lang="en-US" altLang="zh-CN" dirty="0"/>
+              <a:t>1m1m1m1m 2m2m2m2m …  0p5p5p5p …  9s9s9s9s … EEEESSSSWWWWNNNN Haku … </a:t>
+            </a:r>
+            <a:r>
+              <a:rPr lang="en-US" altLang="zh-CN" dirty="0" err="1"/>
+              <a:t>Hatsu</a:t>
+            </a:r>
+            <a:r>
+              <a:rPr lang="en-US" altLang="zh-CN" dirty="0"/>
+              <a:t> … Chu</a:t>
+            </a:r>
+            <a:endParaRPr lang="zh-CN" altLang="en-US" dirty="0"/>
+          </a:p>
+        </p:txBody>
+      </p:sp>
+    </p:spTree>
+    <p:extLst>
+      <p:ext uri="{BB962C8B-B14F-4D97-AF65-F5344CB8AC3E}">
+        <p14:creationId xmlns:p14="http://schemas.microsoft.com/office/powerpoint/2010/main" val="791480107"/>
+      </p:ext>
+    </p:extLst>
+  </p:cSld>
+  <p:clrMapOvr>
+    <a:masterClrMapping/>
+  </p:clrMapOvr>
+</p:sld>
+</file>
+
+<file path=ppt/slides/slide3.xml><?xml version="1.0" encoding="utf-8"?>
+<p:sld xmlns:a="http://schemas.openxmlformats.org/drawingml/2006/main" xmlns:r="http://schemas.openxmlformats.org/officeDocument/2006/relationships" xmlns:p="http://schemas.openxmlformats.org/presentationml/2006/main">
+  <p:cSld>
+    <p:spTree>
+      <p:nvGrpSpPr>
+        <p:cNvPr id="1" name=""/>
+        <p:cNvGrpSpPr/>
+        <p:nvPr/>
+      </p:nvGrpSpPr>
+      <p:grpSpPr>
+        <a:xfrm>
+          <a:off x="0" y="0"/>
+          <a:ext cx="0" cy="0"/>
+          <a:chOff x="0" y="0"/>
+          <a:chExt cx="0" cy="0"/>
+        </a:xfrm>
+      </p:grpSpPr>
       <p:graphicFrame>
         <p:nvGraphicFramePr>
           <p:cNvPr id="3" name="Table 2"/>
           <p:cNvGraphicFramePr>
             <a:graphicFrameLocks noGrp="1"/>
           </p:cNvGraphicFramePr>
-          <p:nvPr/>
+          <p:nvPr>
+            <p:extLst>
+              <p:ext uri="{D42A27DB-BD31-4B8C-83A1-F6EECF244321}">
+                <p14:modId xmlns:p14="http://schemas.microsoft.com/office/powerpoint/2010/main" val="1237935238"/>
+              </p:ext>
+            </p:extLst>
+          </p:nvPr>
         </p:nvGraphicFramePr>
         <p:xfrm>
           <a:off x="915786" y="1070032"/>
@@ -3263,7 +3357,7 @@
                     <a:p>
                       <a:r>
                         <a:rPr lang="en-US" altLang="zh-CN" dirty="0"/>
-                        <a:t>2</a:t>
+                        <a:t>1</a:t>
                       </a:r>
                       <a:endParaRPr lang="zh-CN" altLang="en-US" dirty="0"/>
                     </a:p>
@@ -3673,7 +3767,7 @@
           <a:p>
             <a:r>
               <a:rPr lang="zh-CN" altLang="en-US" dirty="0"/>
-              <a:t>白</a:t>
+              <a:t>发</a:t>
             </a:r>
             <a:endParaRPr lang="en-US" altLang="zh-CN" dirty="0"/>
           </a:p>
@@ -3703,7 +3797,7 @@
           <a:p>
             <a:r>
               <a:rPr lang="zh-CN" altLang="en-US" dirty="0"/>
-              <a:t>白</a:t>
+              <a:t>中</a:t>
             </a:r>
             <a:endParaRPr lang="en-US" altLang="zh-CN" dirty="0"/>
           </a:p>
@@ -3761,7 +3855,7 @@
             </a:r>
             <a:r>
               <a:rPr lang="zh-CN" altLang="en-US" sz="1600" dirty="0"/>
-              <a:t>张  宝牌数</a:t>
+              <a:t>张   是否打过</a:t>
             </a:r>
           </a:p>
         </p:txBody>
@@ -3838,11 +3932,17 @@
           <p:cNvGraphicFramePr>
             <a:graphicFrameLocks noGrp="1"/>
           </p:cNvGraphicFramePr>
-          <p:nvPr/>
+          <p:nvPr>
+            <p:extLst>
+              <p:ext uri="{D42A27DB-BD31-4B8C-83A1-F6EECF244321}">
+                <p14:modId xmlns:p14="http://schemas.microsoft.com/office/powerpoint/2010/main" val="1714935555"/>
+              </p:ext>
+            </p:extLst>
+          </p:nvPr>
         </p:nvGraphicFramePr>
         <p:xfrm>
           <a:off x="3681317" y="1103752"/>
-          <a:ext cx="2458728" cy="5016115"/>
+          <a:ext cx="2048940" cy="5016115"/>
         </p:xfrm>
         <a:graphic>
           <a:graphicData uri="http://schemas.openxmlformats.org/drawingml/2006/table">
@@ -3882,13 +3982,6 @@
                 <a:gridCol w="409788">
                   <a:extLst>
                     <a:ext uri="{9D8B030D-6E8A-4147-A177-3AD203B41FA5}">
-                      <a16:colId xmlns:a16="http://schemas.microsoft.com/office/drawing/2014/main" val="1560449329"/>
-                    </a:ext>
-                  </a:extLst>
-                </a:gridCol>
-                <a:gridCol w="409788">
-                  <a:extLst>
-                    <a:ext uri="{9D8B030D-6E8A-4147-A177-3AD203B41FA5}">
                       <a16:colId xmlns:a16="http://schemas.microsoft.com/office/drawing/2014/main" val="1935518722"/>
                     </a:ext>
                   </a:extLst>
@@ -3903,20 +3996,6 @@
                       <a:r>
                         <a:rPr lang="en-US" altLang="zh-CN" dirty="0"/>
                         <a:t>1</a:t>
-                      </a:r>
-                      <a:endParaRPr lang="zh-CN" altLang="en-US" dirty="0"/>
-                    </a:p>
-                  </a:txBody>
-                  <a:tcPr/>
-                </a:tc>
-                <a:tc>
-                  <a:txBody>
-                    <a:bodyPr/>
-                    <a:lstStyle/>
-                    <a:p>
-                      <a:r>
-                        <a:rPr lang="en-US" altLang="zh-CN" dirty="0"/>
-                        <a:t>0</a:t>
                       </a:r>
                       <a:endParaRPr lang="zh-CN" altLang="en-US" dirty="0"/>
                     </a:p>
@@ -4049,20 +4128,6 @@
                     <a:p>
                       <a:r>
                         <a:rPr lang="en-US" altLang="zh-CN" dirty="0"/>
-                        <a:t>1</a:t>
-                      </a:r>
-                      <a:endParaRPr lang="zh-CN" altLang="en-US" dirty="0"/>
-                    </a:p>
-                  </a:txBody>
-                  <a:tcPr/>
-                </a:tc>
-                <a:tc>
-                  <a:txBody>
-                    <a:bodyPr/>
-                    <a:lstStyle/>
-                    <a:p>
-                      <a:r>
-                        <a:rPr lang="en-US" altLang="zh-CN" dirty="0"/>
                         <a:t>0</a:t>
                       </a:r>
                       <a:endParaRPr lang="zh-CN" altLang="en-US" dirty="0"/>
@@ -4195,34 +4260,6 @@
                     <a:lstStyle/>
                     <a:p>
                       <a:r>
-                        <a:rPr lang="zh-CN" altLang="en-US" dirty="0"/>
-                        <a:t>。</a:t>
-                      </a:r>
-                      <a:endParaRPr lang="en-US" altLang="zh-CN" dirty="0"/>
-                    </a:p>
-                    <a:p>
-                      <a:r>
-                        <a:rPr lang="zh-CN" altLang="en-US" dirty="0"/>
-                        <a:t>。</a:t>
-                      </a:r>
-                      <a:endParaRPr lang="en-US" altLang="zh-CN" dirty="0"/>
-                    </a:p>
-                    <a:p>
-                      <a:r>
-                        <a:rPr lang="zh-CN" altLang="en-US" dirty="0"/>
-                        <a:t>。</a:t>
-                      </a:r>
-                      <a:endParaRPr lang="en-US" altLang="zh-CN" dirty="0"/>
-                    </a:p>
-                  </a:txBody>
-                  <a:tcPr/>
-                </a:tc>
-                <a:tc>
-                  <a:txBody>
-                    <a:bodyPr/>
-                    <a:lstStyle/>
-                    <a:p>
-                      <a:r>
                         <a:rPr lang="en-US" altLang="zh-CN" dirty="0"/>
                         <a:t>0</a:t>
                       </a:r>
@@ -4307,20 +4344,6 @@
                   </a:txBody>
                   <a:tcPr/>
                 </a:tc>
-                <a:tc>
-                  <a:txBody>
-                    <a:bodyPr/>
-                    <a:lstStyle/>
-                    <a:p>
-                      <a:r>
-                        <a:rPr lang="en-US" altLang="zh-CN" dirty="0"/>
-                        <a:t>0</a:t>
-                      </a:r>
-                      <a:endParaRPr lang="zh-CN" altLang="en-US" dirty="0"/>
-                    </a:p>
-                  </a:txBody>
-                  <a:tcPr/>
-                </a:tc>
                 <a:extLst>
                   <a:ext uri="{0D108BD9-81ED-4DB2-BD59-A6C34878D82A}">
                     <a16:rowId xmlns:a16="http://schemas.microsoft.com/office/drawing/2014/main" val="2566960390"/>
@@ -4336,20 +4359,6 @@
                       <a:r>
                         <a:rPr lang="en-US" altLang="zh-CN" dirty="0"/>
                         <a:t>1</a:t>
-                      </a:r>
-                      <a:endParaRPr lang="zh-CN" altLang="en-US" dirty="0"/>
-                    </a:p>
-                  </a:txBody>
-                  <a:tcPr/>
-                </a:tc>
-                <a:tc>
-                  <a:txBody>
-                    <a:bodyPr/>
-                    <a:lstStyle/>
-                    <a:p>
-                      <a:r>
-                        <a:rPr lang="en-US" altLang="zh-CN" dirty="0"/>
-                        <a:t>0</a:t>
                       </a:r>
                       <a:endParaRPr lang="zh-CN" altLang="en-US" dirty="0"/>
                     </a:p>
@@ -4494,10 +4503,16 @@
           <p:cNvGraphicFramePr>
             <a:graphicFrameLocks noGrp="1"/>
           </p:cNvGraphicFramePr>
-          <p:nvPr/>
+          <p:nvPr>
+            <p:extLst>
+              <p:ext uri="{D42A27DB-BD31-4B8C-83A1-F6EECF244321}">
+                <p14:modId xmlns:p14="http://schemas.microsoft.com/office/powerpoint/2010/main" val="2498810133"/>
+              </p:ext>
+            </p:extLst>
+          </p:nvPr>
         </p:nvGraphicFramePr>
         <p:xfrm>
-          <a:off x="10410738" y="1070032"/>
+          <a:off x="9344256" y="1060371"/>
           <a:ext cx="1700124" cy="5016115"/>
         </p:xfrm>
         <a:graphic>
@@ -4872,7 +4887,7 @@
             </a:r>
             <a:r>
               <a:rPr lang="zh-CN" altLang="en-US" sz="1200" dirty="0"/>
-              <a:t>张   宝牌数  是否手切</a:t>
+              <a:t>张   是否手切</a:t>
             </a:r>
           </a:p>
         </p:txBody>
@@ -4885,8 +4900,8 @@
         </p:nvSpPr>
         <p:spPr>
           <a:xfrm>
-            <a:off x="10322718" y="6086145"/>
-            <a:ext cx="1869282" cy="338554"/>
+            <a:off x="9124922" y="6076484"/>
+            <a:ext cx="2000596" cy="338554"/>
           </a:xfrm>
           <a:prstGeom prst="rect">
             <a:avLst/>
@@ -4901,7 +4916,23 @@
           <a:p>
             <a:r>
               <a:rPr lang="zh-CN" altLang="en-US" sz="1600" dirty="0"/>
-              <a:t>宝牌数  场风  自风</a:t>
+              <a:t>宝牌</a:t>
+            </a:r>
+            <a:r>
+              <a:rPr lang="en-US" altLang="zh-CN" sz="1600" dirty="0"/>
+              <a:t>(</a:t>
+            </a:r>
+            <a:r>
+              <a:rPr lang="zh-CN" altLang="en-US" sz="1600" dirty="0"/>
+              <a:t>数</a:t>
+            </a:r>
+            <a:r>
+              <a:rPr lang="en-US" altLang="zh-CN" sz="1600" dirty="0"/>
+              <a:t>)</a:t>
+            </a:r>
+            <a:r>
+              <a:rPr lang="zh-CN" altLang="en-US" sz="1600" dirty="0"/>
+              <a:t>  场风  自风</a:t>
             </a:r>
             <a:endParaRPr lang="en-US" altLang="zh-CN" sz="1600" dirty="0"/>
           </a:p>
@@ -4985,10 +5016,16 @@
           <p:cNvGraphicFramePr>
             <a:graphicFrameLocks noGrp="1"/>
           </p:cNvGraphicFramePr>
-          <p:nvPr/>
+          <p:nvPr>
+            <p:extLst>
+              <p:ext uri="{D42A27DB-BD31-4B8C-83A1-F6EECF244321}">
+                <p14:modId xmlns:p14="http://schemas.microsoft.com/office/powerpoint/2010/main" val="4214181342"/>
+              </p:ext>
+            </p:extLst>
+          </p:nvPr>
         </p:nvGraphicFramePr>
         <p:xfrm>
-          <a:off x="9285548" y="1070030"/>
+          <a:off x="11276214" y="1060369"/>
           <a:ext cx="905856" cy="5016115"/>
         </p:xfrm>
         <a:graphic>
@@ -5228,7 +5265,7 @@
         </p:nvSpPr>
         <p:spPr>
           <a:xfrm>
-            <a:off x="9152817" y="6086145"/>
+            <a:off x="11143483" y="6076484"/>
             <a:ext cx="1781383" cy="307777"/>
           </a:xfrm>
           <a:prstGeom prst="rect">
@@ -5264,11 +5301,17 @@
           <p:cNvGraphicFramePr>
             <a:graphicFrameLocks noGrp="1"/>
           </p:cNvGraphicFramePr>
-          <p:nvPr/>
+          <p:nvPr>
+            <p:extLst>
+              <p:ext uri="{D42A27DB-BD31-4B8C-83A1-F6EECF244321}">
+                <p14:modId xmlns:p14="http://schemas.microsoft.com/office/powerpoint/2010/main" val="711694367"/>
+              </p:ext>
+            </p:extLst>
+          </p:nvPr>
         </p:nvGraphicFramePr>
         <p:xfrm>
           <a:off x="6579629" y="1145913"/>
-          <a:ext cx="2353854" cy="5016115"/>
+          <a:ext cx="1972138" cy="5016115"/>
         </p:xfrm>
         <a:graphic>
           <a:graphicData uri="http://schemas.openxmlformats.org/drawingml/2006/table">
@@ -5305,13 +5348,6 @@
                     </a:ext>
                   </a:extLst>
                 </a:gridCol>
-                <a:gridCol w="381716">
-                  <a:extLst>
-                    <a:ext uri="{9D8B030D-6E8A-4147-A177-3AD203B41FA5}">
-                      <a16:colId xmlns:a16="http://schemas.microsoft.com/office/drawing/2014/main" val="1560449329"/>
-                    </a:ext>
-                  </a:extLst>
-                </a:gridCol>
                 <a:gridCol w="332265">
                   <a:extLst>
                     <a:ext uri="{9D8B030D-6E8A-4147-A177-3AD203B41FA5}">
@@ -5383,34 +5419,16 @@
                     <a:lstStyle/>
                     <a:p>
                       <a:r>
-                        <a:rPr lang="en-US" altLang="zh-CN" dirty="0"/>
-                        <a:t>0</a:t>
-                      </a:r>
-                      <a:endParaRPr lang="zh-CN" altLang="en-US" dirty="0"/>
-                    </a:p>
-                  </a:txBody>
-                  <a:tcPr/>
-                </a:tc>
-                <a:tc>
-                  <a:txBody>
-                    <a:bodyPr/>
-                    <a:lstStyle/>
-                    <a:p>
-                      <a:r>
                         <a:rPr lang="en-US" altLang="zh-CN" dirty="0">
                           <a:solidFill>
-                            <a:schemeClr val="bg1">
-                              <a:lumMod val="75000"/>
-                            </a:schemeClr>
+                            <a:schemeClr val="tx1"/>
                           </a:solidFill>
                         </a:rPr>
                         <a:t>0</a:t>
                       </a:r>
                       <a:endParaRPr lang="zh-CN" altLang="en-US" dirty="0">
                         <a:solidFill>
-                          <a:schemeClr val="bg1">
-                            <a:lumMod val="75000"/>
-                          </a:schemeClr>
+                          <a:schemeClr val="tx1"/>
                         </a:solidFill>
                       </a:endParaRPr>
                     </a:p>
@@ -5486,34 +5504,16 @@
                     <a:lstStyle/>
                     <a:p>
                       <a:r>
-                        <a:rPr lang="en-US" altLang="zh-CN" dirty="0"/>
-                        <a:t>1</a:t>
-                      </a:r>
-                      <a:endParaRPr lang="zh-CN" altLang="en-US" dirty="0"/>
-                    </a:p>
-                  </a:txBody>
-                  <a:tcPr/>
-                </a:tc>
-                <a:tc>
-                  <a:txBody>
-                    <a:bodyPr/>
-                    <a:lstStyle/>
-                    <a:p>
-                      <a:r>
                         <a:rPr lang="en-US" altLang="zh-CN" dirty="0">
                           <a:solidFill>
-                            <a:schemeClr val="bg1">
-                              <a:lumMod val="75000"/>
-                            </a:schemeClr>
+                            <a:schemeClr val="tx1"/>
                           </a:solidFill>
                         </a:rPr>
                         <a:t>1</a:t>
                       </a:r>
                       <a:endParaRPr lang="zh-CN" altLang="en-US" dirty="0">
                         <a:solidFill>
-                          <a:schemeClr val="bg1">
-                            <a:lumMod val="75000"/>
-                          </a:schemeClr>
+                          <a:schemeClr val="tx1"/>
                         </a:solidFill>
                       </a:endParaRPr>
                     </a:p>
@@ -5645,48 +5645,16 @@
                     <a:lstStyle/>
                     <a:p>
                       <a:r>
-                        <a:rPr lang="zh-CN" altLang="en-US" dirty="0"/>
-                        <a:t>。</a:t>
-                      </a:r>
-                      <a:endParaRPr lang="en-US" altLang="zh-CN" dirty="0"/>
-                    </a:p>
-                    <a:p>
-                      <a:r>
-                        <a:rPr lang="zh-CN" altLang="en-US" dirty="0"/>
-                        <a:t>。</a:t>
-                      </a:r>
-                      <a:endParaRPr lang="en-US" altLang="zh-CN" dirty="0"/>
-                    </a:p>
-                    <a:p>
-                      <a:r>
-                        <a:rPr lang="zh-CN" altLang="en-US" dirty="0"/>
-                        <a:t>。</a:t>
-                      </a:r>
-                      <a:endParaRPr lang="en-US" altLang="zh-CN" dirty="0"/>
-                    </a:p>
-                  </a:txBody>
-                  <a:tcPr/>
-                </a:tc>
-                <a:tc>
-                  <a:txBody>
-                    <a:bodyPr/>
-                    <a:lstStyle/>
-                    <a:p>
-                      <a:r>
                         <a:rPr lang="zh-CN" altLang="en-US" dirty="0">
                           <a:solidFill>
-                            <a:schemeClr val="bg1">
-                              <a:lumMod val="75000"/>
-                            </a:schemeClr>
+                            <a:schemeClr val="tx1"/>
                           </a:solidFill>
                         </a:rPr>
                         <a:t>。</a:t>
                       </a:r>
                       <a:endParaRPr lang="en-US" altLang="zh-CN" dirty="0">
                         <a:solidFill>
-                          <a:schemeClr val="bg1">
-                            <a:lumMod val="75000"/>
-                          </a:schemeClr>
+                          <a:schemeClr val="tx1"/>
                         </a:solidFill>
                       </a:endParaRPr>
                     </a:p>
@@ -5694,18 +5662,14 @@
                       <a:r>
                         <a:rPr lang="zh-CN" altLang="en-US" dirty="0">
                           <a:solidFill>
-                            <a:schemeClr val="bg1">
-                              <a:lumMod val="75000"/>
-                            </a:schemeClr>
+                            <a:schemeClr val="tx1"/>
                           </a:solidFill>
                         </a:rPr>
                         <a:t>。</a:t>
                       </a:r>
                       <a:endParaRPr lang="en-US" altLang="zh-CN" dirty="0">
                         <a:solidFill>
-                          <a:schemeClr val="bg1">
-                            <a:lumMod val="75000"/>
-                          </a:schemeClr>
+                          <a:schemeClr val="tx1"/>
                         </a:solidFill>
                       </a:endParaRPr>
                     </a:p>
@@ -5713,18 +5677,14 @@
                       <a:r>
                         <a:rPr lang="zh-CN" altLang="en-US" dirty="0">
                           <a:solidFill>
-                            <a:schemeClr val="bg1">
-                              <a:lumMod val="75000"/>
-                            </a:schemeClr>
+                            <a:schemeClr val="tx1"/>
                           </a:solidFill>
                         </a:rPr>
                         <a:t>。</a:t>
                       </a:r>
                       <a:endParaRPr lang="en-US" altLang="zh-CN" dirty="0">
                         <a:solidFill>
-                          <a:schemeClr val="bg1">
-                            <a:lumMod val="75000"/>
-                          </a:schemeClr>
+                          <a:schemeClr val="tx1"/>
                         </a:solidFill>
                       </a:endParaRPr>
                     </a:p>
@@ -5800,34 +5760,16 @@
                     <a:lstStyle/>
                     <a:p>
                       <a:r>
-                        <a:rPr lang="en-US" altLang="zh-CN" dirty="0"/>
-                        <a:t>0</a:t>
-                      </a:r>
-                      <a:endParaRPr lang="zh-CN" altLang="en-US" dirty="0"/>
-                    </a:p>
-                  </a:txBody>
-                  <a:tcPr/>
-                </a:tc>
-                <a:tc>
-                  <a:txBody>
-                    <a:bodyPr/>
-                    <a:lstStyle/>
-                    <a:p>
-                      <a:r>
                         <a:rPr lang="en-US" altLang="zh-CN" dirty="0">
                           <a:solidFill>
-                            <a:schemeClr val="bg1">
-                              <a:lumMod val="75000"/>
-                            </a:schemeClr>
+                            <a:schemeClr val="tx1"/>
                           </a:solidFill>
                         </a:rPr>
                         <a:t>0</a:t>
                       </a:r>
                       <a:endParaRPr lang="zh-CN" altLang="en-US" dirty="0">
                         <a:solidFill>
-                          <a:schemeClr val="bg1">
-                            <a:lumMod val="75000"/>
-                          </a:schemeClr>
+                          <a:schemeClr val="tx1"/>
                         </a:solidFill>
                       </a:endParaRPr>
                     </a:p>
@@ -5903,34 +5845,16 @@
                     <a:lstStyle/>
                     <a:p>
                       <a:r>
-                        <a:rPr lang="en-US" altLang="zh-CN" dirty="0"/>
-                        <a:t>0</a:t>
-                      </a:r>
-                      <a:endParaRPr lang="zh-CN" altLang="en-US" dirty="0"/>
-                    </a:p>
-                  </a:txBody>
-                  <a:tcPr/>
-                </a:tc>
-                <a:tc>
-                  <a:txBody>
-                    <a:bodyPr/>
-                    <a:lstStyle/>
-                    <a:p>
-                      <a:r>
                         <a:rPr lang="en-US" altLang="zh-CN" dirty="0">
                           <a:solidFill>
-                            <a:schemeClr val="bg1">
-                              <a:lumMod val="75000"/>
-                            </a:schemeClr>
+                            <a:schemeClr val="tx1"/>
                           </a:solidFill>
                         </a:rPr>
                         <a:t>0</a:t>
                       </a:r>
                       <a:endParaRPr lang="zh-CN" altLang="en-US" dirty="0">
                         <a:solidFill>
-                          <a:schemeClr val="bg1">
-                            <a:lumMod val="75000"/>
-                          </a:schemeClr>
+                          <a:schemeClr val="tx1"/>
                         </a:solidFill>
                       </a:endParaRPr>
                     </a:p>
@@ -6036,18 +5960,44 @@
             </a:r>
             <a:r>
               <a:rPr lang="zh-CN" altLang="en-US" sz="1200" dirty="0"/>
-              <a:t>张  宝牌数 </a:t>
-            </a:r>
-            <a:r>
-              <a:rPr lang="zh-CN" altLang="en-US" sz="1200" dirty="0">
-                <a:solidFill>
-                  <a:schemeClr val="bg1">
-                    <a:lumMod val="75000"/>
-                  </a:schemeClr>
-                </a:solidFill>
-              </a:rPr>
-              <a:t>哪张被鸣</a:t>
-            </a:r>
+              <a:t>张    哪张被鸣</a:t>
+            </a:r>
+          </a:p>
+        </p:txBody>
+      </p:sp>
+      <p:sp>
+        <p:nvSpPr>
+          <p:cNvPr id="2" name="TextBox 1">
+            <a:extLst>
+              <a:ext uri="{FF2B5EF4-FFF2-40B4-BE49-F238E27FC236}">
+                <a16:creationId xmlns:a16="http://schemas.microsoft.com/office/drawing/2014/main" id="{992BA927-4298-41F2-80E6-8636CBCA1F9E}"/>
+              </a:ext>
+            </a:extLst>
+          </p:cNvPr>
+          <p:cNvSpPr txBox="1"/>
+          <p:nvPr/>
+        </p:nvSpPr>
+        <p:spPr>
+          <a:xfrm>
+            <a:off x="1757220" y="6501145"/>
+            <a:ext cx="9997118" cy="369332"/>
+          </a:xfrm>
+          <a:prstGeom prst="rect">
+            <a:avLst/>
+          </a:prstGeom>
+          <a:noFill/>
+        </p:spPr>
+        <p:txBody>
+          <a:bodyPr wrap="square" rtlCol="0">
+            <a:spAutoFit/>
+          </a:bodyPr>
+          <a:lstStyle/>
+          <a:p>
+            <a:r>
+              <a:rPr lang="en-US" altLang="zh-CN" dirty="0"/>
+              <a:t>5                    +                  20                       +                      20             +       3        +      2     =   50</a:t>
+            </a:r>
+            <a:endParaRPr lang="zh-CN" altLang="en-US" dirty="0"/>
           </a:p>
         </p:txBody>
       </p:sp>
@@ -6055,111 +6005,6 @@
     <p:extLst>
       <p:ext uri="{BB962C8B-B14F-4D97-AF65-F5344CB8AC3E}">
         <p14:creationId xmlns:p14="http://schemas.microsoft.com/office/powerpoint/2010/main" val="3078603679"/>
-      </p:ext>
-    </p:extLst>
-  </p:cSld>
-  <p:clrMapOvr>
-    <a:masterClrMapping/>
-  </p:clrMapOvr>
-</p:sld>
-</file>
-
-<file path=ppt/slides/slide3.xml><?xml version="1.0" encoding="utf-8"?>
-<p:sld xmlns:a="http://schemas.openxmlformats.org/drawingml/2006/main" xmlns:r="http://schemas.openxmlformats.org/officeDocument/2006/relationships" xmlns:p="http://schemas.openxmlformats.org/presentationml/2006/main">
-  <p:cSld>
-    <p:spTree>
-      <p:nvGrpSpPr>
-        <p:cNvPr id="1" name=""/>
-        <p:cNvGrpSpPr/>
-        <p:nvPr/>
-      </p:nvGrpSpPr>
-      <p:grpSpPr>
-        <a:xfrm>
-          <a:off x="0" y="0"/>
-          <a:ext cx="0" cy="0"/>
-          <a:chOff x="0" y="0"/>
-          <a:chExt cx="0" cy="0"/>
-        </a:xfrm>
-      </p:grpSpPr>
-      <p:sp>
-        <p:nvSpPr>
-          <p:cNvPr id="2" name="标题 1">
-            <a:extLst>
-              <a:ext uri="{FF2B5EF4-FFF2-40B4-BE49-F238E27FC236}">
-                <a16:creationId xmlns:a16="http://schemas.microsoft.com/office/drawing/2014/main" id="{4771CFD8-D5BD-47E2-9D0B-FF25AAC7529F}"/>
-              </a:ext>
-            </a:extLst>
-          </p:cNvPr>
-          <p:cNvSpPr>
-            <a:spLocks noGrp="1"/>
-          </p:cNvSpPr>
-          <p:nvPr>
-            <p:ph type="title"/>
-          </p:nvPr>
-        </p:nvSpPr>
-        <p:spPr/>
-        <p:txBody>
-          <a:bodyPr/>
-          <a:lstStyle/>
-          <a:p>
-            <a:r>
-              <a:rPr lang="zh-CN" altLang="en-US" dirty="0"/>
-              <a:t>没包含的信息</a:t>
-            </a:r>
-          </a:p>
-        </p:txBody>
-      </p:sp>
-      <p:sp>
-        <p:nvSpPr>
-          <p:cNvPr id="3" name="内容占位符 2">
-            <a:extLst>
-              <a:ext uri="{FF2B5EF4-FFF2-40B4-BE49-F238E27FC236}">
-                <a16:creationId xmlns:a16="http://schemas.microsoft.com/office/drawing/2014/main" id="{3E8F07AA-133D-4D21-9A94-5CB49969801D}"/>
-              </a:ext>
-            </a:extLst>
-          </p:cNvPr>
-          <p:cNvSpPr>
-            <a:spLocks noGrp="1"/>
-          </p:cNvSpPr>
-          <p:nvPr>
-            <p:ph idx="1"/>
-          </p:nvPr>
-        </p:nvSpPr>
-        <p:spPr/>
-        <p:txBody>
-          <a:bodyPr/>
-          <a:lstStyle/>
-          <a:p>
-            <a:r>
-              <a:rPr lang="zh-CN" altLang="en-US" dirty="0"/>
-              <a:t>立直</a:t>
-            </a:r>
-            <a:endParaRPr lang="en-US" altLang="zh-CN" dirty="0"/>
-          </a:p>
-          <a:p>
-            <a:r>
-              <a:rPr lang="zh-CN" altLang="en-US" dirty="0"/>
-              <a:t>庄家</a:t>
-            </a:r>
-            <a:endParaRPr lang="en-US" altLang="zh-CN" dirty="0"/>
-          </a:p>
-          <a:p>
-            <a:r>
-              <a:rPr lang="zh-CN" altLang="en-US" dirty="0"/>
-              <a:t>场</a:t>
-            </a:r>
-            <a:r>
-              <a:rPr lang="zh-CN" altLang="en-US"/>
-              <a:t>上的点棒</a:t>
-            </a:r>
-            <a:endParaRPr lang="zh-CN" altLang="en-US" dirty="0"/>
-          </a:p>
-        </p:txBody>
-      </p:sp>
-    </p:spTree>
-    <p:extLst>
-      <p:ext uri="{BB962C8B-B14F-4D97-AF65-F5344CB8AC3E}">
-        <p14:creationId xmlns:p14="http://schemas.microsoft.com/office/powerpoint/2010/main" val="3530545353"/>
       </p:ext>
     </p:extLst>
   </p:cSld>
@@ -6186,6 +6031,497 @@
           <a:chExt cx="0" cy="0"/>
         </a:xfrm>
       </p:grpSpPr>
+      <p:sp>
+        <p:nvSpPr>
+          <p:cNvPr id="2" name="Title 1">
+            <a:extLst>
+              <a:ext uri="{FF2B5EF4-FFF2-40B4-BE49-F238E27FC236}">
+                <a16:creationId xmlns:a16="http://schemas.microsoft.com/office/drawing/2014/main" id="{C0EE57E2-BBB0-4BC8-977E-4C881E6A6D0D}"/>
+              </a:ext>
+            </a:extLst>
+          </p:cNvPr>
+          <p:cNvSpPr>
+            <a:spLocks noGrp="1"/>
+          </p:cNvSpPr>
+          <p:nvPr>
+            <p:ph type="title"/>
+          </p:nvPr>
+        </p:nvSpPr>
+        <p:spPr/>
+        <p:txBody>
+          <a:bodyPr/>
+          <a:lstStyle/>
+          <a:p>
+            <a:r>
+              <a:rPr lang="en-US" altLang="zh-CN" dirty="0"/>
+              <a:t>Decision Making Situations</a:t>
+            </a:r>
+            <a:endParaRPr lang="zh-CN" altLang="en-US" dirty="0"/>
+          </a:p>
+        </p:txBody>
+      </p:sp>
+      <p:sp>
+        <p:nvSpPr>
+          <p:cNvPr id="3" name="Content Placeholder 2">
+            <a:extLst>
+              <a:ext uri="{FF2B5EF4-FFF2-40B4-BE49-F238E27FC236}">
+                <a16:creationId xmlns:a16="http://schemas.microsoft.com/office/drawing/2014/main" id="{D0ED89AE-697F-4A4B-98C4-1F95CF93E320}"/>
+              </a:ext>
+            </a:extLst>
+          </p:cNvPr>
+          <p:cNvSpPr>
+            <a:spLocks noGrp="1"/>
+          </p:cNvSpPr>
+          <p:nvPr>
+            <p:ph idx="1"/>
+          </p:nvPr>
+        </p:nvSpPr>
+        <p:spPr/>
+        <p:txBody>
+          <a:bodyPr/>
+          <a:lstStyle/>
+          <a:p>
+            <a:r>
+              <a:rPr lang="zh-CN" altLang="en-US" dirty="0"/>
+              <a:t>打牌                         </a:t>
+            </a:r>
+            <a:r>
+              <a:rPr lang="en-US" altLang="zh-CN" dirty="0"/>
+              <a:t>	 					</a:t>
+            </a:r>
+            <a:r>
+              <a:rPr lang="zh-CN" altLang="en-US" dirty="0"/>
+              <a:t>√</a:t>
+            </a:r>
+            <a:endParaRPr lang="en-US" altLang="zh-CN" dirty="0"/>
+          </a:p>
+          <a:p>
+            <a:r>
+              <a:rPr lang="zh-CN" altLang="en-US" dirty="0"/>
+              <a:t>打牌</a:t>
+            </a:r>
+            <a:r>
+              <a:rPr lang="en-US" altLang="zh-CN" dirty="0"/>
+              <a:t>+</a:t>
+            </a:r>
+            <a:r>
+              <a:rPr lang="zh-CN" altLang="en-US" dirty="0"/>
+              <a:t>立直</a:t>
+            </a:r>
+            <a:r>
+              <a:rPr lang="en-US" altLang="zh-CN" dirty="0"/>
+              <a:t>		</a:t>
+            </a:r>
+            <a:r>
+              <a:rPr lang="zh-CN" altLang="en-US" dirty="0"/>
+              <a:t> </a:t>
+            </a:r>
+            <a:r>
+              <a:rPr lang="en-US" altLang="zh-CN" dirty="0"/>
+              <a:t>					</a:t>
+            </a:r>
+            <a:r>
+              <a:rPr lang="zh-CN" altLang="en-US" dirty="0"/>
+              <a:t>√</a:t>
+            </a:r>
+            <a:endParaRPr lang="en-US" altLang="zh-CN" dirty="0"/>
+          </a:p>
+          <a:p>
+            <a:r>
+              <a:rPr lang="zh-CN" altLang="en-US" dirty="0"/>
+              <a:t>鸣牌 （吃碰杠）</a:t>
+            </a:r>
+            <a:r>
+              <a:rPr lang="en-US" altLang="zh-CN" dirty="0"/>
+              <a:t>	</a:t>
+            </a:r>
+            <a:r>
+              <a:rPr lang="zh-CN" altLang="en-US" dirty="0"/>
+              <a:t> </a:t>
+            </a:r>
+            <a:r>
+              <a:rPr lang="en-US" altLang="zh-CN" dirty="0"/>
+              <a:t>					</a:t>
+            </a:r>
+            <a:r>
+              <a:rPr lang="zh-CN" altLang="en-US" dirty="0"/>
+              <a:t>√</a:t>
+            </a:r>
+            <a:endParaRPr lang="en-US" altLang="zh-CN" dirty="0"/>
+          </a:p>
+          <a:p>
+            <a:r>
+              <a:rPr lang="zh-CN" altLang="en-US" dirty="0"/>
+              <a:t>暗杠</a:t>
+            </a:r>
+            <a:r>
+              <a:rPr lang="en-US" altLang="zh-CN" dirty="0"/>
+              <a:t>: </a:t>
+            </a:r>
+            <a:r>
+              <a:rPr lang="zh-CN" altLang="en-US" dirty="0"/>
+              <a:t>直接手牌转化到副露 （被鸣的牌处为</a:t>
+            </a:r>
+            <a:r>
+              <a:rPr lang="en-US" altLang="zh-CN" dirty="0"/>
+              <a:t>0</a:t>
+            </a:r>
+            <a:r>
+              <a:rPr lang="zh-CN" altLang="en-US" dirty="0"/>
+              <a:t>） </a:t>
+            </a:r>
+            <a:r>
+              <a:rPr lang="en-US" altLang="zh-CN" dirty="0"/>
+              <a:t>	</a:t>
+            </a:r>
+            <a:r>
+              <a:rPr lang="zh-CN" altLang="en-US" dirty="0"/>
+              <a:t>√</a:t>
+            </a:r>
+            <a:endParaRPr lang="en-US" altLang="zh-CN" dirty="0"/>
+          </a:p>
+          <a:p>
+            <a:r>
+              <a:rPr lang="zh-CN" altLang="en-US" dirty="0"/>
+              <a:t>自摸</a:t>
+            </a:r>
+            <a:r>
+              <a:rPr lang="en-US" altLang="zh-CN" dirty="0"/>
+              <a:t>: keep current state + </a:t>
+            </a:r>
+            <a:r>
+              <a:rPr lang="zh-CN" altLang="en-US" dirty="0"/>
+              <a:t>打牌</a:t>
+            </a:r>
+            <a:r>
+              <a:rPr lang="en-US" altLang="zh-CN" dirty="0"/>
+              <a:t>(+</a:t>
+            </a:r>
+            <a:r>
+              <a:rPr lang="zh-CN" altLang="en-US" dirty="0"/>
+              <a:t>立直）</a:t>
+            </a:r>
+            <a:r>
+              <a:rPr lang="en-US" altLang="zh-CN" dirty="0"/>
+              <a:t>		</a:t>
+            </a:r>
+            <a:r>
+              <a:rPr lang="zh-CN" altLang="en-US" dirty="0"/>
+              <a:t>√</a:t>
+            </a:r>
+          </a:p>
+        </p:txBody>
+      </p:sp>
+    </p:spTree>
+    <p:extLst>
+      <p:ext uri="{BB962C8B-B14F-4D97-AF65-F5344CB8AC3E}">
+        <p14:creationId xmlns:p14="http://schemas.microsoft.com/office/powerpoint/2010/main" val="1792115739"/>
+      </p:ext>
+    </p:extLst>
+  </p:cSld>
+  <p:clrMapOvr>
+    <a:masterClrMapping/>
+  </p:clrMapOvr>
+</p:sld>
+</file>
+
+<file path=ppt/slides/slide5.xml><?xml version="1.0" encoding="utf-8"?>
+<p:sld xmlns:a="http://schemas.openxmlformats.org/drawingml/2006/main" xmlns:r="http://schemas.openxmlformats.org/officeDocument/2006/relationships" xmlns:p="http://schemas.openxmlformats.org/presentationml/2006/main">
+  <p:cSld>
+    <p:spTree>
+      <p:nvGrpSpPr>
+        <p:cNvPr id="1" name=""/>
+        <p:cNvGrpSpPr/>
+        <p:nvPr/>
+      </p:nvGrpSpPr>
+      <p:grpSpPr>
+        <a:xfrm>
+          <a:off x="0" y="0"/>
+          <a:ext cx="0" cy="0"/>
+          <a:chOff x="0" y="0"/>
+          <a:chExt cx="0" cy="0"/>
+        </a:xfrm>
+      </p:grpSpPr>
+      <p:sp>
+        <p:nvSpPr>
+          <p:cNvPr id="2" name="标题 1">
+            <a:extLst>
+              <a:ext uri="{FF2B5EF4-FFF2-40B4-BE49-F238E27FC236}">
+                <a16:creationId xmlns:a16="http://schemas.microsoft.com/office/drawing/2014/main" id="{4771CFD8-D5BD-47E2-9D0B-FF25AAC7529F}"/>
+              </a:ext>
+            </a:extLst>
+          </p:cNvPr>
+          <p:cNvSpPr>
+            <a:spLocks noGrp="1"/>
+          </p:cNvSpPr>
+          <p:nvPr>
+            <p:ph type="title"/>
+          </p:nvPr>
+        </p:nvSpPr>
+        <p:spPr/>
+        <p:txBody>
+          <a:bodyPr/>
+          <a:lstStyle/>
+          <a:p>
+            <a:r>
+              <a:rPr lang="zh-CN" altLang="en-US" dirty="0"/>
+              <a:t>没包含的信息</a:t>
+            </a:r>
+          </a:p>
+        </p:txBody>
+      </p:sp>
+      <p:sp>
+        <p:nvSpPr>
+          <p:cNvPr id="3" name="内容占位符 2">
+            <a:extLst>
+              <a:ext uri="{FF2B5EF4-FFF2-40B4-BE49-F238E27FC236}">
+                <a16:creationId xmlns:a16="http://schemas.microsoft.com/office/drawing/2014/main" id="{3E8F07AA-133D-4D21-9A94-5CB49969801D}"/>
+              </a:ext>
+            </a:extLst>
+          </p:cNvPr>
+          <p:cNvSpPr>
+            <a:spLocks noGrp="1"/>
+          </p:cNvSpPr>
+          <p:nvPr>
+            <p:ph idx="1"/>
+          </p:nvPr>
+        </p:nvSpPr>
+        <p:spPr/>
+        <p:txBody>
+          <a:bodyPr/>
+          <a:lstStyle/>
+          <a:p>
+            <a:r>
+              <a:rPr lang="zh-CN" altLang="en-US" dirty="0"/>
+              <a:t>庄家</a:t>
+            </a:r>
+            <a:endParaRPr lang="en-US" altLang="zh-CN" dirty="0"/>
+          </a:p>
+          <a:p>
+            <a:r>
+              <a:rPr lang="zh-CN" altLang="en-US" dirty="0"/>
+              <a:t>场上的点棒</a:t>
+            </a:r>
+          </a:p>
+        </p:txBody>
+      </p:sp>
+      <p:sp>
+        <p:nvSpPr>
+          <p:cNvPr id="5" name="TextBox 4">
+            <a:extLst>
+              <a:ext uri="{FF2B5EF4-FFF2-40B4-BE49-F238E27FC236}">
+                <a16:creationId xmlns:a16="http://schemas.microsoft.com/office/drawing/2014/main" id="{5B310819-0F53-40A1-AAF0-82554CDF6A4D}"/>
+              </a:ext>
+            </a:extLst>
+          </p:cNvPr>
+          <p:cNvSpPr txBox="1"/>
+          <p:nvPr/>
+        </p:nvSpPr>
+        <p:spPr>
+          <a:xfrm>
+            <a:off x="1789723" y="4256262"/>
+            <a:ext cx="8487508" cy="1754326"/>
+          </a:xfrm>
+          <a:prstGeom prst="rect">
+            <a:avLst/>
+          </a:prstGeom>
+          <a:noFill/>
+        </p:spPr>
+        <p:txBody>
+          <a:bodyPr wrap="square">
+            <a:spAutoFit/>
+          </a:bodyPr>
+          <a:lstStyle/>
+          <a:p>
+            <a:r>
+              <a:rPr lang="zh-CN" altLang="en-US" dirty="0"/>
+              <a:t>AGARI {'ba': '1,1', 'hai': '13,19,23,28,31,76,82,84,93,96,102', 'm': '39111', 'machi': '13', 'ten': '30,1500,0', 'yaku': '8,1', 'doraHai': '7', 'who': '2', 'fromWho': '1', 'sc': '87,0,387,-18,297,28,219,0'}</a:t>
+            </a:r>
+          </a:p>
+          <a:p>
+            <a:r>
+              <a:rPr lang="zh-CN" altLang="en-US" dirty="0"/>
+              <a:t>AGARI {'ba': '1,0', 'hai': '5,9,13,44,51,53,58,63,64,74,75,85,88,95', 'machi': '13', 'ten': '30,12000,2', 'yaku': '1,1,2,1,7,1,52,1,54,1,53,1', 'doraHai': '7', 'doraHaiUra': '1', 'who': '0', 'fromWho': '1', 'sc': '87,120,369,-120,325,0,219,0'}</a:t>
+            </a:r>
+          </a:p>
+        </p:txBody>
+      </p:sp>
+    </p:spTree>
+    <p:extLst>
+      <p:ext uri="{BB962C8B-B14F-4D97-AF65-F5344CB8AC3E}">
+        <p14:creationId xmlns:p14="http://schemas.microsoft.com/office/powerpoint/2010/main" val="3530545353"/>
+      </p:ext>
+    </p:extLst>
+  </p:cSld>
+  <p:clrMapOvr>
+    <a:masterClrMapping/>
+  </p:clrMapOvr>
+</p:sld>
+</file>
+
+<file path=ppt/slides/slide6.xml><?xml version="1.0" encoding="utf-8"?>
+<p:sld xmlns:a="http://schemas.openxmlformats.org/drawingml/2006/main" xmlns:r="http://schemas.openxmlformats.org/officeDocument/2006/relationships" xmlns:p="http://schemas.openxmlformats.org/presentationml/2006/main">
+  <p:cSld>
+    <p:spTree>
+      <p:nvGrpSpPr>
+        <p:cNvPr id="1" name=""/>
+        <p:cNvGrpSpPr/>
+        <p:nvPr/>
+      </p:nvGrpSpPr>
+      <p:grpSpPr>
+        <a:xfrm>
+          <a:off x="0" y="0"/>
+          <a:ext cx="0" cy="0"/>
+          <a:chOff x="0" y="0"/>
+          <a:chExt cx="0" cy="0"/>
+        </a:xfrm>
+      </p:grpSpPr>
+      <p:sp>
+        <p:nvSpPr>
+          <p:cNvPr id="2" name="TextBox 1">
+            <a:extLst>
+              <a:ext uri="{FF2B5EF4-FFF2-40B4-BE49-F238E27FC236}">
+                <a16:creationId xmlns:a16="http://schemas.microsoft.com/office/drawing/2014/main" id="{11FF0AB8-61FE-4C68-9607-84D54C220FBD}"/>
+              </a:ext>
+            </a:extLst>
+          </p:cNvPr>
+          <p:cNvSpPr txBox="1"/>
+          <p:nvPr/>
+        </p:nvSpPr>
+        <p:spPr>
+          <a:xfrm>
+            <a:off x="1211384" y="523630"/>
+            <a:ext cx="8690708" cy="5509200"/>
+          </a:xfrm>
+          <a:prstGeom prst="rect">
+            <a:avLst/>
+          </a:prstGeom>
+          <a:noFill/>
+        </p:spPr>
+        <p:txBody>
+          <a:bodyPr wrap="square" rtlCol="0">
+            <a:spAutoFit/>
+          </a:bodyPr>
+          <a:lstStyle/>
+          <a:p>
+            <a:r>
+              <a:rPr lang="zh-CN" altLang="en-US" sz="3200" dirty="0"/>
+              <a:t>要注意的：</a:t>
+            </a:r>
+            <a:endParaRPr lang="en-US" altLang="zh-CN" sz="3200" dirty="0"/>
+          </a:p>
+          <a:p>
+            <a:endParaRPr lang="en-US" altLang="zh-CN" sz="3200" dirty="0"/>
+          </a:p>
+          <a:p>
+            <a:endParaRPr lang="en-US" altLang="zh-CN" sz="3200" dirty="0"/>
+          </a:p>
+          <a:p>
+            <a:endParaRPr lang="en-US" altLang="zh-CN" sz="3200" dirty="0"/>
+          </a:p>
+          <a:p>
+            <a:endParaRPr lang="en-US" altLang="zh-CN" sz="3200" dirty="0"/>
+          </a:p>
+          <a:p>
+            <a:r>
+              <a:rPr lang="en-US" altLang="zh-CN" sz="3200" dirty="0"/>
+              <a:t>0. </a:t>
+            </a:r>
+            <a:r>
+              <a:rPr lang="zh-CN" altLang="en-US" sz="3200" dirty="0"/>
+              <a:t>比较终局的</a:t>
+            </a:r>
+            <a:r>
+              <a:rPr lang="en-US" altLang="zh-CN" sz="3200" dirty="0"/>
+              <a:t>log</a:t>
+            </a:r>
+            <a:r>
+              <a:rPr lang="zh-CN" altLang="en-US" sz="3200" dirty="0"/>
+              <a:t>里的</a:t>
+            </a:r>
+            <a:r>
+              <a:rPr lang="en-US" altLang="zh-CN" sz="3200" dirty="0"/>
+              <a:t>state</a:t>
+            </a:r>
+            <a:r>
+              <a:rPr lang="zh-CN" altLang="en-US" sz="3200" dirty="0"/>
+              <a:t>和经过打牌后最后的</a:t>
+            </a:r>
+            <a:r>
+              <a:rPr lang="en-US" altLang="zh-CN" sz="3200" dirty="0"/>
+              <a:t>state</a:t>
+            </a:r>
+            <a:r>
+              <a:rPr lang="zh-CN" altLang="en-US" sz="3200" dirty="0"/>
+              <a:t>是否一致</a:t>
+            </a:r>
+            <a:endParaRPr lang="en-US" altLang="zh-CN" sz="3200" dirty="0"/>
+          </a:p>
+          <a:p>
+            <a:pPr marL="514350" indent="-514350">
+              <a:buAutoNum type="arabicPeriod"/>
+            </a:pPr>
+            <a:r>
+              <a:rPr lang="zh-CN" altLang="en-US" sz="3200" dirty="0"/>
+              <a:t>记录一些</a:t>
+            </a:r>
+            <a:r>
+              <a:rPr lang="en-US" altLang="zh-CN" sz="3200" dirty="0"/>
+              <a:t>example </a:t>
+            </a:r>
+            <a:r>
+              <a:rPr lang="zh-CN" altLang="en-US" sz="3200" dirty="0"/>
+              <a:t>和牌的</a:t>
+            </a:r>
+            <a:r>
+              <a:rPr lang="en-US" altLang="zh-CN" sz="3200" dirty="0"/>
+              <a:t>state</a:t>
+            </a:r>
+            <a:r>
+              <a:rPr lang="zh-CN" altLang="en-US" sz="3200" dirty="0"/>
+              <a:t>，检查</a:t>
+            </a:r>
+            <a:r>
+              <a:rPr lang="en-US" altLang="zh-CN" sz="3200" dirty="0"/>
+              <a:t>Q function </a:t>
+            </a:r>
+            <a:r>
+              <a:rPr lang="zh-CN" altLang="en-US" sz="3200" dirty="0"/>
+              <a:t>是否正常</a:t>
+            </a:r>
+            <a:endParaRPr lang="en-US" altLang="zh-CN" sz="3200" dirty="0"/>
+          </a:p>
+          <a:p>
+            <a:pPr marL="514350" indent="-514350">
+              <a:buAutoNum type="arabicPeriod"/>
+            </a:pPr>
+            <a:r>
+              <a:rPr lang="zh-CN" altLang="en-US" sz="3200" dirty="0"/>
+              <a:t>一炮双响的情况怎么考虑！（</a:t>
+            </a:r>
+            <a:r>
+              <a:rPr lang="en-US" altLang="zh-CN" sz="3200" dirty="0"/>
+              <a:t>not suing </a:t>
+            </a:r>
+            <a:r>
+              <a:rPr lang="en-US" altLang="zh-CN" sz="3200" dirty="0" err="1"/>
+              <a:t>game_step</a:t>
+            </a:r>
+            <a:r>
+              <a:rPr lang="en-US" altLang="zh-CN" sz="3200" dirty="0"/>
+              <a:t> </a:t>
+            </a:r>
+            <a:r>
+              <a:rPr lang="en-US" altLang="zh-CN" sz="3200"/>
+              <a:t>+= 1 !!!</a:t>
+            </a:r>
+            <a:r>
+              <a:rPr lang="zh-CN" altLang="en-US" sz="3200" dirty="0"/>
+              <a:t>）</a:t>
+            </a:r>
+          </a:p>
+        </p:txBody>
+      </p:sp>
     </p:spTree>
     <p:extLst>
       <p:ext uri="{BB962C8B-B14F-4D97-AF65-F5344CB8AC3E}">
@@ -6199,7 +6535,7 @@
 </p:sld>
 </file>
 
-<file path=ppt/slides/slide5.xml><?xml version="1.0" encoding="utf-8"?>
+<file path=ppt/slides/slide7.xml><?xml version="1.0" encoding="utf-8"?>
 <p:sld xmlns:a="http://schemas.openxmlformats.org/drawingml/2006/main" xmlns:r="http://schemas.openxmlformats.org/officeDocument/2006/relationships" xmlns:p="http://schemas.openxmlformats.org/presentationml/2006/main">
   <p:cSld>
     <p:spTree>
@@ -7682,7 +8018,7 @@
 </p:sld>
 </file>
 
-<file path=ppt/slides/slide6.xml><?xml version="1.0" encoding="utf-8"?>
+<file path=ppt/slides/slide8.xml><?xml version="1.0" encoding="utf-8"?>
 <p:sld xmlns:a="http://schemas.openxmlformats.org/drawingml/2006/main" xmlns:r="http://schemas.openxmlformats.org/officeDocument/2006/relationships" xmlns:p="http://schemas.openxmlformats.org/presentationml/2006/main">
   <p:cSld>
     <p:spTree>
@@ -7754,7 +8090,7 @@
 </p:sld>
 </file>
 
-<file path=ppt/slides/slide7.xml><?xml version="1.0" encoding="utf-8"?>
+<file path=ppt/slides/slide9.xml><?xml version="1.0" encoding="utf-8"?>
 <p:sld xmlns:a="http://schemas.openxmlformats.org/drawingml/2006/main" xmlns:r="http://schemas.openxmlformats.org/officeDocument/2006/relationships" xmlns:p="http://schemas.openxmlformats.org/presentationml/2006/main">
   <p:cSld>
     <p:spTree>

--- a/AI/FrostVer3.pptx
+++ b/AI/FrostVer3.pptx
@@ -8,12 +8,13 @@
     <p:sldId id="256" r:id="rId2"/>
     <p:sldId id="266" r:id="rId3"/>
     <p:sldId id="263" r:id="rId4"/>
-    <p:sldId id="265" r:id="rId5"/>
-    <p:sldId id="262" r:id="rId6"/>
-    <p:sldId id="261" r:id="rId7"/>
-    <p:sldId id="258" r:id="rId8"/>
-    <p:sldId id="260" r:id="rId9"/>
-    <p:sldId id="259" r:id="rId10"/>
+    <p:sldId id="267" r:id="rId5"/>
+    <p:sldId id="265" r:id="rId6"/>
+    <p:sldId id="262" r:id="rId7"/>
+    <p:sldId id="261" r:id="rId8"/>
+    <p:sldId id="258" r:id="rId9"/>
+    <p:sldId id="260" r:id="rId10"/>
+    <p:sldId id="259" r:id="rId11"/>
   </p:sldIdLst>
   <p:sldSz cx="12192000" cy="6858000"/>
   <p:notesSz cx="6858000" cy="9144000"/>
@@ -3052,6 +3053,970 @@
 </p:sld>
 </file>
 
+<file path=ppt/slides/slide10.xml><?xml version="1.0" encoding="utf-8"?>
+<p:sld xmlns:a="http://schemas.openxmlformats.org/drawingml/2006/main" xmlns:r="http://schemas.openxmlformats.org/officeDocument/2006/relationships" xmlns:p="http://schemas.openxmlformats.org/presentationml/2006/main">
+  <p:cSld>
+    <p:spTree>
+      <p:nvGrpSpPr>
+        <p:cNvPr id="1" name=""/>
+        <p:cNvGrpSpPr/>
+        <p:nvPr/>
+      </p:nvGrpSpPr>
+      <p:grpSpPr>
+        <a:xfrm>
+          <a:off x="0" y="0"/>
+          <a:ext cx="0" cy="0"/>
+          <a:chOff x="0" y="0"/>
+          <a:chExt cx="0" cy="0"/>
+        </a:xfrm>
+      </p:grpSpPr>
+      <p:sp>
+        <p:nvSpPr>
+          <p:cNvPr id="9" name="Oval 8"/>
+          <p:cNvSpPr/>
+          <p:nvPr/>
+        </p:nvSpPr>
+        <p:spPr>
+          <a:xfrm>
+            <a:off x="8801607" y="2578090"/>
+            <a:ext cx="1270000" cy="1270000"/>
+          </a:xfrm>
+          <a:prstGeom prst="ellipse">
+            <a:avLst/>
+          </a:prstGeom>
+        </p:spPr>
+        <p:style>
+          <a:lnRef idx="2">
+            <a:schemeClr val="accent2">
+              <a:shade val="50000"/>
+            </a:schemeClr>
+          </a:lnRef>
+          <a:fillRef idx="1">
+            <a:schemeClr val="accent2"/>
+          </a:fillRef>
+          <a:effectRef idx="0">
+            <a:schemeClr val="accent2"/>
+          </a:effectRef>
+          <a:fontRef idx="minor">
+            <a:schemeClr val="lt1"/>
+          </a:fontRef>
+        </p:style>
+        <p:txBody>
+          <a:bodyPr rtlCol="0" anchor="ctr"/>
+          <a:lstStyle/>
+          <a:p>
+            <a:pPr algn="ctr"/>
+            <a:r>
+              <a:rPr lang="en-US" altLang="zh-CN" sz="2000" b="1" dirty="0"/>
+              <a:t>14 </a:t>
+            </a:r>
+            <a:r>
+              <a:rPr lang="zh-CN" altLang="en-US" sz="2000" b="1" dirty="0"/>
+              <a:t>张 自牌</a:t>
+            </a:r>
+          </a:p>
+        </p:txBody>
+      </p:sp>
+      <p:sp>
+        <p:nvSpPr>
+          <p:cNvPr id="13" name="Right Arrow 12"/>
+          <p:cNvSpPr/>
+          <p:nvPr/>
+        </p:nvSpPr>
+        <p:spPr>
+          <a:xfrm>
+            <a:off x="2322175" y="3014001"/>
+            <a:ext cx="6299201" cy="391626"/>
+          </a:xfrm>
+          <a:prstGeom prst="rightArrow">
+            <a:avLst/>
+          </a:prstGeom>
+          <a:noFill/>
+          <a:ln w="25400">
+            <a:solidFill>
+              <a:schemeClr val="accent6">
+                <a:lumMod val="40000"/>
+                <a:lumOff val="60000"/>
+              </a:schemeClr>
+            </a:solidFill>
+          </a:ln>
+        </p:spPr>
+        <p:style>
+          <a:lnRef idx="2">
+            <a:schemeClr val="accent1">
+              <a:shade val="50000"/>
+            </a:schemeClr>
+          </a:lnRef>
+          <a:fillRef idx="1">
+            <a:schemeClr val="accent1"/>
+          </a:fillRef>
+          <a:effectRef idx="0">
+            <a:schemeClr val="accent1"/>
+          </a:effectRef>
+          <a:fontRef idx="minor">
+            <a:schemeClr val="lt1"/>
+          </a:fontRef>
+        </p:style>
+        <p:txBody>
+          <a:bodyPr rtlCol="0" anchor="ctr"/>
+          <a:lstStyle/>
+          <a:p>
+            <a:pPr algn="ctr"/>
+            <a:endParaRPr lang="zh-CN" altLang="en-US"/>
+          </a:p>
+        </p:txBody>
+      </p:sp>
+      <p:sp>
+        <p:nvSpPr>
+          <p:cNvPr id="14" name="Right Arrow 13"/>
+          <p:cNvSpPr/>
+          <p:nvPr/>
+        </p:nvSpPr>
+        <p:spPr>
+          <a:xfrm rot="17223922">
+            <a:off x="9251525" y="1822532"/>
+            <a:ext cx="1253052" cy="313667"/>
+          </a:xfrm>
+          <a:prstGeom prst="rightArrow">
+            <a:avLst/>
+          </a:prstGeom>
+        </p:spPr>
+        <p:style>
+          <a:lnRef idx="2">
+            <a:schemeClr val="accent2">
+              <a:shade val="50000"/>
+            </a:schemeClr>
+          </a:lnRef>
+          <a:fillRef idx="1">
+            <a:schemeClr val="accent2"/>
+          </a:fillRef>
+          <a:effectRef idx="0">
+            <a:schemeClr val="accent2"/>
+          </a:effectRef>
+          <a:fontRef idx="minor">
+            <a:schemeClr val="lt1"/>
+          </a:fontRef>
+        </p:style>
+        <p:txBody>
+          <a:bodyPr rtlCol="0" anchor="ctr"/>
+          <a:lstStyle/>
+          <a:p>
+            <a:pPr algn="ctr"/>
+            <a:endParaRPr lang="zh-CN" altLang="en-US"/>
+          </a:p>
+        </p:txBody>
+      </p:sp>
+      <p:sp>
+        <p:nvSpPr>
+          <p:cNvPr id="19" name="Oval 18"/>
+          <p:cNvSpPr/>
+          <p:nvPr/>
+        </p:nvSpPr>
+        <p:spPr>
+          <a:xfrm>
+            <a:off x="1026275" y="4545194"/>
+            <a:ext cx="1270000" cy="1270000"/>
+          </a:xfrm>
+          <a:prstGeom prst="ellipse">
+            <a:avLst/>
+          </a:prstGeom>
+          <a:solidFill>
+            <a:schemeClr val="accent1">
+              <a:lumMod val="40000"/>
+              <a:lumOff val="60000"/>
+            </a:schemeClr>
+          </a:solidFill>
+        </p:spPr>
+        <p:style>
+          <a:lnRef idx="2">
+            <a:schemeClr val="accent1">
+              <a:shade val="50000"/>
+            </a:schemeClr>
+          </a:lnRef>
+          <a:fillRef idx="1">
+            <a:schemeClr val="accent1"/>
+          </a:fillRef>
+          <a:effectRef idx="0">
+            <a:schemeClr val="accent1"/>
+          </a:effectRef>
+          <a:fontRef idx="minor">
+            <a:schemeClr val="lt1"/>
+          </a:fontRef>
+        </p:style>
+        <p:txBody>
+          <a:bodyPr rtlCol="0" anchor="ctr"/>
+          <a:lstStyle/>
+          <a:p>
+            <a:pPr algn="ctr"/>
+            <a:r>
+              <a:rPr lang="en-US" altLang="zh-CN" sz="1600" b="1" dirty="0">
+                <a:solidFill>
+                  <a:schemeClr val="accent1">
+                    <a:lumMod val="50000"/>
+                  </a:schemeClr>
+                </a:solidFill>
+              </a:rPr>
+              <a:t>13 </a:t>
+            </a:r>
+            <a:r>
+              <a:rPr lang="zh-CN" altLang="en-US" sz="1600" b="1" dirty="0">
+                <a:solidFill>
+                  <a:schemeClr val="accent1">
+                    <a:lumMod val="50000"/>
+                  </a:schemeClr>
+                </a:solidFill>
+              </a:rPr>
+              <a:t>张 自牌</a:t>
+            </a:r>
+            <a:endParaRPr lang="en-US" altLang="zh-CN" sz="1600" b="1" dirty="0">
+              <a:solidFill>
+                <a:schemeClr val="accent1">
+                  <a:lumMod val="50000"/>
+                </a:schemeClr>
+              </a:solidFill>
+            </a:endParaRPr>
+          </a:p>
+          <a:p>
+            <a:pPr algn="ctr"/>
+            <a:r>
+              <a:rPr lang="en-US" altLang="zh-CN" sz="1600" b="1" dirty="0">
+                <a:solidFill>
+                  <a:schemeClr val="accent1">
+                    <a:lumMod val="50000"/>
+                  </a:schemeClr>
+                </a:solidFill>
+              </a:rPr>
+              <a:t>+1</a:t>
+            </a:r>
+            <a:r>
+              <a:rPr lang="zh-CN" altLang="en-US" sz="1600" b="1" dirty="0">
+                <a:solidFill>
+                  <a:schemeClr val="accent1">
+                    <a:lumMod val="50000"/>
+                  </a:schemeClr>
+                </a:solidFill>
+              </a:rPr>
+              <a:t>悬牌</a:t>
+            </a:r>
+          </a:p>
+        </p:txBody>
+      </p:sp>
+      <p:sp>
+        <p:nvSpPr>
+          <p:cNvPr id="20" name="Right Arrow 19"/>
+          <p:cNvSpPr/>
+          <p:nvPr/>
+        </p:nvSpPr>
+        <p:spPr>
+          <a:xfrm rot="15776944">
+            <a:off x="1285727" y="3981799"/>
+            <a:ext cx="615631" cy="391626"/>
+          </a:xfrm>
+          <a:prstGeom prst="rightArrow">
+            <a:avLst/>
+          </a:prstGeom>
+          <a:noFill/>
+        </p:spPr>
+        <p:style>
+          <a:lnRef idx="2">
+            <a:schemeClr val="accent1">
+              <a:shade val="50000"/>
+            </a:schemeClr>
+          </a:lnRef>
+          <a:fillRef idx="1">
+            <a:schemeClr val="accent1"/>
+          </a:fillRef>
+          <a:effectRef idx="0">
+            <a:schemeClr val="accent1"/>
+          </a:effectRef>
+          <a:fontRef idx="minor">
+            <a:schemeClr val="lt1"/>
+          </a:fontRef>
+        </p:style>
+        <p:txBody>
+          <a:bodyPr rtlCol="0" anchor="ctr"/>
+          <a:lstStyle/>
+          <a:p>
+            <a:pPr algn="ctr"/>
+            <a:endParaRPr lang="zh-CN" altLang="en-US"/>
+          </a:p>
+        </p:txBody>
+      </p:sp>
+      <p:sp>
+        <p:nvSpPr>
+          <p:cNvPr id="21" name="Right Arrow 20"/>
+          <p:cNvSpPr/>
+          <p:nvPr/>
+        </p:nvSpPr>
+        <p:spPr>
+          <a:xfrm rot="16200000">
+            <a:off x="8952819" y="5211581"/>
+            <a:ext cx="729234" cy="391626"/>
+          </a:xfrm>
+          <a:prstGeom prst="rightArrow">
+            <a:avLst/>
+          </a:prstGeom>
+          <a:noFill/>
+          <a:ln w="19050">
+            <a:solidFill>
+              <a:schemeClr val="accent6">
+                <a:lumMod val="40000"/>
+                <a:lumOff val="60000"/>
+              </a:schemeClr>
+            </a:solidFill>
+          </a:ln>
+        </p:spPr>
+        <p:style>
+          <a:lnRef idx="2">
+            <a:schemeClr val="accent1">
+              <a:shade val="50000"/>
+            </a:schemeClr>
+          </a:lnRef>
+          <a:fillRef idx="1">
+            <a:schemeClr val="accent1"/>
+          </a:fillRef>
+          <a:effectRef idx="0">
+            <a:schemeClr val="accent1"/>
+          </a:effectRef>
+          <a:fontRef idx="minor">
+            <a:schemeClr val="lt1"/>
+          </a:fontRef>
+        </p:style>
+        <p:txBody>
+          <a:bodyPr rtlCol="0" anchor="ctr"/>
+          <a:lstStyle/>
+          <a:p>
+            <a:pPr algn="ctr"/>
+            <a:endParaRPr lang="zh-CN" altLang="en-US"/>
+          </a:p>
+        </p:txBody>
+      </p:sp>
+      <p:sp>
+        <p:nvSpPr>
+          <p:cNvPr id="22" name="Right Arrow 21"/>
+          <p:cNvSpPr/>
+          <p:nvPr/>
+        </p:nvSpPr>
+        <p:spPr>
+          <a:xfrm rot="16200000">
+            <a:off x="8952819" y="6191134"/>
+            <a:ext cx="729234" cy="391626"/>
+          </a:xfrm>
+          <a:prstGeom prst="rightArrow">
+            <a:avLst/>
+          </a:prstGeom>
+          <a:solidFill>
+            <a:schemeClr val="accent6">
+              <a:lumMod val="40000"/>
+              <a:lumOff val="60000"/>
+            </a:schemeClr>
+          </a:solidFill>
+          <a:ln>
+            <a:solidFill>
+              <a:schemeClr val="accent6">
+                <a:lumMod val="40000"/>
+                <a:lumOff val="60000"/>
+              </a:schemeClr>
+            </a:solidFill>
+          </a:ln>
+        </p:spPr>
+        <p:style>
+          <a:lnRef idx="2">
+            <a:schemeClr val="accent1">
+              <a:shade val="50000"/>
+            </a:schemeClr>
+          </a:lnRef>
+          <a:fillRef idx="1">
+            <a:schemeClr val="accent1"/>
+          </a:fillRef>
+          <a:effectRef idx="0">
+            <a:schemeClr val="accent1"/>
+          </a:effectRef>
+          <a:fontRef idx="minor">
+            <a:schemeClr val="lt1"/>
+          </a:fontRef>
+        </p:style>
+        <p:txBody>
+          <a:bodyPr rtlCol="0" anchor="ctr"/>
+          <a:lstStyle/>
+          <a:p>
+            <a:pPr algn="ctr"/>
+            <a:endParaRPr lang="zh-CN" altLang="en-US"/>
+          </a:p>
+        </p:txBody>
+      </p:sp>
+      <p:sp>
+        <p:nvSpPr>
+          <p:cNvPr id="23" name="TextBox 22"/>
+          <p:cNvSpPr txBox="1"/>
+          <p:nvPr/>
+        </p:nvSpPr>
+        <p:spPr>
+          <a:xfrm>
+            <a:off x="9632421" y="6202281"/>
+            <a:ext cx="1689821" cy="369332"/>
+          </a:xfrm>
+          <a:prstGeom prst="rect">
+            <a:avLst/>
+          </a:prstGeom>
+          <a:noFill/>
+        </p:spPr>
+        <p:txBody>
+          <a:bodyPr wrap="square" rtlCol="0">
+            <a:spAutoFit/>
+          </a:bodyPr>
+          <a:lstStyle/>
+          <a:p>
+            <a:r>
+              <a:rPr lang="en-US" altLang="zh-CN" dirty="0"/>
+              <a:t>deterministic</a:t>
+            </a:r>
+            <a:endParaRPr lang="zh-CN" altLang="en-US" dirty="0"/>
+          </a:p>
+        </p:txBody>
+      </p:sp>
+      <p:sp>
+        <p:nvSpPr>
+          <p:cNvPr id="24" name="TextBox 23"/>
+          <p:cNvSpPr txBox="1"/>
+          <p:nvPr/>
+        </p:nvSpPr>
+        <p:spPr>
+          <a:xfrm>
+            <a:off x="9620690" y="5257922"/>
+            <a:ext cx="1689821" cy="369332"/>
+          </a:xfrm>
+          <a:prstGeom prst="rect">
+            <a:avLst/>
+          </a:prstGeom>
+          <a:noFill/>
+        </p:spPr>
+        <p:txBody>
+          <a:bodyPr wrap="square" rtlCol="0">
+            <a:spAutoFit/>
+          </a:bodyPr>
+          <a:lstStyle/>
+          <a:p>
+            <a:r>
+              <a:rPr lang="en-US" altLang="zh-CN" dirty="0"/>
+              <a:t>stochastic</a:t>
+            </a:r>
+            <a:endParaRPr lang="zh-CN" altLang="en-US" dirty="0"/>
+          </a:p>
+        </p:txBody>
+      </p:sp>
+      <p:cxnSp>
+        <p:nvCxnSpPr>
+          <p:cNvPr id="26" name="Curved Connector 25"/>
+          <p:cNvCxnSpPr>
+            <a:stCxn id="8" idx="0"/>
+            <a:endCxn id="49" idx="2"/>
+          </p:cNvCxnSpPr>
+          <p:nvPr/>
+        </p:nvCxnSpPr>
+        <p:spPr>
+          <a:xfrm rot="5400000" flipH="1" flipV="1">
+            <a:off x="4591916" y="-2343242"/>
+            <a:ext cx="1859960" cy="7982705"/>
+          </a:xfrm>
+          <a:prstGeom prst="curvedConnector2">
+            <a:avLst/>
+          </a:prstGeom>
+          <a:ln w="127000">
+            <a:solidFill>
+              <a:schemeClr val="accent6">
+                <a:lumMod val="40000"/>
+                <a:lumOff val="60000"/>
+              </a:schemeClr>
+            </a:solidFill>
+            <a:tailEnd type="triangle"/>
+          </a:ln>
+        </p:spPr>
+        <p:style>
+          <a:lnRef idx="1">
+            <a:schemeClr val="accent1"/>
+          </a:lnRef>
+          <a:fillRef idx="0">
+            <a:schemeClr val="accent1"/>
+          </a:fillRef>
+          <a:effectRef idx="0">
+            <a:schemeClr val="accent1"/>
+          </a:effectRef>
+          <a:fontRef idx="minor">
+            <a:schemeClr val="tx1"/>
+          </a:fontRef>
+        </p:style>
+      </p:cxnSp>
+      <p:cxnSp>
+        <p:nvCxnSpPr>
+          <p:cNvPr id="32" name="Curved Connector 31"/>
+          <p:cNvCxnSpPr>
+            <a:stCxn id="9" idx="4"/>
+            <a:endCxn id="19" idx="6"/>
+          </p:cNvCxnSpPr>
+          <p:nvPr/>
+        </p:nvCxnSpPr>
+        <p:spPr>
+          <a:xfrm rot="5400000">
+            <a:off x="5200389" y="943976"/>
+            <a:ext cx="1332104" cy="7140332"/>
+          </a:xfrm>
+          <a:prstGeom prst="curvedConnector2">
+            <a:avLst/>
+          </a:prstGeom>
+          <a:ln w="127000">
+            <a:solidFill>
+              <a:schemeClr val="accent6">
+                <a:lumMod val="40000"/>
+                <a:lumOff val="60000"/>
+              </a:schemeClr>
+            </a:solidFill>
+            <a:tailEnd type="triangle"/>
+          </a:ln>
+        </p:spPr>
+        <p:style>
+          <a:lnRef idx="1">
+            <a:schemeClr val="accent1"/>
+          </a:lnRef>
+          <a:fillRef idx="0">
+            <a:schemeClr val="accent1"/>
+          </a:fillRef>
+          <a:effectRef idx="0">
+            <a:schemeClr val="accent1"/>
+          </a:effectRef>
+          <a:fontRef idx="minor">
+            <a:schemeClr val="tx1"/>
+          </a:fontRef>
+        </p:style>
+      </p:cxnSp>
+      <p:sp>
+        <p:nvSpPr>
+          <p:cNvPr id="4" name="TextBox 3"/>
+          <p:cNvSpPr txBox="1"/>
+          <p:nvPr/>
+        </p:nvSpPr>
+        <p:spPr>
+          <a:xfrm>
+            <a:off x="5800941" y="4581759"/>
+            <a:ext cx="1066800" cy="584775"/>
+          </a:xfrm>
+          <a:prstGeom prst="rect">
+            <a:avLst/>
+          </a:prstGeom>
+          <a:noFill/>
+        </p:spPr>
+        <p:txBody>
+          <a:bodyPr wrap="square" rtlCol="0">
+            <a:spAutoFit/>
+          </a:bodyPr>
+          <a:lstStyle/>
+          <a:p>
+            <a:r>
+              <a:rPr lang="zh-CN" altLang="en-US" sz="3200" dirty="0"/>
+              <a:t>打牌</a:t>
+            </a:r>
+          </a:p>
+        </p:txBody>
+      </p:sp>
+      <p:sp>
+        <p:nvSpPr>
+          <p:cNvPr id="3" name="TextBox 2"/>
+          <p:cNvSpPr txBox="1"/>
+          <p:nvPr/>
+        </p:nvSpPr>
+        <p:spPr>
+          <a:xfrm>
+            <a:off x="4596214" y="2908161"/>
+            <a:ext cx="2618863" cy="584775"/>
+          </a:xfrm>
+          <a:prstGeom prst="rect">
+            <a:avLst/>
+          </a:prstGeom>
+          <a:noFill/>
+        </p:spPr>
+        <p:txBody>
+          <a:bodyPr wrap="square" rtlCol="0">
+            <a:spAutoFit/>
+          </a:bodyPr>
+          <a:lstStyle/>
+          <a:p>
+            <a:r>
+              <a:rPr lang="zh-CN" altLang="en-US" sz="3200" dirty="0"/>
+              <a:t>摸牌</a:t>
+            </a:r>
+            <a:r>
+              <a:rPr lang="en-US" altLang="zh-CN" sz="3200" dirty="0"/>
+              <a:t>/</a:t>
+            </a:r>
+            <a:r>
+              <a:rPr lang="zh-CN" altLang="en-US" sz="3200" dirty="0"/>
+              <a:t>杠</a:t>
+            </a:r>
+          </a:p>
+        </p:txBody>
+      </p:sp>
+      <p:sp>
+        <p:nvSpPr>
+          <p:cNvPr id="39" name="TextBox 38"/>
+          <p:cNvSpPr txBox="1"/>
+          <p:nvPr/>
+        </p:nvSpPr>
+        <p:spPr>
+          <a:xfrm>
+            <a:off x="704620" y="3946779"/>
+            <a:ext cx="3362172" cy="461665"/>
+          </a:xfrm>
+          <a:prstGeom prst="rect">
+            <a:avLst/>
+          </a:prstGeom>
+          <a:noFill/>
+        </p:spPr>
+        <p:txBody>
+          <a:bodyPr wrap="square" rtlCol="0">
+            <a:spAutoFit/>
+          </a:bodyPr>
+          <a:lstStyle/>
+          <a:p>
+            <a:r>
+              <a:rPr lang="zh-CN" altLang="en-US" sz="2400" dirty="0"/>
+              <a:t>其他玩家行动</a:t>
+            </a:r>
+          </a:p>
+        </p:txBody>
+      </p:sp>
+      <p:sp>
+        <p:nvSpPr>
+          <p:cNvPr id="41" name="Curved Left Arrow 40"/>
+          <p:cNvSpPr/>
+          <p:nvPr/>
+        </p:nvSpPr>
+        <p:spPr>
+          <a:xfrm rot="1241325">
+            <a:off x="10010014" y="3088261"/>
+            <a:ext cx="840971" cy="1002583"/>
+          </a:xfrm>
+          <a:prstGeom prst="curvedLeftArrow">
+            <a:avLst/>
+          </a:prstGeom>
+          <a:noFill/>
+          <a:ln>
+            <a:solidFill>
+              <a:schemeClr val="accent2"/>
+            </a:solidFill>
+          </a:ln>
+        </p:spPr>
+        <p:style>
+          <a:lnRef idx="2">
+            <a:schemeClr val="accent1">
+              <a:shade val="50000"/>
+            </a:schemeClr>
+          </a:lnRef>
+          <a:fillRef idx="1">
+            <a:schemeClr val="accent1"/>
+          </a:fillRef>
+          <a:effectRef idx="0">
+            <a:schemeClr val="accent1"/>
+          </a:effectRef>
+          <a:fontRef idx="minor">
+            <a:schemeClr val="lt1"/>
+          </a:fontRef>
+        </p:style>
+        <p:txBody>
+          <a:bodyPr rtlCol="0" anchor="ctr"/>
+          <a:lstStyle/>
+          <a:p>
+            <a:pPr algn="ctr"/>
+            <a:endParaRPr lang="zh-CN" altLang="en-US">
+              <a:solidFill>
+                <a:schemeClr val="tx1"/>
+              </a:solidFill>
+            </a:endParaRPr>
+          </a:p>
+        </p:txBody>
+      </p:sp>
+      <p:cxnSp>
+        <p:nvCxnSpPr>
+          <p:cNvPr id="42" name="Curved Connector 41"/>
+          <p:cNvCxnSpPr>
+            <a:stCxn id="8" idx="7"/>
+            <a:endCxn id="9" idx="1"/>
+          </p:cNvCxnSpPr>
+          <p:nvPr/>
+        </p:nvCxnSpPr>
+        <p:spPr>
+          <a:xfrm rot="5400000" flipH="1" flipV="1">
+            <a:off x="5483575" y="-739941"/>
+            <a:ext cx="12700" cy="7008037"/>
+          </a:xfrm>
+          <a:prstGeom prst="curvedConnector3">
+            <a:avLst>
+              <a:gd name="adj1" fmla="val 3264465"/>
+            </a:avLst>
+          </a:prstGeom>
+          <a:ln w="127000">
+            <a:solidFill>
+              <a:schemeClr val="accent6">
+                <a:lumMod val="40000"/>
+                <a:lumOff val="60000"/>
+              </a:schemeClr>
+            </a:solidFill>
+            <a:tailEnd type="triangle"/>
+          </a:ln>
+        </p:spPr>
+        <p:style>
+          <a:lnRef idx="1">
+            <a:schemeClr val="accent1"/>
+          </a:lnRef>
+          <a:fillRef idx="0">
+            <a:schemeClr val="accent1"/>
+          </a:fillRef>
+          <a:effectRef idx="0">
+            <a:schemeClr val="accent1"/>
+          </a:effectRef>
+          <a:fontRef idx="minor">
+            <a:schemeClr val="tx1"/>
+          </a:fontRef>
+        </p:style>
+      </p:cxnSp>
+      <p:sp>
+        <p:nvSpPr>
+          <p:cNvPr id="48" name="TextBox 47"/>
+          <p:cNvSpPr txBox="1"/>
+          <p:nvPr/>
+        </p:nvSpPr>
+        <p:spPr>
+          <a:xfrm>
+            <a:off x="3853264" y="704469"/>
+            <a:ext cx="4026354" cy="584775"/>
+          </a:xfrm>
+          <a:prstGeom prst="rect">
+            <a:avLst/>
+          </a:prstGeom>
+          <a:noFill/>
+        </p:spPr>
+        <p:txBody>
+          <a:bodyPr wrap="square" rtlCol="0">
+            <a:spAutoFit/>
+          </a:bodyPr>
+          <a:lstStyle/>
+          <a:p>
+            <a:r>
+              <a:rPr lang="zh-CN" altLang="en-US" sz="3200" dirty="0"/>
+              <a:t>荣和</a:t>
+            </a:r>
+            <a:r>
+              <a:rPr lang="en-US" altLang="zh-CN" sz="3200" dirty="0"/>
+              <a:t>/</a:t>
+            </a:r>
+            <a:r>
+              <a:rPr lang="zh-CN" altLang="en-US" sz="3200" dirty="0"/>
+              <a:t>抢（暗）杠</a:t>
+            </a:r>
+          </a:p>
+        </p:txBody>
+      </p:sp>
+      <p:sp>
+        <p:nvSpPr>
+          <p:cNvPr id="49" name="Oval 48"/>
+          <p:cNvSpPr/>
+          <p:nvPr/>
+        </p:nvSpPr>
+        <p:spPr>
+          <a:xfrm>
+            <a:off x="9513249" y="83130"/>
+            <a:ext cx="1270000" cy="1270000"/>
+          </a:xfrm>
+          <a:prstGeom prst="ellipse">
+            <a:avLst/>
+          </a:prstGeom>
+        </p:spPr>
+        <p:style>
+          <a:lnRef idx="2">
+            <a:schemeClr val="accent2">
+              <a:shade val="50000"/>
+            </a:schemeClr>
+          </a:lnRef>
+          <a:fillRef idx="1">
+            <a:schemeClr val="accent2"/>
+          </a:fillRef>
+          <a:effectRef idx="0">
+            <a:schemeClr val="accent2"/>
+          </a:effectRef>
+          <a:fontRef idx="minor">
+            <a:schemeClr val="lt1"/>
+          </a:fontRef>
+        </p:style>
+        <p:txBody>
+          <a:bodyPr rtlCol="0" anchor="ctr"/>
+          <a:lstStyle/>
+          <a:p>
+            <a:pPr algn="ctr"/>
+            <a:r>
+              <a:rPr lang="en-US" altLang="zh-CN" sz="2000" b="1" dirty="0"/>
+              <a:t>14 </a:t>
+            </a:r>
+            <a:r>
+              <a:rPr lang="zh-CN" altLang="en-US" sz="2000" b="1" dirty="0"/>
+              <a:t>张 自牌</a:t>
+            </a:r>
+            <a:endParaRPr lang="en-US" altLang="zh-CN" sz="2000" b="1" dirty="0"/>
+          </a:p>
+          <a:p>
+            <a:pPr algn="ctr"/>
+            <a:r>
+              <a:rPr lang="zh-CN" altLang="en-US" sz="2000" b="1" dirty="0"/>
+              <a:t>终局</a:t>
+            </a:r>
+          </a:p>
+        </p:txBody>
+      </p:sp>
+      <p:sp>
+        <p:nvSpPr>
+          <p:cNvPr id="7" name="TextBox 6"/>
+          <p:cNvSpPr txBox="1"/>
+          <p:nvPr/>
+        </p:nvSpPr>
+        <p:spPr>
+          <a:xfrm>
+            <a:off x="9436607" y="1651623"/>
+            <a:ext cx="1066800" cy="584775"/>
+          </a:xfrm>
+          <a:prstGeom prst="rect">
+            <a:avLst/>
+          </a:prstGeom>
+          <a:noFill/>
+        </p:spPr>
+        <p:txBody>
+          <a:bodyPr wrap="square" rtlCol="0">
+            <a:spAutoFit/>
+          </a:bodyPr>
+          <a:lstStyle/>
+          <a:p>
+            <a:r>
+              <a:rPr lang="zh-CN" altLang="en-US" sz="3200" dirty="0"/>
+              <a:t>自摸</a:t>
+            </a:r>
+          </a:p>
+        </p:txBody>
+      </p:sp>
+      <p:sp>
+        <p:nvSpPr>
+          <p:cNvPr id="5" name="TextBox 4"/>
+          <p:cNvSpPr txBox="1"/>
+          <p:nvPr/>
+        </p:nvSpPr>
+        <p:spPr>
+          <a:xfrm>
+            <a:off x="4838846" y="2096209"/>
+            <a:ext cx="1066800" cy="584775"/>
+          </a:xfrm>
+          <a:prstGeom prst="rect">
+            <a:avLst/>
+          </a:prstGeom>
+          <a:noFill/>
+        </p:spPr>
+        <p:txBody>
+          <a:bodyPr wrap="square" rtlCol="0">
+            <a:spAutoFit/>
+          </a:bodyPr>
+          <a:lstStyle/>
+          <a:p>
+            <a:r>
+              <a:rPr lang="zh-CN" altLang="en-US" sz="3200" dirty="0"/>
+              <a:t>吃碰</a:t>
+            </a:r>
+          </a:p>
+        </p:txBody>
+      </p:sp>
+      <p:sp>
+        <p:nvSpPr>
+          <p:cNvPr id="8" name="Oval 7"/>
+          <p:cNvSpPr/>
+          <p:nvPr/>
+        </p:nvSpPr>
+        <p:spPr>
+          <a:xfrm>
+            <a:off x="895544" y="2578090"/>
+            <a:ext cx="1270000" cy="1270000"/>
+          </a:xfrm>
+          <a:prstGeom prst="ellipse">
+            <a:avLst/>
+          </a:prstGeom>
+        </p:spPr>
+        <p:style>
+          <a:lnRef idx="2">
+            <a:schemeClr val="accent1">
+              <a:shade val="50000"/>
+            </a:schemeClr>
+          </a:lnRef>
+          <a:fillRef idx="1">
+            <a:schemeClr val="accent1"/>
+          </a:fillRef>
+          <a:effectRef idx="0">
+            <a:schemeClr val="accent1"/>
+          </a:effectRef>
+          <a:fontRef idx="minor">
+            <a:schemeClr val="lt1"/>
+          </a:fontRef>
+        </p:style>
+        <p:txBody>
+          <a:bodyPr rtlCol="0" anchor="ctr"/>
+          <a:lstStyle/>
+          <a:p>
+            <a:pPr algn="ctr"/>
+            <a:r>
+              <a:rPr lang="en-US" altLang="zh-CN" sz="2000" b="1" dirty="0"/>
+              <a:t>13 </a:t>
+            </a:r>
+            <a:r>
+              <a:rPr lang="zh-CN" altLang="en-US" sz="2000" b="1" dirty="0"/>
+              <a:t>张 自牌</a:t>
+            </a:r>
+          </a:p>
+        </p:txBody>
+      </p:sp>
+      <p:sp>
+        <p:nvSpPr>
+          <p:cNvPr id="51" name="TextBox 50"/>
+          <p:cNvSpPr txBox="1"/>
+          <p:nvPr/>
+        </p:nvSpPr>
+        <p:spPr>
+          <a:xfrm>
+            <a:off x="10347984" y="3297164"/>
+            <a:ext cx="1066800" cy="584775"/>
+          </a:xfrm>
+          <a:prstGeom prst="rect">
+            <a:avLst/>
+          </a:prstGeom>
+          <a:noFill/>
+        </p:spPr>
+        <p:txBody>
+          <a:bodyPr wrap="square" rtlCol="0">
+            <a:spAutoFit/>
+          </a:bodyPr>
+          <a:lstStyle/>
+          <a:p>
+            <a:r>
+              <a:rPr lang="zh-CN" altLang="en-US" sz="3200" dirty="0"/>
+              <a:t>暗杠</a:t>
+            </a:r>
+          </a:p>
+        </p:txBody>
+      </p:sp>
+    </p:spTree>
+    <p:extLst>
+      <p:ext uri="{BB962C8B-B14F-4D97-AF65-F5344CB8AC3E}">
+        <p14:creationId xmlns:p14="http://schemas.microsoft.com/office/powerpoint/2010/main" val="988195230"/>
+      </p:ext>
+    </p:extLst>
+  </p:cSld>
+  <p:clrMapOvr>
+    <a:masterClrMapping/>
+  </p:clrMapOvr>
+</p:sld>
+</file>
+
 <file path=ppt/slides/slide2.xml><?xml version="1.0" encoding="utf-8"?>
 <p:sld xmlns:a="http://schemas.openxmlformats.org/drawingml/2006/main" xmlns:r="http://schemas.openxmlformats.org/officeDocument/2006/relationships" xmlns:p="http://schemas.openxmlformats.org/presentationml/2006/main">
   <p:cSld>
@@ -3155,23 +4120,188 @@
           <a:chExt cx="0" cy="0"/>
         </a:xfrm>
       </p:grpSpPr>
+      <p:sp>
+        <p:nvSpPr>
+          <p:cNvPr id="4" name="TextBox 3"/>
+          <p:cNvSpPr txBox="1"/>
+          <p:nvPr/>
+        </p:nvSpPr>
+        <p:spPr>
+          <a:xfrm>
+            <a:off x="556495" y="1214891"/>
+            <a:ext cx="1200727" cy="369332"/>
+          </a:xfrm>
+          <a:prstGeom prst="rect">
+            <a:avLst/>
+          </a:prstGeom>
+          <a:noFill/>
+        </p:spPr>
+        <p:txBody>
+          <a:bodyPr wrap="square" rtlCol="0">
+            <a:spAutoFit/>
+          </a:bodyPr>
+          <a:lstStyle/>
+          <a:p>
+            <a:r>
+              <a:rPr lang="en-US" altLang="zh-CN" dirty="0"/>
+              <a:t>1</a:t>
+            </a:r>
+            <a:r>
+              <a:rPr lang="zh-CN" altLang="en-US" dirty="0"/>
+              <a:t>万</a:t>
+            </a:r>
+            <a:endParaRPr lang="en-US" altLang="zh-CN" dirty="0"/>
+          </a:p>
+        </p:txBody>
+      </p:sp>
+      <p:sp>
+        <p:nvSpPr>
+          <p:cNvPr id="5" name="TextBox 4"/>
+          <p:cNvSpPr txBox="1"/>
+          <p:nvPr/>
+        </p:nvSpPr>
+        <p:spPr>
+          <a:xfrm>
+            <a:off x="556494" y="2215189"/>
+            <a:ext cx="1200727" cy="369332"/>
+          </a:xfrm>
+          <a:prstGeom prst="rect">
+            <a:avLst/>
+          </a:prstGeom>
+          <a:noFill/>
+        </p:spPr>
+        <p:txBody>
+          <a:bodyPr wrap="square" rtlCol="0">
+            <a:spAutoFit/>
+          </a:bodyPr>
+          <a:lstStyle/>
+          <a:p>
+            <a:r>
+              <a:rPr lang="en-US" altLang="zh-CN" dirty="0"/>
+              <a:t>2</a:t>
+            </a:r>
+            <a:r>
+              <a:rPr lang="zh-CN" altLang="en-US" dirty="0"/>
+              <a:t>万</a:t>
+            </a:r>
+            <a:endParaRPr lang="en-US" altLang="zh-CN" dirty="0"/>
+          </a:p>
+        </p:txBody>
+      </p:sp>
+      <p:sp>
+        <p:nvSpPr>
+          <p:cNvPr id="6" name="TextBox 5"/>
+          <p:cNvSpPr txBox="1"/>
+          <p:nvPr/>
+        </p:nvSpPr>
+        <p:spPr>
+          <a:xfrm>
+            <a:off x="556493" y="4237167"/>
+            <a:ext cx="1200727" cy="369332"/>
+          </a:xfrm>
+          <a:prstGeom prst="rect">
+            <a:avLst/>
+          </a:prstGeom>
+          <a:noFill/>
+        </p:spPr>
+        <p:txBody>
+          <a:bodyPr wrap="square" rtlCol="0">
+            <a:spAutoFit/>
+          </a:bodyPr>
+          <a:lstStyle/>
+          <a:p>
+            <a:r>
+              <a:rPr lang="zh-CN" altLang="en-US" dirty="0"/>
+              <a:t>发</a:t>
+            </a:r>
+            <a:endParaRPr lang="en-US" altLang="zh-CN" dirty="0"/>
+          </a:p>
+        </p:txBody>
+      </p:sp>
+      <p:sp>
+        <p:nvSpPr>
+          <p:cNvPr id="7" name="TextBox 6"/>
+          <p:cNvSpPr txBox="1"/>
+          <p:nvPr/>
+        </p:nvSpPr>
+        <p:spPr>
+          <a:xfrm>
+            <a:off x="556492" y="5312280"/>
+            <a:ext cx="1200727" cy="369332"/>
+          </a:xfrm>
+          <a:prstGeom prst="rect">
+            <a:avLst/>
+          </a:prstGeom>
+          <a:noFill/>
+        </p:spPr>
+        <p:txBody>
+          <a:bodyPr wrap="square" rtlCol="0">
+            <a:spAutoFit/>
+          </a:bodyPr>
+          <a:lstStyle/>
+          <a:p>
+            <a:r>
+              <a:rPr lang="zh-CN" altLang="en-US" dirty="0"/>
+              <a:t>中</a:t>
+            </a:r>
+            <a:endParaRPr lang="en-US" altLang="zh-CN" dirty="0"/>
+          </a:p>
+        </p:txBody>
+      </p:sp>
+      <p:sp>
+        <p:nvSpPr>
+          <p:cNvPr id="15" name="TextBox 14"/>
+          <p:cNvSpPr txBox="1"/>
+          <p:nvPr/>
+        </p:nvSpPr>
+        <p:spPr>
+          <a:xfrm>
+            <a:off x="6698635" y="590446"/>
+            <a:ext cx="3220831" cy="369332"/>
+          </a:xfrm>
+          <a:prstGeom prst="rect">
+            <a:avLst/>
+          </a:prstGeom>
+          <a:noFill/>
+        </p:spPr>
+        <p:txBody>
+          <a:bodyPr wrap="square" rtlCol="0">
+            <a:spAutoFit/>
+          </a:bodyPr>
+          <a:lstStyle/>
+          <a:p>
+            <a:r>
+              <a:rPr lang="zh-CN" altLang="en-US" dirty="0"/>
+              <a:t>牌河 </a:t>
+            </a:r>
+            <a:r>
+              <a:rPr lang="en-US" altLang="zh-CN" dirty="0"/>
+              <a:t>x4 (</a:t>
+            </a:r>
+            <a:r>
+              <a:rPr lang="zh-CN" altLang="en-US" dirty="0"/>
+              <a:t>自己和对手）</a:t>
+            </a:r>
+          </a:p>
+        </p:txBody>
+      </p:sp>
       <p:graphicFrame>
         <p:nvGraphicFramePr>
-          <p:cNvPr id="3" name="Table 2"/>
+          <p:cNvPr id="16" name="Table 15"/>
           <p:cNvGraphicFramePr>
             <a:graphicFrameLocks noGrp="1"/>
           </p:cNvGraphicFramePr>
           <p:nvPr>
             <p:extLst>
               <p:ext uri="{D42A27DB-BD31-4B8C-83A1-F6EECF244321}">
-                <p14:modId xmlns:p14="http://schemas.microsoft.com/office/powerpoint/2010/main" val="1237935238"/>
+                <p14:modId xmlns:p14="http://schemas.microsoft.com/office/powerpoint/2010/main" val="1357991741"/>
               </p:ext>
             </p:extLst>
           </p:nvPr>
         </p:nvGraphicFramePr>
         <p:xfrm>
-          <a:off x="915786" y="1070032"/>
-          <a:ext cx="2458725" cy="5016115"/>
+          <a:off x="6663819" y="1064560"/>
+          <a:ext cx="2715300" cy="5016115"/>
         </p:xfrm>
         <a:graphic>
           <a:graphicData uri="http://schemas.openxmlformats.org/drawingml/2006/table">
@@ -3180,38 +4310,52 @@
                 <a:tableStyleId>{5940675A-B579-460E-94D1-54222C63F5DA}</a:tableStyleId>
               </a:tblPr>
               <a:tblGrid>
-                <a:gridCol w="491745">
+                <a:gridCol w="387900">
                   <a:extLst>
                     <a:ext uri="{9D8B030D-6E8A-4147-A177-3AD203B41FA5}">
                       <a16:colId xmlns:a16="http://schemas.microsoft.com/office/drawing/2014/main" val="1641402817"/>
                     </a:ext>
                   </a:extLst>
                 </a:gridCol>
-                <a:gridCol w="491745">
+                <a:gridCol w="387900">
                   <a:extLst>
                     <a:ext uri="{9D8B030D-6E8A-4147-A177-3AD203B41FA5}">
                       <a16:colId xmlns:a16="http://schemas.microsoft.com/office/drawing/2014/main" val="3165536729"/>
                     </a:ext>
                   </a:extLst>
                 </a:gridCol>
-                <a:gridCol w="491745">
+                <a:gridCol w="387900">
                   <a:extLst>
                     <a:ext uri="{9D8B030D-6E8A-4147-A177-3AD203B41FA5}">
                       <a16:colId xmlns:a16="http://schemas.microsoft.com/office/drawing/2014/main" val="1808853389"/>
                     </a:ext>
                   </a:extLst>
                 </a:gridCol>
-                <a:gridCol w="491745">
+                <a:gridCol w="387900">
                   <a:extLst>
                     <a:ext uri="{9D8B030D-6E8A-4147-A177-3AD203B41FA5}">
                       <a16:colId xmlns:a16="http://schemas.microsoft.com/office/drawing/2014/main" val="2202860885"/>
                     </a:ext>
                   </a:extLst>
                 </a:gridCol>
-                <a:gridCol w="491745">
+                <a:gridCol w="387900">
                   <a:extLst>
                     <a:ext uri="{9D8B030D-6E8A-4147-A177-3AD203B41FA5}">
-                      <a16:colId xmlns:a16="http://schemas.microsoft.com/office/drawing/2014/main" val="1560449329"/>
+                      <a16:colId xmlns:a16="http://schemas.microsoft.com/office/drawing/2014/main" val="1935518722"/>
+                    </a:ext>
+                  </a:extLst>
+                </a:gridCol>
+                <a:gridCol w="387900">
+                  <a:extLst>
+                    <a:ext uri="{9D8B030D-6E8A-4147-A177-3AD203B41FA5}">
+                      <a16:colId xmlns:a16="http://schemas.microsoft.com/office/drawing/2014/main" val="2232429542"/>
+                    </a:ext>
+                  </a:extLst>
+                </a:gridCol>
+                <a:gridCol w="387900">
+                  <a:extLst>
+                    <a:ext uri="{9D8B030D-6E8A-4147-A177-3AD203B41FA5}">
+                      <a16:colId xmlns:a16="http://schemas.microsoft.com/office/drawing/2014/main" val="882635106"/>
                     </a:ext>
                   </a:extLst>
                 </a:gridCol>
@@ -3225,6 +4369,34 @@
                       <a:r>
                         <a:rPr lang="en-US" altLang="zh-CN" dirty="0"/>
                         <a:t>1</a:t>
+                      </a:r>
+                      <a:endParaRPr lang="zh-CN" altLang="en-US" dirty="0"/>
+                    </a:p>
+                  </a:txBody>
+                  <a:tcPr/>
+                </a:tc>
+                <a:tc>
+                  <a:txBody>
+                    <a:bodyPr/>
+                    <a:lstStyle/>
+                    <a:p>
+                      <a:r>
+                        <a:rPr lang="en-US" altLang="zh-CN" dirty="0"/>
+                        <a:t>0</a:t>
+                      </a:r>
+                      <a:endParaRPr lang="zh-CN" altLang="en-US" dirty="0"/>
+                    </a:p>
+                  </a:txBody>
+                  <a:tcPr/>
+                </a:tc>
+                <a:tc>
+                  <a:txBody>
+                    <a:bodyPr/>
+                    <a:lstStyle/>
+                    <a:p>
+                      <a:r>
+                        <a:rPr lang="en-US" altLang="zh-CN" dirty="0"/>
+                        <a:t>0</a:t>
                       </a:r>
                       <a:endParaRPr lang="zh-CN" altLang="en-US" dirty="0"/>
                     </a:p>
@@ -3364,6 +4536,34 @@
                   </a:txBody>
                   <a:tcPr/>
                 </a:tc>
+                <a:tc>
+                  <a:txBody>
+                    <a:bodyPr/>
+                    <a:lstStyle/>
+                    <a:p>
+                      <a:r>
+                        <a:rPr lang="en-US" altLang="zh-CN" dirty="0"/>
+                        <a:t>0</a:t>
+                      </a:r>
+                      <a:endParaRPr lang="zh-CN" altLang="en-US" dirty="0"/>
+                    </a:p>
+                  </a:txBody>
+                  <a:tcPr/>
+                </a:tc>
+                <a:tc>
+                  <a:txBody>
+                    <a:bodyPr/>
+                    <a:lstStyle/>
+                    <a:p>
+                      <a:r>
+                        <a:rPr lang="en-US" altLang="zh-CN" dirty="0"/>
+                        <a:t>0</a:t>
+                      </a:r>
+                      <a:endParaRPr lang="zh-CN" altLang="en-US" dirty="0"/>
+                    </a:p>
+                  </a:txBody>
+                  <a:tcPr/>
+                </a:tc>
                 <a:extLst>
                   <a:ext uri="{0D108BD9-81ED-4DB2-BD59-A6C34878D82A}">
                     <a16:rowId xmlns:a16="http://schemas.microsoft.com/office/drawing/2014/main" val="4039626908"/>
@@ -3511,6 +4711,62 @@
                   </a:txBody>
                   <a:tcPr/>
                 </a:tc>
+                <a:tc>
+                  <a:txBody>
+                    <a:bodyPr/>
+                    <a:lstStyle/>
+                    <a:p>
+                      <a:r>
+                        <a:rPr lang="zh-CN" altLang="en-US" dirty="0"/>
+                        <a:t>。</a:t>
+                      </a:r>
+                      <a:endParaRPr lang="en-US" altLang="zh-CN" dirty="0"/>
+                    </a:p>
+                    <a:p>
+                      <a:r>
+                        <a:rPr lang="zh-CN" altLang="en-US" dirty="0"/>
+                        <a:t>。</a:t>
+                      </a:r>
+                      <a:endParaRPr lang="en-US" altLang="zh-CN" dirty="0"/>
+                    </a:p>
+                    <a:p>
+                      <a:r>
+                        <a:rPr lang="zh-CN" altLang="en-US" dirty="0"/>
+                        <a:t>。</a:t>
+                      </a:r>
+                      <a:endParaRPr lang="en-US" altLang="zh-CN" dirty="0"/>
+                    </a:p>
+                  </a:txBody>
+                  <a:tcPr/>
+                </a:tc>
+                <a:tc>
+                  <a:txBody>
+                    <a:bodyPr/>
+                    <a:lstStyle/>
+                    <a:p>
+                      <a:r>
+                        <a:rPr lang="zh-CN" altLang="en-US" dirty="0"/>
+                        <a:t>。</a:t>
+                      </a:r>
+                      <a:endParaRPr lang="en-US" altLang="zh-CN" dirty="0"/>
+                    </a:p>
+                    <a:p>
+                      <a:r>
+                        <a:rPr lang="zh-CN" altLang="en-US" dirty="0"/>
+                        <a:t>。</a:t>
+                      </a:r>
+                      <a:endParaRPr lang="en-US" altLang="zh-CN" dirty="0"/>
+                    </a:p>
+                    <a:p>
+                      <a:r>
+                        <a:rPr lang="zh-CN" altLang="en-US" dirty="0"/>
+                        <a:t>。</a:t>
+                      </a:r>
+                      <a:endParaRPr lang="en-US" altLang="zh-CN" dirty="0"/>
+                    </a:p>
+                  </a:txBody>
+                  <a:tcPr/>
+                </a:tc>
                 <a:extLst>
                   <a:ext uri="{0D108BD9-81ED-4DB2-BD59-A6C34878D82A}">
                     <a16:rowId xmlns:a16="http://schemas.microsoft.com/office/drawing/2014/main" val="3174088487"/>
@@ -3588,6 +4844,34 @@
                   </a:txBody>
                   <a:tcPr/>
                 </a:tc>
+                <a:tc>
+                  <a:txBody>
+                    <a:bodyPr/>
+                    <a:lstStyle/>
+                    <a:p>
+                      <a:r>
+                        <a:rPr lang="en-US" altLang="zh-CN" dirty="0"/>
+                        <a:t>0</a:t>
+                      </a:r>
+                      <a:endParaRPr lang="zh-CN" altLang="en-US" dirty="0"/>
+                    </a:p>
+                  </a:txBody>
+                  <a:tcPr/>
+                </a:tc>
+                <a:tc>
+                  <a:txBody>
+                    <a:bodyPr/>
+                    <a:lstStyle/>
+                    <a:p>
+                      <a:r>
+                        <a:rPr lang="en-US" altLang="zh-CN" dirty="0"/>
+                        <a:t>0</a:t>
+                      </a:r>
+                      <a:endParaRPr lang="zh-CN" altLang="en-US" dirty="0"/>
+                    </a:p>
+                  </a:txBody>
+                  <a:tcPr/>
+                </a:tc>
                 <a:extLst>
                   <a:ext uri="{0D108BD9-81ED-4DB2-BD59-A6C34878D82A}">
                     <a16:rowId xmlns:a16="http://schemas.microsoft.com/office/drawing/2014/main" val="2566960390"/>
@@ -3602,6 +4886,34 @@
                     <a:p>
                       <a:r>
                         <a:rPr lang="en-US" altLang="zh-CN" dirty="0"/>
+                        <a:t>1</a:t>
+                      </a:r>
+                      <a:endParaRPr lang="zh-CN" altLang="en-US" dirty="0"/>
+                    </a:p>
+                  </a:txBody>
+                  <a:tcPr/>
+                </a:tc>
+                <a:tc>
+                  <a:txBody>
+                    <a:bodyPr/>
+                    <a:lstStyle/>
+                    <a:p>
+                      <a:r>
+                        <a:rPr lang="en-US" altLang="zh-CN" dirty="0"/>
+                        <a:t>1</a:t>
+                      </a:r>
+                      <a:endParaRPr lang="zh-CN" altLang="en-US" dirty="0"/>
+                    </a:p>
+                  </a:txBody>
+                  <a:tcPr/>
+                </a:tc>
+                <a:tc>
+                  <a:txBody>
+                    <a:bodyPr/>
+                    <a:lstStyle/>
+                    <a:p>
+                      <a:r>
+                        <a:rPr lang="en-US" altLang="zh-CN" dirty="0"/>
                         <a:t>0</a:t>
                       </a:r>
                       <a:endParaRPr lang="zh-CN" altLang="en-US" dirty="0"/>
@@ -3630,7 +4942,7 @@
                     <a:p>
                       <a:r>
                         <a:rPr lang="en-US" altLang="zh-CN" dirty="0"/>
-                        <a:t>0</a:t>
+                        <a:t>2</a:t>
                       </a:r>
                       <a:endParaRPr lang="zh-CN" altLang="en-US" dirty="0"/>
                     </a:p>
@@ -3675,828 +4987,6 @@
           </a:graphicData>
         </a:graphic>
       </p:graphicFrame>
-      <p:sp>
-        <p:nvSpPr>
-          <p:cNvPr id="4" name="TextBox 3"/>
-          <p:cNvSpPr txBox="1"/>
-          <p:nvPr/>
-        </p:nvSpPr>
-        <p:spPr>
-          <a:xfrm>
-            <a:off x="556495" y="1214891"/>
-            <a:ext cx="1200727" cy="369332"/>
-          </a:xfrm>
-          <a:prstGeom prst="rect">
-            <a:avLst/>
-          </a:prstGeom>
-          <a:noFill/>
-        </p:spPr>
-        <p:txBody>
-          <a:bodyPr wrap="square" rtlCol="0">
-            <a:spAutoFit/>
-          </a:bodyPr>
-          <a:lstStyle/>
-          <a:p>
-            <a:r>
-              <a:rPr lang="en-US" altLang="zh-CN" dirty="0"/>
-              <a:t>1</a:t>
-            </a:r>
-            <a:r>
-              <a:rPr lang="zh-CN" altLang="en-US" dirty="0"/>
-              <a:t>万</a:t>
-            </a:r>
-            <a:endParaRPr lang="en-US" altLang="zh-CN" dirty="0"/>
-          </a:p>
-        </p:txBody>
-      </p:sp>
-      <p:sp>
-        <p:nvSpPr>
-          <p:cNvPr id="5" name="TextBox 4"/>
-          <p:cNvSpPr txBox="1"/>
-          <p:nvPr/>
-        </p:nvSpPr>
-        <p:spPr>
-          <a:xfrm>
-            <a:off x="556494" y="2215189"/>
-            <a:ext cx="1200727" cy="369332"/>
-          </a:xfrm>
-          <a:prstGeom prst="rect">
-            <a:avLst/>
-          </a:prstGeom>
-          <a:noFill/>
-        </p:spPr>
-        <p:txBody>
-          <a:bodyPr wrap="square" rtlCol="0">
-            <a:spAutoFit/>
-          </a:bodyPr>
-          <a:lstStyle/>
-          <a:p>
-            <a:r>
-              <a:rPr lang="en-US" altLang="zh-CN" dirty="0"/>
-              <a:t>2</a:t>
-            </a:r>
-            <a:r>
-              <a:rPr lang="zh-CN" altLang="en-US" dirty="0"/>
-              <a:t>万</a:t>
-            </a:r>
-            <a:endParaRPr lang="en-US" altLang="zh-CN" dirty="0"/>
-          </a:p>
-        </p:txBody>
-      </p:sp>
-      <p:sp>
-        <p:nvSpPr>
-          <p:cNvPr id="6" name="TextBox 5"/>
-          <p:cNvSpPr txBox="1"/>
-          <p:nvPr/>
-        </p:nvSpPr>
-        <p:spPr>
-          <a:xfrm>
-            <a:off x="556493" y="4237167"/>
-            <a:ext cx="1200727" cy="369332"/>
-          </a:xfrm>
-          <a:prstGeom prst="rect">
-            <a:avLst/>
-          </a:prstGeom>
-          <a:noFill/>
-        </p:spPr>
-        <p:txBody>
-          <a:bodyPr wrap="square" rtlCol="0">
-            <a:spAutoFit/>
-          </a:bodyPr>
-          <a:lstStyle/>
-          <a:p>
-            <a:r>
-              <a:rPr lang="zh-CN" altLang="en-US" dirty="0"/>
-              <a:t>发</a:t>
-            </a:r>
-            <a:endParaRPr lang="en-US" altLang="zh-CN" dirty="0"/>
-          </a:p>
-        </p:txBody>
-      </p:sp>
-      <p:sp>
-        <p:nvSpPr>
-          <p:cNvPr id="7" name="TextBox 6"/>
-          <p:cNvSpPr txBox="1"/>
-          <p:nvPr/>
-        </p:nvSpPr>
-        <p:spPr>
-          <a:xfrm>
-            <a:off x="556492" y="5312280"/>
-            <a:ext cx="1200727" cy="369332"/>
-          </a:xfrm>
-          <a:prstGeom prst="rect">
-            <a:avLst/>
-          </a:prstGeom>
-          <a:noFill/>
-        </p:spPr>
-        <p:txBody>
-          <a:bodyPr wrap="square" rtlCol="0">
-            <a:spAutoFit/>
-          </a:bodyPr>
-          <a:lstStyle/>
-          <a:p>
-            <a:r>
-              <a:rPr lang="zh-CN" altLang="en-US" dirty="0"/>
-              <a:t>中</a:t>
-            </a:r>
-            <a:endParaRPr lang="en-US" altLang="zh-CN" dirty="0"/>
-          </a:p>
-        </p:txBody>
-      </p:sp>
-      <p:sp>
-        <p:nvSpPr>
-          <p:cNvPr id="8" name="TextBox 7"/>
-          <p:cNvSpPr txBox="1"/>
-          <p:nvPr/>
-        </p:nvSpPr>
-        <p:spPr>
-          <a:xfrm>
-            <a:off x="737788" y="6141229"/>
-            <a:ext cx="3591098" cy="338554"/>
-          </a:xfrm>
-          <a:prstGeom prst="rect">
-            <a:avLst/>
-          </a:prstGeom>
-          <a:noFill/>
-        </p:spPr>
-        <p:txBody>
-          <a:bodyPr wrap="square" rtlCol="0">
-            <a:spAutoFit/>
-          </a:bodyPr>
-          <a:lstStyle/>
-          <a:p>
-            <a:r>
-              <a:rPr lang="en-US" altLang="zh-CN" sz="1600" dirty="0"/>
-              <a:t>1</a:t>
-            </a:r>
-            <a:r>
-              <a:rPr lang="zh-CN" altLang="en-US" sz="1600" dirty="0"/>
-              <a:t>张    </a:t>
-            </a:r>
-            <a:r>
-              <a:rPr lang="en-US" altLang="zh-CN" sz="1600" dirty="0"/>
-              <a:t>2</a:t>
-            </a:r>
-            <a:r>
-              <a:rPr lang="zh-CN" altLang="en-US" sz="1600" dirty="0"/>
-              <a:t>张   </a:t>
-            </a:r>
-            <a:r>
-              <a:rPr lang="en-US" altLang="zh-CN" sz="1600" dirty="0"/>
-              <a:t>3</a:t>
-            </a:r>
-            <a:r>
-              <a:rPr lang="zh-CN" altLang="en-US" sz="1600" dirty="0"/>
-              <a:t>张   </a:t>
-            </a:r>
-            <a:r>
-              <a:rPr lang="en-US" altLang="zh-CN" sz="1600" dirty="0"/>
-              <a:t>4</a:t>
-            </a:r>
-            <a:r>
-              <a:rPr lang="zh-CN" altLang="en-US" sz="1600" dirty="0"/>
-              <a:t>张   是否打过</a:t>
-            </a:r>
-          </a:p>
-        </p:txBody>
-      </p:sp>
-      <p:sp>
-        <p:nvSpPr>
-          <p:cNvPr id="9" name="TextBox 8"/>
-          <p:cNvSpPr txBox="1"/>
-          <p:nvPr/>
-        </p:nvSpPr>
-        <p:spPr>
-          <a:xfrm>
-            <a:off x="2055094" y="540836"/>
-            <a:ext cx="1729047" cy="369332"/>
-          </a:xfrm>
-          <a:prstGeom prst="rect">
-            <a:avLst/>
-          </a:prstGeom>
-          <a:noFill/>
-        </p:spPr>
-        <p:txBody>
-          <a:bodyPr wrap="square" rtlCol="0">
-            <a:spAutoFit/>
-          </a:bodyPr>
-          <a:lstStyle/>
-          <a:p>
-            <a:r>
-              <a:rPr lang="zh-CN" altLang="en-US" dirty="0"/>
-              <a:t>手牌</a:t>
-            </a:r>
-          </a:p>
-        </p:txBody>
-      </p:sp>
-      <p:sp>
-        <p:nvSpPr>
-          <p:cNvPr id="15" name="TextBox 14"/>
-          <p:cNvSpPr txBox="1"/>
-          <p:nvPr/>
-        </p:nvSpPr>
-        <p:spPr>
-          <a:xfrm>
-            <a:off x="3716132" y="629638"/>
-            <a:ext cx="3220831" cy="369332"/>
-          </a:xfrm>
-          <a:prstGeom prst="rect">
-            <a:avLst/>
-          </a:prstGeom>
-          <a:noFill/>
-        </p:spPr>
-        <p:txBody>
-          <a:bodyPr wrap="square" rtlCol="0">
-            <a:spAutoFit/>
-          </a:bodyPr>
-          <a:lstStyle/>
-          <a:p>
-            <a:r>
-              <a:rPr lang="zh-CN" altLang="en-US" dirty="0"/>
-              <a:t>牌河 </a:t>
-            </a:r>
-            <a:r>
-              <a:rPr lang="en-US" altLang="zh-CN" dirty="0"/>
-              <a:t>x4 (</a:t>
-            </a:r>
-            <a:r>
-              <a:rPr lang="zh-CN" altLang="en-US" dirty="0"/>
-              <a:t>自己和对手）</a:t>
-            </a:r>
-          </a:p>
-        </p:txBody>
-      </p:sp>
-      <p:graphicFrame>
-        <p:nvGraphicFramePr>
-          <p:cNvPr id="16" name="Table 15"/>
-          <p:cNvGraphicFramePr>
-            <a:graphicFrameLocks noGrp="1"/>
-          </p:cNvGraphicFramePr>
-          <p:nvPr>
-            <p:extLst>
-              <p:ext uri="{D42A27DB-BD31-4B8C-83A1-F6EECF244321}">
-                <p14:modId xmlns:p14="http://schemas.microsoft.com/office/powerpoint/2010/main" val="1714935555"/>
-              </p:ext>
-            </p:extLst>
-          </p:nvPr>
-        </p:nvGraphicFramePr>
-        <p:xfrm>
-          <a:off x="3681317" y="1103752"/>
-          <a:ext cx="2048940" cy="5016115"/>
-        </p:xfrm>
-        <a:graphic>
-          <a:graphicData uri="http://schemas.openxmlformats.org/drawingml/2006/table">
-            <a:tbl>
-              <a:tblPr firstRow="1" bandRow="1">
-                <a:tableStyleId>{5940675A-B579-460E-94D1-54222C63F5DA}</a:tableStyleId>
-              </a:tblPr>
-              <a:tblGrid>
-                <a:gridCol w="409788">
-                  <a:extLst>
-                    <a:ext uri="{9D8B030D-6E8A-4147-A177-3AD203B41FA5}">
-                      <a16:colId xmlns:a16="http://schemas.microsoft.com/office/drawing/2014/main" val="1641402817"/>
-                    </a:ext>
-                  </a:extLst>
-                </a:gridCol>
-                <a:gridCol w="409788">
-                  <a:extLst>
-                    <a:ext uri="{9D8B030D-6E8A-4147-A177-3AD203B41FA5}">
-                      <a16:colId xmlns:a16="http://schemas.microsoft.com/office/drawing/2014/main" val="3165536729"/>
-                    </a:ext>
-                  </a:extLst>
-                </a:gridCol>
-                <a:gridCol w="409788">
-                  <a:extLst>
-                    <a:ext uri="{9D8B030D-6E8A-4147-A177-3AD203B41FA5}">
-                      <a16:colId xmlns:a16="http://schemas.microsoft.com/office/drawing/2014/main" val="1808853389"/>
-                    </a:ext>
-                  </a:extLst>
-                </a:gridCol>
-                <a:gridCol w="409788">
-                  <a:extLst>
-                    <a:ext uri="{9D8B030D-6E8A-4147-A177-3AD203B41FA5}">
-                      <a16:colId xmlns:a16="http://schemas.microsoft.com/office/drawing/2014/main" val="2202860885"/>
-                    </a:ext>
-                  </a:extLst>
-                </a:gridCol>
-                <a:gridCol w="409788">
-                  <a:extLst>
-                    <a:ext uri="{9D8B030D-6E8A-4147-A177-3AD203B41FA5}">
-                      <a16:colId xmlns:a16="http://schemas.microsoft.com/office/drawing/2014/main" val="1935518722"/>
-                    </a:ext>
-                  </a:extLst>
-                </a:gridCol>
-              </a:tblGrid>
-              <a:tr h="1003223">
-                <a:tc>
-                  <a:txBody>
-                    <a:bodyPr/>
-                    <a:lstStyle/>
-                    <a:p>
-                      <a:r>
-                        <a:rPr lang="en-US" altLang="zh-CN" dirty="0"/>
-                        <a:t>1</a:t>
-                      </a:r>
-                      <a:endParaRPr lang="zh-CN" altLang="en-US" dirty="0"/>
-                    </a:p>
-                  </a:txBody>
-                  <a:tcPr/>
-                </a:tc>
-                <a:tc>
-                  <a:txBody>
-                    <a:bodyPr/>
-                    <a:lstStyle/>
-                    <a:p>
-                      <a:r>
-                        <a:rPr lang="en-US" altLang="zh-CN" dirty="0"/>
-                        <a:t>0</a:t>
-                      </a:r>
-                      <a:endParaRPr lang="zh-CN" altLang="en-US" dirty="0"/>
-                    </a:p>
-                  </a:txBody>
-                  <a:tcPr/>
-                </a:tc>
-                <a:tc>
-                  <a:txBody>
-                    <a:bodyPr/>
-                    <a:lstStyle/>
-                    <a:p>
-                      <a:r>
-                        <a:rPr lang="en-US" altLang="zh-CN" dirty="0"/>
-                        <a:t>0</a:t>
-                      </a:r>
-                      <a:endParaRPr lang="zh-CN" altLang="en-US" dirty="0"/>
-                    </a:p>
-                  </a:txBody>
-                  <a:tcPr/>
-                </a:tc>
-                <a:tc>
-                  <a:txBody>
-                    <a:bodyPr/>
-                    <a:lstStyle/>
-                    <a:p>
-                      <a:r>
-                        <a:rPr lang="en-US" altLang="zh-CN" dirty="0"/>
-                        <a:t>0</a:t>
-                      </a:r>
-                      <a:endParaRPr lang="zh-CN" altLang="en-US" dirty="0"/>
-                    </a:p>
-                  </a:txBody>
-                  <a:tcPr/>
-                </a:tc>
-                <a:tc>
-                  <a:txBody>
-                    <a:bodyPr/>
-                    <a:lstStyle/>
-                    <a:p>
-                      <a:r>
-                        <a:rPr lang="en-US" altLang="zh-CN" dirty="0"/>
-                        <a:t>0</a:t>
-                      </a:r>
-                      <a:endParaRPr lang="zh-CN" altLang="en-US" dirty="0"/>
-                    </a:p>
-                  </a:txBody>
-                  <a:tcPr/>
-                </a:tc>
-                <a:extLst>
-                  <a:ext uri="{0D108BD9-81ED-4DB2-BD59-A6C34878D82A}">
-                    <a16:rowId xmlns:a16="http://schemas.microsoft.com/office/drawing/2014/main" val="4214957650"/>
-                  </a:ext>
-                </a:extLst>
-              </a:tr>
-              <a:tr h="1003223">
-                <a:tc>
-                  <a:txBody>
-                    <a:bodyPr/>
-                    <a:lstStyle/>
-                    <a:p>
-                      <a:r>
-                        <a:rPr lang="en-US" altLang="zh-CN" dirty="0"/>
-                        <a:t>1</a:t>
-                      </a:r>
-                      <a:endParaRPr lang="zh-CN" altLang="en-US" dirty="0"/>
-                    </a:p>
-                  </a:txBody>
-                  <a:tcPr/>
-                </a:tc>
-                <a:tc>
-                  <a:txBody>
-                    <a:bodyPr/>
-                    <a:lstStyle/>
-                    <a:p>
-                      <a:r>
-                        <a:rPr lang="en-US" altLang="zh-CN" dirty="0"/>
-                        <a:t>0</a:t>
-                      </a:r>
-                      <a:endParaRPr lang="zh-CN" altLang="en-US" dirty="0"/>
-                    </a:p>
-                  </a:txBody>
-                  <a:tcPr/>
-                </a:tc>
-                <a:tc>
-                  <a:txBody>
-                    <a:bodyPr/>
-                    <a:lstStyle/>
-                    <a:p>
-                      <a:r>
-                        <a:rPr lang="en-US" altLang="zh-CN" dirty="0"/>
-                        <a:t>0</a:t>
-                      </a:r>
-                      <a:endParaRPr lang="zh-CN" altLang="en-US" dirty="0"/>
-                    </a:p>
-                  </a:txBody>
-                  <a:tcPr/>
-                </a:tc>
-                <a:tc>
-                  <a:txBody>
-                    <a:bodyPr/>
-                    <a:lstStyle/>
-                    <a:p>
-                      <a:r>
-                        <a:rPr lang="en-US" altLang="zh-CN" dirty="0"/>
-                        <a:t>0</a:t>
-                      </a:r>
-                      <a:endParaRPr lang="zh-CN" altLang="en-US" dirty="0"/>
-                    </a:p>
-                  </a:txBody>
-                  <a:tcPr/>
-                </a:tc>
-                <a:tc>
-                  <a:txBody>
-                    <a:bodyPr/>
-                    <a:lstStyle/>
-                    <a:p>
-                      <a:r>
-                        <a:rPr lang="en-US" altLang="zh-CN" dirty="0"/>
-                        <a:t>0</a:t>
-                      </a:r>
-                      <a:endParaRPr lang="zh-CN" altLang="en-US" dirty="0"/>
-                    </a:p>
-                  </a:txBody>
-                  <a:tcPr/>
-                </a:tc>
-                <a:extLst>
-                  <a:ext uri="{0D108BD9-81ED-4DB2-BD59-A6C34878D82A}">
-                    <a16:rowId xmlns:a16="http://schemas.microsoft.com/office/drawing/2014/main" val="4039626908"/>
-                  </a:ext>
-                </a:extLst>
-              </a:tr>
-              <a:tr h="1003223">
-                <a:tc>
-                  <a:txBody>
-                    <a:bodyPr/>
-                    <a:lstStyle/>
-                    <a:p>
-                      <a:r>
-                        <a:rPr lang="zh-CN" altLang="en-US" dirty="0"/>
-                        <a:t>。</a:t>
-                      </a:r>
-                      <a:endParaRPr lang="en-US" altLang="zh-CN" dirty="0"/>
-                    </a:p>
-                    <a:p>
-                      <a:r>
-                        <a:rPr lang="zh-CN" altLang="en-US" dirty="0"/>
-                        <a:t>。</a:t>
-                      </a:r>
-                      <a:endParaRPr lang="en-US" altLang="zh-CN" dirty="0"/>
-                    </a:p>
-                    <a:p>
-                      <a:r>
-                        <a:rPr lang="zh-CN" altLang="en-US" dirty="0"/>
-                        <a:t>。</a:t>
-                      </a:r>
-                      <a:endParaRPr lang="en-US" altLang="zh-CN" dirty="0"/>
-                    </a:p>
-                  </a:txBody>
-                  <a:tcPr/>
-                </a:tc>
-                <a:tc>
-                  <a:txBody>
-                    <a:bodyPr/>
-                    <a:lstStyle/>
-                    <a:p>
-                      <a:r>
-                        <a:rPr lang="zh-CN" altLang="en-US" dirty="0"/>
-                        <a:t>。</a:t>
-                      </a:r>
-                      <a:endParaRPr lang="en-US" altLang="zh-CN" dirty="0"/>
-                    </a:p>
-                    <a:p>
-                      <a:r>
-                        <a:rPr lang="zh-CN" altLang="en-US" dirty="0"/>
-                        <a:t>。</a:t>
-                      </a:r>
-                      <a:endParaRPr lang="en-US" altLang="zh-CN" dirty="0"/>
-                    </a:p>
-                    <a:p>
-                      <a:r>
-                        <a:rPr lang="zh-CN" altLang="en-US" dirty="0"/>
-                        <a:t>。</a:t>
-                      </a:r>
-                      <a:endParaRPr lang="en-US" altLang="zh-CN" dirty="0"/>
-                    </a:p>
-                  </a:txBody>
-                  <a:tcPr/>
-                </a:tc>
-                <a:tc>
-                  <a:txBody>
-                    <a:bodyPr/>
-                    <a:lstStyle/>
-                    <a:p>
-                      <a:r>
-                        <a:rPr lang="zh-CN" altLang="en-US" dirty="0"/>
-                        <a:t>。</a:t>
-                      </a:r>
-                      <a:endParaRPr lang="en-US" altLang="zh-CN" dirty="0"/>
-                    </a:p>
-                    <a:p>
-                      <a:r>
-                        <a:rPr lang="zh-CN" altLang="en-US" dirty="0"/>
-                        <a:t>。</a:t>
-                      </a:r>
-                      <a:endParaRPr lang="en-US" altLang="zh-CN" dirty="0"/>
-                    </a:p>
-                    <a:p>
-                      <a:r>
-                        <a:rPr lang="zh-CN" altLang="en-US" dirty="0"/>
-                        <a:t>。</a:t>
-                      </a:r>
-                      <a:endParaRPr lang="en-US" altLang="zh-CN" dirty="0"/>
-                    </a:p>
-                  </a:txBody>
-                  <a:tcPr/>
-                </a:tc>
-                <a:tc>
-                  <a:txBody>
-                    <a:bodyPr/>
-                    <a:lstStyle/>
-                    <a:p>
-                      <a:r>
-                        <a:rPr lang="zh-CN" altLang="en-US" dirty="0"/>
-                        <a:t>。</a:t>
-                      </a:r>
-                      <a:endParaRPr lang="en-US" altLang="zh-CN" dirty="0"/>
-                    </a:p>
-                    <a:p>
-                      <a:r>
-                        <a:rPr lang="zh-CN" altLang="en-US" dirty="0"/>
-                        <a:t>。</a:t>
-                      </a:r>
-                      <a:endParaRPr lang="en-US" altLang="zh-CN" dirty="0"/>
-                    </a:p>
-                    <a:p>
-                      <a:r>
-                        <a:rPr lang="zh-CN" altLang="en-US" dirty="0"/>
-                        <a:t>。</a:t>
-                      </a:r>
-                      <a:endParaRPr lang="en-US" altLang="zh-CN" dirty="0"/>
-                    </a:p>
-                  </a:txBody>
-                  <a:tcPr/>
-                </a:tc>
-                <a:tc>
-                  <a:txBody>
-                    <a:bodyPr/>
-                    <a:lstStyle/>
-                    <a:p>
-                      <a:r>
-                        <a:rPr lang="en-US" altLang="zh-CN" dirty="0"/>
-                        <a:t>0</a:t>
-                      </a:r>
-                    </a:p>
-                  </a:txBody>
-                  <a:tcPr/>
-                </a:tc>
-                <a:extLst>
-                  <a:ext uri="{0D108BD9-81ED-4DB2-BD59-A6C34878D82A}">
-                    <a16:rowId xmlns:a16="http://schemas.microsoft.com/office/drawing/2014/main" val="3174088487"/>
-                  </a:ext>
-                </a:extLst>
-              </a:tr>
-              <a:tr h="1003223">
-                <a:tc>
-                  <a:txBody>
-                    <a:bodyPr/>
-                    <a:lstStyle/>
-                    <a:p>
-                      <a:r>
-                        <a:rPr lang="en-US" altLang="zh-CN" dirty="0"/>
-                        <a:t>0</a:t>
-                      </a:r>
-                      <a:endParaRPr lang="zh-CN" altLang="en-US" dirty="0"/>
-                    </a:p>
-                  </a:txBody>
-                  <a:tcPr/>
-                </a:tc>
-                <a:tc>
-                  <a:txBody>
-                    <a:bodyPr/>
-                    <a:lstStyle/>
-                    <a:p>
-                      <a:r>
-                        <a:rPr lang="en-US" altLang="zh-CN" dirty="0"/>
-                        <a:t>0</a:t>
-                      </a:r>
-                      <a:endParaRPr lang="zh-CN" altLang="en-US" dirty="0"/>
-                    </a:p>
-                  </a:txBody>
-                  <a:tcPr/>
-                </a:tc>
-                <a:tc>
-                  <a:txBody>
-                    <a:bodyPr/>
-                    <a:lstStyle/>
-                    <a:p>
-                      <a:r>
-                        <a:rPr lang="en-US" altLang="zh-CN" dirty="0"/>
-                        <a:t>0</a:t>
-                      </a:r>
-                      <a:endParaRPr lang="zh-CN" altLang="en-US" dirty="0"/>
-                    </a:p>
-                  </a:txBody>
-                  <a:tcPr/>
-                </a:tc>
-                <a:tc>
-                  <a:txBody>
-                    <a:bodyPr/>
-                    <a:lstStyle/>
-                    <a:p>
-                      <a:r>
-                        <a:rPr lang="en-US" altLang="zh-CN" dirty="0"/>
-                        <a:t>0</a:t>
-                      </a:r>
-                      <a:endParaRPr lang="zh-CN" altLang="en-US" dirty="0"/>
-                    </a:p>
-                  </a:txBody>
-                  <a:tcPr/>
-                </a:tc>
-                <a:tc>
-                  <a:txBody>
-                    <a:bodyPr/>
-                    <a:lstStyle/>
-                    <a:p>
-                      <a:r>
-                        <a:rPr lang="en-US" altLang="zh-CN" dirty="0"/>
-                        <a:t>0</a:t>
-                      </a:r>
-                      <a:endParaRPr lang="zh-CN" altLang="en-US" dirty="0"/>
-                    </a:p>
-                  </a:txBody>
-                  <a:tcPr/>
-                </a:tc>
-                <a:extLst>
-                  <a:ext uri="{0D108BD9-81ED-4DB2-BD59-A6C34878D82A}">
-                    <a16:rowId xmlns:a16="http://schemas.microsoft.com/office/drawing/2014/main" val="2566960390"/>
-                  </a:ext>
-                </a:extLst>
-              </a:tr>
-              <a:tr h="1003223">
-                <a:tc>
-                  <a:txBody>
-                    <a:bodyPr/>
-                    <a:lstStyle/>
-                    <a:p>
-                      <a:r>
-                        <a:rPr lang="en-US" altLang="zh-CN" dirty="0"/>
-                        <a:t>1</a:t>
-                      </a:r>
-                      <a:endParaRPr lang="zh-CN" altLang="en-US" dirty="0"/>
-                    </a:p>
-                  </a:txBody>
-                  <a:tcPr/>
-                </a:tc>
-                <a:tc>
-                  <a:txBody>
-                    <a:bodyPr/>
-                    <a:lstStyle/>
-                    <a:p>
-                      <a:r>
-                        <a:rPr lang="en-US" altLang="zh-CN" dirty="0"/>
-                        <a:t>0</a:t>
-                      </a:r>
-                      <a:endParaRPr lang="zh-CN" altLang="en-US" dirty="0"/>
-                    </a:p>
-                  </a:txBody>
-                  <a:tcPr/>
-                </a:tc>
-                <a:tc>
-                  <a:txBody>
-                    <a:bodyPr/>
-                    <a:lstStyle/>
-                    <a:p>
-                      <a:r>
-                        <a:rPr lang="en-US" altLang="zh-CN" dirty="0"/>
-                        <a:t>0</a:t>
-                      </a:r>
-                      <a:endParaRPr lang="zh-CN" altLang="en-US" dirty="0"/>
-                    </a:p>
-                  </a:txBody>
-                  <a:tcPr/>
-                </a:tc>
-                <a:tc>
-                  <a:txBody>
-                    <a:bodyPr/>
-                    <a:lstStyle/>
-                    <a:p>
-                      <a:r>
-                        <a:rPr lang="en-US" altLang="zh-CN" dirty="0"/>
-                        <a:t>0</a:t>
-                      </a:r>
-                      <a:endParaRPr lang="zh-CN" altLang="en-US" dirty="0"/>
-                    </a:p>
-                  </a:txBody>
-                  <a:tcPr/>
-                </a:tc>
-                <a:tc>
-                  <a:txBody>
-                    <a:bodyPr/>
-                    <a:lstStyle/>
-                    <a:p>
-                      <a:r>
-                        <a:rPr lang="en-US" altLang="zh-CN" dirty="0"/>
-                        <a:t>1</a:t>
-                      </a:r>
-                      <a:endParaRPr lang="zh-CN" altLang="en-US" dirty="0"/>
-                    </a:p>
-                  </a:txBody>
-                  <a:tcPr/>
-                </a:tc>
-                <a:extLst>
-                  <a:ext uri="{0D108BD9-81ED-4DB2-BD59-A6C34878D82A}">
-                    <a16:rowId xmlns:a16="http://schemas.microsoft.com/office/drawing/2014/main" val="982097073"/>
-                  </a:ext>
-                </a:extLst>
-              </a:tr>
-            </a:tbl>
-          </a:graphicData>
-        </a:graphic>
-      </p:graphicFrame>
-      <p:cxnSp>
-        <p:nvCxnSpPr>
-          <p:cNvPr id="18" name="Straight Arrow Connector 17"/>
-          <p:cNvCxnSpPr/>
-          <p:nvPr/>
-        </p:nvCxnSpPr>
-        <p:spPr>
-          <a:xfrm>
-            <a:off x="3338191" y="574556"/>
-            <a:ext cx="487210" cy="572481"/>
-          </a:xfrm>
-          <a:prstGeom prst="straightConnector1">
-            <a:avLst/>
-          </a:prstGeom>
-          <a:ln>
-            <a:tailEnd type="triangle"/>
-          </a:ln>
-        </p:spPr>
-        <p:style>
-          <a:lnRef idx="1">
-            <a:schemeClr val="accent1"/>
-          </a:lnRef>
-          <a:fillRef idx="0">
-            <a:schemeClr val="accent1"/>
-          </a:fillRef>
-          <a:effectRef idx="0">
-            <a:schemeClr val="accent1"/>
-          </a:effectRef>
-          <a:fontRef idx="minor">
-            <a:schemeClr val="tx1"/>
-          </a:fontRef>
-        </p:style>
-      </p:cxnSp>
-      <p:sp>
-        <p:nvSpPr>
-          <p:cNvPr id="19" name="TextBox 18"/>
-          <p:cNvSpPr txBox="1"/>
-          <p:nvPr/>
-        </p:nvSpPr>
-        <p:spPr>
-          <a:xfrm>
-            <a:off x="2606671" y="192894"/>
-            <a:ext cx="2743200" cy="369332"/>
-          </a:xfrm>
-          <a:prstGeom prst="rect">
-            <a:avLst/>
-          </a:prstGeom>
-          <a:noFill/>
-        </p:spPr>
-        <p:txBody>
-          <a:bodyPr wrap="square" rtlCol="0">
-            <a:spAutoFit/>
-          </a:bodyPr>
-          <a:lstStyle/>
-          <a:p>
-            <a:r>
-              <a:rPr lang="zh-CN" altLang="en-US" dirty="0">
-                <a:solidFill>
-                  <a:schemeClr val="accent1"/>
-                </a:solidFill>
-              </a:rPr>
-              <a:t>宝牌指示牌算在牌河里</a:t>
-            </a:r>
-          </a:p>
-        </p:txBody>
-      </p:sp>
       <p:graphicFrame>
         <p:nvGraphicFramePr>
           <p:cNvPr id="20" name="Table 19"/>
@@ -4506,14 +4996,14 @@
           <p:nvPr>
             <p:extLst>
               <p:ext uri="{D42A27DB-BD31-4B8C-83A1-F6EECF244321}">
-                <p14:modId xmlns:p14="http://schemas.microsoft.com/office/powerpoint/2010/main" val="2498810133"/>
+                <p14:modId xmlns:p14="http://schemas.microsoft.com/office/powerpoint/2010/main" val="150755222"/>
               </p:ext>
             </p:extLst>
           </p:nvPr>
         </p:nvGraphicFramePr>
         <p:xfrm>
-          <a:off x="9344256" y="1060371"/>
-          <a:ext cx="1700124" cy="5016115"/>
+          <a:off x="9681825" y="1079521"/>
+          <a:ext cx="1412108" cy="5016115"/>
         </p:xfrm>
         <a:graphic>
           <a:graphicData uri="http://schemas.openxmlformats.org/drawingml/2006/table">
@@ -4522,21 +5012,28 @@
                 <a:tableStyleId>{5940675A-B579-460E-94D1-54222C63F5DA}</a:tableStyleId>
               </a:tblPr>
               <a:tblGrid>
-                <a:gridCol w="558510">
+                <a:gridCol w="349183">
+                  <a:extLst>
+                    <a:ext uri="{9D8B030D-6E8A-4147-A177-3AD203B41FA5}">
+                      <a16:colId xmlns:a16="http://schemas.microsoft.com/office/drawing/2014/main" val="3499696285"/>
+                    </a:ext>
+                  </a:extLst>
+                </a:gridCol>
+                <a:gridCol w="349183">
                   <a:extLst>
                     <a:ext uri="{9D8B030D-6E8A-4147-A177-3AD203B41FA5}">
                       <a16:colId xmlns:a16="http://schemas.microsoft.com/office/drawing/2014/main" val="2277985719"/>
                     </a:ext>
                   </a:extLst>
                 </a:gridCol>
-                <a:gridCol w="570807">
+                <a:gridCol w="356871">
                   <a:extLst>
                     <a:ext uri="{9D8B030D-6E8A-4147-A177-3AD203B41FA5}">
                       <a16:colId xmlns:a16="http://schemas.microsoft.com/office/drawing/2014/main" val="1283197851"/>
                     </a:ext>
                   </a:extLst>
                 </a:gridCol>
-                <a:gridCol w="570807">
+                <a:gridCol w="356871">
                   <a:extLst>
                     <a:ext uri="{9D8B030D-6E8A-4147-A177-3AD203B41FA5}">
                       <a16:colId xmlns:a16="http://schemas.microsoft.com/office/drawing/2014/main" val="3342906931"/>
@@ -4552,6 +5049,20 @@
                     <a:p>
                       <a:r>
                         <a:rPr lang="en-US" altLang="zh-CN" dirty="0"/>
+                        <a:t>1</a:t>
+                      </a:r>
+                      <a:endParaRPr lang="zh-CN" altLang="en-US" dirty="0"/>
+                    </a:p>
+                  </a:txBody>
+                  <a:tcPr/>
+                </a:tc>
+                <a:tc>
+                  <a:txBody>
+                    <a:bodyPr/>
+                    <a:lstStyle/>
+                    <a:p>
+                      <a:r>
+                        <a:rPr lang="en-US" altLang="zh-CN" dirty="0"/>
                         <a:t>0</a:t>
                       </a:r>
                       <a:endParaRPr lang="zh-CN" altLang="en-US" dirty="0"/>
@@ -4601,6 +5112,20 @@
                     <a:p>
                       <a:r>
                         <a:rPr lang="en-US" altLang="zh-CN" dirty="0"/>
+                        <a:t>0</a:t>
+                      </a:r>
+                      <a:endParaRPr lang="zh-CN" altLang="en-US" dirty="0"/>
+                    </a:p>
+                  </a:txBody>
+                  <a:tcPr/>
+                </a:tc>
+                <a:tc>
+                  <a:txBody>
+                    <a:bodyPr/>
+                    <a:lstStyle/>
+                    <a:p>
+                      <a:r>
+                        <a:rPr lang="en-US" altLang="zh-CN" dirty="0"/>
                         <a:t>1</a:t>
                       </a:r>
                       <a:endParaRPr lang="zh-CN" altLang="en-US" dirty="0"/>
@@ -4727,6 +5252,34 @@
                   </a:txBody>
                   <a:tcPr/>
                 </a:tc>
+                <a:tc>
+                  <a:txBody>
+                    <a:bodyPr/>
+                    <a:lstStyle/>
+                    <a:p>
+                      <a:r>
+                        <a:rPr lang="zh-CN" altLang="en-US" dirty="0"/>
+                        <a:t>。</a:t>
+                      </a:r>
+                      <a:endParaRPr lang="en-US" altLang="zh-CN" dirty="0"/>
+                    </a:p>
+                    <a:p>
+                      <a:r>
+                        <a:rPr lang="zh-CN" altLang="en-US" dirty="0"/>
+                        <a:t>。</a:t>
+                      </a:r>
+                      <a:endParaRPr lang="en-US" altLang="zh-CN" dirty="0"/>
+                    </a:p>
+                    <a:p>
+                      <a:r>
+                        <a:rPr lang="zh-CN" altLang="en-US" dirty="0"/>
+                        <a:t>。</a:t>
+                      </a:r>
+                      <a:endParaRPr lang="en-US" altLang="zh-CN" dirty="0"/>
+                    </a:p>
+                  </a:txBody>
+                  <a:tcPr/>
+                </a:tc>
                 <a:extLst>
                   <a:ext uri="{0D108BD9-81ED-4DB2-BD59-A6C34878D82A}">
                     <a16:rowId xmlns:a16="http://schemas.microsoft.com/office/drawing/2014/main" val="1239612584"/>
@@ -4776,6 +5329,20 @@
                   </a:txBody>
                   <a:tcPr/>
                 </a:tc>
+                <a:tc>
+                  <a:txBody>
+                    <a:bodyPr/>
+                    <a:lstStyle/>
+                    <a:p>
+                      <a:r>
+                        <a:rPr lang="en-US" altLang="zh-CN" dirty="0"/>
+                        <a:t>0</a:t>
+                      </a:r>
+                      <a:endParaRPr lang="zh-CN" altLang="en-US" dirty="0"/>
+                    </a:p>
+                  </a:txBody>
+                  <a:tcPr/>
+                </a:tc>
                 <a:extLst>
                   <a:ext uri="{0D108BD9-81ED-4DB2-BD59-A6C34878D82A}">
                     <a16:rowId xmlns:a16="http://schemas.microsoft.com/office/drawing/2014/main" val="1445034123"/>
@@ -4783,6 +5350,20 @@
                 </a:extLst>
               </a:tr>
               <a:tr h="1003223">
+                <a:tc>
+                  <a:txBody>
+                    <a:bodyPr/>
+                    <a:lstStyle/>
+                    <a:p>
+                      <a:r>
+                        <a:rPr lang="en-US" altLang="zh-CN" dirty="0"/>
+                        <a:t>0</a:t>
+                      </a:r>
+                      <a:endParaRPr lang="zh-CN" altLang="en-US" dirty="0"/>
+                    </a:p>
+                  </a:txBody>
+                  <a:tcPr/>
+                </a:tc>
                 <a:tc>
                   <a:txBody>
                     <a:bodyPr/>
@@ -4843,7 +5424,7 @@
         </p:nvSpPr>
         <p:spPr>
           <a:xfrm>
-            <a:off x="3622280" y="6141229"/>
+            <a:off x="6604783" y="6102037"/>
             <a:ext cx="3591098" cy="276999"/>
           </a:xfrm>
           <a:prstGeom prst="rect">
@@ -4887,7 +5468,7 @@
             </a:r>
             <a:r>
               <a:rPr lang="zh-CN" altLang="en-US" sz="1200" dirty="0"/>
-              <a:t>张   是否手切</a:t>
+              <a:t>张   手切  红宝 立直</a:t>
             </a:r>
           </a:p>
         </p:txBody>
@@ -4900,8 +5481,8 @@
         </p:nvSpPr>
         <p:spPr>
           <a:xfrm>
-            <a:off x="9124922" y="6076484"/>
-            <a:ext cx="2000596" cy="338554"/>
+            <a:off x="9644720" y="6188314"/>
+            <a:ext cx="2000596" cy="276999"/>
           </a:xfrm>
           <a:prstGeom prst="rect">
             <a:avLst/>
@@ -4915,26 +5496,10 @@
           <a:lstStyle/>
           <a:p>
             <a:r>
-              <a:rPr lang="zh-CN" altLang="en-US" sz="1600" dirty="0"/>
-              <a:t>宝牌</a:t>
-            </a:r>
-            <a:r>
-              <a:rPr lang="en-US" altLang="zh-CN" sz="1600" dirty="0"/>
-              <a:t>(</a:t>
-            </a:r>
-            <a:r>
-              <a:rPr lang="zh-CN" altLang="en-US" sz="1600" dirty="0"/>
-              <a:t>数</a:t>
-            </a:r>
-            <a:r>
-              <a:rPr lang="en-US" altLang="zh-CN" sz="1600" dirty="0"/>
-              <a:t>)</a:t>
-            </a:r>
-            <a:r>
-              <a:rPr lang="zh-CN" altLang="en-US" sz="1600" dirty="0"/>
-              <a:t>  场风  自风</a:t>
-            </a:r>
-            <a:endParaRPr lang="en-US" altLang="zh-CN" sz="1600" dirty="0"/>
+              <a:rPr lang="zh-CN" altLang="en-US" sz="1200" dirty="0"/>
+              <a:t>宝指 宝牌  场风  自风 </a:t>
+            </a:r>
+            <a:endParaRPr lang="en-US" altLang="zh-CN" sz="1200" dirty="0"/>
           </a:p>
         </p:txBody>
       </p:sp>
@@ -5019,14 +5584,14 @@
           <p:nvPr>
             <p:extLst>
               <p:ext uri="{D42A27DB-BD31-4B8C-83A1-F6EECF244321}">
-                <p14:modId xmlns:p14="http://schemas.microsoft.com/office/powerpoint/2010/main" val="4214181342"/>
+                <p14:modId xmlns:p14="http://schemas.microsoft.com/office/powerpoint/2010/main" val="2371918191"/>
               </p:ext>
             </p:extLst>
           </p:nvPr>
         </p:nvGraphicFramePr>
         <p:xfrm>
           <a:off x="11276214" y="1060369"/>
-          <a:ext cx="905856" cy="5016115"/>
+          <a:ext cx="452928" cy="5016115"/>
         </p:xfrm>
         <a:graphic>
           <a:graphicData uri="http://schemas.openxmlformats.org/drawingml/2006/table">
@@ -5042,29 +5607,8 @@
                     </a:ext>
                   </a:extLst>
                 </a:gridCol>
-                <a:gridCol w="452928">
-                  <a:extLst>
-                    <a:ext uri="{9D8B030D-6E8A-4147-A177-3AD203B41FA5}">
-                      <a16:colId xmlns:a16="http://schemas.microsoft.com/office/drawing/2014/main" val="1283197851"/>
-                    </a:ext>
-                  </a:extLst>
-                </a:gridCol>
               </a:tblGrid>
               <a:tr h="1003223">
-                <a:tc>
-                  <a:txBody>
-                    <a:bodyPr/>
-                    <a:lstStyle/>
-                    <a:p>
-                      <a:r>
-                        <a:rPr lang="en-US" altLang="zh-CN" dirty="0"/>
-                        <a:t>0</a:t>
-                      </a:r>
-                      <a:endParaRPr lang="zh-CN" altLang="en-US" dirty="0"/>
-                    </a:p>
-                  </a:txBody>
-                  <a:tcPr/>
-                </a:tc>
                 <a:tc>
                   <a:txBody>
                     <a:bodyPr/>
@@ -5100,20 +5644,6 @@
                   </a:txBody>
                   <a:tcPr/>
                 </a:tc>
-                <a:tc>
-                  <a:txBody>
-                    <a:bodyPr/>
-                    <a:lstStyle/>
-                    <a:p>
-                      <a:r>
-                        <a:rPr lang="en-US" altLang="zh-CN" dirty="0"/>
-                        <a:t>0</a:t>
-                      </a:r>
-                      <a:endParaRPr lang="zh-CN" altLang="en-US" dirty="0"/>
-                    </a:p>
-                  </a:txBody>
-                  <a:tcPr/>
-                </a:tc>
                 <a:extLst>
                   <a:ext uri="{0D108BD9-81ED-4DB2-BD59-A6C34878D82A}">
                     <a16:rowId xmlns:a16="http://schemas.microsoft.com/office/drawing/2014/main" val="1938396450"/>
@@ -5149,34 +5679,6 @@
                   </a:txBody>
                   <a:tcPr/>
                 </a:tc>
-                <a:tc>
-                  <a:txBody>
-                    <a:bodyPr/>
-                    <a:lstStyle/>
-                    <a:p>
-                      <a:r>
-                        <a:rPr lang="zh-CN" altLang="en-US" dirty="0"/>
-                        <a:t>。</a:t>
-                      </a:r>
-                      <a:endParaRPr lang="en-US" altLang="zh-CN" dirty="0"/>
-                    </a:p>
-                    <a:p>
-                      <a:r>
-                        <a:rPr lang="zh-CN" altLang="en-US" dirty="0"/>
-                        <a:t>。</a:t>
-                      </a:r>
-                      <a:endParaRPr lang="en-US" altLang="zh-CN" dirty="0"/>
-                    </a:p>
-                    <a:p>
-                      <a:r>
-                        <a:rPr lang="zh-CN" altLang="en-US" dirty="0"/>
-                        <a:t>。</a:t>
-                      </a:r>
-                      <a:endParaRPr lang="en-US" altLang="zh-CN" dirty="0"/>
-                    </a:p>
-                  </a:txBody>
-                  <a:tcPr/>
-                </a:tc>
                 <a:extLst>
                   <a:ext uri="{0D108BD9-81ED-4DB2-BD59-A6C34878D82A}">
                     <a16:rowId xmlns:a16="http://schemas.microsoft.com/office/drawing/2014/main" val="1239612584"/>
@@ -5198,20 +5700,6 @@
                   </a:txBody>
                   <a:tcPr/>
                 </a:tc>
-                <a:tc>
-                  <a:txBody>
-                    <a:bodyPr/>
-                    <a:lstStyle/>
-                    <a:p>
-                      <a:r>
-                        <a:rPr lang="en-US" altLang="zh-CN" dirty="0"/>
-                        <a:t>0</a:t>
-                      </a:r>
-                      <a:endParaRPr lang="zh-CN" altLang="en-US" dirty="0"/>
-                    </a:p>
-                  </a:txBody>
-                  <a:tcPr/>
-                </a:tc>
                 <a:extLst>
                   <a:ext uri="{0D108BD9-81ED-4DB2-BD59-A6C34878D82A}">
                     <a16:rowId xmlns:a16="http://schemas.microsoft.com/office/drawing/2014/main" val="1445034123"/>
@@ -5219,20 +5707,6 @@
                 </a:extLst>
               </a:tr>
               <a:tr h="1003223">
-                <a:tc>
-                  <a:txBody>
-                    <a:bodyPr/>
-                    <a:lstStyle/>
-                    <a:p>
-                      <a:r>
-                        <a:rPr lang="en-US" altLang="zh-CN" dirty="0"/>
-                        <a:t>0</a:t>
-                      </a:r>
-                      <a:endParaRPr lang="zh-CN" altLang="en-US" dirty="0"/>
-                    </a:p>
-                  </a:txBody>
-                  <a:tcPr/>
-                </a:tc>
                 <a:tc>
                   <a:txBody>
                     <a:bodyPr/>
@@ -5265,8 +5739,8 @@
         </p:nvSpPr>
         <p:spPr>
           <a:xfrm>
-            <a:off x="11143483" y="6076484"/>
-            <a:ext cx="1781383" cy="307777"/>
+            <a:off x="11347235" y="6193368"/>
+            <a:ext cx="602109" cy="307777"/>
           </a:xfrm>
           <a:prstGeom prst="rect">
             <a:avLst/>
@@ -5281,15 +5755,7 @@
           <a:p>
             <a:r>
               <a:rPr lang="zh-CN" altLang="en-US" sz="1400" dirty="0"/>
-              <a:t>打牌  打</a:t>
-            </a:r>
-            <a:r>
-              <a:rPr lang="en-US" altLang="zh-CN" sz="1400" dirty="0"/>
-              <a:t>+</a:t>
-            </a:r>
-            <a:r>
-              <a:rPr lang="zh-CN" altLang="en-US" sz="1400" dirty="0"/>
-              <a:t>立</a:t>
+              <a:t>悬牌</a:t>
             </a:r>
             <a:endParaRPr lang="en-US" altLang="zh-CN" sz="1400" dirty="0"/>
           </a:p>
@@ -5304,14 +5770,14 @@
           <p:nvPr>
             <p:extLst>
               <p:ext uri="{D42A27DB-BD31-4B8C-83A1-F6EECF244321}">
-                <p14:modId xmlns:p14="http://schemas.microsoft.com/office/powerpoint/2010/main" val="711694367"/>
+                <p14:modId xmlns:p14="http://schemas.microsoft.com/office/powerpoint/2010/main" val="2912220368"/>
               </p:ext>
             </p:extLst>
           </p:nvPr>
         </p:nvGraphicFramePr>
         <p:xfrm>
-          <a:off x="6579629" y="1145913"/>
-          <a:ext cx="1972138" cy="5016115"/>
+          <a:off x="4262028" y="1092887"/>
+          <a:ext cx="2219504" cy="5016115"/>
         </p:xfrm>
         <a:graphic>
           <a:graphicData uri="http://schemas.openxmlformats.org/drawingml/2006/table">
@@ -5320,41 +5786,48 @@
                 <a:tableStyleId>{5940675A-B579-460E-94D1-54222C63F5DA}</a:tableStyleId>
               </a:tblPr>
               <a:tblGrid>
-                <a:gridCol w="422331">
+                <a:gridCol w="406771">
                   <a:extLst>
                     <a:ext uri="{9D8B030D-6E8A-4147-A177-3AD203B41FA5}">
                       <a16:colId xmlns:a16="http://schemas.microsoft.com/office/drawing/2014/main" val="1641402817"/>
                     </a:ext>
                   </a:extLst>
                 </a:gridCol>
-                <a:gridCol w="422331">
+                <a:gridCol w="406771">
                   <a:extLst>
                     <a:ext uri="{9D8B030D-6E8A-4147-A177-3AD203B41FA5}">
                       <a16:colId xmlns:a16="http://schemas.microsoft.com/office/drawing/2014/main" val="3165536729"/>
                     </a:ext>
                   </a:extLst>
                 </a:gridCol>
-                <a:gridCol w="422331">
+                <a:gridCol w="406771">
                   <a:extLst>
                     <a:ext uri="{9D8B030D-6E8A-4147-A177-3AD203B41FA5}">
                       <a16:colId xmlns:a16="http://schemas.microsoft.com/office/drawing/2014/main" val="1808853389"/>
                     </a:ext>
                   </a:extLst>
                 </a:gridCol>
-                <a:gridCol w="372880">
+                <a:gridCol w="359143">
                   <a:extLst>
                     <a:ext uri="{9D8B030D-6E8A-4147-A177-3AD203B41FA5}">
                       <a16:colId xmlns:a16="http://schemas.microsoft.com/office/drawing/2014/main" val="2202860885"/>
                     </a:ext>
                   </a:extLst>
                 </a:gridCol>
-                <a:gridCol w="332265">
+                <a:gridCol w="320024">
                   <a:extLst>
                     <a:ext uri="{9D8B030D-6E8A-4147-A177-3AD203B41FA5}">
                       <a16:colId xmlns:a16="http://schemas.microsoft.com/office/drawing/2014/main" val="336326696"/>
                     </a:ext>
                   </a:extLst>
                 </a:gridCol>
+                <a:gridCol w="320024">
+                  <a:extLst>
+                    <a:ext uri="{9D8B030D-6E8A-4147-A177-3AD203B41FA5}">
+                      <a16:colId xmlns:a16="http://schemas.microsoft.com/office/drawing/2014/main" val="3218785017"/>
+                    </a:ext>
+                  </a:extLst>
+                </a:gridCol>
               </a:tblGrid>
               <a:tr h="1003223">
                 <a:tc>
@@ -5431,6 +5904,20 @@
                           <a:schemeClr val="tx1"/>
                         </a:solidFill>
                       </a:endParaRPr>
+                    </a:p>
+                  </a:txBody>
+                  <a:tcPr/>
+                </a:tc>
+                <a:tc>
+                  <a:txBody>
+                    <a:bodyPr/>
+                    <a:lstStyle/>
+                    <a:p>
+                      <a:r>
+                        <a:rPr lang="en-US" altLang="zh-CN" dirty="0"/>
+                        <a:t>0</a:t>
+                      </a:r>
+                      <a:endParaRPr lang="zh-CN" altLang="en-US" dirty="0"/>
                     </a:p>
                   </a:txBody>
                   <a:tcPr/>
@@ -5520,6 +6007,20 @@
                   </a:txBody>
                   <a:tcPr/>
                 </a:tc>
+                <a:tc>
+                  <a:txBody>
+                    <a:bodyPr/>
+                    <a:lstStyle/>
+                    <a:p>
+                      <a:r>
+                        <a:rPr lang="en-US" altLang="zh-CN" dirty="0"/>
+                        <a:t>0</a:t>
+                      </a:r>
+                      <a:endParaRPr lang="zh-CN" altLang="en-US" dirty="0"/>
+                    </a:p>
+                  </a:txBody>
+                  <a:tcPr/>
+                </a:tc>
                 <a:extLst>
                   <a:ext uri="{0D108BD9-81ED-4DB2-BD59-A6C34878D82A}">
                     <a16:rowId xmlns:a16="http://schemas.microsoft.com/office/drawing/2014/main" val="4039626908"/>
@@ -5691,6 +6192,34 @@
                   </a:txBody>
                   <a:tcPr/>
                 </a:tc>
+                <a:tc>
+                  <a:txBody>
+                    <a:bodyPr/>
+                    <a:lstStyle/>
+                    <a:p>
+                      <a:r>
+                        <a:rPr lang="zh-CN" altLang="en-US" dirty="0"/>
+                        <a:t>。</a:t>
+                      </a:r>
+                      <a:endParaRPr lang="en-US" altLang="zh-CN" dirty="0"/>
+                    </a:p>
+                    <a:p>
+                      <a:r>
+                        <a:rPr lang="zh-CN" altLang="en-US" dirty="0"/>
+                        <a:t>。</a:t>
+                      </a:r>
+                      <a:endParaRPr lang="en-US" altLang="zh-CN" dirty="0"/>
+                    </a:p>
+                    <a:p>
+                      <a:r>
+                        <a:rPr lang="zh-CN" altLang="en-US" dirty="0"/>
+                        <a:t>。</a:t>
+                      </a:r>
+                      <a:endParaRPr lang="en-US" altLang="zh-CN" dirty="0"/>
+                    </a:p>
+                  </a:txBody>
+                  <a:tcPr/>
+                </a:tc>
                 <a:extLst>
                   <a:ext uri="{0D108BD9-81ED-4DB2-BD59-A6C34878D82A}">
                     <a16:rowId xmlns:a16="http://schemas.microsoft.com/office/drawing/2014/main" val="3174088487"/>
@@ -5776,6 +6305,20 @@
                   </a:txBody>
                   <a:tcPr/>
                 </a:tc>
+                <a:tc>
+                  <a:txBody>
+                    <a:bodyPr/>
+                    <a:lstStyle/>
+                    <a:p>
+                      <a:r>
+                        <a:rPr lang="en-US" altLang="zh-CN" dirty="0"/>
+                        <a:t>0</a:t>
+                      </a:r>
+                      <a:endParaRPr lang="zh-CN" altLang="en-US" dirty="0"/>
+                    </a:p>
+                  </a:txBody>
+                  <a:tcPr/>
+                </a:tc>
                 <a:extLst>
                   <a:ext uri="{0D108BD9-81ED-4DB2-BD59-A6C34878D82A}">
                     <a16:rowId xmlns:a16="http://schemas.microsoft.com/office/drawing/2014/main" val="2566960390"/>
@@ -5857,6 +6400,20 @@
                           <a:schemeClr val="tx1"/>
                         </a:solidFill>
                       </a:endParaRPr>
+                    </a:p>
+                  </a:txBody>
+                  <a:tcPr/>
+                </a:tc>
+                <a:tc>
+                  <a:txBody>
+                    <a:bodyPr/>
+                    <a:lstStyle/>
+                    <a:p>
+                      <a:r>
+                        <a:rPr lang="en-US" altLang="zh-CN" dirty="0"/>
+                        <a:t>0</a:t>
+                      </a:r>
+                      <a:endParaRPr lang="zh-CN" altLang="en-US" dirty="0"/>
                     </a:p>
                   </a:txBody>
                   <a:tcPr/>
@@ -5879,7 +6436,7 @@
         </p:nvSpPr>
         <p:spPr>
           <a:xfrm>
-            <a:off x="6751291" y="616717"/>
+            <a:off x="4149606" y="555331"/>
             <a:ext cx="2675779" cy="369332"/>
           </a:xfrm>
           <a:prstGeom prst="rect">
@@ -5916,7 +6473,7 @@
         </p:nvSpPr>
         <p:spPr>
           <a:xfrm>
-            <a:off x="6656003" y="6138039"/>
+            <a:off x="4338403" y="6085013"/>
             <a:ext cx="2675779" cy="276999"/>
           </a:xfrm>
           <a:prstGeom prst="rect">
@@ -5960,7 +6517,7 @@
             </a:r>
             <a:r>
               <a:rPr lang="zh-CN" altLang="en-US" sz="1200" dirty="0"/>
-              <a:t>张    哪张被鸣</a:t>
+              <a:t>张   哪张鸣 红宝</a:t>
             </a:r>
           </a:p>
         </p:txBody>
@@ -5995,9 +6552,952 @@
           <a:p>
             <a:r>
               <a:rPr lang="en-US" altLang="zh-CN" dirty="0"/>
-              <a:t>5                    +                  20                       +                      20             +       3        +      2     =   50</a:t>
+              <a:t>     6                       +                      24                    +          28           +            4         +      1     =   63</a:t>
             </a:r>
             <a:endParaRPr lang="zh-CN" altLang="en-US" dirty="0"/>
+          </a:p>
+        </p:txBody>
+      </p:sp>
+      <p:sp>
+        <p:nvSpPr>
+          <p:cNvPr id="13" name="TextBox 12">
+            <a:extLst>
+              <a:ext uri="{FF2B5EF4-FFF2-40B4-BE49-F238E27FC236}">
+                <a16:creationId xmlns:a16="http://schemas.microsoft.com/office/drawing/2014/main" id="{91860B4B-C92F-4E13-ADA9-8CDBF444C739}"/>
+              </a:ext>
+            </a:extLst>
+          </p:cNvPr>
+          <p:cNvSpPr txBox="1"/>
+          <p:nvPr/>
+        </p:nvSpPr>
+        <p:spPr>
+          <a:xfrm>
+            <a:off x="5858841" y="223369"/>
+            <a:ext cx="1793328" cy="331962"/>
+          </a:xfrm>
+          <a:prstGeom prst="rect">
+            <a:avLst/>
+          </a:prstGeom>
+          <a:noFill/>
+        </p:spPr>
+        <p:txBody>
+          <a:bodyPr wrap="square" rtlCol="0">
+            <a:spAutoFit/>
+          </a:bodyPr>
+          <a:lstStyle/>
+          <a:p>
+            <a:endParaRPr lang="zh-CN" altLang="en-US" dirty="0"/>
+          </a:p>
+        </p:txBody>
+      </p:sp>
+      <p:sp>
+        <p:nvSpPr>
+          <p:cNvPr id="17" name="TextBox 16">
+            <a:extLst>
+              <a:ext uri="{FF2B5EF4-FFF2-40B4-BE49-F238E27FC236}">
+                <a16:creationId xmlns:a16="http://schemas.microsoft.com/office/drawing/2014/main" id="{E3A9466D-898A-4930-9F7D-BA66D80818E7}"/>
+              </a:ext>
+            </a:extLst>
+          </p:cNvPr>
+          <p:cNvSpPr txBox="1"/>
+          <p:nvPr/>
+        </p:nvSpPr>
+        <p:spPr>
+          <a:xfrm>
+            <a:off x="9856752" y="660113"/>
+            <a:ext cx="1237181" cy="369332"/>
+          </a:xfrm>
+          <a:prstGeom prst="rect">
+            <a:avLst/>
+          </a:prstGeom>
+          <a:noFill/>
+        </p:spPr>
+        <p:txBody>
+          <a:bodyPr wrap="square" rtlCol="0">
+            <a:spAutoFit/>
+          </a:bodyPr>
+          <a:lstStyle/>
+          <a:p>
+            <a:r>
+              <a:rPr lang="zh-CN" altLang="en-US" dirty="0"/>
+              <a:t>场内信息</a:t>
+            </a:r>
+          </a:p>
+        </p:txBody>
+      </p:sp>
+      <p:sp>
+        <p:nvSpPr>
+          <p:cNvPr id="21" name="TextBox 20">
+            <a:extLst>
+              <a:ext uri="{FF2B5EF4-FFF2-40B4-BE49-F238E27FC236}">
+                <a16:creationId xmlns:a16="http://schemas.microsoft.com/office/drawing/2014/main" id="{2252350A-2380-4156-9DFD-5209853427E8}"/>
+              </a:ext>
+            </a:extLst>
+          </p:cNvPr>
+          <p:cNvSpPr txBox="1"/>
+          <p:nvPr/>
+        </p:nvSpPr>
+        <p:spPr>
+          <a:xfrm>
+            <a:off x="11135747" y="673121"/>
+            <a:ext cx="1237181" cy="369332"/>
+          </a:xfrm>
+          <a:prstGeom prst="rect">
+            <a:avLst/>
+          </a:prstGeom>
+          <a:noFill/>
+        </p:spPr>
+        <p:txBody>
+          <a:bodyPr wrap="square" rtlCol="0">
+            <a:spAutoFit/>
+          </a:bodyPr>
+          <a:lstStyle/>
+          <a:p>
+            <a:r>
+              <a:rPr lang="zh-CN" altLang="en-US" dirty="0"/>
+              <a:t>   * </a:t>
+            </a:r>
+          </a:p>
+        </p:txBody>
+      </p:sp>
+      <p:graphicFrame>
+        <p:nvGraphicFramePr>
+          <p:cNvPr id="37" name="Table 36">
+            <a:extLst>
+              <a:ext uri="{FF2B5EF4-FFF2-40B4-BE49-F238E27FC236}">
+                <a16:creationId xmlns:a16="http://schemas.microsoft.com/office/drawing/2014/main" id="{F24B123A-3160-46F6-81A7-5D2BD4CE2B89}"/>
+              </a:ext>
+            </a:extLst>
+          </p:cNvPr>
+          <p:cNvGraphicFramePr>
+            <a:graphicFrameLocks noGrp="1"/>
+          </p:cNvGraphicFramePr>
+          <p:nvPr>
+            <p:extLst>
+              <p:ext uri="{D42A27DB-BD31-4B8C-83A1-F6EECF244321}">
+                <p14:modId xmlns:p14="http://schemas.microsoft.com/office/powerpoint/2010/main" val="3247513715"/>
+              </p:ext>
+            </p:extLst>
+          </p:nvPr>
+        </p:nvGraphicFramePr>
+        <p:xfrm>
+          <a:off x="1015051" y="1074170"/>
+          <a:ext cx="2959194" cy="5016115"/>
+        </p:xfrm>
+        <a:graphic>
+          <a:graphicData uri="http://schemas.openxmlformats.org/drawingml/2006/table">
+            <a:tbl>
+              <a:tblPr firstRow="1" bandRow="1">
+                <a:tableStyleId>{5940675A-B579-460E-94D1-54222C63F5DA}</a:tableStyleId>
+              </a:tblPr>
+              <a:tblGrid>
+                <a:gridCol w="514367">
+                  <a:extLst>
+                    <a:ext uri="{9D8B030D-6E8A-4147-A177-3AD203B41FA5}">
+                      <a16:colId xmlns:a16="http://schemas.microsoft.com/office/drawing/2014/main" val="1641402817"/>
+                    </a:ext>
+                  </a:extLst>
+                </a:gridCol>
+                <a:gridCol w="514367">
+                  <a:extLst>
+                    <a:ext uri="{9D8B030D-6E8A-4147-A177-3AD203B41FA5}">
+                      <a16:colId xmlns:a16="http://schemas.microsoft.com/office/drawing/2014/main" val="3165536729"/>
+                    </a:ext>
+                  </a:extLst>
+                </a:gridCol>
+                <a:gridCol w="514367">
+                  <a:extLst>
+                    <a:ext uri="{9D8B030D-6E8A-4147-A177-3AD203B41FA5}">
+                      <a16:colId xmlns:a16="http://schemas.microsoft.com/office/drawing/2014/main" val="1808853389"/>
+                    </a:ext>
+                  </a:extLst>
+                </a:gridCol>
+                <a:gridCol w="514367">
+                  <a:extLst>
+                    <a:ext uri="{9D8B030D-6E8A-4147-A177-3AD203B41FA5}">
+                      <a16:colId xmlns:a16="http://schemas.microsoft.com/office/drawing/2014/main" val="2202860885"/>
+                    </a:ext>
+                  </a:extLst>
+                </a:gridCol>
+                <a:gridCol w="514367">
+                  <a:extLst>
+                    <a:ext uri="{9D8B030D-6E8A-4147-A177-3AD203B41FA5}">
+                      <a16:colId xmlns:a16="http://schemas.microsoft.com/office/drawing/2014/main" val="1560449329"/>
+                    </a:ext>
+                  </a:extLst>
+                </a:gridCol>
+                <a:gridCol w="387359">
+                  <a:extLst>
+                    <a:ext uri="{9D8B030D-6E8A-4147-A177-3AD203B41FA5}">
+                      <a16:colId xmlns:a16="http://schemas.microsoft.com/office/drawing/2014/main" val="3964903828"/>
+                    </a:ext>
+                  </a:extLst>
+                </a:gridCol>
+              </a:tblGrid>
+              <a:tr h="1003223">
+                <a:tc>
+                  <a:txBody>
+                    <a:bodyPr/>
+                    <a:lstStyle/>
+                    <a:p>
+                      <a:r>
+                        <a:rPr lang="en-US" altLang="zh-CN" dirty="0"/>
+                        <a:t>1</a:t>
+                      </a:r>
+                      <a:endParaRPr lang="zh-CN" altLang="en-US" dirty="0"/>
+                    </a:p>
+                  </a:txBody>
+                  <a:tcPr/>
+                </a:tc>
+                <a:tc>
+                  <a:txBody>
+                    <a:bodyPr/>
+                    <a:lstStyle/>
+                    <a:p>
+                      <a:r>
+                        <a:rPr lang="en-US" altLang="zh-CN" dirty="0"/>
+                        <a:t>0</a:t>
+                      </a:r>
+                      <a:endParaRPr lang="zh-CN" altLang="en-US" dirty="0"/>
+                    </a:p>
+                  </a:txBody>
+                  <a:tcPr/>
+                </a:tc>
+                <a:tc>
+                  <a:txBody>
+                    <a:bodyPr/>
+                    <a:lstStyle/>
+                    <a:p>
+                      <a:r>
+                        <a:rPr lang="en-US" altLang="zh-CN" dirty="0"/>
+                        <a:t>0</a:t>
+                      </a:r>
+                      <a:endParaRPr lang="zh-CN" altLang="en-US" dirty="0"/>
+                    </a:p>
+                  </a:txBody>
+                  <a:tcPr/>
+                </a:tc>
+                <a:tc>
+                  <a:txBody>
+                    <a:bodyPr/>
+                    <a:lstStyle/>
+                    <a:p>
+                      <a:r>
+                        <a:rPr lang="en-US" altLang="zh-CN" dirty="0"/>
+                        <a:t>0</a:t>
+                      </a:r>
+                      <a:endParaRPr lang="zh-CN" altLang="en-US" dirty="0"/>
+                    </a:p>
+                  </a:txBody>
+                  <a:tcPr/>
+                </a:tc>
+                <a:tc>
+                  <a:txBody>
+                    <a:bodyPr/>
+                    <a:lstStyle/>
+                    <a:p>
+                      <a:r>
+                        <a:rPr lang="en-US" altLang="zh-CN" dirty="0"/>
+                        <a:t>0</a:t>
+                      </a:r>
+                      <a:endParaRPr lang="zh-CN" altLang="en-US" dirty="0"/>
+                    </a:p>
+                  </a:txBody>
+                  <a:tcPr/>
+                </a:tc>
+                <a:tc>
+                  <a:txBody>
+                    <a:bodyPr/>
+                    <a:lstStyle/>
+                    <a:p>
+                      <a:r>
+                        <a:rPr lang="en-US" altLang="zh-CN" dirty="0"/>
+                        <a:t>0</a:t>
+                      </a:r>
+                      <a:endParaRPr lang="zh-CN" altLang="en-US" dirty="0"/>
+                    </a:p>
+                  </a:txBody>
+                  <a:tcPr/>
+                </a:tc>
+                <a:extLst>
+                  <a:ext uri="{0D108BD9-81ED-4DB2-BD59-A6C34878D82A}">
+                    <a16:rowId xmlns:a16="http://schemas.microsoft.com/office/drawing/2014/main" val="4214957650"/>
+                  </a:ext>
+                </a:extLst>
+              </a:tr>
+              <a:tr h="1003223">
+                <a:tc>
+                  <a:txBody>
+                    <a:bodyPr/>
+                    <a:lstStyle/>
+                    <a:p>
+                      <a:r>
+                        <a:rPr lang="en-US" altLang="zh-CN" dirty="0"/>
+                        <a:t>1</a:t>
+                      </a:r>
+                      <a:endParaRPr lang="zh-CN" altLang="en-US" dirty="0"/>
+                    </a:p>
+                  </a:txBody>
+                  <a:tcPr/>
+                </a:tc>
+                <a:tc>
+                  <a:txBody>
+                    <a:bodyPr/>
+                    <a:lstStyle/>
+                    <a:p>
+                      <a:r>
+                        <a:rPr lang="en-US" altLang="zh-CN" dirty="0"/>
+                        <a:t>1</a:t>
+                      </a:r>
+                      <a:endParaRPr lang="zh-CN" altLang="en-US" dirty="0"/>
+                    </a:p>
+                  </a:txBody>
+                  <a:tcPr/>
+                </a:tc>
+                <a:tc>
+                  <a:txBody>
+                    <a:bodyPr/>
+                    <a:lstStyle/>
+                    <a:p>
+                      <a:r>
+                        <a:rPr lang="en-US" altLang="zh-CN" dirty="0"/>
+                        <a:t>0</a:t>
+                      </a:r>
+                      <a:endParaRPr lang="zh-CN" altLang="en-US" dirty="0"/>
+                    </a:p>
+                  </a:txBody>
+                  <a:tcPr/>
+                </a:tc>
+                <a:tc>
+                  <a:txBody>
+                    <a:bodyPr/>
+                    <a:lstStyle/>
+                    <a:p>
+                      <a:r>
+                        <a:rPr lang="en-US" altLang="zh-CN" dirty="0"/>
+                        <a:t>0</a:t>
+                      </a:r>
+                      <a:endParaRPr lang="zh-CN" altLang="en-US" dirty="0"/>
+                    </a:p>
+                  </a:txBody>
+                  <a:tcPr/>
+                </a:tc>
+                <a:tc>
+                  <a:txBody>
+                    <a:bodyPr/>
+                    <a:lstStyle/>
+                    <a:p>
+                      <a:r>
+                        <a:rPr lang="en-US" altLang="zh-CN" dirty="0"/>
+                        <a:t>2</a:t>
+                      </a:r>
+                      <a:endParaRPr lang="zh-CN" altLang="en-US" dirty="0"/>
+                    </a:p>
+                  </a:txBody>
+                  <a:tcPr/>
+                </a:tc>
+                <a:tc>
+                  <a:txBody>
+                    <a:bodyPr/>
+                    <a:lstStyle/>
+                    <a:p>
+                      <a:r>
+                        <a:rPr lang="en-US" altLang="zh-CN" dirty="0"/>
+                        <a:t>0</a:t>
+                      </a:r>
+                      <a:endParaRPr lang="zh-CN" altLang="en-US" dirty="0"/>
+                    </a:p>
+                  </a:txBody>
+                  <a:tcPr/>
+                </a:tc>
+                <a:extLst>
+                  <a:ext uri="{0D108BD9-81ED-4DB2-BD59-A6C34878D82A}">
+                    <a16:rowId xmlns:a16="http://schemas.microsoft.com/office/drawing/2014/main" val="4039626908"/>
+                  </a:ext>
+                </a:extLst>
+              </a:tr>
+              <a:tr h="1003223">
+                <a:tc>
+                  <a:txBody>
+                    <a:bodyPr/>
+                    <a:lstStyle/>
+                    <a:p>
+                      <a:r>
+                        <a:rPr lang="zh-CN" altLang="en-US" dirty="0"/>
+                        <a:t>。</a:t>
+                      </a:r>
+                      <a:endParaRPr lang="en-US" altLang="zh-CN" dirty="0"/>
+                    </a:p>
+                    <a:p>
+                      <a:r>
+                        <a:rPr lang="zh-CN" altLang="en-US" dirty="0"/>
+                        <a:t>。</a:t>
+                      </a:r>
+                      <a:endParaRPr lang="en-US" altLang="zh-CN" dirty="0"/>
+                    </a:p>
+                    <a:p>
+                      <a:r>
+                        <a:rPr lang="zh-CN" altLang="en-US" dirty="0"/>
+                        <a:t>。</a:t>
+                      </a:r>
+                      <a:endParaRPr lang="en-US" altLang="zh-CN" dirty="0"/>
+                    </a:p>
+                  </a:txBody>
+                  <a:tcPr/>
+                </a:tc>
+                <a:tc>
+                  <a:txBody>
+                    <a:bodyPr/>
+                    <a:lstStyle/>
+                    <a:p>
+                      <a:r>
+                        <a:rPr lang="zh-CN" altLang="en-US" dirty="0"/>
+                        <a:t>。</a:t>
+                      </a:r>
+                      <a:endParaRPr lang="en-US" altLang="zh-CN" dirty="0"/>
+                    </a:p>
+                    <a:p>
+                      <a:r>
+                        <a:rPr lang="zh-CN" altLang="en-US" dirty="0"/>
+                        <a:t>。</a:t>
+                      </a:r>
+                      <a:endParaRPr lang="en-US" altLang="zh-CN" dirty="0"/>
+                    </a:p>
+                    <a:p>
+                      <a:r>
+                        <a:rPr lang="zh-CN" altLang="en-US" dirty="0"/>
+                        <a:t>。</a:t>
+                      </a:r>
+                      <a:endParaRPr lang="en-US" altLang="zh-CN" dirty="0"/>
+                    </a:p>
+                  </a:txBody>
+                  <a:tcPr/>
+                </a:tc>
+                <a:tc>
+                  <a:txBody>
+                    <a:bodyPr/>
+                    <a:lstStyle/>
+                    <a:p>
+                      <a:r>
+                        <a:rPr lang="zh-CN" altLang="en-US" dirty="0"/>
+                        <a:t>。</a:t>
+                      </a:r>
+                      <a:endParaRPr lang="en-US" altLang="zh-CN" dirty="0"/>
+                    </a:p>
+                    <a:p>
+                      <a:r>
+                        <a:rPr lang="zh-CN" altLang="en-US" dirty="0"/>
+                        <a:t>。</a:t>
+                      </a:r>
+                      <a:endParaRPr lang="en-US" altLang="zh-CN" dirty="0"/>
+                    </a:p>
+                    <a:p>
+                      <a:r>
+                        <a:rPr lang="zh-CN" altLang="en-US" dirty="0"/>
+                        <a:t>。</a:t>
+                      </a:r>
+                      <a:endParaRPr lang="en-US" altLang="zh-CN" dirty="0"/>
+                    </a:p>
+                  </a:txBody>
+                  <a:tcPr/>
+                </a:tc>
+                <a:tc>
+                  <a:txBody>
+                    <a:bodyPr/>
+                    <a:lstStyle/>
+                    <a:p>
+                      <a:r>
+                        <a:rPr lang="zh-CN" altLang="en-US" dirty="0"/>
+                        <a:t>。</a:t>
+                      </a:r>
+                      <a:endParaRPr lang="en-US" altLang="zh-CN" dirty="0"/>
+                    </a:p>
+                    <a:p>
+                      <a:r>
+                        <a:rPr lang="zh-CN" altLang="en-US" dirty="0"/>
+                        <a:t>。</a:t>
+                      </a:r>
+                      <a:endParaRPr lang="en-US" altLang="zh-CN" dirty="0"/>
+                    </a:p>
+                    <a:p>
+                      <a:r>
+                        <a:rPr lang="zh-CN" altLang="en-US" dirty="0"/>
+                        <a:t>。</a:t>
+                      </a:r>
+                      <a:endParaRPr lang="en-US" altLang="zh-CN" dirty="0"/>
+                    </a:p>
+                  </a:txBody>
+                  <a:tcPr/>
+                </a:tc>
+                <a:tc>
+                  <a:txBody>
+                    <a:bodyPr/>
+                    <a:lstStyle/>
+                    <a:p>
+                      <a:r>
+                        <a:rPr lang="zh-CN" altLang="en-US" dirty="0"/>
+                        <a:t>。</a:t>
+                      </a:r>
+                      <a:endParaRPr lang="en-US" altLang="zh-CN" dirty="0"/>
+                    </a:p>
+                    <a:p>
+                      <a:r>
+                        <a:rPr lang="zh-CN" altLang="en-US" dirty="0"/>
+                        <a:t>。</a:t>
+                      </a:r>
+                      <a:endParaRPr lang="en-US" altLang="zh-CN" dirty="0"/>
+                    </a:p>
+                    <a:p>
+                      <a:r>
+                        <a:rPr lang="zh-CN" altLang="en-US" dirty="0"/>
+                        <a:t>。</a:t>
+                      </a:r>
+                      <a:endParaRPr lang="en-US" altLang="zh-CN" dirty="0"/>
+                    </a:p>
+                  </a:txBody>
+                  <a:tcPr/>
+                </a:tc>
+                <a:tc>
+                  <a:txBody>
+                    <a:bodyPr/>
+                    <a:lstStyle/>
+                    <a:p>
+                      <a:r>
+                        <a:rPr lang="zh-CN" altLang="en-US" dirty="0"/>
+                        <a:t>。</a:t>
+                      </a:r>
+                      <a:endParaRPr lang="en-US" altLang="zh-CN" dirty="0"/>
+                    </a:p>
+                    <a:p>
+                      <a:r>
+                        <a:rPr lang="zh-CN" altLang="en-US" dirty="0"/>
+                        <a:t>。</a:t>
+                      </a:r>
+                      <a:endParaRPr lang="en-US" altLang="zh-CN" dirty="0"/>
+                    </a:p>
+                    <a:p>
+                      <a:r>
+                        <a:rPr lang="zh-CN" altLang="en-US" dirty="0"/>
+                        <a:t>。</a:t>
+                      </a:r>
+                      <a:endParaRPr lang="en-US" altLang="zh-CN" dirty="0"/>
+                    </a:p>
+                  </a:txBody>
+                  <a:tcPr/>
+                </a:tc>
+                <a:extLst>
+                  <a:ext uri="{0D108BD9-81ED-4DB2-BD59-A6C34878D82A}">
+                    <a16:rowId xmlns:a16="http://schemas.microsoft.com/office/drawing/2014/main" val="3174088487"/>
+                  </a:ext>
+                </a:extLst>
+              </a:tr>
+              <a:tr h="1003223">
+                <a:tc>
+                  <a:txBody>
+                    <a:bodyPr/>
+                    <a:lstStyle/>
+                    <a:p>
+                      <a:r>
+                        <a:rPr lang="en-US" altLang="zh-CN" dirty="0"/>
+                        <a:t>1</a:t>
+                      </a:r>
+                      <a:endParaRPr lang="zh-CN" altLang="en-US" dirty="0"/>
+                    </a:p>
+                  </a:txBody>
+                  <a:tcPr/>
+                </a:tc>
+                <a:tc>
+                  <a:txBody>
+                    <a:bodyPr/>
+                    <a:lstStyle/>
+                    <a:p>
+                      <a:r>
+                        <a:rPr lang="en-US" altLang="zh-CN" dirty="0"/>
+                        <a:t>1</a:t>
+                      </a:r>
+                      <a:endParaRPr lang="zh-CN" altLang="en-US" dirty="0"/>
+                    </a:p>
+                  </a:txBody>
+                  <a:tcPr/>
+                </a:tc>
+                <a:tc>
+                  <a:txBody>
+                    <a:bodyPr/>
+                    <a:lstStyle/>
+                    <a:p>
+                      <a:r>
+                        <a:rPr lang="en-US" altLang="zh-CN" dirty="0"/>
+                        <a:t>0</a:t>
+                      </a:r>
+                      <a:endParaRPr lang="zh-CN" altLang="en-US" dirty="0"/>
+                    </a:p>
+                  </a:txBody>
+                  <a:tcPr/>
+                </a:tc>
+                <a:tc>
+                  <a:txBody>
+                    <a:bodyPr/>
+                    <a:lstStyle/>
+                    <a:p>
+                      <a:r>
+                        <a:rPr lang="en-US" altLang="zh-CN" dirty="0"/>
+                        <a:t>0</a:t>
+                      </a:r>
+                      <a:endParaRPr lang="zh-CN" altLang="en-US" dirty="0"/>
+                    </a:p>
+                  </a:txBody>
+                  <a:tcPr/>
+                </a:tc>
+                <a:tc>
+                  <a:txBody>
+                    <a:bodyPr/>
+                    <a:lstStyle/>
+                    <a:p>
+                      <a:r>
+                        <a:rPr lang="en-US" altLang="zh-CN"/>
+                        <a:t>1</a:t>
+                      </a:r>
+                      <a:endParaRPr lang="zh-CN" altLang="en-US" dirty="0"/>
+                    </a:p>
+                  </a:txBody>
+                  <a:tcPr/>
+                </a:tc>
+                <a:tc>
+                  <a:txBody>
+                    <a:bodyPr/>
+                    <a:lstStyle/>
+                    <a:p>
+                      <a:r>
+                        <a:rPr lang="en-US" altLang="zh-CN" dirty="0"/>
+                        <a:t>0</a:t>
+                      </a:r>
+                      <a:endParaRPr lang="zh-CN" altLang="en-US" dirty="0"/>
+                    </a:p>
+                  </a:txBody>
+                  <a:tcPr/>
+                </a:tc>
+                <a:extLst>
+                  <a:ext uri="{0D108BD9-81ED-4DB2-BD59-A6C34878D82A}">
+                    <a16:rowId xmlns:a16="http://schemas.microsoft.com/office/drawing/2014/main" val="2566960390"/>
+                  </a:ext>
+                </a:extLst>
+              </a:tr>
+              <a:tr h="1003223">
+                <a:tc>
+                  <a:txBody>
+                    <a:bodyPr/>
+                    <a:lstStyle/>
+                    <a:p>
+                      <a:r>
+                        <a:rPr lang="en-US" altLang="zh-CN" dirty="0"/>
+                        <a:t>0</a:t>
+                      </a:r>
+                      <a:endParaRPr lang="zh-CN" altLang="en-US" dirty="0"/>
+                    </a:p>
+                  </a:txBody>
+                  <a:tcPr/>
+                </a:tc>
+                <a:tc>
+                  <a:txBody>
+                    <a:bodyPr/>
+                    <a:lstStyle/>
+                    <a:p>
+                      <a:r>
+                        <a:rPr lang="en-US" altLang="zh-CN" dirty="0"/>
+                        <a:t>0</a:t>
+                      </a:r>
+                      <a:endParaRPr lang="zh-CN" altLang="en-US" dirty="0"/>
+                    </a:p>
+                  </a:txBody>
+                  <a:tcPr/>
+                </a:tc>
+                <a:tc>
+                  <a:txBody>
+                    <a:bodyPr/>
+                    <a:lstStyle/>
+                    <a:p>
+                      <a:r>
+                        <a:rPr lang="en-US" altLang="zh-CN" dirty="0"/>
+                        <a:t>0</a:t>
+                      </a:r>
+                      <a:endParaRPr lang="zh-CN" altLang="en-US" dirty="0"/>
+                    </a:p>
+                  </a:txBody>
+                  <a:tcPr/>
+                </a:tc>
+                <a:tc>
+                  <a:txBody>
+                    <a:bodyPr/>
+                    <a:lstStyle/>
+                    <a:p>
+                      <a:r>
+                        <a:rPr lang="en-US" altLang="zh-CN" dirty="0"/>
+                        <a:t>0</a:t>
+                      </a:r>
+                      <a:endParaRPr lang="zh-CN" altLang="en-US" dirty="0"/>
+                    </a:p>
+                  </a:txBody>
+                  <a:tcPr/>
+                </a:tc>
+                <a:tc>
+                  <a:txBody>
+                    <a:bodyPr/>
+                    <a:lstStyle/>
+                    <a:p>
+                      <a:r>
+                        <a:rPr lang="en-US" altLang="zh-CN" dirty="0"/>
+                        <a:t>0</a:t>
+                      </a:r>
+                      <a:endParaRPr lang="zh-CN" altLang="en-US" dirty="0"/>
+                    </a:p>
+                  </a:txBody>
+                  <a:tcPr/>
+                </a:tc>
+                <a:tc>
+                  <a:txBody>
+                    <a:bodyPr/>
+                    <a:lstStyle/>
+                    <a:p>
+                      <a:r>
+                        <a:rPr lang="en-US" altLang="zh-CN" dirty="0"/>
+                        <a:t>0</a:t>
+                      </a:r>
+                      <a:endParaRPr lang="zh-CN" altLang="en-US" dirty="0"/>
+                    </a:p>
+                  </a:txBody>
+                  <a:tcPr/>
+                </a:tc>
+                <a:extLst>
+                  <a:ext uri="{0D108BD9-81ED-4DB2-BD59-A6C34878D82A}">
+                    <a16:rowId xmlns:a16="http://schemas.microsoft.com/office/drawing/2014/main" val="982097073"/>
+                  </a:ext>
+                </a:extLst>
+              </a:tr>
+            </a:tbl>
+          </a:graphicData>
+        </a:graphic>
+      </p:graphicFrame>
+      <p:sp>
+        <p:nvSpPr>
+          <p:cNvPr id="39" name="TextBox 38">
+            <a:extLst>
+              <a:ext uri="{FF2B5EF4-FFF2-40B4-BE49-F238E27FC236}">
+                <a16:creationId xmlns:a16="http://schemas.microsoft.com/office/drawing/2014/main" id="{8A1D34ED-A45F-401C-8A85-786E308E3A9A}"/>
+              </a:ext>
+            </a:extLst>
+          </p:cNvPr>
+          <p:cNvSpPr txBox="1"/>
+          <p:nvPr/>
+        </p:nvSpPr>
+        <p:spPr>
+          <a:xfrm>
+            <a:off x="904378" y="6162591"/>
+            <a:ext cx="3591098" cy="338554"/>
+          </a:xfrm>
+          <a:prstGeom prst="rect">
+            <a:avLst/>
+          </a:prstGeom>
+          <a:noFill/>
+        </p:spPr>
+        <p:txBody>
+          <a:bodyPr wrap="square" rtlCol="0">
+            <a:spAutoFit/>
+          </a:bodyPr>
+          <a:lstStyle/>
+          <a:p>
+            <a:r>
+              <a:rPr lang="en-US" altLang="zh-CN" sz="1600" dirty="0"/>
+              <a:t>1</a:t>
+            </a:r>
+            <a:r>
+              <a:rPr lang="zh-CN" altLang="en-US" sz="1600" dirty="0"/>
+              <a:t>张    </a:t>
+            </a:r>
+            <a:r>
+              <a:rPr lang="en-US" altLang="zh-CN" sz="1600" dirty="0"/>
+              <a:t>2</a:t>
+            </a:r>
+            <a:r>
+              <a:rPr lang="zh-CN" altLang="en-US" sz="1600" dirty="0"/>
+              <a:t>张   </a:t>
+            </a:r>
+            <a:r>
+              <a:rPr lang="en-US" altLang="zh-CN" sz="1600" dirty="0"/>
+              <a:t>3</a:t>
+            </a:r>
+            <a:r>
+              <a:rPr lang="zh-CN" altLang="en-US" sz="1600" dirty="0"/>
+              <a:t>张   </a:t>
+            </a:r>
+            <a:r>
+              <a:rPr lang="en-US" altLang="zh-CN" sz="1600" dirty="0"/>
+              <a:t>4</a:t>
+            </a:r>
+            <a:r>
+              <a:rPr lang="zh-CN" altLang="en-US" sz="1600" dirty="0"/>
+              <a:t>张   </a:t>
+            </a:r>
+            <a:r>
+              <a:rPr lang="zh-CN" altLang="en-US" sz="1200" dirty="0"/>
+              <a:t>是否打过 红宝</a:t>
+            </a:r>
+          </a:p>
+        </p:txBody>
+      </p:sp>
+      <p:sp>
+        <p:nvSpPr>
+          <p:cNvPr id="41" name="TextBox 40">
+            <a:extLst>
+              <a:ext uri="{FF2B5EF4-FFF2-40B4-BE49-F238E27FC236}">
+                <a16:creationId xmlns:a16="http://schemas.microsoft.com/office/drawing/2014/main" id="{E2D42794-1773-48C9-81FE-DA578AD4948B}"/>
+              </a:ext>
+            </a:extLst>
+          </p:cNvPr>
+          <p:cNvSpPr txBox="1"/>
+          <p:nvPr/>
+        </p:nvSpPr>
+        <p:spPr>
+          <a:xfrm>
+            <a:off x="2038950" y="644417"/>
+            <a:ext cx="1729047" cy="369332"/>
+          </a:xfrm>
+          <a:prstGeom prst="rect">
+            <a:avLst/>
+          </a:prstGeom>
+          <a:noFill/>
+        </p:spPr>
+        <p:txBody>
+          <a:bodyPr wrap="square" rtlCol="0">
+            <a:spAutoFit/>
+          </a:bodyPr>
+          <a:lstStyle/>
+          <a:p>
+            <a:r>
+              <a:rPr lang="zh-CN" altLang="en-US" dirty="0"/>
+              <a:t>手牌</a:t>
+            </a:r>
+          </a:p>
+        </p:txBody>
+      </p:sp>
+      <p:sp>
+        <p:nvSpPr>
+          <p:cNvPr id="3" name="Rectangle 1">
+            <a:extLst>
+              <a:ext uri="{FF2B5EF4-FFF2-40B4-BE49-F238E27FC236}">
+                <a16:creationId xmlns:a16="http://schemas.microsoft.com/office/drawing/2014/main" id="{A62D1611-4665-4EAA-B98A-A5AC5F55DEA9}"/>
+              </a:ext>
+            </a:extLst>
+          </p:cNvPr>
+          <p:cNvSpPr>
+            <a:spLocks noChangeArrowheads="1"/>
+          </p:cNvSpPr>
+          <p:nvPr/>
+        </p:nvSpPr>
+        <p:spPr bwMode="auto">
+          <a:xfrm>
+            <a:off x="7118848" y="284733"/>
+            <a:ext cx="1877437" cy="276999"/>
+          </a:xfrm>
+          <a:prstGeom prst="rect">
+            <a:avLst/>
+          </a:prstGeom>
+          <a:solidFill>
+            <a:srgbClr val="2B2B2B"/>
+          </a:solidFill>
+          <a:ln>
+            <a:noFill/>
+          </a:ln>
+          <a:effectLst/>
+          <a:extLst>
+            <a:ext uri="{91240B29-F687-4F45-9708-019B960494DF}">
+              <a14:hiddenLine xmlns:a14="http://schemas.microsoft.com/office/drawing/2010/main" w="9525">
+                <a:solidFill>
+                  <a:schemeClr val="tx1"/>
+                </a:solidFill>
+                <a:miter lim="800000"/>
+                <a:headEnd/>
+                <a:tailEnd/>
+              </a14:hiddenLine>
+            </a:ext>
+            <a:ext uri="{AF507438-7753-43E0-B8FC-AC1667EBCBE1}">
+              <a14:hiddenEffects xmlns:a14="http://schemas.microsoft.com/office/drawing/2010/main">
+                <a:effectLst>
+                  <a:outerShdw dist="35921" dir="2700000" algn="ctr" rotWithShape="0">
+                    <a:schemeClr val="bg2"/>
+                  </a:outerShdw>
+                </a:effectLst>
+              </a14:hiddenEffects>
+            </a:ext>
+          </a:extLst>
+        </p:spPr>
+        <p:txBody>
+          <a:bodyPr vert="horz" wrap="none" lIns="91440" tIns="45720" rIns="91440" bIns="45720" numCol="1" anchor="ctr" anchorCtr="0" compatLnSpc="1">
+            <a:prstTxWarp prst="textNoShape">
+              <a:avLst/>
+            </a:prstTxWarp>
+            <a:spAutoFit/>
+          </a:bodyPr>
+          <a:lstStyle/>
+          <a:p>
+            <a:pPr marL="0" marR="0" lvl="0" indent="0" algn="l" defTabSz="914400" rtl="0" eaLnBrk="0" fontAlgn="base" latinLnBrk="0" hangingPunct="0">
+              <a:lnSpc>
+                <a:spcPct val="100000"/>
+              </a:lnSpc>
+              <a:spcBef>
+                <a:spcPct val="0"/>
+              </a:spcBef>
+              <a:spcAft>
+                <a:spcPct val="0"/>
+              </a:spcAft>
+              <a:buClrTx/>
+              <a:buSzTx/>
+              <a:buFontTx/>
+              <a:buNone/>
+              <a:tabLst/>
+            </a:pPr>
+            <a:r>
+              <a:rPr lang="zh-CN" altLang="en-US" sz="1200" dirty="0">
+                <a:solidFill>
+                  <a:schemeClr val="accent4">
+                    <a:lumMod val="40000"/>
+                    <a:lumOff val="60000"/>
+                  </a:schemeClr>
+                </a:solidFill>
+                <a:latin typeface="宋体" panose="02010600030101010101" pitchFamily="2" charset="-122"/>
+                <a:ea typeface="宋体" panose="02010600030101010101" pitchFamily="2" charset="-122"/>
+              </a:rPr>
+              <a:t>被鸣走的牌</a:t>
+            </a:r>
+            <a:r>
+              <a:rPr kumimoji="0" lang="zh-CN" altLang="zh-CN" sz="1200" b="0" i="0" u="none" strike="noStrike" cap="none" normalizeH="0" baseline="0" dirty="0">
+                <a:ln>
+                  <a:noFill/>
+                </a:ln>
+                <a:solidFill>
+                  <a:schemeClr val="accent4">
+                    <a:lumMod val="40000"/>
+                    <a:lumOff val="60000"/>
+                  </a:schemeClr>
+                </a:solidFill>
+                <a:effectLst/>
+                <a:latin typeface="宋体" panose="02010600030101010101" pitchFamily="2" charset="-122"/>
+                <a:ea typeface="宋体" panose="02010600030101010101" pitchFamily="2" charset="-122"/>
+              </a:rPr>
+              <a:t>也算在牌河里</a:t>
+            </a:r>
+            <a:endParaRPr kumimoji="0" lang="zh-CN" altLang="zh-CN" sz="1800" b="0" i="0" u="none" strike="noStrike" cap="none" normalizeH="0" baseline="0" dirty="0">
+              <a:ln>
+                <a:noFill/>
+              </a:ln>
+              <a:solidFill>
+                <a:schemeClr val="accent4">
+                  <a:lumMod val="40000"/>
+                  <a:lumOff val="60000"/>
+                </a:schemeClr>
+              </a:solidFill>
+              <a:effectLst/>
+              <a:latin typeface="Arial" panose="020B0604020202020204" pitchFamily="34" charset="0"/>
+            </a:endParaRPr>
           </a:p>
         </p:txBody>
       </p:sp>
@@ -6031,191 +7531,10 @@
           <a:chExt cx="0" cy="0"/>
         </a:xfrm>
       </p:grpSpPr>
-      <p:sp>
-        <p:nvSpPr>
-          <p:cNvPr id="2" name="Title 1">
-            <a:extLst>
-              <a:ext uri="{FF2B5EF4-FFF2-40B4-BE49-F238E27FC236}">
-                <a16:creationId xmlns:a16="http://schemas.microsoft.com/office/drawing/2014/main" id="{C0EE57E2-BBB0-4BC8-977E-4C881E6A6D0D}"/>
-              </a:ext>
-            </a:extLst>
-          </p:cNvPr>
-          <p:cNvSpPr>
-            <a:spLocks noGrp="1"/>
-          </p:cNvSpPr>
-          <p:nvPr>
-            <p:ph type="title"/>
-          </p:nvPr>
-        </p:nvSpPr>
-        <p:spPr/>
-        <p:txBody>
-          <a:bodyPr/>
-          <a:lstStyle/>
-          <a:p>
-            <a:r>
-              <a:rPr lang="en-US" altLang="zh-CN" dirty="0"/>
-              <a:t>Decision Making Situations</a:t>
-            </a:r>
-            <a:endParaRPr lang="zh-CN" altLang="en-US" dirty="0"/>
-          </a:p>
-        </p:txBody>
-      </p:sp>
-      <p:sp>
-        <p:nvSpPr>
-          <p:cNvPr id="3" name="Content Placeholder 2">
-            <a:extLst>
-              <a:ext uri="{FF2B5EF4-FFF2-40B4-BE49-F238E27FC236}">
-                <a16:creationId xmlns:a16="http://schemas.microsoft.com/office/drawing/2014/main" id="{D0ED89AE-697F-4A4B-98C4-1F95CF93E320}"/>
-              </a:ext>
-            </a:extLst>
-          </p:cNvPr>
-          <p:cNvSpPr>
-            <a:spLocks noGrp="1"/>
-          </p:cNvSpPr>
-          <p:nvPr>
-            <p:ph idx="1"/>
-          </p:nvPr>
-        </p:nvSpPr>
-        <p:spPr/>
-        <p:txBody>
-          <a:bodyPr/>
-          <a:lstStyle/>
-          <a:p>
-            <a:r>
-              <a:rPr lang="zh-CN" altLang="en-US" dirty="0"/>
-              <a:t>打牌                         </a:t>
-            </a:r>
-            <a:r>
-              <a:rPr lang="en-US" altLang="zh-CN" dirty="0"/>
-              <a:t>	 					</a:t>
-            </a:r>
-            <a:r>
-              <a:rPr lang="zh-CN" altLang="en-US" dirty="0"/>
-              <a:t>√</a:t>
-            </a:r>
-            <a:endParaRPr lang="en-US" altLang="zh-CN" dirty="0"/>
-          </a:p>
-          <a:p>
-            <a:r>
-              <a:rPr lang="zh-CN" altLang="en-US" dirty="0"/>
-              <a:t>打牌</a:t>
-            </a:r>
-            <a:r>
-              <a:rPr lang="en-US" altLang="zh-CN" dirty="0"/>
-              <a:t>+</a:t>
-            </a:r>
-            <a:r>
-              <a:rPr lang="zh-CN" altLang="en-US" dirty="0"/>
-              <a:t>立直</a:t>
-            </a:r>
-            <a:r>
-              <a:rPr lang="en-US" altLang="zh-CN" dirty="0"/>
-              <a:t>		</a:t>
-            </a:r>
-            <a:r>
-              <a:rPr lang="zh-CN" altLang="en-US" dirty="0"/>
-              <a:t> </a:t>
-            </a:r>
-            <a:r>
-              <a:rPr lang="en-US" altLang="zh-CN" dirty="0"/>
-              <a:t>					</a:t>
-            </a:r>
-            <a:r>
-              <a:rPr lang="zh-CN" altLang="en-US" dirty="0"/>
-              <a:t>√</a:t>
-            </a:r>
-            <a:endParaRPr lang="en-US" altLang="zh-CN" dirty="0"/>
-          </a:p>
-          <a:p>
-            <a:r>
-              <a:rPr lang="zh-CN" altLang="en-US" dirty="0"/>
-              <a:t>鸣牌 （吃碰杠）</a:t>
-            </a:r>
-            <a:r>
-              <a:rPr lang="en-US" altLang="zh-CN" dirty="0"/>
-              <a:t>	</a:t>
-            </a:r>
-            <a:r>
-              <a:rPr lang="zh-CN" altLang="en-US" dirty="0"/>
-              <a:t> </a:t>
-            </a:r>
-            <a:r>
-              <a:rPr lang="en-US" altLang="zh-CN" dirty="0"/>
-              <a:t>					</a:t>
-            </a:r>
-            <a:r>
-              <a:rPr lang="zh-CN" altLang="en-US" dirty="0"/>
-              <a:t>√</a:t>
-            </a:r>
-            <a:endParaRPr lang="en-US" altLang="zh-CN" dirty="0"/>
-          </a:p>
-          <a:p>
-            <a:r>
-              <a:rPr lang="zh-CN" altLang="en-US" dirty="0"/>
-              <a:t>暗杠</a:t>
-            </a:r>
-            <a:r>
-              <a:rPr lang="en-US" altLang="zh-CN" dirty="0"/>
-              <a:t>: </a:t>
-            </a:r>
-            <a:r>
-              <a:rPr lang="zh-CN" altLang="en-US" dirty="0"/>
-              <a:t>直接手牌转化到副露 （被鸣的牌处为</a:t>
-            </a:r>
-            <a:r>
-              <a:rPr lang="en-US" altLang="zh-CN" dirty="0"/>
-              <a:t>0</a:t>
-            </a:r>
-            <a:r>
-              <a:rPr lang="zh-CN" altLang="en-US" dirty="0"/>
-              <a:t>） </a:t>
-            </a:r>
-            <a:r>
-              <a:rPr lang="en-US" altLang="zh-CN" dirty="0"/>
-              <a:t>	</a:t>
-            </a:r>
-            <a:r>
-              <a:rPr lang="zh-CN" altLang="en-US" dirty="0"/>
-              <a:t>√</a:t>
-            </a:r>
-            <a:endParaRPr lang="en-US" altLang="zh-CN" dirty="0"/>
-          </a:p>
-          <a:p>
-            <a:r>
-              <a:rPr lang="zh-CN" altLang="en-US" dirty="0"/>
-              <a:t>自摸</a:t>
-            </a:r>
-            <a:r>
-              <a:rPr lang="en-US" altLang="zh-CN" dirty="0"/>
-              <a:t>: keep current state + </a:t>
-            </a:r>
-            <a:r>
-              <a:rPr lang="zh-CN" altLang="en-US" dirty="0"/>
-              <a:t>打牌</a:t>
-            </a:r>
-            <a:r>
-              <a:rPr lang="en-US" altLang="zh-CN" dirty="0"/>
-              <a:t>(+</a:t>
-            </a:r>
-            <a:r>
-              <a:rPr lang="zh-CN" altLang="en-US" dirty="0"/>
-              <a:t>立直）</a:t>
-            </a:r>
-            <a:r>
-              <a:rPr lang="en-US" altLang="zh-CN" dirty="0"/>
-              <a:t>		</a:t>
-            </a:r>
-            <a:r>
-              <a:rPr lang="zh-CN" altLang="en-US" dirty="0"/>
-              <a:t>√</a:t>
-            </a:r>
-          </a:p>
-        </p:txBody>
-      </p:sp>
     </p:spTree>
     <p:extLst>
       <p:ext uri="{BB962C8B-B14F-4D97-AF65-F5344CB8AC3E}">
-        <p14:creationId xmlns:p14="http://schemas.microsoft.com/office/powerpoint/2010/main" val="1792115739"/>
+        <p14:creationId xmlns:p14="http://schemas.microsoft.com/office/powerpoint/2010/main" val="3619361308"/>
       </p:ext>
     </p:extLst>
   </p:cSld>
@@ -6244,10 +7563,10 @@
       </p:grpSpPr>
       <p:sp>
         <p:nvSpPr>
-          <p:cNvPr id="2" name="标题 1">
+          <p:cNvPr id="2" name="Title 1">
             <a:extLst>
               <a:ext uri="{FF2B5EF4-FFF2-40B4-BE49-F238E27FC236}">
-                <a16:creationId xmlns:a16="http://schemas.microsoft.com/office/drawing/2014/main" id="{4771CFD8-D5BD-47E2-9D0B-FF25AAC7529F}"/>
+                <a16:creationId xmlns:a16="http://schemas.microsoft.com/office/drawing/2014/main" id="{C0EE57E2-BBB0-4BC8-977E-4C881E6A6D0D}"/>
               </a:ext>
             </a:extLst>
           </p:cNvPr>
@@ -6264,18 +7583,19 @@
           <a:lstStyle/>
           <a:p>
             <a:r>
-              <a:rPr lang="zh-CN" altLang="en-US" dirty="0"/>
-              <a:t>没包含的信息</a:t>
-            </a:r>
-          </a:p>
-        </p:txBody>
-      </p:sp>
-      <p:sp>
-        <p:nvSpPr>
-          <p:cNvPr id="3" name="内容占位符 2">
+              <a:rPr lang="en-US" altLang="zh-CN" dirty="0"/>
+              <a:t>Decision Making Situations</a:t>
+            </a:r>
+            <a:endParaRPr lang="zh-CN" altLang="en-US" dirty="0"/>
+          </a:p>
+        </p:txBody>
+      </p:sp>
+      <p:sp>
+        <p:nvSpPr>
+          <p:cNvPr id="3" name="Content Placeholder 2">
             <a:extLst>
               <a:ext uri="{FF2B5EF4-FFF2-40B4-BE49-F238E27FC236}">
-                <a16:creationId xmlns:a16="http://schemas.microsoft.com/office/drawing/2014/main" id="{3E8F07AA-133D-4D21-9A94-5CB49969801D}"/>
+                <a16:creationId xmlns:a16="http://schemas.microsoft.com/office/drawing/2014/main" id="{D0ED89AE-697F-4A4B-98C4-1F95CF93E320}"/>
               </a:ext>
             </a:extLst>
           </p:cNvPr>
@@ -6293,55 +7613,131 @@
           <a:p>
             <a:r>
               <a:rPr lang="zh-CN" altLang="en-US" dirty="0"/>
-              <a:t>庄家</a:t>
+              <a:t>打牌                         </a:t>
+            </a:r>
+            <a:r>
+              <a:rPr lang="en-US" altLang="zh-CN" dirty="0"/>
+              <a:t>	 					</a:t>
+            </a:r>
+            <a:r>
+              <a:rPr lang="zh-CN" altLang="en-US" dirty="0"/>
+              <a:t>√</a:t>
             </a:r>
             <a:endParaRPr lang="en-US" altLang="zh-CN" dirty="0"/>
           </a:p>
           <a:p>
             <a:r>
               <a:rPr lang="zh-CN" altLang="en-US" dirty="0"/>
-              <a:t>场上的点棒</a:t>
-            </a:r>
-          </a:p>
-        </p:txBody>
-      </p:sp>
-      <p:sp>
-        <p:nvSpPr>
-          <p:cNvPr id="5" name="TextBox 4">
-            <a:extLst>
-              <a:ext uri="{FF2B5EF4-FFF2-40B4-BE49-F238E27FC236}">
-                <a16:creationId xmlns:a16="http://schemas.microsoft.com/office/drawing/2014/main" id="{5B310819-0F53-40A1-AAF0-82554CDF6A4D}"/>
-              </a:ext>
-            </a:extLst>
-          </p:cNvPr>
-          <p:cNvSpPr txBox="1"/>
-          <p:nvPr/>
-        </p:nvSpPr>
-        <p:spPr>
-          <a:xfrm>
-            <a:off x="1789723" y="4256262"/>
-            <a:ext cx="8487508" cy="1754326"/>
-          </a:xfrm>
-          <a:prstGeom prst="rect">
-            <a:avLst/>
-          </a:prstGeom>
-          <a:noFill/>
-        </p:spPr>
-        <p:txBody>
-          <a:bodyPr wrap="square">
-            <a:spAutoFit/>
-          </a:bodyPr>
-          <a:lstStyle/>
-          <a:p>
+              <a:t>打牌</a:t>
+            </a:r>
+            <a:r>
+              <a:rPr lang="en-US" altLang="zh-CN" dirty="0"/>
+              <a:t>+</a:t>
+            </a:r>
             <a:r>
               <a:rPr lang="zh-CN" altLang="en-US" dirty="0"/>
-              <a:t>AGARI {'ba': '1,1', 'hai': '13,19,23,28,31,76,82,84,93,96,102', 'm': '39111', 'machi': '13', 'ten': '30,1500,0', 'yaku': '8,1', 'doraHai': '7', 'who': '2', 'fromWho': '1', 'sc': '87,0,387,-18,297,28,219,0'}</a:t>
-            </a:r>
-          </a:p>
-          <a:p>
+              <a:t>立直</a:t>
+            </a:r>
+            <a:r>
+              <a:rPr lang="en-US" altLang="zh-CN" dirty="0"/>
+              <a:t>		</a:t>
+            </a:r>
             <a:r>
               <a:rPr lang="zh-CN" altLang="en-US" dirty="0"/>
-              <a:t>AGARI {'ba': '1,0', 'hai': '5,9,13,44,51,53,58,63,64,74,75,85,88,95', 'machi': '13', 'ten': '30,12000,2', 'yaku': '1,1,2,1,7,1,52,1,54,1,53,1', 'doraHai': '7', 'doraHaiUra': '1', 'who': '0', 'fromWho': '1', 'sc': '87,120,369,-120,325,0,219,0'}</a:t>
+              <a:t> </a:t>
+            </a:r>
+            <a:r>
+              <a:rPr lang="en-US" altLang="zh-CN" dirty="0"/>
+              <a:t>					</a:t>
+            </a:r>
+            <a:r>
+              <a:rPr lang="zh-CN" altLang="en-US" dirty="0"/>
+              <a:t>√</a:t>
+            </a:r>
+            <a:endParaRPr lang="en-US" altLang="zh-CN" dirty="0"/>
+          </a:p>
+          <a:p>
+            <a:r>
+              <a:rPr lang="zh-CN" altLang="en-US" dirty="0"/>
+              <a:t>鸣牌 （吃碰杠）</a:t>
+            </a:r>
+            <a:r>
+              <a:rPr lang="en-US" altLang="zh-CN" dirty="0"/>
+              <a:t>	</a:t>
+            </a:r>
+            <a:r>
+              <a:rPr lang="zh-CN" altLang="en-US" dirty="0"/>
+              <a:t> </a:t>
+            </a:r>
+            <a:r>
+              <a:rPr lang="en-US" altLang="zh-CN" dirty="0"/>
+              <a:t>					</a:t>
+            </a:r>
+            <a:r>
+              <a:rPr lang="zh-CN" altLang="en-US" dirty="0"/>
+              <a:t>√</a:t>
+            </a:r>
+            <a:endParaRPr lang="en-US" altLang="zh-CN" dirty="0"/>
+          </a:p>
+          <a:p>
+            <a:r>
+              <a:rPr lang="zh-CN" altLang="en-US" dirty="0"/>
+              <a:t>暗杠</a:t>
+            </a:r>
+            <a:r>
+              <a:rPr lang="en-US" altLang="zh-CN" dirty="0"/>
+              <a:t>: </a:t>
+            </a:r>
+            <a:r>
+              <a:rPr lang="zh-CN" altLang="en-US" dirty="0"/>
+              <a:t>直接手牌转化到副露 （被鸣的牌处为</a:t>
+            </a:r>
+            <a:r>
+              <a:rPr lang="en-US" altLang="zh-CN" dirty="0"/>
+              <a:t>0</a:t>
+            </a:r>
+            <a:r>
+              <a:rPr lang="zh-CN" altLang="en-US" dirty="0"/>
+              <a:t>） </a:t>
+            </a:r>
+            <a:r>
+              <a:rPr lang="en-US" altLang="zh-CN" dirty="0"/>
+              <a:t>	</a:t>
+            </a:r>
+            <a:r>
+              <a:rPr lang="zh-CN" altLang="en-US" dirty="0"/>
+              <a:t>√</a:t>
+            </a:r>
+            <a:endParaRPr lang="en-US" altLang="zh-CN" dirty="0"/>
+          </a:p>
+          <a:p>
+            <a:r>
+              <a:rPr lang="zh-CN" altLang="en-US" dirty="0"/>
+              <a:t>自摸</a:t>
+            </a:r>
+            <a:r>
+              <a:rPr lang="en-US" altLang="zh-CN" dirty="0"/>
+              <a:t>: keep current state + </a:t>
+            </a:r>
+            <a:r>
+              <a:rPr lang="zh-CN" altLang="en-US" dirty="0"/>
+              <a:t>打牌</a:t>
+            </a:r>
+            <a:r>
+              <a:rPr lang="en-US" altLang="zh-CN" dirty="0"/>
+              <a:t>(+</a:t>
+            </a:r>
+            <a:r>
+              <a:rPr lang="zh-CN" altLang="en-US" dirty="0"/>
+              <a:t>立直）</a:t>
+            </a:r>
+            <a:r>
+              <a:rPr lang="en-US" altLang="zh-CN" dirty="0"/>
+              <a:t>		</a:t>
+            </a:r>
+            <a:r>
+              <a:rPr lang="zh-CN" altLang="en-US" dirty="0"/>
+              <a:t>√</a:t>
             </a:r>
           </a:p>
         </p:txBody>
@@ -6349,7 +7745,7 @@
     </p:spTree>
     <p:extLst>
       <p:ext uri="{BB962C8B-B14F-4D97-AF65-F5344CB8AC3E}">
-        <p14:creationId xmlns:p14="http://schemas.microsoft.com/office/powerpoint/2010/main" val="3530545353"/>
+        <p14:creationId xmlns:p14="http://schemas.microsoft.com/office/powerpoint/2010/main" val="1792115739"/>
       </p:ext>
     </p:extLst>
   </p:cSld>
@@ -6378,6 +7774,158 @@
       </p:grpSpPr>
       <p:sp>
         <p:nvSpPr>
+          <p:cNvPr id="2" name="标题 1">
+            <a:extLst>
+              <a:ext uri="{FF2B5EF4-FFF2-40B4-BE49-F238E27FC236}">
+                <a16:creationId xmlns:a16="http://schemas.microsoft.com/office/drawing/2014/main" id="{4771CFD8-D5BD-47E2-9D0B-FF25AAC7529F}"/>
+              </a:ext>
+            </a:extLst>
+          </p:cNvPr>
+          <p:cNvSpPr>
+            <a:spLocks noGrp="1"/>
+          </p:cNvSpPr>
+          <p:nvPr>
+            <p:ph type="title"/>
+          </p:nvPr>
+        </p:nvSpPr>
+        <p:spPr/>
+        <p:txBody>
+          <a:bodyPr/>
+          <a:lstStyle/>
+          <a:p>
+            <a:r>
+              <a:rPr lang="zh-CN" altLang="en-US" dirty="0"/>
+              <a:t>没包含的信息</a:t>
+            </a:r>
+          </a:p>
+        </p:txBody>
+      </p:sp>
+      <p:sp>
+        <p:nvSpPr>
+          <p:cNvPr id="3" name="内容占位符 2">
+            <a:extLst>
+              <a:ext uri="{FF2B5EF4-FFF2-40B4-BE49-F238E27FC236}">
+                <a16:creationId xmlns:a16="http://schemas.microsoft.com/office/drawing/2014/main" id="{3E8F07AA-133D-4D21-9A94-5CB49969801D}"/>
+              </a:ext>
+            </a:extLst>
+          </p:cNvPr>
+          <p:cNvSpPr>
+            <a:spLocks noGrp="1"/>
+          </p:cNvSpPr>
+          <p:nvPr>
+            <p:ph idx="1"/>
+          </p:nvPr>
+        </p:nvSpPr>
+        <p:spPr/>
+        <p:txBody>
+          <a:bodyPr/>
+          <a:lstStyle/>
+          <a:p>
+            <a:r>
+              <a:rPr lang="zh-CN" altLang="en-US" strike="sngStrike" dirty="0"/>
+              <a:t>庄家）</a:t>
+            </a:r>
+            <a:r>
+              <a:rPr lang="zh-CN" altLang="en-US" dirty="0"/>
+              <a:t>可以根据自风判断</a:t>
+            </a:r>
+            <a:endParaRPr lang="en-US" altLang="zh-CN" strike="sngStrike" dirty="0"/>
+          </a:p>
+          <a:p>
+            <a:r>
+              <a:rPr lang="zh-CN" altLang="en-US" dirty="0"/>
+              <a:t>场上的点棒，本场</a:t>
+            </a:r>
+            <a:endParaRPr lang="en-US" altLang="zh-CN" dirty="0"/>
+          </a:p>
+          <a:p>
+            <a:r>
+              <a:rPr lang="zh-CN" altLang="en-US" dirty="0"/>
+              <a:t>宝牌指示牌是红宝牌</a:t>
+            </a:r>
+            <a:endParaRPr lang="en-US" altLang="zh-CN" dirty="0"/>
+          </a:p>
+          <a:p>
+            <a:r>
+              <a:rPr lang="zh-CN" altLang="en-US" dirty="0"/>
+              <a:t>是否是一发巡</a:t>
+            </a:r>
+          </a:p>
+        </p:txBody>
+      </p:sp>
+      <p:sp>
+        <p:nvSpPr>
+          <p:cNvPr id="5" name="TextBox 4">
+            <a:extLst>
+              <a:ext uri="{FF2B5EF4-FFF2-40B4-BE49-F238E27FC236}">
+                <a16:creationId xmlns:a16="http://schemas.microsoft.com/office/drawing/2014/main" id="{5B310819-0F53-40A1-AAF0-82554CDF6A4D}"/>
+              </a:ext>
+            </a:extLst>
+          </p:cNvPr>
+          <p:cNvSpPr txBox="1"/>
+          <p:nvPr/>
+        </p:nvSpPr>
+        <p:spPr>
+          <a:xfrm>
+            <a:off x="1789723" y="4256262"/>
+            <a:ext cx="8487508" cy="1754326"/>
+          </a:xfrm>
+          <a:prstGeom prst="rect">
+            <a:avLst/>
+          </a:prstGeom>
+          <a:noFill/>
+        </p:spPr>
+        <p:txBody>
+          <a:bodyPr wrap="square">
+            <a:spAutoFit/>
+          </a:bodyPr>
+          <a:lstStyle/>
+          <a:p>
+            <a:r>
+              <a:rPr lang="zh-CN" altLang="en-US" dirty="0"/>
+              <a:t>AGARI {'ba': '1,1', 'hai': '13,19,23,28,31,76,82,84,93,96,102', 'm': '39111', 'machi': '13', 'ten': '30,1500,0', 'yaku': '8,1', 'doraHai': '7', 'who': '2', 'fromWho': '1', 'sc': '87,0,387,-18,297,28,219,0'}</a:t>
+            </a:r>
+          </a:p>
+          <a:p>
+            <a:r>
+              <a:rPr lang="zh-CN" altLang="en-US" dirty="0"/>
+              <a:t>AGARI {'ba': '1,0', 'hai': '5,9,13,44,51,53,58,63,64,74,75,85,88,95', 'machi': '13', 'ten': '30,12000,2', 'yaku': '1,1,2,1,7,1,52,1,54,1,53,1', 'doraHai': '7', 'doraHaiUra': '1', 'who': '0', 'fromWho': '1', 'sc': '87,120,369,-120,325,0,219,0'}</a:t>
+            </a:r>
+          </a:p>
+        </p:txBody>
+      </p:sp>
+    </p:spTree>
+    <p:extLst>
+      <p:ext uri="{BB962C8B-B14F-4D97-AF65-F5344CB8AC3E}">
+        <p14:creationId xmlns:p14="http://schemas.microsoft.com/office/powerpoint/2010/main" val="3530545353"/>
+      </p:ext>
+    </p:extLst>
+  </p:cSld>
+  <p:clrMapOvr>
+    <a:masterClrMapping/>
+  </p:clrMapOvr>
+</p:sld>
+</file>
+
+<file path=ppt/slides/slide7.xml><?xml version="1.0" encoding="utf-8"?>
+<p:sld xmlns:a="http://schemas.openxmlformats.org/drawingml/2006/main" xmlns:r="http://schemas.openxmlformats.org/officeDocument/2006/relationships" xmlns:p="http://schemas.openxmlformats.org/presentationml/2006/main">
+  <p:cSld>
+    <p:spTree>
+      <p:nvGrpSpPr>
+        <p:cNvPr id="1" name=""/>
+        <p:cNvGrpSpPr/>
+        <p:nvPr/>
+      </p:nvGrpSpPr>
+      <p:grpSpPr>
+        <a:xfrm>
+          <a:off x="0" y="0"/>
+          <a:ext cx="0" cy="0"/>
+          <a:chOff x="0" y="0"/>
+          <a:chExt cx="0" cy="0"/>
+        </a:xfrm>
+      </p:grpSpPr>
+      <p:sp>
+        <p:nvSpPr>
           <p:cNvPr id="2" name="TextBox 1">
             <a:extLst>
               <a:ext uri="{FF2B5EF4-FFF2-40B4-BE49-F238E27FC236}">
@@ -6391,7 +7939,7 @@
         <p:spPr>
           <a:xfrm>
             <a:off x="1211384" y="523630"/>
-            <a:ext cx="8690708" cy="5509200"/>
+            <a:ext cx="8690708" cy="3416320"/>
           </a:xfrm>
           <a:prstGeom prst="rect">
             <a:avLst/>
@@ -6405,120 +7953,127 @@
           <a:lstStyle/>
           <a:p>
             <a:r>
-              <a:rPr lang="zh-CN" altLang="en-US" sz="3200" dirty="0"/>
+              <a:rPr lang="zh-CN" altLang="en-US" sz="2400" dirty="0"/>
               <a:t>要注意的：</a:t>
             </a:r>
-            <a:endParaRPr lang="en-US" altLang="zh-CN" sz="3200" dirty="0"/>
-          </a:p>
-          <a:p>
-            <a:endParaRPr lang="en-US" altLang="zh-CN" sz="3200" dirty="0"/>
-          </a:p>
-          <a:p>
-            <a:endParaRPr lang="en-US" altLang="zh-CN" sz="3200" dirty="0"/>
-          </a:p>
-          <a:p>
-            <a:endParaRPr lang="en-US" altLang="zh-CN" sz="3200" dirty="0"/>
-          </a:p>
-          <a:p>
-            <a:endParaRPr lang="en-US" altLang="zh-CN" sz="3200" dirty="0"/>
-          </a:p>
-          <a:p>
-            <a:r>
-              <a:rPr lang="en-US" altLang="zh-CN" sz="3200" dirty="0"/>
-              <a:t>0. </a:t>
-            </a:r>
-            <a:r>
-              <a:rPr lang="zh-CN" altLang="en-US" sz="3200" dirty="0"/>
+            <a:endParaRPr lang="en-US" altLang="zh-CN" sz="2400" dirty="0"/>
+          </a:p>
+          <a:p>
+            <a:endParaRPr lang="en-US" altLang="zh-CN" sz="2400" dirty="0"/>
+          </a:p>
+          <a:p>
+            <a:endParaRPr lang="en-US" altLang="zh-CN" sz="2400" dirty="0"/>
+          </a:p>
+          <a:p>
+            <a:endParaRPr lang="en-US" altLang="zh-CN" sz="2400" dirty="0"/>
+          </a:p>
+          <a:p>
+            <a:r>
+              <a:rPr lang="zh-CN" altLang="en-US" sz="2400" dirty="0"/>
               <a:t>比较终局的</a:t>
             </a:r>
             <a:r>
-              <a:rPr lang="en-US" altLang="zh-CN" sz="3200" dirty="0"/>
+              <a:rPr lang="en-US" altLang="zh-CN" sz="2400" dirty="0"/>
               <a:t>log</a:t>
             </a:r>
             <a:r>
-              <a:rPr lang="zh-CN" altLang="en-US" sz="3200" dirty="0"/>
+              <a:rPr lang="zh-CN" altLang="en-US" sz="2400" dirty="0"/>
               <a:t>里的</a:t>
             </a:r>
             <a:r>
-              <a:rPr lang="en-US" altLang="zh-CN" sz="3200" dirty="0"/>
+              <a:rPr lang="en-US" altLang="zh-CN" sz="2400" dirty="0"/>
               <a:t>state</a:t>
             </a:r>
             <a:r>
-              <a:rPr lang="zh-CN" altLang="en-US" sz="3200" dirty="0"/>
+              <a:rPr lang="zh-CN" altLang="en-US" sz="2400" dirty="0"/>
               <a:t>和经过打牌后最后的</a:t>
             </a:r>
             <a:r>
-              <a:rPr lang="en-US" altLang="zh-CN" sz="3200" dirty="0"/>
+              <a:rPr lang="en-US" altLang="zh-CN" sz="2400" dirty="0"/>
               <a:t>state</a:t>
             </a:r>
             <a:r>
-              <a:rPr lang="zh-CN" altLang="en-US" sz="3200" dirty="0"/>
+              <a:rPr lang="zh-CN" altLang="en-US" sz="2400" dirty="0"/>
               <a:t>是否一致</a:t>
             </a:r>
-            <a:endParaRPr lang="en-US" altLang="zh-CN" sz="3200" dirty="0"/>
+            <a:endParaRPr lang="en-US" altLang="zh-CN" sz="2400" dirty="0"/>
+          </a:p>
+          <a:p>
+            <a:endParaRPr lang="en-US" altLang="zh-CN" sz="2400" dirty="0"/>
           </a:p>
           <a:p>
             <a:pPr marL="514350" indent="-514350">
               <a:buAutoNum type="arabicPeriod"/>
             </a:pPr>
             <a:r>
-              <a:rPr lang="zh-CN" altLang="en-US" sz="3200" dirty="0"/>
+              <a:rPr lang="zh-CN" altLang="en-US" sz="2400" dirty="0"/>
               <a:t>记录一些</a:t>
             </a:r>
             <a:r>
-              <a:rPr lang="en-US" altLang="zh-CN" sz="3200" dirty="0"/>
+              <a:rPr lang="en-US" altLang="zh-CN" sz="2400" dirty="0"/>
               <a:t>example </a:t>
             </a:r>
             <a:r>
-              <a:rPr lang="zh-CN" altLang="en-US" sz="3200" dirty="0"/>
+              <a:rPr lang="zh-CN" altLang="en-US" sz="2400" dirty="0"/>
               <a:t>和牌的</a:t>
             </a:r>
             <a:r>
-              <a:rPr lang="en-US" altLang="zh-CN" sz="3200" dirty="0"/>
+              <a:rPr lang="en-US" altLang="zh-CN" sz="2400" dirty="0"/>
               <a:t>state</a:t>
             </a:r>
             <a:r>
-              <a:rPr lang="zh-CN" altLang="en-US" sz="3200" dirty="0"/>
+              <a:rPr lang="zh-CN" altLang="en-US" sz="2400" dirty="0"/>
               <a:t>，检查</a:t>
             </a:r>
             <a:r>
-              <a:rPr lang="en-US" altLang="zh-CN" sz="3200" dirty="0"/>
+              <a:rPr lang="en-US" altLang="zh-CN" sz="2400" dirty="0"/>
               <a:t>Q function </a:t>
             </a:r>
             <a:r>
-              <a:rPr lang="zh-CN" altLang="en-US" sz="3200" dirty="0"/>
+              <a:rPr lang="zh-CN" altLang="en-US" sz="2400" dirty="0"/>
               <a:t>是否正常</a:t>
             </a:r>
-            <a:endParaRPr lang="en-US" altLang="zh-CN" sz="3200" dirty="0"/>
+            <a:endParaRPr lang="en-US" altLang="zh-CN" sz="2400" dirty="0"/>
           </a:p>
           <a:p>
             <a:pPr marL="514350" indent="-514350">
               <a:buAutoNum type="arabicPeriod"/>
             </a:pPr>
             <a:r>
-              <a:rPr lang="zh-CN" altLang="en-US" sz="3200" dirty="0"/>
+              <a:rPr lang="zh-CN" altLang="en-US" sz="2400" dirty="0"/>
               <a:t>一炮双响的情况怎么考虑！（</a:t>
             </a:r>
             <a:r>
-              <a:rPr lang="en-US" altLang="zh-CN" sz="3200" dirty="0"/>
+              <a:rPr lang="en-US" altLang="zh-CN" sz="2400" dirty="0"/>
               <a:t>not suing </a:t>
             </a:r>
             <a:r>
-              <a:rPr lang="en-US" altLang="zh-CN" sz="3200" dirty="0" err="1"/>
+              <a:rPr lang="en-US" altLang="zh-CN" sz="2400" dirty="0" err="1"/>
               <a:t>game_step</a:t>
             </a:r>
             <a:r>
-              <a:rPr lang="en-US" altLang="zh-CN" sz="3200" dirty="0"/>
-              <a:t> </a:t>
-            </a:r>
-            <a:r>
-              <a:rPr lang="en-US" altLang="zh-CN" sz="3200"/>
-              <a:t>+= 1 !!!</a:t>
-            </a:r>
-            <a:r>
-              <a:rPr lang="zh-CN" altLang="en-US" sz="3200" dirty="0"/>
+              <a:rPr lang="en-US" altLang="zh-CN" sz="2400" dirty="0"/>
+              <a:t> += 1 !!!</a:t>
+            </a:r>
+            <a:r>
+              <a:rPr lang="zh-CN" altLang="en-US" sz="2400" dirty="0"/>
               <a:t>）</a:t>
             </a:r>
+            <a:endParaRPr lang="en-US" altLang="zh-CN" sz="2400" dirty="0"/>
+          </a:p>
+          <a:p>
+            <a:pPr marL="514350" indent="-514350">
+              <a:buAutoNum type="arabicPeriod"/>
+            </a:pPr>
+            <a:r>
+              <a:rPr lang="zh-CN" altLang="en-US" sz="2400" dirty="0"/>
+              <a:t>是否要包含从悬牌到下一步的</a:t>
+            </a:r>
+            <a:r>
+              <a:rPr lang="en-US" altLang="zh-CN" sz="2400" dirty="0"/>
+              <a:t>state transition</a:t>
+            </a:r>
+            <a:endParaRPr lang="zh-CN" altLang="en-US" sz="2400" dirty="0"/>
           </a:p>
         </p:txBody>
       </p:sp>
@@ -6535,7 +8090,7 @@
 </p:sld>
 </file>
 
-<file path=ppt/slides/slide7.xml><?xml version="1.0" encoding="utf-8"?>
+<file path=ppt/slides/slide8.xml><?xml version="1.0" encoding="utf-8"?>
 <p:sld xmlns:a="http://schemas.openxmlformats.org/drawingml/2006/main" xmlns:r="http://schemas.openxmlformats.org/officeDocument/2006/relationships" xmlns:p="http://schemas.openxmlformats.org/presentationml/2006/main">
   <p:cSld>
     <p:spTree>
@@ -8018,78 +9573,6 @@
 </p:sld>
 </file>
 
-<file path=ppt/slides/slide8.xml><?xml version="1.0" encoding="utf-8"?>
-<p:sld xmlns:a="http://schemas.openxmlformats.org/drawingml/2006/main" xmlns:r="http://schemas.openxmlformats.org/officeDocument/2006/relationships" xmlns:p="http://schemas.openxmlformats.org/presentationml/2006/main">
-  <p:cSld>
-    <p:spTree>
-      <p:nvGrpSpPr>
-        <p:cNvPr id="1" name=""/>
-        <p:cNvGrpSpPr/>
-        <p:nvPr/>
-      </p:nvGrpSpPr>
-      <p:grpSpPr>
-        <a:xfrm>
-          <a:off x="0" y="0"/>
-          <a:ext cx="0" cy="0"/>
-          <a:chOff x="0" y="0"/>
-          <a:chExt cx="0" cy="0"/>
-        </a:xfrm>
-      </p:grpSpPr>
-      <p:sp>
-        <p:nvSpPr>
-          <p:cNvPr id="2" name="Title 1"/>
-          <p:cNvSpPr>
-            <a:spLocks noGrp="1"/>
-          </p:cNvSpPr>
-          <p:nvPr>
-            <p:ph type="ctrTitle"/>
-          </p:nvPr>
-        </p:nvSpPr>
-        <p:spPr/>
-        <p:txBody>
-          <a:bodyPr/>
-          <a:lstStyle/>
-          <a:p>
-            <a:r>
-              <a:rPr lang="en-US" altLang="zh-CN" dirty="0"/>
-              <a:t>Step Setting</a:t>
-            </a:r>
-            <a:endParaRPr lang="zh-CN" altLang="en-US" dirty="0"/>
-          </a:p>
-        </p:txBody>
-      </p:sp>
-      <p:sp>
-        <p:nvSpPr>
-          <p:cNvPr id="3" name="Subtitle 2"/>
-          <p:cNvSpPr>
-            <a:spLocks noGrp="1"/>
-          </p:cNvSpPr>
-          <p:nvPr>
-            <p:ph type="subTitle" idx="1"/>
-          </p:nvPr>
-        </p:nvSpPr>
-        <p:spPr/>
-        <p:txBody>
-          <a:bodyPr/>
-          <a:lstStyle/>
-          <a:p>
-            <a:endParaRPr lang="zh-CN" altLang="en-US"/>
-          </a:p>
-        </p:txBody>
-      </p:sp>
-    </p:spTree>
-    <p:extLst>
-      <p:ext uri="{BB962C8B-B14F-4D97-AF65-F5344CB8AC3E}">
-        <p14:creationId xmlns:p14="http://schemas.microsoft.com/office/powerpoint/2010/main" val="3008687155"/>
-      </p:ext>
-    </p:extLst>
-  </p:cSld>
-  <p:clrMapOvr>
-    <a:masterClrMapping/>
-  </p:clrMapOvr>
-</p:sld>
-</file>
-
 <file path=ppt/slides/slide9.xml><?xml version="1.0" encoding="utf-8"?>
 <p:sld xmlns:a="http://schemas.openxmlformats.org/drawingml/2006/main" xmlns:r="http://schemas.openxmlformats.org/officeDocument/2006/relationships" xmlns:p="http://schemas.openxmlformats.org/presentationml/2006/main">
   <p:cSld>
@@ -8109,942 +9592,50 @@
       </p:grpSpPr>
       <p:sp>
         <p:nvSpPr>
-          <p:cNvPr id="9" name="Oval 8"/>
-          <p:cNvSpPr/>
-          <p:nvPr/>
-        </p:nvSpPr>
-        <p:spPr>
-          <a:xfrm>
-            <a:off x="8801607" y="2578090"/>
-            <a:ext cx="1270000" cy="1270000"/>
-          </a:xfrm>
-          <a:prstGeom prst="ellipse">
-            <a:avLst/>
-          </a:prstGeom>
-        </p:spPr>
-        <p:style>
-          <a:lnRef idx="2">
-            <a:schemeClr val="accent2">
-              <a:shade val="50000"/>
-            </a:schemeClr>
-          </a:lnRef>
-          <a:fillRef idx="1">
-            <a:schemeClr val="accent2"/>
-          </a:fillRef>
-          <a:effectRef idx="0">
-            <a:schemeClr val="accent2"/>
-          </a:effectRef>
-          <a:fontRef idx="minor">
-            <a:schemeClr val="lt1"/>
-          </a:fontRef>
-        </p:style>
-        <p:txBody>
-          <a:bodyPr rtlCol="0" anchor="ctr"/>
-          <a:lstStyle/>
-          <a:p>
-            <a:pPr algn="ctr"/>
-            <a:r>
-              <a:rPr lang="en-US" altLang="zh-CN" sz="2000" b="1" dirty="0"/>
-              <a:t>14 </a:t>
-            </a:r>
-            <a:r>
-              <a:rPr lang="zh-CN" altLang="en-US" sz="2000" b="1" dirty="0"/>
-              <a:t>张 自牌</a:t>
-            </a:r>
-          </a:p>
-        </p:txBody>
-      </p:sp>
-      <p:sp>
-        <p:nvSpPr>
-          <p:cNvPr id="13" name="Right Arrow 12"/>
-          <p:cNvSpPr/>
-          <p:nvPr/>
-        </p:nvSpPr>
-        <p:spPr>
-          <a:xfrm>
-            <a:off x="2322175" y="3014001"/>
-            <a:ext cx="6299201" cy="391626"/>
-          </a:xfrm>
-          <a:prstGeom prst="rightArrow">
-            <a:avLst/>
-          </a:prstGeom>
-          <a:noFill/>
-          <a:ln w="25400">
-            <a:solidFill>
-              <a:schemeClr val="accent6">
-                <a:lumMod val="40000"/>
-                <a:lumOff val="60000"/>
-              </a:schemeClr>
-            </a:solidFill>
-          </a:ln>
-        </p:spPr>
-        <p:style>
-          <a:lnRef idx="2">
-            <a:schemeClr val="accent1">
-              <a:shade val="50000"/>
-            </a:schemeClr>
-          </a:lnRef>
-          <a:fillRef idx="1">
-            <a:schemeClr val="accent1"/>
-          </a:fillRef>
-          <a:effectRef idx="0">
-            <a:schemeClr val="accent1"/>
-          </a:effectRef>
-          <a:fontRef idx="minor">
-            <a:schemeClr val="lt1"/>
-          </a:fontRef>
-        </p:style>
-        <p:txBody>
-          <a:bodyPr rtlCol="0" anchor="ctr"/>
-          <a:lstStyle/>
-          <a:p>
-            <a:pPr algn="ctr"/>
+          <p:cNvPr id="2" name="Title 1"/>
+          <p:cNvSpPr>
+            <a:spLocks noGrp="1"/>
+          </p:cNvSpPr>
+          <p:nvPr>
+            <p:ph type="ctrTitle"/>
+          </p:nvPr>
+        </p:nvSpPr>
+        <p:spPr/>
+        <p:txBody>
+          <a:bodyPr/>
+          <a:lstStyle/>
+          <a:p>
+            <a:r>
+              <a:rPr lang="en-US" altLang="zh-CN" dirty="0"/>
+              <a:t>Step Setting</a:t>
+            </a:r>
+            <a:endParaRPr lang="zh-CN" altLang="en-US" dirty="0"/>
+          </a:p>
+        </p:txBody>
+      </p:sp>
+      <p:sp>
+        <p:nvSpPr>
+          <p:cNvPr id="3" name="Subtitle 2"/>
+          <p:cNvSpPr>
+            <a:spLocks noGrp="1"/>
+          </p:cNvSpPr>
+          <p:nvPr>
+            <p:ph type="subTitle" idx="1"/>
+          </p:nvPr>
+        </p:nvSpPr>
+        <p:spPr/>
+        <p:txBody>
+          <a:bodyPr/>
+          <a:lstStyle/>
+          <a:p>
             <a:endParaRPr lang="zh-CN" altLang="en-US"/>
-          </a:p>
-        </p:txBody>
-      </p:sp>
-      <p:sp>
-        <p:nvSpPr>
-          <p:cNvPr id="14" name="Right Arrow 13"/>
-          <p:cNvSpPr/>
-          <p:nvPr/>
-        </p:nvSpPr>
-        <p:spPr>
-          <a:xfrm rot="17223922">
-            <a:off x="9251525" y="1822532"/>
-            <a:ext cx="1253052" cy="313667"/>
-          </a:xfrm>
-          <a:prstGeom prst="rightArrow">
-            <a:avLst/>
-          </a:prstGeom>
-        </p:spPr>
-        <p:style>
-          <a:lnRef idx="2">
-            <a:schemeClr val="accent2">
-              <a:shade val="50000"/>
-            </a:schemeClr>
-          </a:lnRef>
-          <a:fillRef idx="1">
-            <a:schemeClr val="accent2"/>
-          </a:fillRef>
-          <a:effectRef idx="0">
-            <a:schemeClr val="accent2"/>
-          </a:effectRef>
-          <a:fontRef idx="minor">
-            <a:schemeClr val="lt1"/>
-          </a:fontRef>
-        </p:style>
-        <p:txBody>
-          <a:bodyPr rtlCol="0" anchor="ctr"/>
-          <a:lstStyle/>
-          <a:p>
-            <a:pPr algn="ctr"/>
-            <a:endParaRPr lang="zh-CN" altLang="en-US"/>
-          </a:p>
-        </p:txBody>
-      </p:sp>
-      <p:sp>
-        <p:nvSpPr>
-          <p:cNvPr id="19" name="Oval 18"/>
-          <p:cNvSpPr/>
-          <p:nvPr/>
-        </p:nvSpPr>
-        <p:spPr>
-          <a:xfrm>
-            <a:off x="1026275" y="4545194"/>
-            <a:ext cx="1270000" cy="1270000"/>
-          </a:xfrm>
-          <a:prstGeom prst="ellipse">
-            <a:avLst/>
-          </a:prstGeom>
-          <a:solidFill>
-            <a:schemeClr val="accent1">
-              <a:lumMod val="40000"/>
-              <a:lumOff val="60000"/>
-            </a:schemeClr>
-          </a:solidFill>
-        </p:spPr>
-        <p:style>
-          <a:lnRef idx="2">
-            <a:schemeClr val="accent1">
-              <a:shade val="50000"/>
-            </a:schemeClr>
-          </a:lnRef>
-          <a:fillRef idx="1">
-            <a:schemeClr val="accent1"/>
-          </a:fillRef>
-          <a:effectRef idx="0">
-            <a:schemeClr val="accent1"/>
-          </a:effectRef>
-          <a:fontRef idx="minor">
-            <a:schemeClr val="lt1"/>
-          </a:fontRef>
-        </p:style>
-        <p:txBody>
-          <a:bodyPr rtlCol="0" anchor="ctr"/>
-          <a:lstStyle/>
-          <a:p>
-            <a:pPr algn="ctr"/>
-            <a:r>
-              <a:rPr lang="en-US" altLang="zh-CN" sz="1600" b="1" dirty="0">
-                <a:solidFill>
-                  <a:schemeClr val="accent1">
-                    <a:lumMod val="50000"/>
-                  </a:schemeClr>
-                </a:solidFill>
-              </a:rPr>
-              <a:t>13 </a:t>
-            </a:r>
-            <a:r>
-              <a:rPr lang="zh-CN" altLang="en-US" sz="1600" b="1" dirty="0">
-                <a:solidFill>
-                  <a:schemeClr val="accent1">
-                    <a:lumMod val="50000"/>
-                  </a:schemeClr>
-                </a:solidFill>
-              </a:rPr>
-              <a:t>张 自牌</a:t>
-            </a:r>
-            <a:endParaRPr lang="en-US" altLang="zh-CN" sz="1600" b="1" dirty="0">
-              <a:solidFill>
-                <a:schemeClr val="accent1">
-                  <a:lumMod val="50000"/>
-                </a:schemeClr>
-              </a:solidFill>
-            </a:endParaRPr>
-          </a:p>
-          <a:p>
-            <a:pPr algn="ctr"/>
-            <a:r>
-              <a:rPr lang="en-US" altLang="zh-CN" sz="1600" b="1" dirty="0">
-                <a:solidFill>
-                  <a:schemeClr val="accent1">
-                    <a:lumMod val="50000"/>
-                  </a:schemeClr>
-                </a:solidFill>
-              </a:rPr>
-              <a:t>+1</a:t>
-            </a:r>
-            <a:r>
-              <a:rPr lang="zh-CN" altLang="en-US" sz="1600" b="1" dirty="0">
-                <a:solidFill>
-                  <a:schemeClr val="accent1">
-                    <a:lumMod val="50000"/>
-                  </a:schemeClr>
-                </a:solidFill>
-              </a:rPr>
-              <a:t>悬牌</a:t>
-            </a:r>
-          </a:p>
-        </p:txBody>
-      </p:sp>
-      <p:sp>
-        <p:nvSpPr>
-          <p:cNvPr id="20" name="Right Arrow 19"/>
-          <p:cNvSpPr/>
-          <p:nvPr/>
-        </p:nvSpPr>
-        <p:spPr>
-          <a:xfrm rot="15776944">
-            <a:off x="1285727" y="3981799"/>
-            <a:ext cx="615631" cy="391626"/>
-          </a:xfrm>
-          <a:prstGeom prst="rightArrow">
-            <a:avLst/>
-          </a:prstGeom>
-          <a:noFill/>
-        </p:spPr>
-        <p:style>
-          <a:lnRef idx="2">
-            <a:schemeClr val="accent1">
-              <a:shade val="50000"/>
-            </a:schemeClr>
-          </a:lnRef>
-          <a:fillRef idx="1">
-            <a:schemeClr val="accent1"/>
-          </a:fillRef>
-          <a:effectRef idx="0">
-            <a:schemeClr val="accent1"/>
-          </a:effectRef>
-          <a:fontRef idx="minor">
-            <a:schemeClr val="lt1"/>
-          </a:fontRef>
-        </p:style>
-        <p:txBody>
-          <a:bodyPr rtlCol="0" anchor="ctr"/>
-          <a:lstStyle/>
-          <a:p>
-            <a:pPr algn="ctr"/>
-            <a:endParaRPr lang="zh-CN" altLang="en-US"/>
-          </a:p>
-        </p:txBody>
-      </p:sp>
-      <p:sp>
-        <p:nvSpPr>
-          <p:cNvPr id="21" name="Right Arrow 20"/>
-          <p:cNvSpPr/>
-          <p:nvPr/>
-        </p:nvSpPr>
-        <p:spPr>
-          <a:xfrm rot="16200000">
-            <a:off x="8952819" y="5211581"/>
-            <a:ext cx="729234" cy="391626"/>
-          </a:xfrm>
-          <a:prstGeom prst="rightArrow">
-            <a:avLst/>
-          </a:prstGeom>
-          <a:noFill/>
-          <a:ln w="19050">
-            <a:solidFill>
-              <a:schemeClr val="accent6">
-                <a:lumMod val="40000"/>
-                <a:lumOff val="60000"/>
-              </a:schemeClr>
-            </a:solidFill>
-          </a:ln>
-        </p:spPr>
-        <p:style>
-          <a:lnRef idx="2">
-            <a:schemeClr val="accent1">
-              <a:shade val="50000"/>
-            </a:schemeClr>
-          </a:lnRef>
-          <a:fillRef idx="1">
-            <a:schemeClr val="accent1"/>
-          </a:fillRef>
-          <a:effectRef idx="0">
-            <a:schemeClr val="accent1"/>
-          </a:effectRef>
-          <a:fontRef idx="minor">
-            <a:schemeClr val="lt1"/>
-          </a:fontRef>
-        </p:style>
-        <p:txBody>
-          <a:bodyPr rtlCol="0" anchor="ctr"/>
-          <a:lstStyle/>
-          <a:p>
-            <a:pPr algn="ctr"/>
-            <a:endParaRPr lang="zh-CN" altLang="en-US"/>
-          </a:p>
-        </p:txBody>
-      </p:sp>
-      <p:sp>
-        <p:nvSpPr>
-          <p:cNvPr id="22" name="Right Arrow 21"/>
-          <p:cNvSpPr/>
-          <p:nvPr/>
-        </p:nvSpPr>
-        <p:spPr>
-          <a:xfrm rot="16200000">
-            <a:off x="8952819" y="6191134"/>
-            <a:ext cx="729234" cy="391626"/>
-          </a:xfrm>
-          <a:prstGeom prst="rightArrow">
-            <a:avLst/>
-          </a:prstGeom>
-          <a:solidFill>
-            <a:schemeClr val="accent6">
-              <a:lumMod val="40000"/>
-              <a:lumOff val="60000"/>
-            </a:schemeClr>
-          </a:solidFill>
-          <a:ln>
-            <a:solidFill>
-              <a:schemeClr val="accent6">
-                <a:lumMod val="40000"/>
-                <a:lumOff val="60000"/>
-              </a:schemeClr>
-            </a:solidFill>
-          </a:ln>
-        </p:spPr>
-        <p:style>
-          <a:lnRef idx="2">
-            <a:schemeClr val="accent1">
-              <a:shade val="50000"/>
-            </a:schemeClr>
-          </a:lnRef>
-          <a:fillRef idx="1">
-            <a:schemeClr val="accent1"/>
-          </a:fillRef>
-          <a:effectRef idx="0">
-            <a:schemeClr val="accent1"/>
-          </a:effectRef>
-          <a:fontRef idx="minor">
-            <a:schemeClr val="lt1"/>
-          </a:fontRef>
-        </p:style>
-        <p:txBody>
-          <a:bodyPr rtlCol="0" anchor="ctr"/>
-          <a:lstStyle/>
-          <a:p>
-            <a:pPr algn="ctr"/>
-            <a:endParaRPr lang="zh-CN" altLang="en-US"/>
-          </a:p>
-        </p:txBody>
-      </p:sp>
-      <p:sp>
-        <p:nvSpPr>
-          <p:cNvPr id="23" name="TextBox 22"/>
-          <p:cNvSpPr txBox="1"/>
-          <p:nvPr/>
-        </p:nvSpPr>
-        <p:spPr>
-          <a:xfrm>
-            <a:off x="9632421" y="6202281"/>
-            <a:ext cx="1689821" cy="369332"/>
-          </a:xfrm>
-          <a:prstGeom prst="rect">
-            <a:avLst/>
-          </a:prstGeom>
-          <a:noFill/>
-        </p:spPr>
-        <p:txBody>
-          <a:bodyPr wrap="square" rtlCol="0">
-            <a:spAutoFit/>
-          </a:bodyPr>
-          <a:lstStyle/>
-          <a:p>
-            <a:r>
-              <a:rPr lang="en-US" altLang="zh-CN" dirty="0"/>
-              <a:t>deterministic</a:t>
-            </a:r>
-            <a:endParaRPr lang="zh-CN" altLang="en-US" dirty="0"/>
-          </a:p>
-        </p:txBody>
-      </p:sp>
-      <p:sp>
-        <p:nvSpPr>
-          <p:cNvPr id="24" name="TextBox 23"/>
-          <p:cNvSpPr txBox="1"/>
-          <p:nvPr/>
-        </p:nvSpPr>
-        <p:spPr>
-          <a:xfrm>
-            <a:off x="9620690" y="5257922"/>
-            <a:ext cx="1689821" cy="369332"/>
-          </a:xfrm>
-          <a:prstGeom prst="rect">
-            <a:avLst/>
-          </a:prstGeom>
-          <a:noFill/>
-        </p:spPr>
-        <p:txBody>
-          <a:bodyPr wrap="square" rtlCol="0">
-            <a:spAutoFit/>
-          </a:bodyPr>
-          <a:lstStyle/>
-          <a:p>
-            <a:r>
-              <a:rPr lang="en-US" altLang="zh-CN" dirty="0"/>
-              <a:t>stochastic</a:t>
-            </a:r>
-            <a:endParaRPr lang="zh-CN" altLang="en-US" dirty="0"/>
-          </a:p>
-        </p:txBody>
-      </p:sp>
-      <p:cxnSp>
-        <p:nvCxnSpPr>
-          <p:cNvPr id="26" name="Curved Connector 25"/>
-          <p:cNvCxnSpPr>
-            <a:stCxn id="8" idx="0"/>
-            <a:endCxn id="49" idx="2"/>
-          </p:cNvCxnSpPr>
-          <p:nvPr/>
-        </p:nvCxnSpPr>
-        <p:spPr>
-          <a:xfrm rot="5400000" flipH="1" flipV="1">
-            <a:off x="4591916" y="-2343242"/>
-            <a:ext cx="1859960" cy="7982705"/>
-          </a:xfrm>
-          <a:prstGeom prst="curvedConnector2">
-            <a:avLst/>
-          </a:prstGeom>
-          <a:ln w="127000">
-            <a:solidFill>
-              <a:schemeClr val="accent6">
-                <a:lumMod val="40000"/>
-                <a:lumOff val="60000"/>
-              </a:schemeClr>
-            </a:solidFill>
-            <a:tailEnd type="triangle"/>
-          </a:ln>
-        </p:spPr>
-        <p:style>
-          <a:lnRef idx="1">
-            <a:schemeClr val="accent1"/>
-          </a:lnRef>
-          <a:fillRef idx="0">
-            <a:schemeClr val="accent1"/>
-          </a:fillRef>
-          <a:effectRef idx="0">
-            <a:schemeClr val="accent1"/>
-          </a:effectRef>
-          <a:fontRef idx="minor">
-            <a:schemeClr val="tx1"/>
-          </a:fontRef>
-        </p:style>
-      </p:cxnSp>
-      <p:cxnSp>
-        <p:nvCxnSpPr>
-          <p:cNvPr id="32" name="Curved Connector 31"/>
-          <p:cNvCxnSpPr>
-            <a:stCxn id="9" idx="4"/>
-            <a:endCxn id="19" idx="6"/>
-          </p:cNvCxnSpPr>
-          <p:nvPr/>
-        </p:nvCxnSpPr>
-        <p:spPr>
-          <a:xfrm rot="5400000">
-            <a:off x="5200389" y="943976"/>
-            <a:ext cx="1332104" cy="7140332"/>
-          </a:xfrm>
-          <a:prstGeom prst="curvedConnector2">
-            <a:avLst/>
-          </a:prstGeom>
-          <a:ln w="127000">
-            <a:solidFill>
-              <a:schemeClr val="accent6">
-                <a:lumMod val="40000"/>
-                <a:lumOff val="60000"/>
-              </a:schemeClr>
-            </a:solidFill>
-            <a:tailEnd type="triangle"/>
-          </a:ln>
-        </p:spPr>
-        <p:style>
-          <a:lnRef idx="1">
-            <a:schemeClr val="accent1"/>
-          </a:lnRef>
-          <a:fillRef idx="0">
-            <a:schemeClr val="accent1"/>
-          </a:fillRef>
-          <a:effectRef idx="0">
-            <a:schemeClr val="accent1"/>
-          </a:effectRef>
-          <a:fontRef idx="minor">
-            <a:schemeClr val="tx1"/>
-          </a:fontRef>
-        </p:style>
-      </p:cxnSp>
-      <p:sp>
-        <p:nvSpPr>
-          <p:cNvPr id="4" name="TextBox 3"/>
-          <p:cNvSpPr txBox="1"/>
-          <p:nvPr/>
-        </p:nvSpPr>
-        <p:spPr>
-          <a:xfrm>
-            <a:off x="5800941" y="4581759"/>
-            <a:ext cx="1066800" cy="584775"/>
-          </a:xfrm>
-          <a:prstGeom prst="rect">
-            <a:avLst/>
-          </a:prstGeom>
-          <a:noFill/>
-        </p:spPr>
-        <p:txBody>
-          <a:bodyPr wrap="square" rtlCol="0">
-            <a:spAutoFit/>
-          </a:bodyPr>
-          <a:lstStyle/>
-          <a:p>
-            <a:r>
-              <a:rPr lang="zh-CN" altLang="en-US" sz="3200" dirty="0"/>
-              <a:t>打牌</a:t>
-            </a:r>
-          </a:p>
-        </p:txBody>
-      </p:sp>
-      <p:sp>
-        <p:nvSpPr>
-          <p:cNvPr id="3" name="TextBox 2"/>
-          <p:cNvSpPr txBox="1"/>
-          <p:nvPr/>
-        </p:nvSpPr>
-        <p:spPr>
-          <a:xfrm>
-            <a:off x="4596214" y="2908161"/>
-            <a:ext cx="2618863" cy="584775"/>
-          </a:xfrm>
-          <a:prstGeom prst="rect">
-            <a:avLst/>
-          </a:prstGeom>
-          <a:noFill/>
-        </p:spPr>
-        <p:txBody>
-          <a:bodyPr wrap="square" rtlCol="0">
-            <a:spAutoFit/>
-          </a:bodyPr>
-          <a:lstStyle/>
-          <a:p>
-            <a:r>
-              <a:rPr lang="zh-CN" altLang="en-US" sz="3200" dirty="0"/>
-              <a:t>摸牌</a:t>
-            </a:r>
-            <a:r>
-              <a:rPr lang="en-US" altLang="zh-CN" sz="3200" dirty="0"/>
-              <a:t>/</a:t>
-            </a:r>
-            <a:r>
-              <a:rPr lang="zh-CN" altLang="en-US" sz="3200" dirty="0"/>
-              <a:t>杠</a:t>
-            </a:r>
-          </a:p>
-        </p:txBody>
-      </p:sp>
-      <p:sp>
-        <p:nvSpPr>
-          <p:cNvPr id="39" name="TextBox 38"/>
-          <p:cNvSpPr txBox="1"/>
-          <p:nvPr/>
-        </p:nvSpPr>
-        <p:spPr>
-          <a:xfrm>
-            <a:off x="704620" y="3946779"/>
-            <a:ext cx="3362172" cy="461665"/>
-          </a:xfrm>
-          <a:prstGeom prst="rect">
-            <a:avLst/>
-          </a:prstGeom>
-          <a:noFill/>
-        </p:spPr>
-        <p:txBody>
-          <a:bodyPr wrap="square" rtlCol="0">
-            <a:spAutoFit/>
-          </a:bodyPr>
-          <a:lstStyle/>
-          <a:p>
-            <a:r>
-              <a:rPr lang="zh-CN" altLang="en-US" sz="2400" dirty="0"/>
-              <a:t>其他玩家行动</a:t>
-            </a:r>
-          </a:p>
-        </p:txBody>
-      </p:sp>
-      <p:sp>
-        <p:nvSpPr>
-          <p:cNvPr id="41" name="Curved Left Arrow 40"/>
-          <p:cNvSpPr/>
-          <p:nvPr/>
-        </p:nvSpPr>
-        <p:spPr>
-          <a:xfrm rot="1241325">
-            <a:off x="10010014" y="3088261"/>
-            <a:ext cx="840971" cy="1002583"/>
-          </a:xfrm>
-          <a:prstGeom prst="curvedLeftArrow">
-            <a:avLst/>
-          </a:prstGeom>
-          <a:noFill/>
-          <a:ln>
-            <a:solidFill>
-              <a:schemeClr val="accent2"/>
-            </a:solidFill>
-          </a:ln>
-        </p:spPr>
-        <p:style>
-          <a:lnRef idx="2">
-            <a:schemeClr val="accent1">
-              <a:shade val="50000"/>
-            </a:schemeClr>
-          </a:lnRef>
-          <a:fillRef idx="1">
-            <a:schemeClr val="accent1"/>
-          </a:fillRef>
-          <a:effectRef idx="0">
-            <a:schemeClr val="accent1"/>
-          </a:effectRef>
-          <a:fontRef idx="minor">
-            <a:schemeClr val="lt1"/>
-          </a:fontRef>
-        </p:style>
-        <p:txBody>
-          <a:bodyPr rtlCol="0" anchor="ctr"/>
-          <a:lstStyle/>
-          <a:p>
-            <a:pPr algn="ctr"/>
-            <a:endParaRPr lang="zh-CN" altLang="en-US">
-              <a:solidFill>
-                <a:schemeClr val="tx1"/>
-              </a:solidFill>
-            </a:endParaRPr>
-          </a:p>
-        </p:txBody>
-      </p:sp>
-      <p:cxnSp>
-        <p:nvCxnSpPr>
-          <p:cNvPr id="42" name="Curved Connector 41"/>
-          <p:cNvCxnSpPr>
-            <a:stCxn id="8" idx="7"/>
-            <a:endCxn id="9" idx="1"/>
-          </p:cNvCxnSpPr>
-          <p:nvPr/>
-        </p:nvCxnSpPr>
-        <p:spPr>
-          <a:xfrm rot="5400000" flipH="1" flipV="1">
-            <a:off x="5483575" y="-739941"/>
-            <a:ext cx="12700" cy="7008037"/>
-          </a:xfrm>
-          <a:prstGeom prst="curvedConnector3">
-            <a:avLst>
-              <a:gd name="adj1" fmla="val 3264465"/>
-            </a:avLst>
-          </a:prstGeom>
-          <a:ln w="127000">
-            <a:solidFill>
-              <a:schemeClr val="accent6">
-                <a:lumMod val="40000"/>
-                <a:lumOff val="60000"/>
-              </a:schemeClr>
-            </a:solidFill>
-            <a:tailEnd type="triangle"/>
-          </a:ln>
-        </p:spPr>
-        <p:style>
-          <a:lnRef idx="1">
-            <a:schemeClr val="accent1"/>
-          </a:lnRef>
-          <a:fillRef idx="0">
-            <a:schemeClr val="accent1"/>
-          </a:fillRef>
-          <a:effectRef idx="0">
-            <a:schemeClr val="accent1"/>
-          </a:effectRef>
-          <a:fontRef idx="minor">
-            <a:schemeClr val="tx1"/>
-          </a:fontRef>
-        </p:style>
-      </p:cxnSp>
-      <p:sp>
-        <p:nvSpPr>
-          <p:cNvPr id="48" name="TextBox 47"/>
-          <p:cNvSpPr txBox="1"/>
-          <p:nvPr/>
-        </p:nvSpPr>
-        <p:spPr>
-          <a:xfrm>
-            <a:off x="3853264" y="704469"/>
-            <a:ext cx="4026354" cy="584775"/>
-          </a:xfrm>
-          <a:prstGeom prst="rect">
-            <a:avLst/>
-          </a:prstGeom>
-          <a:noFill/>
-        </p:spPr>
-        <p:txBody>
-          <a:bodyPr wrap="square" rtlCol="0">
-            <a:spAutoFit/>
-          </a:bodyPr>
-          <a:lstStyle/>
-          <a:p>
-            <a:r>
-              <a:rPr lang="zh-CN" altLang="en-US" sz="3200" dirty="0"/>
-              <a:t>荣和</a:t>
-            </a:r>
-            <a:r>
-              <a:rPr lang="en-US" altLang="zh-CN" sz="3200" dirty="0"/>
-              <a:t>/</a:t>
-            </a:r>
-            <a:r>
-              <a:rPr lang="zh-CN" altLang="en-US" sz="3200" dirty="0"/>
-              <a:t>抢（暗）杠</a:t>
-            </a:r>
-          </a:p>
-        </p:txBody>
-      </p:sp>
-      <p:sp>
-        <p:nvSpPr>
-          <p:cNvPr id="49" name="Oval 48"/>
-          <p:cNvSpPr/>
-          <p:nvPr/>
-        </p:nvSpPr>
-        <p:spPr>
-          <a:xfrm>
-            <a:off x="9513249" y="83130"/>
-            <a:ext cx="1270000" cy="1270000"/>
-          </a:xfrm>
-          <a:prstGeom prst="ellipse">
-            <a:avLst/>
-          </a:prstGeom>
-        </p:spPr>
-        <p:style>
-          <a:lnRef idx="2">
-            <a:schemeClr val="accent2">
-              <a:shade val="50000"/>
-            </a:schemeClr>
-          </a:lnRef>
-          <a:fillRef idx="1">
-            <a:schemeClr val="accent2"/>
-          </a:fillRef>
-          <a:effectRef idx="0">
-            <a:schemeClr val="accent2"/>
-          </a:effectRef>
-          <a:fontRef idx="minor">
-            <a:schemeClr val="lt1"/>
-          </a:fontRef>
-        </p:style>
-        <p:txBody>
-          <a:bodyPr rtlCol="0" anchor="ctr"/>
-          <a:lstStyle/>
-          <a:p>
-            <a:pPr algn="ctr"/>
-            <a:r>
-              <a:rPr lang="en-US" altLang="zh-CN" sz="2000" b="1" dirty="0"/>
-              <a:t>14 </a:t>
-            </a:r>
-            <a:r>
-              <a:rPr lang="zh-CN" altLang="en-US" sz="2000" b="1" dirty="0"/>
-              <a:t>张 自牌</a:t>
-            </a:r>
-            <a:endParaRPr lang="en-US" altLang="zh-CN" sz="2000" b="1" dirty="0"/>
-          </a:p>
-          <a:p>
-            <a:pPr algn="ctr"/>
-            <a:r>
-              <a:rPr lang="zh-CN" altLang="en-US" sz="2000" b="1" dirty="0"/>
-              <a:t>终局</a:t>
-            </a:r>
-          </a:p>
-        </p:txBody>
-      </p:sp>
-      <p:sp>
-        <p:nvSpPr>
-          <p:cNvPr id="7" name="TextBox 6"/>
-          <p:cNvSpPr txBox="1"/>
-          <p:nvPr/>
-        </p:nvSpPr>
-        <p:spPr>
-          <a:xfrm>
-            <a:off x="9436607" y="1651623"/>
-            <a:ext cx="1066800" cy="584775"/>
-          </a:xfrm>
-          <a:prstGeom prst="rect">
-            <a:avLst/>
-          </a:prstGeom>
-          <a:noFill/>
-        </p:spPr>
-        <p:txBody>
-          <a:bodyPr wrap="square" rtlCol="0">
-            <a:spAutoFit/>
-          </a:bodyPr>
-          <a:lstStyle/>
-          <a:p>
-            <a:r>
-              <a:rPr lang="zh-CN" altLang="en-US" sz="3200" dirty="0"/>
-              <a:t>自摸</a:t>
-            </a:r>
-          </a:p>
-        </p:txBody>
-      </p:sp>
-      <p:sp>
-        <p:nvSpPr>
-          <p:cNvPr id="5" name="TextBox 4"/>
-          <p:cNvSpPr txBox="1"/>
-          <p:nvPr/>
-        </p:nvSpPr>
-        <p:spPr>
-          <a:xfrm>
-            <a:off x="4838846" y="2096209"/>
-            <a:ext cx="1066800" cy="584775"/>
-          </a:xfrm>
-          <a:prstGeom prst="rect">
-            <a:avLst/>
-          </a:prstGeom>
-          <a:noFill/>
-        </p:spPr>
-        <p:txBody>
-          <a:bodyPr wrap="square" rtlCol="0">
-            <a:spAutoFit/>
-          </a:bodyPr>
-          <a:lstStyle/>
-          <a:p>
-            <a:r>
-              <a:rPr lang="zh-CN" altLang="en-US" sz="3200" dirty="0"/>
-              <a:t>吃碰</a:t>
-            </a:r>
-          </a:p>
-        </p:txBody>
-      </p:sp>
-      <p:sp>
-        <p:nvSpPr>
-          <p:cNvPr id="8" name="Oval 7"/>
-          <p:cNvSpPr/>
-          <p:nvPr/>
-        </p:nvSpPr>
-        <p:spPr>
-          <a:xfrm>
-            <a:off x="895544" y="2578090"/>
-            <a:ext cx="1270000" cy="1270000"/>
-          </a:xfrm>
-          <a:prstGeom prst="ellipse">
-            <a:avLst/>
-          </a:prstGeom>
-        </p:spPr>
-        <p:style>
-          <a:lnRef idx="2">
-            <a:schemeClr val="accent1">
-              <a:shade val="50000"/>
-            </a:schemeClr>
-          </a:lnRef>
-          <a:fillRef idx="1">
-            <a:schemeClr val="accent1"/>
-          </a:fillRef>
-          <a:effectRef idx="0">
-            <a:schemeClr val="accent1"/>
-          </a:effectRef>
-          <a:fontRef idx="minor">
-            <a:schemeClr val="lt1"/>
-          </a:fontRef>
-        </p:style>
-        <p:txBody>
-          <a:bodyPr rtlCol="0" anchor="ctr"/>
-          <a:lstStyle/>
-          <a:p>
-            <a:pPr algn="ctr"/>
-            <a:r>
-              <a:rPr lang="en-US" altLang="zh-CN" sz="2000" b="1" dirty="0"/>
-              <a:t>13 </a:t>
-            </a:r>
-            <a:r>
-              <a:rPr lang="zh-CN" altLang="en-US" sz="2000" b="1" dirty="0"/>
-              <a:t>张 自牌</a:t>
-            </a:r>
-          </a:p>
-        </p:txBody>
-      </p:sp>
-      <p:sp>
-        <p:nvSpPr>
-          <p:cNvPr id="51" name="TextBox 50"/>
-          <p:cNvSpPr txBox="1"/>
-          <p:nvPr/>
-        </p:nvSpPr>
-        <p:spPr>
-          <a:xfrm>
-            <a:off x="10347984" y="3297164"/>
-            <a:ext cx="1066800" cy="584775"/>
-          </a:xfrm>
-          <a:prstGeom prst="rect">
-            <a:avLst/>
-          </a:prstGeom>
-          <a:noFill/>
-        </p:spPr>
-        <p:txBody>
-          <a:bodyPr wrap="square" rtlCol="0">
-            <a:spAutoFit/>
-          </a:bodyPr>
-          <a:lstStyle/>
-          <a:p>
-            <a:r>
-              <a:rPr lang="zh-CN" altLang="en-US" sz="3200" dirty="0"/>
-              <a:t>暗杠</a:t>
-            </a:r>
           </a:p>
         </p:txBody>
       </p:sp>
     </p:spTree>
     <p:extLst>
       <p:ext uri="{BB962C8B-B14F-4D97-AF65-F5344CB8AC3E}">
-        <p14:creationId xmlns:p14="http://schemas.microsoft.com/office/powerpoint/2010/main" val="988195230"/>
+        <p14:creationId xmlns:p14="http://schemas.microsoft.com/office/powerpoint/2010/main" val="3008687155"/>
       </p:ext>
     </p:extLst>
   </p:cSld>

--- a/AI/FrostVer3.pptx
+++ b/AI/FrostVer3.pptx
@@ -7154,7 +7154,7 @@
                     <a:lstStyle/>
                     <a:p>
                       <a:r>
-                        <a:rPr lang="en-US" altLang="zh-CN"/>
+                        <a:rPr lang="en-US" altLang="zh-CN" dirty="0"/>
                         <a:t>1</a:t>
                       </a:r>
                       <a:endParaRPr lang="zh-CN" altLang="en-US" dirty="0"/>
@@ -7850,6 +7850,18 @@
               <a:rPr lang="zh-CN" altLang="en-US" dirty="0"/>
               <a:t>是否是一发巡</a:t>
             </a:r>
+            <a:endParaRPr lang="en-US" altLang="zh-CN" dirty="0"/>
+          </a:p>
+          <a:p>
+            <a:r>
+              <a:rPr lang="zh-CN" altLang="en-US" dirty="0"/>
+              <a:t>包牌： </a:t>
+            </a:r>
+            <a:r>
+              <a:rPr lang="en-US" altLang="zh-CN" dirty="0" err="1"/>
+              <a:t>naru_source</a:t>
+            </a:r>
+            <a:endParaRPr lang="zh-CN" altLang="en-US" dirty="0"/>
           </a:p>
         </p:txBody>
       </p:sp>
@@ -7867,7 +7879,7 @@
         </p:nvSpPr>
         <p:spPr>
           <a:xfrm>
-            <a:off x="1789723" y="4256262"/>
+            <a:off x="1711569" y="4557574"/>
             <a:ext cx="8487508" cy="1754326"/>
           </a:xfrm>
           <a:prstGeom prst="rect">

--- a/AI/FrostVer3.pptx
+++ b/AI/FrostVer3.pptx
@@ -264,7 +264,7 @@
           <a:p>
             <a:fld id="{5FEBFD95-8CFD-49BE-B999-985DD76DD94F}" type="datetimeFigureOut">
               <a:rPr lang="zh-CN" altLang="en-US" smtClean="0"/>
-              <a:t>2021/7/19</a:t>
+              <a:t>2021/7/20</a:t>
             </a:fld>
             <a:endParaRPr lang="zh-CN" altLang="en-US"/>
           </a:p>
@@ -434,7 +434,7 @@
           <a:p>
             <a:fld id="{5FEBFD95-8CFD-49BE-B999-985DD76DD94F}" type="datetimeFigureOut">
               <a:rPr lang="zh-CN" altLang="en-US" smtClean="0"/>
-              <a:t>2021/7/19</a:t>
+              <a:t>2021/7/20</a:t>
             </a:fld>
             <a:endParaRPr lang="zh-CN" altLang="en-US"/>
           </a:p>
@@ -614,7 +614,7 @@
           <a:p>
             <a:fld id="{5FEBFD95-8CFD-49BE-B999-985DD76DD94F}" type="datetimeFigureOut">
               <a:rPr lang="zh-CN" altLang="en-US" smtClean="0"/>
-              <a:t>2021/7/19</a:t>
+              <a:t>2021/7/20</a:t>
             </a:fld>
             <a:endParaRPr lang="zh-CN" altLang="en-US"/>
           </a:p>
@@ -784,7 +784,7 @@
           <a:p>
             <a:fld id="{5FEBFD95-8CFD-49BE-B999-985DD76DD94F}" type="datetimeFigureOut">
               <a:rPr lang="zh-CN" altLang="en-US" smtClean="0"/>
-              <a:t>2021/7/19</a:t>
+              <a:t>2021/7/20</a:t>
             </a:fld>
             <a:endParaRPr lang="zh-CN" altLang="en-US"/>
           </a:p>
@@ -1030,7 +1030,7 @@
           <a:p>
             <a:fld id="{5FEBFD95-8CFD-49BE-B999-985DD76DD94F}" type="datetimeFigureOut">
               <a:rPr lang="zh-CN" altLang="en-US" smtClean="0"/>
-              <a:t>2021/7/19</a:t>
+              <a:t>2021/7/20</a:t>
             </a:fld>
             <a:endParaRPr lang="zh-CN" altLang="en-US"/>
           </a:p>
@@ -1262,7 +1262,7 @@
           <a:p>
             <a:fld id="{5FEBFD95-8CFD-49BE-B999-985DD76DD94F}" type="datetimeFigureOut">
               <a:rPr lang="zh-CN" altLang="en-US" smtClean="0"/>
-              <a:t>2021/7/19</a:t>
+              <a:t>2021/7/20</a:t>
             </a:fld>
             <a:endParaRPr lang="zh-CN" altLang="en-US"/>
           </a:p>
@@ -1629,7 +1629,7 @@
           <a:p>
             <a:fld id="{5FEBFD95-8CFD-49BE-B999-985DD76DD94F}" type="datetimeFigureOut">
               <a:rPr lang="zh-CN" altLang="en-US" smtClean="0"/>
-              <a:t>2021/7/19</a:t>
+              <a:t>2021/7/20</a:t>
             </a:fld>
             <a:endParaRPr lang="zh-CN" altLang="en-US"/>
           </a:p>
@@ -1747,7 +1747,7 @@
           <a:p>
             <a:fld id="{5FEBFD95-8CFD-49BE-B999-985DD76DD94F}" type="datetimeFigureOut">
               <a:rPr lang="zh-CN" altLang="en-US" smtClean="0"/>
-              <a:t>2021/7/19</a:t>
+              <a:t>2021/7/20</a:t>
             </a:fld>
             <a:endParaRPr lang="zh-CN" altLang="en-US"/>
           </a:p>
@@ -1842,7 +1842,7 @@
           <a:p>
             <a:fld id="{5FEBFD95-8CFD-49BE-B999-985DD76DD94F}" type="datetimeFigureOut">
               <a:rPr lang="zh-CN" altLang="en-US" smtClean="0"/>
-              <a:t>2021/7/19</a:t>
+              <a:t>2021/7/20</a:t>
             </a:fld>
             <a:endParaRPr lang="zh-CN" altLang="en-US"/>
           </a:p>
@@ -2119,7 +2119,7 @@
           <a:p>
             <a:fld id="{5FEBFD95-8CFD-49BE-B999-985DD76DD94F}" type="datetimeFigureOut">
               <a:rPr lang="zh-CN" altLang="en-US" smtClean="0"/>
-              <a:t>2021/7/19</a:t>
+              <a:t>2021/7/20</a:t>
             </a:fld>
             <a:endParaRPr lang="zh-CN" altLang="en-US"/>
           </a:p>
@@ -2372,7 +2372,7 @@
           <a:p>
             <a:fld id="{5FEBFD95-8CFD-49BE-B999-985DD76DD94F}" type="datetimeFigureOut">
               <a:rPr lang="zh-CN" altLang="en-US" smtClean="0"/>
-              <a:t>2021/7/19</a:t>
+              <a:t>2021/7/20</a:t>
             </a:fld>
             <a:endParaRPr lang="zh-CN" altLang="en-US"/>
           </a:p>
@@ -2585,7 +2585,7 @@
           <a:p>
             <a:fld id="{5FEBFD95-8CFD-49BE-B999-985DD76DD94F}" type="datetimeFigureOut">
               <a:rPr lang="zh-CN" altLang="en-US" smtClean="0"/>
-              <a:t>2021/7/19</a:t>
+              <a:t>2021/7/20</a:t>
             </a:fld>
             <a:endParaRPr lang="zh-CN" altLang="en-US"/>
           </a:p>
@@ -7951,7 +7951,7 @@
         <p:spPr>
           <a:xfrm>
             <a:off x="1211384" y="523630"/>
-            <a:ext cx="8690708" cy="3416320"/>
+            <a:ext cx="8690708" cy="4524315"/>
           </a:xfrm>
           <a:prstGeom prst="rect">
             <a:avLst/>
@@ -8084,6 +8084,47 @@
             <a:r>
               <a:rPr lang="en-US" altLang="zh-CN" sz="2400" dirty="0"/>
               <a:t>state transition</a:t>
+            </a:r>
+          </a:p>
+          <a:p>
+            <a:pPr marL="514350" indent="-514350">
+              <a:buAutoNum type="arabicPeriod"/>
+            </a:pPr>
+            <a:endParaRPr lang="en-US" altLang="zh-CN" sz="2400" dirty="0"/>
+          </a:p>
+          <a:p>
+            <a:pPr marL="514350" indent="-514350">
+              <a:buAutoNum type="arabicPeriod"/>
+            </a:pPr>
+            <a:endParaRPr lang="en-US" altLang="zh-CN" sz="2400" dirty="0"/>
+          </a:p>
+          <a:p>
+            <a:pPr marL="514350" indent="-514350">
+              <a:buAutoNum type="arabicPeriod"/>
+            </a:pPr>
+            <a:r>
+              <a:rPr lang="en-US" altLang="zh-CN" sz="2400" dirty="0"/>
+              <a:t>Check </a:t>
+            </a:r>
+            <a:r>
+              <a:rPr lang="en-US" altLang="zh-CN" sz="2400" dirty="0" err="1"/>
+              <a:t>root.child.tag</a:t>
+            </a:r>
+            <a:r>
+              <a:rPr lang="en-US" altLang="zh-CN" sz="2400" dirty="0"/>
+              <a:t> or </a:t>
+            </a:r>
+            <a:r>
+              <a:rPr lang="en-US" altLang="zh-CN" sz="2400" dirty="0" err="1"/>
+              <a:t>attrib</a:t>
+            </a:r>
+            <a:r>
+              <a:rPr lang="en-US" altLang="zh-CN" sz="2400" dirty="0"/>
+              <a:t> str to </a:t>
+            </a:r>
+            <a:r>
+              <a:rPr lang="en-US" altLang="zh-CN" sz="2400"/>
+              <a:t>int correct!!</a:t>
             </a:r>
             <a:endParaRPr lang="zh-CN" altLang="en-US" sz="2400" dirty="0"/>
           </a:p>

--- a/AI/FrostVer3.pptx
+++ b/AI/FrostVer3.pptx
@@ -11,10 +11,11 @@
     <p:sldId id="267" r:id="rId5"/>
     <p:sldId id="265" r:id="rId6"/>
     <p:sldId id="262" r:id="rId7"/>
-    <p:sldId id="261" r:id="rId8"/>
-    <p:sldId id="258" r:id="rId9"/>
-    <p:sldId id="260" r:id="rId10"/>
-    <p:sldId id="259" r:id="rId11"/>
+    <p:sldId id="268" r:id="rId8"/>
+    <p:sldId id="261" r:id="rId9"/>
+    <p:sldId id="258" r:id="rId10"/>
+    <p:sldId id="260" r:id="rId11"/>
+    <p:sldId id="259" r:id="rId12"/>
   </p:sldIdLst>
   <p:sldSz cx="12192000" cy="6858000"/>
   <p:notesSz cx="6858000" cy="9144000"/>
@@ -3072,6 +3073,78 @@
       </p:grpSpPr>
       <p:sp>
         <p:nvSpPr>
+          <p:cNvPr id="2" name="Title 1"/>
+          <p:cNvSpPr>
+            <a:spLocks noGrp="1"/>
+          </p:cNvSpPr>
+          <p:nvPr>
+            <p:ph type="ctrTitle"/>
+          </p:nvPr>
+        </p:nvSpPr>
+        <p:spPr/>
+        <p:txBody>
+          <a:bodyPr/>
+          <a:lstStyle/>
+          <a:p>
+            <a:r>
+              <a:rPr lang="en-US" altLang="zh-CN" dirty="0"/>
+              <a:t>Step Setting</a:t>
+            </a:r>
+            <a:endParaRPr lang="zh-CN" altLang="en-US" dirty="0"/>
+          </a:p>
+        </p:txBody>
+      </p:sp>
+      <p:sp>
+        <p:nvSpPr>
+          <p:cNvPr id="3" name="Subtitle 2"/>
+          <p:cNvSpPr>
+            <a:spLocks noGrp="1"/>
+          </p:cNvSpPr>
+          <p:nvPr>
+            <p:ph type="subTitle" idx="1"/>
+          </p:nvPr>
+        </p:nvSpPr>
+        <p:spPr/>
+        <p:txBody>
+          <a:bodyPr/>
+          <a:lstStyle/>
+          <a:p>
+            <a:endParaRPr lang="zh-CN" altLang="en-US"/>
+          </a:p>
+        </p:txBody>
+      </p:sp>
+    </p:spTree>
+    <p:extLst>
+      <p:ext uri="{BB962C8B-B14F-4D97-AF65-F5344CB8AC3E}">
+        <p14:creationId xmlns:p14="http://schemas.microsoft.com/office/powerpoint/2010/main" val="3008687155"/>
+      </p:ext>
+    </p:extLst>
+  </p:cSld>
+  <p:clrMapOvr>
+    <a:masterClrMapping/>
+  </p:clrMapOvr>
+</p:sld>
+</file>
+
+<file path=ppt/slides/slide11.xml><?xml version="1.0" encoding="utf-8"?>
+<p:sld xmlns:a="http://schemas.openxmlformats.org/drawingml/2006/main" xmlns:r="http://schemas.openxmlformats.org/officeDocument/2006/relationships" xmlns:p="http://schemas.openxmlformats.org/presentationml/2006/main">
+  <p:cSld>
+    <p:spTree>
+      <p:nvGrpSpPr>
+        <p:cNvPr id="1" name=""/>
+        <p:cNvGrpSpPr/>
+        <p:nvPr/>
+      </p:nvGrpSpPr>
+      <p:grpSpPr>
+        <a:xfrm>
+          <a:off x="0" y="0"/>
+          <a:ext cx="0" cy="0"/>
+          <a:chOff x="0" y="0"/>
+          <a:chExt cx="0" cy="0"/>
+        </a:xfrm>
+      </p:grpSpPr>
+      <p:sp>
+        <p:nvSpPr>
           <p:cNvPr id="9" name="Oval 8"/>
           <p:cNvSpPr/>
           <p:nvPr/>
@@ -4090,6 +4163,42 @@
           </a:p>
         </p:txBody>
       </p:sp>
+      <p:sp>
+        <p:nvSpPr>
+          <p:cNvPr id="4" name="TextBox 3">
+            <a:extLst>
+              <a:ext uri="{FF2B5EF4-FFF2-40B4-BE49-F238E27FC236}">
+                <a16:creationId xmlns:a16="http://schemas.microsoft.com/office/drawing/2014/main" id="{F42CEC7C-E78B-4CF1-A016-9F21539DA3C2}"/>
+              </a:ext>
+            </a:extLst>
+          </p:cNvPr>
+          <p:cNvSpPr txBox="1"/>
+          <p:nvPr/>
+        </p:nvSpPr>
+        <p:spPr>
+          <a:xfrm>
+            <a:off x="4532153" y="251561"/>
+            <a:ext cx="1977705" cy="2646878"/>
+          </a:xfrm>
+          <a:prstGeom prst="rect">
+            <a:avLst/>
+          </a:prstGeom>
+          <a:noFill/>
+        </p:spPr>
+        <p:txBody>
+          <a:bodyPr wrap="square">
+            <a:spAutoFit/>
+          </a:bodyPr>
+          <a:lstStyle/>
+          <a:p>
+            <a:r>
+              <a:rPr lang="zh-CN" altLang="en-US" sz="16600" dirty="0"/>
+              <a:t>🀋</a:t>
+            </a:r>
+            <a:endParaRPr lang="zh-CN" altLang="en-US" dirty="0"/>
+          </a:p>
+        </p:txBody>
+      </p:sp>
     </p:spTree>
     <p:extLst>
       <p:ext uri="{BB962C8B-B14F-4D97-AF65-F5344CB8AC3E}">
@@ -7517,6 +7626,14 @@
 <file path=ppt/slides/slide4.xml><?xml version="1.0" encoding="utf-8"?>
 <p:sld xmlns:a="http://schemas.openxmlformats.org/drawingml/2006/main" xmlns:r="http://schemas.openxmlformats.org/officeDocument/2006/relationships" xmlns:p="http://schemas.openxmlformats.org/presentationml/2006/main">
   <p:cSld>
+    <p:bg>
+      <p:bgPr>
+        <a:solidFill>
+          <a:schemeClr val="bg1"/>
+        </a:solidFill>
+        <a:effectLst/>
+      </p:bgPr>
+    </p:bg>
     <p:spTree>
       <p:nvGrpSpPr>
         <p:cNvPr id="1" name=""/>
@@ -7531,6 +7648,5039 @@
           <a:chExt cx="0" cy="0"/>
         </a:xfrm>
       </p:grpSpPr>
+      <p:sp>
+        <p:nvSpPr>
+          <p:cNvPr id="9" name="Rectangle 8">
+            <a:extLst>
+              <a:ext uri="{FF2B5EF4-FFF2-40B4-BE49-F238E27FC236}">
+                <a16:creationId xmlns:a16="http://schemas.microsoft.com/office/drawing/2014/main" id="{A4AC5506-6312-4701-8D3C-40187889A947}"/>
+              </a:ext>
+              <a:ext uri="{C183D7F6-B498-43B3-948B-1728B52AA6E4}">
+                <adec:decorative xmlns:adec="http://schemas.microsoft.com/office/drawing/2017/decorative" val="1"/>
+              </a:ext>
+            </a:extLst>
+          </p:cNvPr>
+          <p:cNvSpPr>
+            <a:spLocks noGrp="1" noRot="1" noChangeAspect="1" noMove="1" noResize="1" noEditPoints="1" noAdjustHandles="1" noChangeArrowheads="1" noChangeShapeType="1" noTextEdit="1"/>
+          </p:cNvSpPr>
+          <p:nvPr>
+            <p:extLst>
+              <p:ext uri="{386F3935-93C4-4BCD-93E2-E3B085C9AB24}">
+                <p16:designElem xmlns:p16="http://schemas.microsoft.com/office/powerpoint/2015/main" val="1"/>
+              </p:ext>
+            </p:extLst>
+          </p:nvPr>
+        </p:nvSpPr>
+        <p:spPr>
+          <a:xfrm>
+            <a:off x="0" y="651752"/>
+            <a:ext cx="12192000" cy="736551"/>
+          </a:xfrm>
+          <a:prstGeom prst="rect">
+            <a:avLst/>
+          </a:prstGeom>
+          <a:solidFill>
+            <a:schemeClr val="tx1"/>
+          </a:solidFill>
+          <a:ln>
+            <a:noFill/>
+          </a:ln>
+        </p:spPr>
+        <p:style>
+          <a:lnRef idx="2">
+            <a:schemeClr val="accent1">
+              <a:shade val="50000"/>
+            </a:schemeClr>
+          </a:lnRef>
+          <a:fillRef idx="1">
+            <a:schemeClr val="accent1"/>
+          </a:fillRef>
+          <a:effectRef idx="0">
+            <a:schemeClr val="accent1"/>
+          </a:effectRef>
+          <a:fontRef idx="minor">
+            <a:schemeClr val="lt1"/>
+          </a:fontRef>
+        </p:style>
+        <p:txBody>
+          <a:bodyPr rtlCol="0" anchor="ctr"/>
+          <a:lstStyle/>
+          <a:p>
+            <a:pPr algn="ctr"/>
+            <a:endParaRPr lang="en-US"/>
+          </a:p>
+        </p:txBody>
+      </p:sp>
+      <p:sp>
+        <p:nvSpPr>
+          <p:cNvPr id="2" name="Rectangle 1">
+            <a:extLst>
+              <a:ext uri="{FF2B5EF4-FFF2-40B4-BE49-F238E27FC236}">
+                <a16:creationId xmlns:a16="http://schemas.microsoft.com/office/drawing/2014/main" id="{6C0E4BF3-E784-4954-BF45-4933CA25C5B6}"/>
+              </a:ext>
+            </a:extLst>
+          </p:cNvPr>
+          <p:cNvSpPr>
+            <a:spLocks noChangeArrowheads="1"/>
+          </p:cNvSpPr>
+          <p:nvPr/>
+        </p:nvSpPr>
+        <p:spPr bwMode="auto">
+          <a:xfrm>
+            <a:off x="0" y="643467"/>
+            <a:ext cx="12130481" cy="744836"/>
+          </a:xfrm>
+          <a:prstGeom prst="rect">
+            <a:avLst/>
+          </a:prstGeom>
+          <a:extLst>
+            <a:ext uri="{91240B29-F687-4F45-9708-019B960494DF}">
+              <a14:hiddenLine xmlns:a14="http://schemas.microsoft.com/office/drawing/2010/main" w="9525">
+                <a:solidFill>
+                  <a:schemeClr val="tx1"/>
+                </a:solidFill>
+                <a:miter lim="800000"/>
+                <a:headEnd/>
+                <a:tailEnd/>
+              </a14:hiddenLine>
+            </a:ext>
+            <a:ext uri="{AF507438-7753-43E0-B8FC-AC1667EBCBE1}">
+              <a14:hiddenEffects xmlns:a14="http://schemas.microsoft.com/office/drawing/2010/main">
+                <a:effectLst>
+                  <a:outerShdw dist="35921" dir="2700000" algn="ctr" rotWithShape="0">
+                    <a:schemeClr val="bg2"/>
+                  </a:outerShdw>
+                </a:effectLst>
+              </a14:hiddenEffects>
+            </a:ext>
+          </a:extLst>
+        </p:spPr>
+        <p:txBody>
+          <a:bodyPr vert="horz" lIns="91440" tIns="45720" rIns="91440" bIns="45720" numCol="1" rtlCol="0" anchor="ctr" anchorCtr="0" compatLnSpc="1">
+            <a:prstTxWarp prst="textNoShape">
+              <a:avLst/>
+            </a:prstTxWarp>
+            <a:normAutofit/>
+          </a:bodyPr>
+          <a:lstStyle/>
+          <a:p>
+            <a:pPr marL="0" marR="0" lvl="0" indent="0" algn="ctr" fontAlgn="base">
+              <a:lnSpc>
+                <a:spcPct val="90000"/>
+              </a:lnSpc>
+              <a:spcBef>
+                <a:spcPct val="0"/>
+              </a:spcBef>
+              <a:spcAft>
+                <a:spcPts val="600"/>
+              </a:spcAft>
+              <a:buClrTx/>
+              <a:buSzTx/>
+              <a:tabLst/>
+            </a:pPr>
+            <a:r>
+              <a:rPr kumimoji="0" lang="en-US" altLang="zh-CN" b="0" i="0" u="none" strike="noStrike" kern="1200" cap="none" normalizeH="0" baseline="0" dirty="0" err="1">
+                <a:ln>
+                  <a:noFill/>
+                </a:ln>
+                <a:solidFill>
+                  <a:schemeClr val="bg1"/>
+                </a:solidFill>
+                <a:effectLst/>
+                <a:latin typeface="+mj-lt"/>
+                <a:ea typeface="+mj-ea"/>
+                <a:cs typeface="+mj-cs"/>
+              </a:rPr>
+              <a:t>all_action_num</a:t>
+            </a:r>
+            <a:r>
+              <a:rPr kumimoji="0" lang="en-US" altLang="zh-CN" b="0" i="0" u="none" strike="noStrike" kern="1200" cap="none" normalizeH="0" baseline="0" dirty="0">
+                <a:ln>
+                  <a:noFill/>
+                </a:ln>
+                <a:solidFill>
+                  <a:schemeClr val="bg1"/>
+                </a:solidFill>
+                <a:effectLst/>
+                <a:latin typeface="+mj-lt"/>
+                <a:ea typeface="+mj-ea"/>
+                <a:cs typeface="+mj-cs"/>
+              </a:rPr>
+              <a:t> = int(</a:t>
+            </a:r>
+            <a:r>
+              <a:rPr lang="en-US" altLang="zh-CN" kern="1200" dirty="0">
+                <a:solidFill>
+                  <a:schemeClr val="bg1"/>
+                </a:solidFill>
+                <a:latin typeface="+mj-lt"/>
+                <a:ea typeface="+mj-ea"/>
+                <a:cs typeface="+mj-cs"/>
+              </a:rPr>
+              <a:t>34</a:t>
+            </a:r>
+            <a:r>
+              <a:rPr kumimoji="0" lang="en-US" altLang="zh-CN" b="0" i="0" u="none" strike="noStrike" kern="1200" cap="none" normalizeH="0" baseline="0" dirty="0">
+                <a:ln>
+                  <a:noFill/>
+                </a:ln>
+                <a:solidFill>
+                  <a:schemeClr val="bg1"/>
+                </a:solidFill>
+                <a:effectLst/>
+                <a:latin typeface="+mj-lt"/>
+                <a:ea typeface="+mj-ea"/>
+                <a:cs typeface="+mj-cs"/>
+              </a:rPr>
+              <a:t> + 10)  # Discard, </a:t>
+            </a:r>
+            <a:r>
+              <a:rPr kumimoji="0" lang="en-US" altLang="zh-CN" b="0" i="0" u="none" strike="noStrike" kern="1200" cap="none" normalizeH="0" baseline="0" dirty="0" err="1">
+                <a:ln>
+                  <a:noFill/>
+                </a:ln>
+                <a:solidFill>
+                  <a:schemeClr val="bg1"/>
+                </a:solidFill>
+                <a:effectLst/>
+                <a:latin typeface="+mj-lt"/>
+                <a:ea typeface="+mj-ea"/>
+                <a:cs typeface="+mj-cs"/>
+              </a:rPr>
+              <a:t>Riichii</a:t>
+            </a:r>
+            <a:r>
+              <a:rPr kumimoji="0" lang="en-US" altLang="zh-CN" b="0" i="0" u="none" strike="noStrike" kern="1200" cap="none" normalizeH="0" baseline="0" dirty="0">
+                <a:ln>
+                  <a:noFill/>
+                </a:ln>
+                <a:solidFill>
+                  <a:schemeClr val="bg1"/>
+                </a:solidFill>
+                <a:effectLst/>
+                <a:latin typeface="+mj-lt"/>
+                <a:ea typeface="+mj-ea"/>
+                <a:cs typeface="+mj-cs"/>
+              </a:rPr>
+              <a:t>, Chi, </a:t>
+            </a:r>
+            <a:r>
+              <a:rPr kumimoji="0" lang="en-US" altLang="zh-CN" b="0" i="0" u="none" strike="noStrike" kern="1200" cap="none" normalizeH="0" baseline="0" dirty="0" err="1">
+                <a:ln>
+                  <a:noFill/>
+                </a:ln>
+                <a:solidFill>
+                  <a:schemeClr val="bg1"/>
+                </a:solidFill>
+                <a:effectLst/>
+                <a:latin typeface="+mj-lt"/>
+                <a:ea typeface="+mj-ea"/>
+                <a:cs typeface="+mj-cs"/>
+              </a:rPr>
+              <a:t>Pon</a:t>
+            </a:r>
+            <a:r>
+              <a:rPr kumimoji="0" lang="en-US" altLang="zh-CN" b="0" i="0" u="none" strike="noStrike" kern="1200" cap="none" normalizeH="0" baseline="0" dirty="0">
+                <a:ln>
+                  <a:noFill/>
+                </a:ln>
+                <a:solidFill>
+                  <a:schemeClr val="bg1"/>
+                </a:solidFill>
+                <a:effectLst/>
+                <a:latin typeface="+mj-lt"/>
+                <a:ea typeface="+mj-ea"/>
+                <a:cs typeface="+mj-cs"/>
+              </a:rPr>
+              <a:t>, An-Kan, Min-Kan, Add-Kan, Ron, </a:t>
+            </a:r>
+            <a:r>
+              <a:rPr kumimoji="0" lang="en-US" altLang="zh-CN" b="0" i="0" u="none" strike="noStrike" kern="1200" cap="none" normalizeH="0" baseline="0" dirty="0" err="1">
+                <a:ln>
+                  <a:noFill/>
+                </a:ln>
+                <a:solidFill>
+                  <a:schemeClr val="bg1"/>
+                </a:solidFill>
+                <a:effectLst/>
+                <a:latin typeface="+mj-lt"/>
+                <a:ea typeface="+mj-ea"/>
+                <a:cs typeface="+mj-cs"/>
+              </a:rPr>
+              <a:t>Tsumo</a:t>
+            </a:r>
+            <a:r>
+              <a:rPr kumimoji="0" lang="en-US" altLang="zh-CN" b="0" i="0" u="none" strike="noStrike" kern="1200" cap="none" normalizeH="0" baseline="0" dirty="0">
+                <a:ln>
+                  <a:noFill/>
+                </a:ln>
+                <a:solidFill>
+                  <a:schemeClr val="bg1"/>
+                </a:solidFill>
+                <a:effectLst/>
+                <a:latin typeface="+mj-lt"/>
+                <a:ea typeface="+mj-ea"/>
+                <a:cs typeface="+mj-cs"/>
+              </a:rPr>
+              <a:t>, Push(99), Escape</a:t>
+            </a:r>
+          </a:p>
+        </p:txBody>
+      </p:sp>
+      <p:graphicFrame>
+        <p:nvGraphicFramePr>
+          <p:cNvPr id="4" name="Table 3">
+            <a:extLst>
+              <a:ext uri="{FF2B5EF4-FFF2-40B4-BE49-F238E27FC236}">
+                <a16:creationId xmlns:a16="http://schemas.microsoft.com/office/drawing/2014/main" id="{DC132897-F794-4105-9239-D34D035BD2E2}"/>
+              </a:ext>
+            </a:extLst>
+          </p:cNvPr>
+          <p:cNvGraphicFramePr/>
+          <p:nvPr>
+            <p:extLst>
+              <p:ext uri="{D42A27DB-BD31-4B8C-83A1-F6EECF244321}">
+                <p14:modId xmlns:p14="http://schemas.microsoft.com/office/powerpoint/2010/main" val="2889862994"/>
+              </p:ext>
+            </p:extLst>
+          </p:nvPr>
+        </p:nvGraphicFramePr>
+        <p:xfrm>
+          <a:off x="643467" y="1949248"/>
+          <a:ext cx="10905072" cy="4086568"/>
+        </p:xfrm>
+        <a:graphic>
+          <a:graphicData uri="http://schemas.openxmlformats.org/drawingml/2006/table">
+            <a:tbl>
+              <a:tblPr/>
+              <a:tblGrid>
+                <a:gridCol w="1234062">
+                  <a:extLst>
+                    <a:ext uri="{9D8B030D-6E8A-4147-A177-3AD203B41FA5}">
+                      <a16:colId xmlns:a16="http://schemas.microsoft.com/office/drawing/2014/main" val="801547569"/>
+                    </a:ext>
+                  </a:extLst>
+                </a:gridCol>
+                <a:gridCol w="1234062">
+                  <a:extLst>
+                    <a:ext uri="{9D8B030D-6E8A-4147-A177-3AD203B41FA5}">
+                      <a16:colId xmlns:a16="http://schemas.microsoft.com/office/drawing/2014/main" val="1155347858"/>
+                    </a:ext>
+                  </a:extLst>
+                </a:gridCol>
+                <a:gridCol w="1234062">
+                  <a:extLst>
+                    <a:ext uri="{9D8B030D-6E8A-4147-A177-3AD203B41FA5}">
+                      <a16:colId xmlns:a16="http://schemas.microsoft.com/office/drawing/2014/main" val="2662449226"/>
+                    </a:ext>
+                  </a:extLst>
+                </a:gridCol>
+                <a:gridCol w="1234062">
+                  <a:extLst>
+                    <a:ext uri="{9D8B030D-6E8A-4147-A177-3AD203B41FA5}">
+                      <a16:colId xmlns:a16="http://schemas.microsoft.com/office/drawing/2014/main" val="3248084451"/>
+                    </a:ext>
+                  </a:extLst>
+                </a:gridCol>
+                <a:gridCol w="1234062">
+                  <a:extLst>
+                    <a:ext uri="{9D8B030D-6E8A-4147-A177-3AD203B41FA5}">
+                      <a16:colId xmlns:a16="http://schemas.microsoft.com/office/drawing/2014/main" val="963298790"/>
+                    </a:ext>
+                  </a:extLst>
+                </a:gridCol>
+                <a:gridCol w="1234062">
+                  <a:extLst>
+                    <a:ext uri="{9D8B030D-6E8A-4147-A177-3AD203B41FA5}">
+                      <a16:colId xmlns:a16="http://schemas.microsoft.com/office/drawing/2014/main" val="2624559548"/>
+                    </a:ext>
+                  </a:extLst>
+                </a:gridCol>
+                <a:gridCol w="1063990">
+                  <a:extLst>
+                    <a:ext uri="{9D8B030D-6E8A-4147-A177-3AD203B41FA5}">
+                      <a16:colId xmlns:a16="http://schemas.microsoft.com/office/drawing/2014/main" val="1411073748"/>
+                    </a:ext>
+                  </a:extLst>
+                </a:gridCol>
+                <a:gridCol w="1234062">
+                  <a:extLst>
+                    <a:ext uri="{9D8B030D-6E8A-4147-A177-3AD203B41FA5}">
+                      <a16:colId xmlns:a16="http://schemas.microsoft.com/office/drawing/2014/main" val="2998369891"/>
+                    </a:ext>
+                  </a:extLst>
+                </a:gridCol>
+                <a:gridCol w="1202648">
+                  <a:extLst>
+                    <a:ext uri="{9D8B030D-6E8A-4147-A177-3AD203B41FA5}">
+                      <a16:colId xmlns:a16="http://schemas.microsoft.com/office/drawing/2014/main" val="3165590528"/>
+                    </a:ext>
+                  </a:extLst>
+                </a:gridCol>
+              </a:tblGrid>
+              <a:tr h="384616">
+                <a:tc>
+                  <a:txBody>
+                    <a:bodyPr/>
+                    <a:lstStyle/>
+                    <a:p>
+                      <a:pPr algn="ctr" fontAlgn="ctr">
+                        <a:spcBef>
+                          <a:spcPts val="0"/>
+                        </a:spcBef>
+                        <a:spcAft>
+                          <a:spcPts val="0"/>
+                        </a:spcAft>
+                      </a:pPr>
+                      <a:r>
+                        <a:rPr lang="en-US" sz="2000" b="0" i="0" u="none" strike="noStrike" dirty="0">
+                          <a:solidFill>
+                            <a:schemeClr val="bg1"/>
+                          </a:solidFill>
+                          <a:effectLst/>
+                          <a:latin typeface="等线" panose="02010600030101010101" pitchFamily="2" charset="-122"/>
+                          <a:ea typeface="等线" panose="02010600030101010101" pitchFamily="2" charset="-122"/>
+                        </a:rPr>
+                        <a:t>1m</a:t>
+                      </a:r>
+                      <a:endParaRPr lang="en-US" altLang="zh-CN" sz="3200" b="0" i="0" u="none" strike="noStrike" dirty="0">
+                        <a:solidFill>
+                          <a:schemeClr val="bg1"/>
+                        </a:solidFill>
+                        <a:effectLst/>
+                        <a:latin typeface="Arial" panose="020B0604020202020204" pitchFamily="34" charset="0"/>
+                      </a:endParaRPr>
+                    </a:p>
+                  </a:txBody>
+                  <a:tcPr marL="17140" marR="17140" marT="17140" marB="0" anchor="ctr">
+                    <a:lnL w="6350" cap="flat" cmpd="sng" algn="ctr">
+                      <a:solidFill>
+                        <a:srgbClr val="000000"/>
+                      </a:solidFill>
+                      <a:prstDash val="solid"/>
+                      <a:round/>
+                      <a:headEnd type="none" w="med" len="med"/>
+                      <a:tailEnd type="none" w="med" len="med"/>
+                    </a:lnL>
+                    <a:lnR>
+                      <a:noFill/>
+                    </a:lnR>
+                    <a:lnT w="6350" cap="flat" cmpd="sng" algn="ctr">
+                      <a:solidFill>
+                        <a:srgbClr val="000000"/>
+                      </a:solidFill>
+                      <a:prstDash val="solid"/>
+                      <a:round/>
+                      <a:headEnd type="none" w="med" len="med"/>
+                      <a:tailEnd type="none" w="med" len="med"/>
+                    </a:lnT>
+                    <a:lnB>
+                      <a:noFill/>
+                    </a:lnB>
+                    <a:solidFill>
+                      <a:srgbClr val="B4C6E7"/>
+                    </a:solidFill>
+                  </a:tcPr>
+                </a:tc>
+                <a:tc>
+                  <a:txBody>
+                    <a:bodyPr/>
+                    <a:lstStyle/>
+                    <a:p>
+                      <a:pPr algn="ctr" fontAlgn="ctr">
+                        <a:spcBef>
+                          <a:spcPts val="0"/>
+                        </a:spcBef>
+                        <a:spcAft>
+                          <a:spcPts val="0"/>
+                        </a:spcAft>
+                      </a:pPr>
+                      <a:r>
+                        <a:rPr lang="en-US" sz="2000" b="0" i="0" u="none" strike="noStrike" dirty="0">
+                          <a:solidFill>
+                            <a:schemeClr val="bg1"/>
+                          </a:solidFill>
+                          <a:effectLst/>
+                          <a:latin typeface="等线" panose="02010600030101010101" pitchFamily="2" charset="-122"/>
+                          <a:ea typeface="等线" panose="02010600030101010101" pitchFamily="2" charset="-122"/>
+                        </a:rPr>
+                        <a:t>2m</a:t>
+                      </a:r>
+                      <a:endParaRPr lang="en-US" altLang="zh-CN" sz="3200" b="0" i="0" u="none" strike="noStrike" dirty="0">
+                        <a:solidFill>
+                          <a:schemeClr val="bg1"/>
+                        </a:solidFill>
+                        <a:effectLst/>
+                        <a:latin typeface="Arial" panose="020B0604020202020204" pitchFamily="34" charset="0"/>
+                      </a:endParaRPr>
+                    </a:p>
+                  </a:txBody>
+                  <a:tcPr marL="17140" marR="17140" marT="17140" marB="0" anchor="ctr">
+                    <a:lnL>
+                      <a:noFill/>
+                    </a:lnL>
+                    <a:lnR>
+                      <a:noFill/>
+                    </a:lnR>
+                    <a:lnT w="6350" cap="flat" cmpd="sng" algn="ctr">
+                      <a:solidFill>
+                        <a:srgbClr val="000000"/>
+                      </a:solidFill>
+                      <a:prstDash val="solid"/>
+                      <a:round/>
+                      <a:headEnd type="none" w="med" len="med"/>
+                      <a:tailEnd type="none" w="med" len="med"/>
+                    </a:lnT>
+                    <a:lnB>
+                      <a:noFill/>
+                    </a:lnB>
+                    <a:solidFill>
+                      <a:srgbClr val="B4C6E7"/>
+                    </a:solidFill>
+                  </a:tcPr>
+                </a:tc>
+                <a:tc>
+                  <a:txBody>
+                    <a:bodyPr/>
+                    <a:lstStyle/>
+                    <a:p>
+                      <a:pPr algn="ctr" fontAlgn="ctr">
+                        <a:spcBef>
+                          <a:spcPts val="0"/>
+                        </a:spcBef>
+                        <a:spcAft>
+                          <a:spcPts val="0"/>
+                        </a:spcAft>
+                      </a:pPr>
+                      <a:r>
+                        <a:rPr lang="en-US" sz="2000" b="0" i="0" u="none" strike="noStrike" dirty="0">
+                          <a:solidFill>
+                            <a:schemeClr val="bg1"/>
+                          </a:solidFill>
+                          <a:effectLst/>
+                          <a:latin typeface="等线" panose="02010600030101010101" pitchFamily="2" charset="-122"/>
+                          <a:ea typeface="等线" panose="02010600030101010101" pitchFamily="2" charset="-122"/>
+                        </a:rPr>
+                        <a:t>3m</a:t>
+                      </a:r>
+                      <a:endParaRPr lang="en-US" altLang="zh-CN" sz="3200" b="0" i="0" u="none" strike="noStrike" dirty="0">
+                        <a:solidFill>
+                          <a:schemeClr val="bg1"/>
+                        </a:solidFill>
+                        <a:effectLst/>
+                        <a:latin typeface="Arial" panose="020B0604020202020204" pitchFamily="34" charset="0"/>
+                      </a:endParaRPr>
+                    </a:p>
+                  </a:txBody>
+                  <a:tcPr marL="17140" marR="17140" marT="17140" marB="0" anchor="ctr">
+                    <a:lnL>
+                      <a:noFill/>
+                    </a:lnL>
+                    <a:lnR>
+                      <a:noFill/>
+                    </a:lnR>
+                    <a:lnT w="6350" cap="flat" cmpd="sng" algn="ctr">
+                      <a:solidFill>
+                        <a:srgbClr val="000000"/>
+                      </a:solidFill>
+                      <a:prstDash val="solid"/>
+                      <a:round/>
+                      <a:headEnd type="none" w="med" len="med"/>
+                      <a:tailEnd type="none" w="med" len="med"/>
+                    </a:lnT>
+                    <a:lnB>
+                      <a:noFill/>
+                    </a:lnB>
+                    <a:solidFill>
+                      <a:srgbClr val="B4C6E7"/>
+                    </a:solidFill>
+                  </a:tcPr>
+                </a:tc>
+                <a:tc>
+                  <a:txBody>
+                    <a:bodyPr/>
+                    <a:lstStyle/>
+                    <a:p>
+                      <a:pPr algn="ctr" fontAlgn="ctr">
+                        <a:spcBef>
+                          <a:spcPts val="0"/>
+                        </a:spcBef>
+                        <a:spcAft>
+                          <a:spcPts val="0"/>
+                        </a:spcAft>
+                      </a:pPr>
+                      <a:r>
+                        <a:rPr lang="en-US" sz="2000" b="0" i="0" u="none" strike="noStrike">
+                          <a:solidFill>
+                            <a:schemeClr val="bg1"/>
+                          </a:solidFill>
+                          <a:effectLst/>
+                          <a:latin typeface="等线" panose="02010600030101010101" pitchFamily="2" charset="-122"/>
+                          <a:ea typeface="等线" panose="02010600030101010101" pitchFamily="2" charset="-122"/>
+                        </a:rPr>
+                        <a:t>4m</a:t>
+                      </a:r>
+                      <a:endParaRPr lang="en-US" altLang="zh-CN" sz="3200" b="0" i="0" u="none" strike="noStrike">
+                        <a:solidFill>
+                          <a:schemeClr val="bg1"/>
+                        </a:solidFill>
+                        <a:effectLst/>
+                        <a:latin typeface="Arial" panose="020B0604020202020204" pitchFamily="34" charset="0"/>
+                      </a:endParaRPr>
+                    </a:p>
+                  </a:txBody>
+                  <a:tcPr marL="17140" marR="17140" marT="17140" marB="0" anchor="ctr">
+                    <a:lnL>
+                      <a:noFill/>
+                    </a:lnL>
+                    <a:lnR>
+                      <a:noFill/>
+                    </a:lnR>
+                    <a:lnT w="6350" cap="flat" cmpd="sng" algn="ctr">
+                      <a:solidFill>
+                        <a:srgbClr val="000000"/>
+                      </a:solidFill>
+                      <a:prstDash val="solid"/>
+                      <a:round/>
+                      <a:headEnd type="none" w="med" len="med"/>
+                      <a:tailEnd type="none" w="med" len="med"/>
+                    </a:lnT>
+                    <a:lnB>
+                      <a:noFill/>
+                    </a:lnB>
+                    <a:solidFill>
+                      <a:srgbClr val="B4C6E7"/>
+                    </a:solidFill>
+                  </a:tcPr>
+                </a:tc>
+                <a:tc>
+                  <a:txBody>
+                    <a:bodyPr/>
+                    <a:lstStyle/>
+                    <a:p>
+                      <a:pPr algn="ctr" fontAlgn="ctr">
+                        <a:spcBef>
+                          <a:spcPts val="0"/>
+                        </a:spcBef>
+                        <a:spcAft>
+                          <a:spcPts val="0"/>
+                        </a:spcAft>
+                      </a:pPr>
+                      <a:r>
+                        <a:rPr lang="en-US" sz="2000" b="0" i="0" u="none" strike="noStrike" dirty="0">
+                          <a:solidFill>
+                            <a:schemeClr val="bg1"/>
+                          </a:solidFill>
+                          <a:effectLst/>
+                          <a:latin typeface="等线" panose="02010600030101010101" pitchFamily="2" charset="-122"/>
+                          <a:ea typeface="等线" panose="02010600030101010101" pitchFamily="2" charset="-122"/>
+                        </a:rPr>
+                        <a:t>5m</a:t>
+                      </a:r>
+                      <a:endParaRPr lang="en-US" altLang="zh-CN" sz="3200" b="0" i="0" u="none" strike="noStrike" dirty="0">
+                        <a:solidFill>
+                          <a:schemeClr val="bg1"/>
+                        </a:solidFill>
+                        <a:effectLst/>
+                        <a:latin typeface="Arial" panose="020B0604020202020204" pitchFamily="34" charset="0"/>
+                      </a:endParaRPr>
+                    </a:p>
+                  </a:txBody>
+                  <a:tcPr marL="17140" marR="17140" marT="17140" marB="0" anchor="ctr">
+                    <a:lnL>
+                      <a:noFill/>
+                    </a:lnL>
+                    <a:lnR>
+                      <a:noFill/>
+                    </a:lnR>
+                    <a:lnT w="6350" cap="flat" cmpd="sng" algn="ctr">
+                      <a:solidFill>
+                        <a:srgbClr val="000000"/>
+                      </a:solidFill>
+                      <a:prstDash val="solid"/>
+                      <a:round/>
+                      <a:headEnd type="none" w="med" len="med"/>
+                      <a:tailEnd type="none" w="med" len="med"/>
+                    </a:lnT>
+                    <a:lnB>
+                      <a:noFill/>
+                    </a:lnB>
+                    <a:solidFill>
+                      <a:srgbClr val="B4C6E7"/>
+                    </a:solidFill>
+                  </a:tcPr>
+                </a:tc>
+                <a:tc>
+                  <a:txBody>
+                    <a:bodyPr/>
+                    <a:lstStyle/>
+                    <a:p>
+                      <a:pPr algn="ctr" fontAlgn="ctr">
+                        <a:spcBef>
+                          <a:spcPts val="0"/>
+                        </a:spcBef>
+                        <a:spcAft>
+                          <a:spcPts val="0"/>
+                        </a:spcAft>
+                      </a:pPr>
+                      <a:r>
+                        <a:rPr lang="en-US" sz="2000" b="0" i="0" u="none" strike="noStrike">
+                          <a:solidFill>
+                            <a:schemeClr val="bg1"/>
+                          </a:solidFill>
+                          <a:effectLst/>
+                          <a:latin typeface="等线" panose="02010600030101010101" pitchFamily="2" charset="-122"/>
+                          <a:ea typeface="等线" panose="02010600030101010101" pitchFamily="2" charset="-122"/>
+                        </a:rPr>
+                        <a:t>6m</a:t>
+                      </a:r>
+                      <a:endParaRPr lang="en-US" altLang="zh-CN" sz="3200" b="0" i="0" u="none" strike="noStrike">
+                        <a:solidFill>
+                          <a:schemeClr val="bg1"/>
+                        </a:solidFill>
+                        <a:effectLst/>
+                        <a:latin typeface="Arial" panose="020B0604020202020204" pitchFamily="34" charset="0"/>
+                      </a:endParaRPr>
+                    </a:p>
+                  </a:txBody>
+                  <a:tcPr marL="17140" marR="17140" marT="17140" marB="0" anchor="ctr">
+                    <a:lnL>
+                      <a:noFill/>
+                    </a:lnL>
+                    <a:lnR>
+                      <a:noFill/>
+                    </a:lnR>
+                    <a:lnT w="6350" cap="flat" cmpd="sng" algn="ctr">
+                      <a:solidFill>
+                        <a:srgbClr val="000000"/>
+                      </a:solidFill>
+                      <a:prstDash val="solid"/>
+                      <a:round/>
+                      <a:headEnd type="none" w="med" len="med"/>
+                      <a:tailEnd type="none" w="med" len="med"/>
+                    </a:lnT>
+                    <a:lnB>
+                      <a:noFill/>
+                    </a:lnB>
+                    <a:solidFill>
+                      <a:srgbClr val="B4C6E7"/>
+                    </a:solidFill>
+                  </a:tcPr>
+                </a:tc>
+                <a:tc>
+                  <a:txBody>
+                    <a:bodyPr/>
+                    <a:lstStyle/>
+                    <a:p>
+                      <a:pPr algn="ctr" fontAlgn="ctr">
+                        <a:spcBef>
+                          <a:spcPts val="0"/>
+                        </a:spcBef>
+                        <a:spcAft>
+                          <a:spcPts val="0"/>
+                        </a:spcAft>
+                      </a:pPr>
+                      <a:r>
+                        <a:rPr lang="en-US" sz="2000" b="0" i="0" u="none" strike="noStrike" dirty="0">
+                          <a:solidFill>
+                            <a:schemeClr val="bg1"/>
+                          </a:solidFill>
+                          <a:effectLst/>
+                          <a:latin typeface="等线" panose="02010600030101010101" pitchFamily="2" charset="-122"/>
+                          <a:ea typeface="等线" panose="02010600030101010101" pitchFamily="2" charset="-122"/>
+                        </a:rPr>
+                        <a:t>7m</a:t>
+                      </a:r>
+                      <a:endParaRPr lang="en-US" altLang="zh-CN" sz="3200" b="0" i="0" u="none" strike="noStrike" dirty="0">
+                        <a:solidFill>
+                          <a:schemeClr val="bg1"/>
+                        </a:solidFill>
+                        <a:effectLst/>
+                        <a:latin typeface="Arial" panose="020B0604020202020204" pitchFamily="34" charset="0"/>
+                      </a:endParaRPr>
+                    </a:p>
+                  </a:txBody>
+                  <a:tcPr marL="17140" marR="17140" marT="17140" marB="0" anchor="ctr">
+                    <a:lnL>
+                      <a:noFill/>
+                    </a:lnL>
+                    <a:lnR>
+                      <a:noFill/>
+                    </a:lnR>
+                    <a:lnT w="6350" cap="flat" cmpd="sng" algn="ctr">
+                      <a:solidFill>
+                        <a:srgbClr val="000000"/>
+                      </a:solidFill>
+                      <a:prstDash val="solid"/>
+                      <a:round/>
+                      <a:headEnd type="none" w="med" len="med"/>
+                      <a:tailEnd type="none" w="med" len="med"/>
+                    </a:lnT>
+                    <a:lnB>
+                      <a:noFill/>
+                    </a:lnB>
+                    <a:solidFill>
+                      <a:srgbClr val="B4C6E7"/>
+                    </a:solidFill>
+                  </a:tcPr>
+                </a:tc>
+                <a:tc>
+                  <a:txBody>
+                    <a:bodyPr/>
+                    <a:lstStyle/>
+                    <a:p>
+                      <a:pPr algn="ctr" fontAlgn="ctr">
+                        <a:spcBef>
+                          <a:spcPts val="0"/>
+                        </a:spcBef>
+                        <a:spcAft>
+                          <a:spcPts val="0"/>
+                        </a:spcAft>
+                      </a:pPr>
+                      <a:r>
+                        <a:rPr lang="en-US" sz="2000" b="0" i="0" u="none" strike="noStrike" dirty="0">
+                          <a:solidFill>
+                            <a:schemeClr val="bg1"/>
+                          </a:solidFill>
+                          <a:effectLst/>
+                          <a:latin typeface="等线" panose="02010600030101010101" pitchFamily="2" charset="-122"/>
+                          <a:ea typeface="等线" panose="02010600030101010101" pitchFamily="2" charset="-122"/>
+                        </a:rPr>
+                        <a:t>8m</a:t>
+                      </a:r>
+                      <a:endParaRPr lang="en-US" altLang="zh-CN" sz="3200" b="0" i="0" u="none" strike="noStrike" dirty="0">
+                        <a:solidFill>
+                          <a:schemeClr val="bg1"/>
+                        </a:solidFill>
+                        <a:effectLst/>
+                        <a:latin typeface="Arial" panose="020B0604020202020204" pitchFamily="34" charset="0"/>
+                      </a:endParaRPr>
+                    </a:p>
+                  </a:txBody>
+                  <a:tcPr marL="17140" marR="17140" marT="17140" marB="0" anchor="ctr">
+                    <a:lnL>
+                      <a:noFill/>
+                    </a:lnL>
+                    <a:lnR>
+                      <a:noFill/>
+                    </a:lnR>
+                    <a:lnT w="6350" cap="flat" cmpd="sng" algn="ctr">
+                      <a:solidFill>
+                        <a:srgbClr val="000000"/>
+                      </a:solidFill>
+                      <a:prstDash val="solid"/>
+                      <a:round/>
+                      <a:headEnd type="none" w="med" len="med"/>
+                      <a:tailEnd type="none" w="med" len="med"/>
+                    </a:lnT>
+                    <a:lnB>
+                      <a:noFill/>
+                    </a:lnB>
+                    <a:solidFill>
+                      <a:srgbClr val="B4C6E7"/>
+                    </a:solidFill>
+                  </a:tcPr>
+                </a:tc>
+                <a:tc>
+                  <a:txBody>
+                    <a:bodyPr/>
+                    <a:lstStyle/>
+                    <a:p>
+                      <a:pPr algn="ctr" fontAlgn="ctr">
+                        <a:spcBef>
+                          <a:spcPts val="0"/>
+                        </a:spcBef>
+                        <a:spcAft>
+                          <a:spcPts val="0"/>
+                        </a:spcAft>
+                      </a:pPr>
+                      <a:r>
+                        <a:rPr lang="en-US" sz="2000" b="0" i="0" u="none" strike="noStrike" dirty="0">
+                          <a:solidFill>
+                            <a:schemeClr val="bg1"/>
+                          </a:solidFill>
+                          <a:effectLst/>
+                          <a:latin typeface="等线" panose="02010600030101010101" pitchFamily="2" charset="-122"/>
+                          <a:ea typeface="等线" panose="02010600030101010101" pitchFamily="2" charset="-122"/>
+                        </a:rPr>
+                        <a:t>9m</a:t>
+                      </a:r>
+                      <a:endParaRPr lang="en-US" altLang="zh-CN" sz="3200" b="0" i="0" u="none" strike="noStrike" dirty="0">
+                        <a:solidFill>
+                          <a:schemeClr val="bg1"/>
+                        </a:solidFill>
+                        <a:effectLst/>
+                        <a:latin typeface="Arial" panose="020B0604020202020204" pitchFamily="34" charset="0"/>
+                      </a:endParaRPr>
+                    </a:p>
+                  </a:txBody>
+                  <a:tcPr marL="17140" marR="17140" marT="17140" marB="0" anchor="ctr">
+                    <a:lnL>
+                      <a:noFill/>
+                    </a:lnL>
+                    <a:lnR w="6350" cap="flat" cmpd="sng" algn="ctr">
+                      <a:solidFill>
+                        <a:srgbClr val="000000"/>
+                      </a:solidFill>
+                      <a:prstDash val="solid"/>
+                      <a:round/>
+                      <a:headEnd type="none" w="med" len="med"/>
+                      <a:tailEnd type="none" w="med" len="med"/>
+                    </a:lnR>
+                    <a:lnT w="6350" cap="flat" cmpd="sng" algn="ctr">
+                      <a:solidFill>
+                        <a:srgbClr val="000000"/>
+                      </a:solidFill>
+                      <a:prstDash val="solid"/>
+                      <a:round/>
+                      <a:headEnd type="none" w="med" len="med"/>
+                      <a:tailEnd type="none" w="med" len="med"/>
+                    </a:lnT>
+                    <a:lnB>
+                      <a:noFill/>
+                    </a:lnB>
+                    <a:solidFill>
+                      <a:srgbClr val="B4C6E7"/>
+                    </a:solidFill>
+                  </a:tcPr>
+                </a:tc>
+                <a:extLst>
+                  <a:ext uri="{0D108BD9-81ED-4DB2-BD59-A6C34878D82A}">
+                    <a16:rowId xmlns:a16="http://schemas.microsoft.com/office/drawing/2014/main" val="3089648861"/>
+                  </a:ext>
+                </a:extLst>
+              </a:tr>
+              <a:tr h="384616">
+                <a:tc>
+                  <a:txBody>
+                    <a:bodyPr/>
+                    <a:lstStyle/>
+                    <a:p>
+                      <a:pPr algn="ctr" fontAlgn="ctr">
+                        <a:spcBef>
+                          <a:spcPts val="0"/>
+                        </a:spcBef>
+                        <a:spcAft>
+                          <a:spcPts val="0"/>
+                        </a:spcAft>
+                      </a:pPr>
+                      <a:r>
+                        <a:rPr lang="en-US" sz="2000" b="0" i="0" u="none" strike="noStrike">
+                          <a:solidFill>
+                            <a:srgbClr val="000000"/>
+                          </a:solidFill>
+                          <a:effectLst/>
+                          <a:latin typeface="等线" panose="02010600030101010101" pitchFamily="2" charset="-122"/>
+                          <a:ea typeface="等线" panose="02010600030101010101" pitchFamily="2" charset="-122"/>
+                        </a:rPr>
+                        <a:t>0</a:t>
+                      </a:r>
+                      <a:endParaRPr lang="en-US" altLang="zh-CN" sz="3200" b="0" i="0" u="none" strike="noStrike">
+                        <a:effectLst/>
+                        <a:latin typeface="Arial" panose="020B0604020202020204" pitchFamily="34" charset="0"/>
+                      </a:endParaRPr>
+                    </a:p>
+                  </a:txBody>
+                  <a:tcPr marL="17140" marR="17140" marT="17140" marB="0" anchor="ctr">
+                    <a:lnL w="6350" cap="flat" cmpd="sng" algn="ctr">
+                      <a:solidFill>
+                        <a:srgbClr val="000000"/>
+                      </a:solidFill>
+                      <a:prstDash val="solid"/>
+                      <a:round/>
+                      <a:headEnd type="none" w="med" len="med"/>
+                      <a:tailEnd type="none" w="med" len="med"/>
+                    </a:lnL>
+                    <a:lnR>
+                      <a:noFill/>
+                    </a:lnR>
+                    <a:lnT>
+                      <a:noFill/>
+                    </a:lnT>
+                    <a:lnB>
+                      <a:noFill/>
+                    </a:lnB>
+                  </a:tcPr>
+                </a:tc>
+                <a:tc>
+                  <a:txBody>
+                    <a:bodyPr/>
+                    <a:lstStyle/>
+                    <a:p>
+                      <a:pPr algn="ctr" fontAlgn="ctr">
+                        <a:spcBef>
+                          <a:spcPts val="0"/>
+                        </a:spcBef>
+                        <a:spcAft>
+                          <a:spcPts val="0"/>
+                        </a:spcAft>
+                      </a:pPr>
+                      <a:r>
+                        <a:rPr lang="en-US" sz="2000" b="0" i="0" u="none" strike="noStrike">
+                          <a:solidFill>
+                            <a:srgbClr val="000000"/>
+                          </a:solidFill>
+                          <a:effectLst/>
+                          <a:latin typeface="等线" panose="02010600030101010101" pitchFamily="2" charset="-122"/>
+                          <a:ea typeface="等线" panose="02010600030101010101" pitchFamily="2" charset="-122"/>
+                        </a:rPr>
+                        <a:t>1</a:t>
+                      </a:r>
+                      <a:endParaRPr lang="en-US" altLang="zh-CN" sz="3200" b="0" i="0" u="none" strike="noStrike">
+                        <a:effectLst/>
+                        <a:latin typeface="Arial" panose="020B0604020202020204" pitchFamily="34" charset="0"/>
+                      </a:endParaRPr>
+                    </a:p>
+                  </a:txBody>
+                  <a:tcPr marL="17140" marR="17140" marT="17140" marB="0" anchor="ctr">
+                    <a:lnL>
+                      <a:noFill/>
+                    </a:lnL>
+                    <a:lnR>
+                      <a:noFill/>
+                    </a:lnR>
+                    <a:lnT>
+                      <a:noFill/>
+                    </a:lnT>
+                    <a:lnB>
+                      <a:noFill/>
+                    </a:lnB>
+                  </a:tcPr>
+                </a:tc>
+                <a:tc>
+                  <a:txBody>
+                    <a:bodyPr/>
+                    <a:lstStyle/>
+                    <a:p>
+                      <a:pPr algn="ctr" fontAlgn="ctr">
+                        <a:spcBef>
+                          <a:spcPts val="0"/>
+                        </a:spcBef>
+                        <a:spcAft>
+                          <a:spcPts val="0"/>
+                        </a:spcAft>
+                      </a:pPr>
+                      <a:r>
+                        <a:rPr lang="en-US" sz="2000" b="0" i="0" u="none" strike="noStrike">
+                          <a:solidFill>
+                            <a:srgbClr val="000000"/>
+                          </a:solidFill>
+                          <a:effectLst/>
+                          <a:latin typeface="等线" panose="02010600030101010101" pitchFamily="2" charset="-122"/>
+                          <a:ea typeface="等线" panose="02010600030101010101" pitchFamily="2" charset="-122"/>
+                        </a:rPr>
+                        <a:t>2</a:t>
+                      </a:r>
+                      <a:endParaRPr lang="en-US" altLang="zh-CN" sz="3200" b="0" i="0" u="none" strike="noStrike">
+                        <a:effectLst/>
+                        <a:latin typeface="Arial" panose="020B0604020202020204" pitchFamily="34" charset="0"/>
+                      </a:endParaRPr>
+                    </a:p>
+                  </a:txBody>
+                  <a:tcPr marL="17140" marR="17140" marT="17140" marB="0" anchor="ctr">
+                    <a:lnL>
+                      <a:noFill/>
+                    </a:lnL>
+                    <a:lnR>
+                      <a:noFill/>
+                    </a:lnR>
+                    <a:lnT>
+                      <a:noFill/>
+                    </a:lnT>
+                    <a:lnB>
+                      <a:noFill/>
+                    </a:lnB>
+                  </a:tcPr>
+                </a:tc>
+                <a:tc>
+                  <a:txBody>
+                    <a:bodyPr/>
+                    <a:lstStyle/>
+                    <a:p>
+                      <a:pPr algn="ctr" fontAlgn="ctr">
+                        <a:spcBef>
+                          <a:spcPts val="0"/>
+                        </a:spcBef>
+                        <a:spcAft>
+                          <a:spcPts val="0"/>
+                        </a:spcAft>
+                      </a:pPr>
+                      <a:r>
+                        <a:rPr lang="en-US" sz="2000" b="0" i="0" u="none" strike="noStrike">
+                          <a:solidFill>
+                            <a:srgbClr val="000000"/>
+                          </a:solidFill>
+                          <a:effectLst/>
+                          <a:latin typeface="等线" panose="02010600030101010101" pitchFamily="2" charset="-122"/>
+                          <a:ea typeface="等线" panose="02010600030101010101" pitchFamily="2" charset="-122"/>
+                        </a:rPr>
+                        <a:t>3</a:t>
+                      </a:r>
+                      <a:endParaRPr lang="en-US" altLang="zh-CN" sz="3200" b="0" i="0" u="none" strike="noStrike">
+                        <a:effectLst/>
+                        <a:latin typeface="Arial" panose="020B0604020202020204" pitchFamily="34" charset="0"/>
+                      </a:endParaRPr>
+                    </a:p>
+                  </a:txBody>
+                  <a:tcPr marL="17140" marR="17140" marT="17140" marB="0" anchor="ctr">
+                    <a:lnL>
+                      <a:noFill/>
+                    </a:lnL>
+                    <a:lnR>
+                      <a:noFill/>
+                    </a:lnR>
+                    <a:lnT>
+                      <a:noFill/>
+                    </a:lnT>
+                    <a:lnB>
+                      <a:noFill/>
+                    </a:lnB>
+                  </a:tcPr>
+                </a:tc>
+                <a:tc>
+                  <a:txBody>
+                    <a:bodyPr/>
+                    <a:lstStyle/>
+                    <a:p>
+                      <a:pPr algn="ctr" fontAlgn="ctr">
+                        <a:spcBef>
+                          <a:spcPts val="0"/>
+                        </a:spcBef>
+                        <a:spcAft>
+                          <a:spcPts val="0"/>
+                        </a:spcAft>
+                      </a:pPr>
+                      <a:r>
+                        <a:rPr lang="en-US" sz="2000" b="0" i="0" u="none" strike="noStrike">
+                          <a:solidFill>
+                            <a:srgbClr val="000000"/>
+                          </a:solidFill>
+                          <a:effectLst/>
+                          <a:latin typeface="等线" panose="02010600030101010101" pitchFamily="2" charset="-122"/>
+                          <a:ea typeface="等线" panose="02010600030101010101" pitchFamily="2" charset="-122"/>
+                        </a:rPr>
+                        <a:t>4</a:t>
+                      </a:r>
+                      <a:endParaRPr lang="en-US" altLang="zh-CN" sz="3200" b="0" i="0" u="none" strike="noStrike">
+                        <a:effectLst/>
+                        <a:latin typeface="Arial" panose="020B0604020202020204" pitchFamily="34" charset="0"/>
+                      </a:endParaRPr>
+                    </a:p>
+                  </a:txBody>
+                  <a:tcPr marL="17140" marR="17140" marT="17140" marB="0" anchor="ctr">
+                    <a:lnL>
+                      <a:noFill/>
+                    </a:lnL>
+                    <a:lnR>
+                      <a:noFill/>
+                    </a:lnR>
+                    <a:lnT>
+                      <a:noFill/>
+                    </a:lnT>
+                    <a:lnB>
+                      <a:noFill/>
+                    </a:lnB>
+                  </a:tcPr>
+                </a:tc>
+                <a:tc>
+                  <a:txBody>
+                    <a:bodyPr/>
+                    <a:lstStyle/>
+                    <a:p>
+                      <a:pPr algn="ctr" fontAlgn="ctr">
+                        <a:spcBef>
+                          <a:spcPts val="0"/>
+                        </a:spcBef>
+                        <a:spcAft>
+                          <a:spcPts val="0"/>
+                        </a:spcAft>
+                      </a:pPr>
+                      <a:r>
+                        <a:rPr lang="en-US" sz="2000" b="0" i="0" u="none" strike="noStrike">
+                          <a:solidFill>
+                            <a:srgbClr val="000000"/>
+                          </a:solidFill>
+                          <a:effectLst/>
+                          <a:latin typeface="等线" panose="02010600030101010101" pitchFamily="2" charset="-122"/>
+                          <a:ea typeface="等线" panose="02010600030101010101" pitchFamily="2" charset="-122"/>
+                        </a:rPr>
+                        <a:t>5</a:t>
+                      </a:r>
+                      <a:endParaRPr lang="en-US" altLang="zh-CN" sz="3200" b="0" i="0" u="none" strike="noStrike">
+                        <a:effectLst/>
+                        <a:latin typeface="Arial" panose="020B0604020202020204" pitchFamily="34" charset="0"/>
+                      </a:endParaRPr>
+                    </a:p>
+                  </a:txBody>
+                  <a:tcPr marL="17140" marR="17140" marT="17140" marB="0" anchor="ctr">
+                    <a:lnL>
+                      <a:noFill/>
+                    </a:lnL>
+                    <a:lnR>
+                      <a:noFill/>
+                    </a:lnR>
+                    <a:lnT>
+                      <a:noFill/>
+                    </a:lnT>
+                    <a:lnB>
+                      <a:noFill/>
+                    </a:lnB>
+                  </a:tcPr>
+                </a:tc>
+                <a:tc>
+                  <a:txBody>
+                    <a:bodyPr/>
+                    <a:lstStyle/>
+                    <a:p>
+                      <a:pPr algn="ctr" fontAlgn="ctr">
+                        <a:spcBef>
+                          <a:spcPts val="0"/>
+                        </a:spcBef>
+                        <a:spcAft>
+                          <a:spcPts val="0"/>
+                        </a:spcAft>
+                      </a:pPr>
+                      <a:r>
+                        <a:rPr lang="en-US" sz="2000" b="0" i="0" u="none" strike="noStrike">
+                          <a:solidFill>
+                            <a:srgbClr val="000000"/>
+                          </a:solidFill>
+                          <a:effectLst/>
+                          <a:latin typeface="等线" panose="02010600030101010101" pitchFamily="2" charset="-122"/>
+                          <a:ea typeface="等线" panose="02010600030101010101" pitchFamily="2" charset="-122"/>
+                        </a:rPr>
+                        <a:t>6</a:t>
+                      </a:r>
+                      <a:endParaRPr lang="en-US" altLang="zh-CN" sz="3200" b="0" i="0" u="none" strike="noStrike">
+                        <a:effectLst/>
+                        <a:latin typeface="Arial" panose="020B0604020202020204" pitchFamily="34" charset="0"/>
+                      </a:endParaRPr>
+                    </a:p>
+                  </a:txBody>
+                  <a:tcPr marL="17140" marR="17140" marT="17140" marB="0" anchor="ctr">
+                    <a:lnL>
+                      <a:noFill/>
+                    </a:lnL>
+                    <a:lnR>
+                      <a:noFill/>
+                    </a:lnR>
+                    <a:lnT>
+                      <a:noFill/>
+                    </a:lnT>
+                    <a:lnB>
+                      <a:noFill/>
+                    </a:lnB>
+                  </a:tcPr>
+                </a:tc>
+                <a:tc>
+                  <a:txBody>
+                    <a:bodyPr/>
+                    <a:lstStyle/>
+                    <a:p>
+                      <a:pPr algn="ctr" fontAlgn="ctr">
+                        <a:spcBef>
+                          <a:spcPts val="0"/>
+                        </a:spcBef>
+                        <a:spcAft>
+                          <a:spcPts val="0"/>
+                        </a:spcAft>
+                      </a:pPr>
+                      <a:r>
+                        <a:rPr lang="en-US" sz="2000" b="0" i="0" u="none" strike="noStrike">
+                          <a:solidFill>
+                            <a:srgbClr val="000000"/>
+                          </a:solidFill>
+                          <a:effectLst/>
+                          <a:latin typeface="等线" panose="02010600030101010101" pitchFamily="2" charset="-122"/>
+                          <a:ea typeface="等线" panose="02010600030101010101" pitchFamily="2" charset="-122"/>
+                        </a:rPr>
+                        <a:t>7</a:t>
+                      </a:r>
+                      <a:endParaRPr lang="en-US" altLang="zh-CN" sz="3200" b="0" i="0" u="none" strike="noStrike">
+                        <a:effectLst/>
+                        <a:latin typeface="Arial" panose="020B0604020202020204" pitchFamily="34" charset="0"/>
+                      </a:endParaRPr>
+                    </a:p>
+                  </a:txBody>
+                  <a:tcPr marL="17140" marR="17140" marT="17140" marB="0" anchor="ctr">
+                    <a:lnL>
+                      <a:noFill/>
+                    </a:lnL>
+                    <a:lnR>
+                      <a:noFill/>
+                    </a:lnR>
+                    <a:lnT>
+                      <a:noFill/>
+                    </a:lnT>
+                    <a:lnB>
+                      <a:noFill/>
+                    </a:lnB>
+                  </a:tcPr>
+                </a:tc>
+                <a:tc>
+                  <a:txBody>
+                    <a:bodyPr/>
+                    <a:lstStyle/>
+                    <a:p>
+                      <a:pPr algn="ctr" fontAlgn="ctr">
+                        <a:spcBef>
+                          <a:spcPts val="0"/>
+                        </a:spcBef>
+                        <a:spcAft>
+                          <a:spcPts val="0"/>
+                        </a:spcAft>
+                      </a:pPr>
+                      <a:r>
+                        <a:rPr lang="en-US" sz="2000" b="0" i="0" u="none" strike="noStrike">
+                          <a:solidFill>
+                            <a:srgbClr val="000000"/>
+                          </a:solidFill>
+                          <a:effectLst/>
+                          <a:latin typeface="等线" panose="02010600030101010101" pitchFamily="2" charset="-122"/>
+                          <a:ea typeface="等线" panose="02010600030101010101" pitchFamily="2" charset="-122"/>
+                        </a:rPr>
+                        <a:t>8</a:t>
+                      </a:r>
+                      <a:endParaRPr lang="en-US" altLang="zh-CN" sz="3200" b="0" i="0" u="none" strike="noStrike">
+                        <a:effectLst/>
+                        <a:latin typeface="Arial" panose="020B0604020202020204" pitchFamily="34" charset="0"/>
+                      </a:endParaRPr>
+                    </a:p>
+                  </a:txBody>
+                  <a:tcPr marL="17140" marR="17140" marT="17140" marB="0" anchor="ctr">
+                    <a:lnL>
+                      <a:noFill/>
+                    </a:lnL>
+                    <a:lnR w="6350" cap="flat" cmpd="sng" algn="ctr">
+                      <a:solidFill>
+                        <a:srgbClr val="000000"/>
+                      </a:solidFill>
+                      <a:prstDash val="solid"/>
+                      <a:round/>
+                      <a:headEnd type="none" w="med" len="med"/>
+                      <a:tailEnd type="none" w="med" len="med"/>
+                    </a:lnR>
+                    <a:lnT>
+                      <a:noFill/>
+                    </a:lnT>
+                    <a:lnB>
+                      <a:noFill/>
+                    </a:lnB>
+                  </a:tcPr>
+                </a:tc>
+                <a:extLst>
+                  <a:ext uri="{0D108BD9-81ED-4DB2-BD59-A6C34878D82A}">
+                    <a16:rowId xmlns:a16="http://schemas.microsoft.com/office/drawing/2014/main" val="2866281501"/>
+                  </a:ext>
+                </a:extLst>
+              </a:tr>
+              <a:tr h="384616">
+                <a:tc>
+                  <a:txBody>
+                    <a:bodyPr/>
+                    <a:lstStyle/>
+                    <a:p>
+                      <a:pPr algn="ctr" fontAlgn="ctr">
+                        <a:spcBef>
+                          <a:spcPts val="0"/>
+                        </a:spcBef>
+                        <a:spcAft>
+                          <a:spcPts val="0"/>
+                        </a:spcAft>
+                      </a:pPr>
+                      <a:r>
+                        <a:rPr lang="en-US" sz="2000" b="0" i="0" u="none" strike="noStrike" dirty="0">
+                          <a:solidFill>
+                            <a:schemeClr val="bg1"/>
+                          </a:solidFill>
+                          <a:effectLst/>
+                          <a:latin typeface="等线" panose="02010600030101010101" pitchFamily="2" charset="-122"/>
+                          <a:ea typeface="等线" panose="02010600030101010101" pitchFamily="2" charset="-122"/>
+                        </a:rPr>
+                        <a:t>1p</a:t>
+                      </a:r>
+                      <a:endParaRPr lang="en-US" altLang="zh-CN" sz="3200" b="0" i="0" u="none" strike="noStrike" dirty="0">
+                        <a:solidFill>
+                          <a:schemeClr val="bg1"/>
+                        </a:solidFill>
+                        <a:effectLst/>
+                        <a:latin typeface="Arial" panose="020B0604020202020204" pitchFamily="34" charset="0"/>
+                      </a:endParaRPr>
+                    </a:p>
+                  </a:txBody>
+                  <a:tcPr marL="17140" marR="17140" marT="17140" marB="0" anchor="ctr">
+                    <a:lnL w="6350" cap="flat" cmpd="sng" algn="ctr">
+                      <a:solidFill>
+                        <a:srgbClr val="000000"/>
+                      </a:solidFill>
+                      <a:prstDash val="solid"/>
+                      <a:round/>
+                      <a:headEnd type="none" w="med" len="med"/>
+                      <a:tailEnd type="none" w="med" len="med"/>
+                    </a:lnL>
+                    <a:lnR>
+                      <a:noFill/>
+                    </a:lnR>
+                    <a:lnT>
+                      <a:noFill/>
+                    </a:lnT>
+                    <a:lnB>
+                      <a:noFill/>
+                    </a:lnB>
+                    <a:solidFill>
+                      <a:srgbClr val="B4C6E7"/>
+                    </a:solidFill>
+                  </a:tcPr>
+                </a:tc>
+                <a:tc>
+                  <a:txBody>
+                    <a:bodyPr/>
+                    <a:lstStyle/>
+                    <a:p>
+                      <a:pPr algn="ctr" fontAlgn="ctr">
+                        <a:spcBef>
+                          <a:spcPts val="0"/>
+                        </a:spcBef>
+                        <a:spcAft>
+                          <a:spcPts val="0"/>
+                        </a:spcAft>
+                      </a:pPr>
+                      <a:r>
+                        <a:rPr lang="en-US" sz="2000" b="0" i="0" u="none" strike="noStrike" dirty="0">
+                          <a:solidFill>
+                            <a:schemeClr val="bg1"/>
+                          </a:solidFill>
+                          <a:effectLst/>
+                          <a:latin typeface="等线" panose="02010600030101010101" pitchFamily="2" charset="-122"/>
+                          <a:ea typeface="等线" panose="02010600030101010101" pitchFamily="2" charset="-122"/>
+                        </a:rPr>
+                        <a:t>2p</a:t>
+                      </a:r>
+                      <a:endParaRPr lang="en-US" altLang="zh-CN" sz="3200" b="0" i="0" u="none" strike="noStrike" dirty="0">
+                        <a:solidFill>
+                          <a:schemeClr val="bg1"/>
+                        </a:solidFill>
+                        <a:effectLst/>
+                        <a:latin typeface="Arial" panose="020B0604020202020204" pitchFamily="34" charset="0"/>
+                      </a:endParaRPr>
+                    </a:p>
+                  </a:txBody>
+                  <a:tcPr marL="17140" marR="17140" marT="17140" marB="0" anchor="ctr">
+                    <a:lnL>
+                      <a:noFill/>
+                    </a:lnL>
+                    <a:lnR>
+                      <a:noFill/>
+                    </a:lnR>
+                    <a:lnT>
+                      <a:noFill/>
+                    </a:lnT>
+                    <a:lnB>
+                      <a:noFill/>
+                    </a:lnB>
+                    <a:solidFill>
+                      <a:srgbClr val="B4C6E7"/>
+                    </a:solidFill>
+                  </a:tcPr>
+                </a:tc>
+                <a:tc>
+                  <a:txBody>
+                    <a:bodyPr/>
+                    <a:lstStyle/>
+                    <a:p>
+                      <a:pPr algn="ctr" fontAlgn="ctr">
+                        <a:spcBef>
+                          <a:spcPts val="0"/>
+                        </a:spcBef>
+                        <a:spcAft>
+                          <a:spcPts val="0"/>
+                        </a:spcAft>
+                      </a:pPr>
+                      <a:r>
+                        <a:rPr lang="en-US" sz="2000" b="0" i="0" u="none" strike="noStrike">
+                          <a:solidFill>
+                            <a:schemeClr val="bg1"/>
+                          </a:solidFill>
+                          <a:effectLst/>
+                          <a:latin typeface="等线" panose="02010600030101010101" pitchFamily="2" charset="-122"/>
+                          <a:ea typeface="等线" panose="02010600030101010101" pitchFamily="2" charset="-122"/>
+                        </a:rPr>
+                        <a:t>3p</a:t>
+                      </a:r>
+                      <a:endParaRPr lang="en-US" altLang="zh-CN" sz="3200" b="0" i="0" u="none" strike="noStrike">
+                        <a:solidFill>
+                          <a:schemeClr val="bg1"/>
+                        </a:solidFill>
+                        <a:effectLst/>
+                        <a:latin typeface="Arial" panose="020B0604020202020204" pitchFamily="34" charset="0"/>
+                      </a:endParaRPr>
+                    </a:p>
+                  </a:txBody>
+                  <a:tcPr marL="17140" marR="17140" marT="17140" marB="0" anchor="ctr">
+                    <a:lnL>
+                      <a:noFill/>
+                    </a:lnL>
+                    <a:lnR>
+                      <a:noFill/>
+                    </a:lnR>
+                    <a:lnT>
+                      <a:noFill/>
+                    </a:lnT>
+                    <a:lnB>
+                      <a:noFill/>
+                    </a:lnB>
+                    <a:solidFill>
+                      <a:srgbClr val="B4C6E7"/>
+                    </a:solidFill>
+                  </a:tcPr>
+                </a:tc>
+                <a:tc>
+                  <a:txBody>
+                    <a:bodyPr/>
+                    <a:lstStyle/>
+                    <a:p>
+                      <a:pPr algn="ctr" fontAlgn="ctr">
+                        <a:spcBef>
+                          <a:spcPts val="0"/>
+                        </a:spcBef>
+                        <a:spcAft>
+                          <a:spcPts val="0"/>
+                        </a:spcAft>
+                      </a:pPr>
+                      <a:r>
+                        <a:rPr lang="en-US" sz="2000" b="0" i="0" u="none" strike="noStrike" dirty="0">
+                          <a:solidFill>
+                            <a:schemeClr val="bg1"/>
+                          </a:solidFill>
+                          <a:effectLst/>
+                          <a:latin typeface="等线" panose="02010600030101010101" pitchFamily="2" charset="-122"/>
+                          <a:ea typeface="等线" panose="02010600030101010101" pitchFamily="2" charset="-122"/>
+                        </a:rPr>
+                        <a:t>4p</a:t>
+                      </a:r>
+                      <a:endParaRPr lang="en-US" altLang="zh-CN" sz="3200" b="0" i="0" u="none" strike="noStrike" dirty="0">
+                        <a:solidFill>
+                          <a:schemeClr val="bg1"/>
+                        </a:solidFill>
+                        <a:effectLst/>
+                        <a:latin typeface="Arial" panose="020B0604020202020204" pitchFamily="34" charset="0"/>
+                      </a:endParaRPr>
+                    </a:p>
+                  </a:txBody>
+                  <a:tcPr marL="17140" marR="17140" marT="17140" marB="0" anchor="ctr">
+                    <a:lnL>
+                      <a:noFill/>
+                    </a:lnL>
+                    <a:lnR>
+                      <a:noFill/>
+                    </a:lnR>
+                    <a:lnT>
+                      <a:noFill/>
+                    </a:lnT>
+                    <a:lnB>
+                      <a:noFill/>
+                    </a:lnB>
+                    <a:solidFill>
+                      <a:srgbClr val="B4C6E7"/>
+                    </a:solidFill>
+                  </a:tcPr>
+                </a:tc>
+                <a:tc>
+                  <a:txBody>
+                    <a:bodyPr/>
+                    <a:lstStyle/>
+                    <a:p>
+                      <a:pPr algn="ctr" fontAlgn="ctr">
+                        <a:spcBef>
+                          <a:spcPts val="0"/>
+                        </a:spcBef>
+                        <a:spcAft>
+                          <a:spcPts val="0"/>
+                        </a:spcAft>
+                      </a:pPr>
+                      <a:r>
+                        <a:rPr lang="en-US" sz="2000" b="0" i="0" u="none" strike="noStrike">
+                          <a:solidFill>
+                            <a:schemeClr val="bg1"/>
+                          </a:solidFill>
+                          <a:effectLst/>
+                          <a:latin typeface="等线" panose="02010600030101010101" pitchFamily="2" charset="-122"/>
+                          <a:ea typeface="等线" panose="02010600030101010101" pitchFamily="2" charset="-122"/>
+                        </a:rPr>
+                        <a:t>5p</a:t>
+                      </a:r>
+                      <a:endParaRPr lang="en-US" altLang="zh-CN" sz="3200" b="0" i="0" u="none" strike="noStrike">
+                        <a:solidFill>
+                          <a:schemeClr val="bg1"/>
+                        </a:solidFill>
+                        <a:effectLst/>
+                        <a:latin typeface="Arial" panose="020B0604020202020204" pitchFamily="34" charset="0"/>
+                      </a:endParaRPr>
+                    </a:p>
+                  </a:txBody>
+                  <a:tcPr marL="17140" marR="17140" marT="17140" marB="0" anchor="ctr">
+                    <a:lnL>
+                      <a:noFill/>
+                    </a:lnL>
+                    <a:lnR>
+                      <a:noFill/>
+                    </a:lnR>
+                    <a:lnT>
+                      <a:noFill/>
+                    </a:lnT>
+                    <a:lnB>
+                      <a:noFill/>
+                    </a:lnB>
+                    <a:solidFill>
+                      <a:srgbClr val="B4C6E7"/>
+                    </a:solidFill>
+                  </a:tcPr>
+                </a:tc>
+                <a:tc>
+                  <a:txBody>
+                    <a:bodyPr/>
+                    <a:lstStyle/>
+                    <a:p>
+                      <a:pPr algn="ctr" fontAlgn="ctr">
+                        <a:spcBef>
+                          <a:spcPts val="0"/>
+                        </a:spcBef>
+                        <a:spcAft>
+                          <a:spcPts val="0"/>
+                        </a:spcAft>
+                      </a:pPr>
+                      <a:r>
+                        <a:rPr lang="en-US" sz="2000" b="0" i="0" u="none" strike="noStrike">
+                          <a:solidFill>
+                            <a:schemeClr val="bg1"/>
+                          </a:solidFill>
+                          <a:effectLst/>
+                          <a:latin typeface="等线" panose="02010600030101010101" pitchFamily="2" charset="-122"/>
+                          <a:ea typeface="等线" panose="02010600030101010101" pitchFamily="2" charset="-122"/>
+                        </a:rPr>
+                        <a:t>6p</a:t>
+                      </a:r>
+                      <a:endParaRPr lang="en-US" altLang="zh-CN" sz="3200" b="0" i="0" u="none" strike="noStrike">
+                        <a:solidFill>
+                          <a:schemeClr val="bg1"/>
+                        </a:solidFill>
+                        <a:effectLst/>
+                        <a:latin typeface="Arial" panose="020B0604020202020204" pitchFamily="34" charset="0"/>
+                      </a:endParaRPr>
+                    </a:p>
+                  </a:txBody>
+                  <a:tcPr marL="17140" marR="17140" marT="17140" marB="0" anchor="ctr">
+                    <a:lnL>
+                      <a:noFill/>
+                    </a:lnL>
+                    <a:lnR>
+                      <a:noFill/>
+                    </a:lnR>
+                    <a:lnT>
+                      <a:noFill/>
+                    </a:lnT>
+                    <a:lnB>
+                      <a:noFill/>
+                    </a:lnB>
+                    <a:solidFill>
+                      <a:srgbClr val="B4C6E7"/>
+                    </a:solidFill>
+                  </a:tcPr>
+                </a:tc>
+                <a:tc>
+                  <a:txBody>
+                    <a:bodyPr/>
+                    <a:lstStyle/>
+                    <a:p>
+                      <a:pPr algn="ctr" fontAlgn="ctr">
+                        <a:spcBef>
+                          <a:spcPts val="0"/>
+                        </a:spcBef>
+                        <a:spcAft>
+                          <a:spcPts val="0"/>
+                        </a:spcAft>
+                      </a:pPr>
+                      <a:r>
+                        <a:rPr lang="en-US" sz="2000" b="0" i="0" u="none" strike="noStrike" dirty="0">
+                          <a:solidFill>
+                            <a:schemeClr val="bg1"/>
+                          </a:solidFill>
+                          <a:effectLst/>
+                          <a:latin typeface="等线" panose="02010600030101010101" pitchFamily="2" charset="-122"/>
+                          <a:ea typeface="等线" panose="02010600030101010101" pitchFamily="2" charset="-122"/>
+                        </a:rPr>
+                        <a:t>7p</a:t>
+                      </a:r>
+                      <a:endParaRPr lang="en-US" altLang="zh-CN" sz="3200" b="0" i="0" u="none" strike="noStrike" dirty="0">
+                        <a:solidFill>
+                          <a:schemeClr val="bg1"/>
+                        </a:solidFill>
+                        <a:effectLst/>
+                        <a:latin typeface="Arial" panose="020B0604020202020204" pitchFamily="34" charset="0"/>
+                      </a:endParaRPr>
+                    </a:p>
+                  </a:txBody>
+                  <a:tcPr marL="17140" marR="17140" marT="17140" marB="0" anchor="ctr">
+                    <a:lnL>
+                      <a:noFill/>
+                    </a:lnL>
+                    <a:lnR>
+                      <a:noFill/>
+                    </a:lnR>
+                    <a:lnT>
+                      <a:noFill/>
+                    </a:lnT>
+                    <a:lnB>
+                      <a:noFill/>
+                    </a:lnB>
+                    <a:solidFill>
+                      <a:srgbClr val="B4C6E7"/>
+                    </a:solidFill>
+                  </a:tcPr>
+                </a:tc>
+                <a:tc>
+                  <a:txBody>
+                    <a:bodyPr/>
+                    <a:lstStyle/>
+                    <a:p>
+                      <a:pPr algn="ctr" fontAlgn="ctr">
+                        <a:spcBef>
+                          <a:spcPts val="0"/>
+                        </a:spcBef>
+                        <a:spcAft>
+                          <a:spcPts val="0"/>
+                        </a:spcAft>
+                      </a:pPr>
+                      <a:r>
+                        <a:rPr lang="en-US" sz="2000" b="0" i="0" u="none" strike="noStrike" dirty="0">
+                          <a:solidFill>
+                            <a:schemeClr val="bg1"/>
+                          </a:solidFill>
+                          <a:effectLst/>
+                          <a:latin typeface="等线" panose="02010600030101010101" pitchFamily="2" charset="-122"/>
+                          <a:ea typeface="等线" panose="02010600030101010101" pitchFamily="2" charset="-122"/>
+                        </a:rPr>
+                        <a:t>8p</a:t>
+                      </a:r>
+                      <a:endParaRPr lang="en-US" altLang="zh-CN" sz="3200" b="0" i="0" u="none" strike="noStrike" dirty="0">
+                        <a:solidFill>
+                          <a:schemeClr val="bg1"/>
+                        </a:solidFill>
+                        <a:effectLst/>
+                        <a:latin typeface="Arial" panose="020B0604020202020204" pitchFamily="34" charset="0"/>
+                      </a:endParaRPr>
+                    </a:p>
+                  </a:txBody>
+                  <a:tcPr marL="17140" marR="17140" marT="17140" marB="0" anchor="ctr">
+                    <a:lnL>
+                      <a:noFill/>
+                    </a:lnL>
+                    <a:lnR>
+                      <a:noFill/>
+                    </a:lnR>
+                    <a:lnT>
+                      <a:noFill/>
+                    </a:lnT>
+                    <a:lnB>
+                      <a:noFill/>
+                    </a:lnB>
+                    <a:solidFill>
+                      <a:srgbClr val="B4C6E7"/>
+                    </a:solidFill>
+                  </a:tcPr>
+                </a:tc>
+                <a:tc>
+                  <a:txBody>
+                    <a:bodyPr/>
+                    <a:lstStyle/>
+                    <a:p>
+                      <a:pPr algn="ctr" fontAlgn="ctr">
+                        <a:spcBef>
+                          <a:spcPts val="0"/>
+                        </a:spcBef>
+                        <a:spcAft>
+                          <a:spcPts val="0"/>
+                        </a:spcAft>
+                      </a:pPr>
+                      <a:r>
+                        <a:rPr lang="en-US" sz="2000" b="0" i="0" u="none" strike="noStrike" dirty="0">
+                          <a:solidFill>
+                            <a:schemeClr val="bg1"/>
+                          </a:solidFill>
+                          <a:effectLst/>
+                          <a:latin typeface="等线" panose="02010600030101010101" pitchFamily="2" charset="-122"/>
+                          <a:ea typeface="等线" panose="02010600030101010101" pitchFamily="2" charset="-122"/>
+                        </a:rPr>
+                        <a:t>9p</a:t>
+                      </a:r>
+                      <a:endParaRPr lang="en-US" altLang="zh-CN" sz="3200" b="0" i="0" u="none" strike="noStrike" dirty="0">
+                        <a:solidFill>
+                          <a:schemeClr val="bg1"/>
+                        </a:solidFill>
+                        <a:effectLst/>
+                        <a:latin typeface="Arial" panose="020B0604020202020204" pitchFamily="34" charset="0"/>
+                      </a:endParaRPr>
+                    </a:p>
+                  </a:txBody>
+                  <a:tcPr marL="17140" marR="17140" marT="17140" marB="0" anchor="ctr">
+                    <a:lnL>
+                      <a:noFill/>
+                    </a:lnL>
+                    <a:lnR w="6350" cap="flat" cmpd="sng" algn="ctr">
+                      <a:solidFill>
+                        <a:srgbClr val="000000"/>
+                      </a:solidFill>
+                      <a:prstDash val="solid"/>
+                      <a:round/>
+                      <a:headEnd type="none" w="med" len="med"/>
+                      <a:tailEnd type="none" w="med" len="med"/>
+                    </a:lnR>
+                    <a:lnT>
+                      <a:noFill/>
+                    </a:lnT>
+                    <a:lnB>
+                      <a:noFill/>
+                    </a:lnB>
+                    <a:solidFill>
+                      <a:srgbClr val="B4C6E7"/>
+                    </a:solidFill>
+                  </a:tcPr>
+                </a:tc>
+                <a:extLst>
+                  <a:ext uri="{0D108BD9-81ED-4DB2-BD59-A6C34878D82A}">
+                    <a16:rowId xmlns:a16="http://schemas.microsoft.com/office/drawing/2014/main" val="3692419695"/>
+                  </a:ext>
+                </a:extLst>
+              </a:tr>
+              <a:tr h="384616">
+                <a:tc>
+                  <a:txBody>
+                    <a:bodyPr/>
+                    <a:lstStyle/>
+                    <a:p>
+                      <a:pPr algn="ctr" fontAlgn="ctr">
+                        <a:spcBef>
+                          <a:spcPts val="0"/>
+                        </a:spcBef>
+                        <a:spcAft>
+                          <a:spcPts val="0"/>
+                        </a:spcAft>
+                      </a:pPr>
+                      <a:r>
+                        <a:rPr lang="en-US" sz="2000" b="0" i="0" u="none" strike="noStrike">
+                          <a:solidFill>
+                            <a:srgbClr val="000000"/>
+                          </a:solidFill>
+                          <a:effectLst/>
+                          <a:latin typeface="等线" panose="02010600030101010101" pitchFamily="2" charset="-122"/>
+                          <a:ea typeface="等线" panose="02010600030101010101" pitchFamily="2" charset="-122"/>
+                        </a:rPr>
+                        <a:t>9</a:t>
+                      </a:r>
+                      <a:endParaRPr lang="en-US" altLang="zh-CN" sz="3200" b="0" i="0" u="none" strike="noStrike">
+                        <a:effectLst/>
+                        <a:latin typeface="Arial" panose="020B0604020202020204" pitchFamily="34" charset="0"/>
+                      </a:endParaRPr>
+                    </a:p>
+                  </a:txBody>
+                  <a:tcPr marL="17140" marR="17140" marT="17140" marB="0" anchor="ctr">
+                    <a:lnL w="6350" cap="flat" cmpd="sng" algn="ctr">
+                      <a:solidFill>
+                        <a:srgbClr val="000000"/>
+                      </a:solidFill>
+                      <a:prstDash val="solid"/>
+                      <a:round/>
+                      <a:headEnd type="none" w="med" len="med"/>
+                      <a:tailEnd type="none" w="med" len="med"/>
+                    </a:lnL>
+                    <a:lnR>
+                      <a:noFill/>
+                    </a:lnR>
+                    <a:lnT>
+                      <a:noFill/>
+                    </a:lnT>
+                    <a:lnB>
+                      <a:noFill/>
+                    </a:lnB>
+                  </a:tcPr>
+                </a:tc>
+                <a:tc>
+                  <a:txBody>
+                    <a:bodyPr/>
+                    <a:lstStyle/>
+                    <a:p>
+                      <a:pPr algn="ctr" fontAlgn="ctr">
+                        <a:spcBef>
+                          <a:spcPts val="0"/>
+                        </a:spcBef>
+                        <a:spcAft>
+                          <a:spcPts val="0"/>
+                        </a:spcAft>
+                      </a:pPr>
+                      <a:r>
+                        <a:rPr lang="en-US" sz="2000" b="0" i="0" u="none" strike="noStrike" dirty="0">
+                          <a:solidFill>
+                            <a:srgbClr val="000000"/>
+                          </a:solidFill>
+                          <a:effectLst/>
+                          <a:latin typeface="等线" panose="02010600030101010101" pitchFamily="2" charset="-122"/>
+                          <a:ea typeface="等线" panose="02010600030101010101" pitchFamily="2" charset="-122"/>
+                        </a:rPr>
+                        <a:t>10</a:t>
+                      </a:r>
+                      <a:endParaRPr lang="en-US" altLang="zh-CN" sz="3200" b="0" i="0" u="none" strike="noStrike" dirty="0">
+                        <a:effectLst/>
+                        <a:latin typeface="Arial" panose="020B0604020202020204" pitchFamily="34" charset="0"/>
+                      </a:endParaRPr>
+                    </a:p>
+                  </a:txBody>
+                  <a:tcPr marL="17140" marR="17140" marT="17140" marB="0" anchor="ctr">
+                    <a:lnL>
+                      <a:noFill/>
+                    </a:lnL>
+                    <a:lnR>
+                      <a:noFill/>
+                    </a:lnR>
+                    <a:lnT>
+                      <a:noFill/>
+                    </a:lnT>
+                    <a:lnB>
+                      <a:noFill/>
+                    </a:lnB>
+                  </a:tcPr>
+                </a:tc>
+                <a:tc>
+                  <a:txBody>
+                    <a:bodyPr/>
+                    <a:lstStyle/>
+                    <a:p>
+                      <a:pPr algn="ctr" fontAlgn="ctr">
+                        <a:spcBef>
+                          <a:spcPts val="0"/>
+                        </a:spcBef>
+                        <a:spcAft>
+                          <a:spcPts val="0"/>
+                        </a:spcAft>
+                      </a:pPr>
+                      <a:r>
+                        <a:rPr lang="en-US" sz="2000" b="0" i="0" u="none" strike="noStrike">
+                          <a:solidFill>
+                            <a:srgbClr val="000000"/>
+                          </a:solidFill>
+                          <a:effectLst/>
+                          <a:latin typeface="等线" panose="02010600030101010101" pitchFamily="2" charset="-122"/>
+                          <a:ea typeface="等线" panose="02010600030101010101" pitchFamily="2" charset="-122"/>
+                        </a:rPr>
+                        <a:t>11</a:t>
+                      </a:r>
+                      <a:endParaRPr lang="en-US" altLang="zh-CN" sz="3200" b="0" i="0" u="none" strike="noStrike">
+                        <a:effectLst/>
+                        <a:latin typeface="Arial" panose="020B0604020202020204" pitchFamily="34" charset="0"/>
+                      </a:endParaRPr>
+                    </a:p>
+                  </a:txBody>
+                  <a:tcPr marL="17140" marR="17140" marT="17140" marB="0" anchor="ctr">
+                    <a:lnL>
+                      <a:noFill/>
+                    </a:lnL>
+                    <a:lnR>
+                      <a:noFill/>
+                    </a:lnR>
+                    <a:lnT>
+                      <a:noFill/>
+                    </a:lnT>
+                    <a:lnB>
+                      <a:noFill/>
+                    </a:lnB>
+                  </a:tcPr>
+                </a:tc>
+                <a:tc>
+                  <a:txBody>
+                    <a:bodyPr/>
+                    <a:lstStyle/>
+                    <a:p>
+                      <a:pPr algn="ctr" fontAlgn="ctr">
+                        <a:spcBef>
+                          <a:spcPts val="0"/>
+                        </a:spcBef>
+                        <a:spcAft>
+                          <a:spcPts val="0"/>
+                        </a:spcAft>
+                      </a:pPr>
+                      <a:r>
+                        <a:rPr lang="en-US" sz="2000" b="0" i="0" u="none" strike="noStrike">
+                          <a:solidFill>
+                            <a:srgbClr val="000000"/>
+                          </a:solidFill>
+                          <a:effectLst/>
+                          <a:latin typeface="等线" panose="02010600030101010101" pitchFamily="2" charset="-122"/>
+                          <a:ea typeface="等线" panose="02010600030101010101" pitchFamily="2" charset="-122"/>
+                        </a:rPr>
+                        <a:t>12</a:t>
+                      </a:r>
+                      <a:endParaRPr lang="en-US" altLang="zh-CN" sz="3200" b="0" i="0" u="none" strike="noStrike">
+                        <a:effectLst/>
+                        <a:latin typeface="Arial" panose="020B0604020202020204" pitchFamily="34" charset="0"/>
+                      </a:endParaRPr>
+                    </a:p>
+                  </a:txBody>
+                  <a:tcPr marL="17140" marR="17140" marT="17140" marB="0" anchor="ctr">
+                    <a:lnL>
+                      <a:noFill/>
+                    </a:lnL>
+                    <a:lnR>
+                      <a:noFill/>
+                    </a:lnR>
+                    <a:lnT>
+                      <a:noFill/>
+                    </a:lnT>
+                    <a:lnB>
+                      <a:noFill/>
+                    </a:lnB>
+                  </a:tcPr>
+                </a:tc>
+                <a:tc>
+                  <a:txBody>
+                    <a:bodyPr/>
+                    <a:lstStyle/>
+                    <a:p>
+                      <a:pPr algn="ctr" fontAlgn="ctr">
+                        <a:spcBef>
+                          <a:spcPts val="0"/>
+                        </a:spcBef>
+                        <a:spcAft>
+                          <a:spcPts val="0"/>
+                        </a:spcAft>
+                      </a:pPr>
+                      <a:r>
+                        <a:rPr lang="en-US" sz="2000" b="0" i="0" u="none" strike="noStrike">
+                          <a:solidFill>
+                            <a:srgbClr val="000000"/>
+                          </a:solidFill>
+                          <a:effectLst/>
+                          <a:latin typeface="等线" panose="02010600030101010101" pitchFamily="2" charset="-122"/>
+                          <a:ea typeface="等线" panose="02010600030101010101" pitchFamily="2" charset="-122"/>
+                        </a:rPr>
+                        <a:t>13</a:t>
+                      </a:r>
+                      <a:endParaRPr lang="en-US" altLang="zh-CN" sz="3200" b="0" i="0" u="none" strike="noStrike">
+                        <a:effectLst/>
+                        <a:latin typeface="Arial" panose="020B0604020202020204" pitchFamily="34" charset="0"/>
+                      </a:endParaRPr>
+                    </a:p>
+                  </a:txBody>
+                  <a:tcPr marL="17140" marR="17140" marT="17140" marB="0" anchor="ctr">
+                    <a:lnL>
+                      <a:noFill/>
+                    </a:lnL>
+                    <a:lnR>
+                      <a:noFill/>
+                    </a:lnR>
+                    <a:lnT>
+                      <a:noFill/>
+                    </a:lnT>
+                    <a:lnB>
+                      <a:noFill/>
+                    </a:lnB>
+                  </a:tcPr>
+                </a:tc>
+                <a:tc>
+                  <a:txBody>
+                    <a:bodyPr/>
+                    <a:lstStyle/>
+                    <a:p>
+                      <a:pPr algn="ctr" fontAlgn="ctr">
+                        <a:spcBef>
+                          <a:spcPts val="0"/>
+                        </a:spcBef>
+                        <a:spcAft>
+                          <a:spcPts val="0"/>
+                        </a:spcAft>
+                      </a:pPr>
+                      <a:r>
+                        <a:rPr lang="en-US" sz="2000" b="0" i="0" u="none" strike="noStrike">
+                          <a:solidFill>
+                            <a:srgbClr val="000000"/>
+                          </a:solidFill>
+                          <a:effectLst/>
+                          <a:latin typeface="等线" panose="02010600030101010101" pitchFamily="2" charset="-122"/>
+                          <a:ea typeface="等线" panose="02010600030101010101" pitchFamily="2" charset="-122"/>
+                        </a:rPr>
+                        <a:t>14</a:t>
+                      </a:r>
+                      <a:endParaRPr lang="en-US" altLang="zh-CN" sz="3200" b="0" i="0" u="none" strike="noStrike">
+                        <a:effectLst/>
+                        <a:latin typeface="Arial" panose="020B0604020202020204" pitchFamily="34" charset="0"/>
+                      </a:endParaRPr>
+                    </a:p>
+                  </a:txBody>
+                  <a:tcPr marL="17140" marR="17140" marT="17140" marB="0" anchor="ctr">
+                    <a:lnL>
+                      <a:noFill/>
+                    </a:lnL>
+                    <a:lnR>
+                      <a:noFill/>
+                    </a:lnR>
+                    <a:lnT>
+                      <a:noFill/>
+                    </a:lnT>
+                    <a:lnB>
+                      <a:noFill/>
+                    </a:lnB>
+                  </a:tcPr>
+                </a:tc>
+                <a:tc>
+                  <a:txBody>
+                    <a:bodyPr/>
+                    <a:lstStyle/>
+                    <a:p>
+                      <a:pPr algn="ctr" fontAlgn="ctr">
+                        <a:spcBef>
+                          <a:spcPts val="0"/>
+                        </a:spcBef>
+                        <a:spcAft>
+                          <a:spcPts val="0"/>
+                        </a:spcAft>
+                      </a:pPr>
+                      <a:r>
+                        <a:rPr lang="en-US" sz="2000" b="0" i="0" u="none" strike="noStrike">
+                          <a:solidFill>
+                            <a:srgbClr val="000000"/>
+                          </a:solidFill>
+                          <a:effectLst/>
+                          <a:latin typeface="等线" panose="02010600030101010101" pitchFamily="2" charset="-122"/>
+                          <a:ea typeface="等线" panose="02010600030101010101" pitchFamily="2" charset="-122"/>
+                        </a:rPr>
+                        <a:t>15</a:t>
+                      </a:r>
+                      <a:endParaRPr lang="en-US" altLang="zh-CN" sz="3200" b="0" i="0" u="none" strike="noStrike">
+                        <a:effectLst/>
+                        <a:latin typeface="Arial" panose="020B0604020202020204" pitchFamily="34" charset="0"/>
+                      </a:endParaRPr>
+                    </a:p>
+                  </a:txBody>
+                  <a:tcPr marL="17140" marR="17140" marT="17140" marB="0" anchor="ctr">
+                    <a:lnL>
+                      <a:noFill/>
+                    </a:lnL>
+                    <a:lnR>
+                      <a:noFill/>
+                    </a:lnR>
+                    <a:lnT>
+                      <a:noFill/>
+                    </a:lnT>
+                    <a:lnB>
+                      <a:noFill/>
+                    </a:lnB>
+                  </a:tcPr>
+                </a:tc>
+                <a:tc>
+                  <a:txBody>
+                    <a:bodyPr/>
+                    <a:lstStyle/>
+                    <a:p>
+                      <a:pPr algn="ctr" fontAlgn="ctr">
+                        <a:spcBef>
+                          <a:spcPts val="0"/>
+                        </a:spcBef>
+                        <a:spcAft>
+                          <a:spcPts val="0"/>
+                        </a:spcAft>
+                      </a:pPr>
+                      <a:r>
+                        <a:rPr lang="en-US" sz="2000" b="0" i="0" u="none" strike="noStrike">
+                          <a:solidFill>
+                            <a:srgbClr val="000000"/>
+                          </a:solidFill>
+                          <a:effectLst/>
+                          <a:latin typeface="等线" panose="02010600030101010101" pitchFamily="2" charset="-122"/>
+                          <a:ea typeface="等线" panose="02010600030101010101" pitchFamily="2" charset="-122"/>
+                        </a:rPr>
+                        <a:t>16</a:t>
+                      </a:r>
+                      <a:endParaRPr lang="en-US" altLang="zh-CN" sz="3200" b="0" i="0" u="none" strike="noStrike">
+                        <a:effectLst/>
+                        <a:latin typeface="Arial" panose="020B0604020202020204" pitchFamily="34" charset="0"/>
+                      </a:endParaRPr>
+                    </a:p>
+                  </a:txBody>
+                  <a:tcPr marL="17140" marR="17140" marT="17140" marB="0" anchor="ctr">
+                    <a:lnL>
+                      <a:noFill/>
+                    </a:lnL>
+                    <a:lnR>
+                      <a:noFill/>
+                    </a:lnR>
+                    <a:lnT>
+                      <a:noFill/>
+                    </a:lnT>
+                    <a:lnB>
+                      <a:noFill/>
+                    </a:lnB>
+                  </a:tcPr>
+                </a:tc>
+                <a:tc>
+                  <a:txBody>
+                    <a:bodyPr/>
+                    <a:lstStyle/>
+                    <a:p>
+                      <a:pPr algn="ctr" fontAlgn="ctr">
+                        <a:spcBef>
+                          <a:spcPts val="0"/>
+                        </a:spcBef>
+                        <a:spcAft>
+                          <a:spcPts val="0"/>
+                        </a:spcAft>
+                      </a:pPr>
+                      <a:r>
+                        <a:rPr lang="en-US" sz="2000" b="0" i="0" u="none" strike="noStrike">
+                          <a:solidFill>
+                            <a:srgbClr val="000000"/>
+                          </a:solidFill>
+                          <a:effectLst/>
+                          <a:latin typeface="等线" panose="02010600030101010101" pitchFamily="2" charset="-122"/>
+                          <a:ea typeface="等线" panose="02010600030101010101" pitchFamily="2" charset="-122"/>
+                        </a:rPr>
+                        <a:t>17</a:t>
+                      </a:r>
+                      <a:endParaRPr lang="en-US" altLang="zh-CN" sz="3200" b="0" i="0" u="none" strike="noStrike">
+                        <a:effectLst/>
+                        <a:latin typeface="Arial" panose="020B0604020202020204" pitchFamily="34" charset="0"/>
+                      </a:endParaRPr>
+                    </a:p>
+                  </a:txBody>
+                  <a:tcPr marL="17140" marR="17140" marT="17140" marB="0" anchor="ctr">
+                    <a:lnL>
+                      <a:noFill/>
+                    </a:lnL>
+                    <a:lnR w="6350" cap="flat" cmpd="sng" algn="ctr">
+                      <a:solidFill>
+                        <a:srgbClr val="000000"/>
+                      </a:solidFill>
+                      <a:prstDash val="solid"/>
+                      <a:round/>
+                      <a:headEnd type="none" w="med" len="med"/>
+                      <a:tailEnd type="none" w="med" len="med"/>
+                    </a:lnR>
+                    <a:lnT>
+                      <a:noFill/>
+                    </a:lnT>
+                    <a:lnB>
+                      <a:noFill/>
+                    </a:lnB>
+                  </a:tcPr>
+                </a:tc>
+                <a:extLst>
+                  <a:ext uri="{0D108BD9-81ED-4DB2-BD59-A6C34878D82A}">
+                    <a16:rowId xmlns:a16="http://schemas.microsoft.com/office/drawing/2014/main" val="2839671488"/>
+                  </a:ext>
+                </a:extLst>
+              </a:tr>
+              <a:tr h="384616">
+                <a:tc>
+                  <a:txBody>
+                    <a:bodyPr/>
+                    <a:lstStyle/>
+                    <a:p>
+                      <a:pPr algn="ctr" fontAlgn="ctr">
+                        <a:spcBef>
+                          <a:spcPts val="0"/>
+                        </a:spcBef>
+                        <a:spcAft>
+                          <a:spcPts val="0"/>
+                        </a:spcAft>
+                      </a:pPr>
+                      <a:r>
+                        <a:rPr lang="en-US" sz="2000" b="0" i="0" u="none" strike="noStrike" dirty="0">
+                          <a:solidFill>
+                            <a:schemeClr val="bg1"/>
+                          </a:solidFill>
+                          <a:effectLst/>
+                          <a:latin typeface="等线" panose="02010600030101010101" pitchFamily="2" charset="-122"/>
+                          <a:ea typeface="等线" panose="02010600030101010101" pitchFamily="2" charset="-122"/>
+                        </a:rPr>
+                        <a:t>1s</a:t>
+                      </a:r>
+                      <a:endParaRPr lang="en-US" altLang="zh-CN" sz="3200" b="0" i="0" u="none" strike="noStrike" dirty="0">
+                        <a:solidFill>
+                          <a:schemeClr val="bg1"/>
+                        </a:solidFill>
+                        <a:effectLst/>
+                        <a:latin typeface="Arial" panose="020B0604020202020204" pitchFamily="34" charset="0"/>
+                      </a:endParaRPr>
+                    </a:p>
+                  </a:txBody>
+                  <a:tcPr marL="17140" marR="17140" marT="17140" marB="0" anchor="ctr">
+                    <a:lnL w="6350" cap="flat" cmpd="sng" algn="ctr">
+                      <a:solidFill>
+                        <a:srgbClr val="000000"/>
+                      </a:solidFill>
+                      <a:prstDash val="solid"/>
+                      <a:round/>
+                      <a:headEnd type="none" w="med" len="med"/>
+                      <a:tailEnd type="none" w="med" len="med"/>
+                    </a:lnL>
+                    <a:lnR>
+                      <a:noFill/>
+                    </a:lnR>
+                    <a:lnT>
+                      <a:noFill/>
+                    </a:lnT>
+                    <a:lnB>
+                      <a:noFill/>
+                    </a:lnB>
+                    <a:solidFill>
+                      <a:srgbClr val="B4C6E7"/>
+                    </a:solidFill>
+                  </a:tcPr>
+                </a:tc>
+                <a:tc>
+                  <a:txBody>
+                    <a:bodyPr/>
+                    <a:lstStyle/>
+                    <a:p>
+                      <a:pPr algn="ctr" fontAlgn="ctr">
+                        <a:spcBef>
+                          <a:spcPts val="0"/>
+                        </a:spcBef>
+                        <a:spcAft>
+                          <a:spcPts val="0"/>
+                        </a:spcAft>
+                      </a:pPr>
+                      <a:r>
+                        <a:rPr lang="en-US" sz="2000" b="0" i="0" u="none" strike="noStrike" dirty="0">
+                          <a:solidFill>
+                            <a:schemeClr val="bg1"/>
+                          </a:solidFill>
+                          <a:effectLst/>
+                          <a:latin typeface="等线" panose="02010600030101010101" pitchFamily="2" charset="-122"/>
+                          <a:ea typeface="等线" panose="02010600030101010101" pitchFamily="2" charset="-122"/>
+                        </a:rPr>
+                        <a:t>2s</a:t>
+                      </a:r>
+                      <a:endParaRPr lang="en-US" altLang="zh-CN" sz="3200" b="0" i="0" u="none" strike="noStrike" dirty="0">
+                        <a:solidFill>
+                          <a:schemeClr val="bg1"/>
+                        </a:solidFill>
+                        <a:effectLst/>
+                        <a:latin typeface="Arial" panose="020B0604020202020204" pitchFamily="34" charset="0"/>
+                      </a:endParaRPr>
+                    </a:p>
+                  </a:txBody>
+                  <a:tcPr marL="17140" marR="17140" marT="17140" marB="0" anchor="ctr">
+                    <a:lnL>
+                      <a:noFill/>
+                    </a:lnL>
+                    <a:lnR>
+                      <a:noFill/>
+                    </a:lnR>
+                    <a:lnT>
+                      <a:noFill/>
+                    </a:lnT>
+                    <a:lnB>
+                      <a:noFill/>
+                    </a:lnB>
+                    <a:solidFill>
+                      <a:srgbClr val="B4C6E7"/>
+                    </a:solidFill>
+                  </a:tcPr>
+                </a:tc>
+                <a:tc>
+                  <a:txBody>
+                    <a:bodyPr/>
+                    <a:lstStyle/>
+                    <a:p>
+                      <a:pPr algn="ctr" fontAlgn="ctr">
+                        <a:spcBef>
+                          <a:spcPts val="0"/>
+                        </a:spcBef>
+                        <a:spcAft>
+                          <a:spcPts val="0"/>
+                        </a:spcAft>
+                      </a:pPr>
+                      <a:r>
+                        <a:rPr lang="en-US" sz="2000" b="0" i="0" u="none" strike="noStrike">
+                          <a:solidFill>
+                            <a:schemeClr val="bg1"/>
+                          </a:solidFill>
+                          <a:effectLst/>
+                          <a:latin typeface="等线" panose="02010600030101010101" pitchFamily="2" charset="-122"/>
+                          <a:ea typeface="等线" panose="02010600030101010101" pitchFamily="2" charset="-122"/>
+                        </a:rPr>
+                        <a:t>3s</a:t>
+                      </a:r>
+                      <a:endParaRPr lang="en-US" altLang="zh-CN" sz="3200" b="0" i="0" u="none" strike="noStrike">
+                        <a:solidFill>
+                          <a:schemeClr val="bg1"/>
+                        </a:solidFill>
+                        <a:effectLst/>
+                        <a:latin typeface="Arial" panose="020B0604020202020204" pitchFamily="34" charset="0"/>
+                      </a:endParaRPr>
+                    </a:p>
+                  </a:txBody>
+                  <a:tcPr marL="17140" marR="17140" marT="17140" marB="0" anchor="ctr">
+                    <a:lnL>
+                      <a:noFill/>
+                    </a:lnL>
+                    <a:lnR>
+                      <a:noFill/>
+                    </a:lnR>
+                    <a:lnT>
+                      <a:noFill/>
+                    </a:lnT>
+                    <a:lnB>
+                      <a:noFill/>
+                    </a:lnB>
+                    <a:solidFill>
+                      <a:srgbClr val="B4C6E7"/>
+                    </a:solidFill>
+                  </a:tcPr>
+                </a:tc>
+                <a:tc>
+                  <a:txBody>
+                    <a:bodyPr/>
+                    <a:lstStyle/>
+                    <a:p>
+                      <a:pPr algn="ctr" fontAlgn="ctr">
+                        <a:spcBef>
+                          <a:spcPts val="0"/>
+                        </a:spcBef>
+                        <a:spcAft>
+                          <a:spcPts val="0"/>
+                        </a:spcAft>
+                      </a:pPr>
+                      <a:r>
+                        <a:rPr lang="en-US" sz="2000" b="0" i="0" u="none" strike="noStrike" dirty="0">
+                          <a:solidFill>
+                            <a:schemeClr val="bg1"/>
+                          </a:solidFill>
+                          <a:effectLst/>
+                          <a:latin typeface="等线" panose="02010600030101010101" pitchFamily="2" charset="-122"/>
+                          <a:ea typeface="等线" panose="02010600030101010101" pitchFamily="2" charset="-122"/>
+                        </a:rPr>
+                        <a:t>4s</a:t>
+                      </a:r>
+                      <a:endParaRPr lang="en-US" altLang="zh-CN" sz="3200" b="0" i="0" u="none" strike="noStrike" dirty="0">
+                        <a:solidFill>
+                          <a:schemeClr val="bg1"/>
+                        </a:solidFill>
+                        <a:effectLst/>
+                        <a:latin typeface="Arial" panose="020B0604020202020204" pitchFamily="34" charset="0"/>
+                      </a:endParaRPr>
+                    </a:p>
+                  </a:txBody>
+                  <a:tcPr marL="17140" marR="17140" marT="17140" marB="0" anchor="ctr">
+                    <a:lnL>
+                      <a:noFill/>
+                    </a:lnL>
+                    <a:lnR>
+                      <a:noFill/>
+                    </a:lnR>
+                    <a:lnT>
+                      <a:noFill/>
+                    </a:lnT>
+                    <a:lnB>
+                      <a:noFill/>
+                    </a:lnB>
+                    <a:solidFill>
+                      <a:srgbClr val="B4C6E7"/>
+                    </a:solidFill>
+                  </a:tcPr>
+                </a:tc>
+                <a:tc>
+                  <a:txBody>
+                    <a:bodyPr/>
+                    <a:lstStyle/>
+                    <a:p>
+                      <a:pPr algn="ctr" fontAlgn="ctr">
+                        <a:spcBef>
+                          <a:spcPts val="0"/>
+                        </a:spcBef>
+                        <a:spcAft>
+                          <a:spcPts val="0"/>
+                        </a:spcAft>
+                      </a:pPr>
+                      <a:r>
+                        <a:rPr lang="en-US" sz="2000" b="0" i="0" u="none" strike="noStrike">
+                          <a:solidFill>
+                            <a:schemeClr val="bg1"/>
+                          </a:solidFill>
+                          <a:effectLst/>
+                          <a:latin typeface="等线" panose="02010600030101010101" pitchFamily="2" charset="-122"/>
+                          <a:ea typeface="等线" panose="02010600030101010101" pitchFamily="2" charset="-122"/>
+                        </a:rPr>
+                        <a:t>5s</a:t>
+                      </a:r>
+                      <a:endParaRPr lang="en-US" altLang="zh-CN" sz="3200" b="0" i="0" u="none" strike="noStrike">
+                        <a:solidFill>
+                          <a:schemeClr val="bg1"/>
+                        </a:solidFill>
+                        <a:effectLst/>
+                        <a:latin typeface="Arial" panose="020B0604020202020204" pitchFamily="34" charset="0"/>
+                      </a:endParaRPr>
+                    </a:p>
+                  </a:txBody>
+                  <a:tcPr marL="17140" marR="17140" marT="17140" marB="0" anchor="ctr">
+                    <a:lnL>
+                      <a:noFill/>
+                    </a:lnL>
+                    <a:lnR>
+                      <a:noFill/>
+                    </a:lnR>
+                    <a:lnT>
+                      <a:noFill/>
+                    </a:lnT>
+                    <a:lnB>
+                      <a:noFill/>
+                    </a:lnB>
+                    <a:solidFill>
+                      <a:srgbClr val="B4C6E7"/>
+                    </a:solidFill>
+                  </a:tcPr>
+                </a:tc>
+                <a:tc>
+                  <a:txBody>
+                    <a:bodyPr/>
+                    <a:lstStyle/>
+                    <a:p>
+                      <a:pPr algn="ctr" fontAlgn="ctr">
+                        <a:spcBef>
+                          <a:spcPts val="0"/>
+                        </a:spcBef>
+                        <a:spcAft>
+                          <a:spcPts val="0"/>
+                        </a:spcAft>
+                      </a:pPr>
+                      <a:r>
+                        <a:rPr lang="en-US" sz="2000" b="0" i="0" u="none" strike="noStrike" dirty="0">
+                          <a:solidFill>
+                            <a:schemeClr val="bg1"/>
+                          </a:solidFill>
+                          <a:effectLst/>
+                          <a:latin typeface="等线" panose="02010600030101010101" pitchFamily="2" charset="-122"/>
+                          <a:ea typeface="等线" panose="02010600030101010101" pitchFamily="2" charset="-122"/>
+                        </a:rPr>
+                        <a:t>6s</a:t>
+                      </a:r>
+                      <a:endParaRPr lang="en-US" altLang="zh-CN" sz="3200" b="0" i="0" u="none" strike="noStrike" dirty="0">
+                        <a:solidFill>
+                          <a:schemeClr val="bg1"/>
+                        </a:solidFill>
+                        <a:effectLst/>
+                        <a:latin typeface="Arial" panose="020B0604020202020204" pitchFamily="34" charset="0"/>
+                      </a:endParaRPr>
+                    </a:p>
+                  </a:txBody>
+                  <a:tcPr marL="17140" marR="17140" marT="17140" marB="0" anchor="ctr">
+                    <a:lnL>
+                      <a:noFill/>
+                    </a:lnL>
+                    <a:lnR>
+                      <a:noFill/>
+                    </a:lnR>
+                    <a:lnT>
+                      <a:noFill/>
+                    </a:lnT>
+                    <a:lnB>
+                      <a:noFill/>
+                    </a:lnB>
+                    <a:solidFill>
+                      <a:srgbClr val="B4C6E7"/>
+                    </a:solidFill>
+                  </a:tcPr>
+                </a:tc>
+                <a:tc>
+                  <a:txBody>
+                    <a:bodyPr/>
+                    <a:lstStyle/>
+                    <a:p>
+                      <a:pPr algn="ctr" fontAlgn="ctr">
+                        <a:spcBef>
+                          <a:spcPts val="0"/>
+                        </a:spcBef>
+                        <a:spcAft>
+                          <a:spcPts val="0"/>
+                        </a:spcAft>
+                      </a:pPr>
+                      <a:r>
+                        <a:rPr lang="en-US" sz="2000" b="0" i="0" u="none" strike="noStrike">
+                          <a:solidFill>
+                            <a:schemeClr val="bg1"/>
+                          </a:solidFill>
+                          <a:effectLst/>
+                          <a:latin typeface="等线" panose="02010600030101010101" pitchFamily="2" charset="-122"/>
+                          <a:ea typeface="等线" panose="02010600030101010101" pitchFamily="2" charset="-122"/>
+                        </a:rPr>
+                        <a:t>7s</a:t>
+                      </a:r>
+                      <a:endParaRPr lang="en-US" altLang="zh-CN" sz="3200" b="0" i="0" u="none" strike="noStrike">
+                        <a:solidFill>
+                          <a:schemeClr val="bg1"/>
+                        </a:solidFill>
+                        <a:effectLst/>
+                        <a:latin typeface="Arial" panose="020B0604020202020204" pitchFamily="34" charset="0"/>
+                      </a:endParaRPr>
+                    </a:p>
+                  </a:txBody>
+                  <a:tcPr marL="17140" marR="17140" marT="17140" marB="0" anchor="ctr">
+                    <a:lnL>
+                      <a:noFill/>
+                    </a:lnL>
+                    <a:lnR>
+                      <a:noFill/>
+                    </a:lnR>
+                    <a:lnT>
+                      <a:noFill/>
+                    </a:lnT>
+                    <a:lnB>
+                      <a:noFill/>
+                    </a:lnB>
+                    <a:solidFill>
+                      <a:srgbClr val="B4C6E7"/>
+                    </a:solidFill>
+                  </a:tcPr>
+                </a:tc>
+                <a:tc>
+                  <a:txBody>
+                    <a:bodyPr/>
+                    <a:lstStyle/>
+                    <a:p>
+                      <a:pPr algn="ctr" fontAlgn="ctr">
+                        <a:spcBef>
+                          <a:spcPts val="0"/>
+                        </a:spcBef>
+                        <a:spcAft>
+                          <a:spcPts val="0"/>
+                        </a:spcAft>
+                      </a:pPr>
+                      <a:r>
+                        <a:rPr lang="en-US" sz="2000" b="0" i="0" u="none" strike="noStrike" dirty="0">
+                          <a:solidFill>
+                            <a:schemeClr val="bg1"/>
+                          </a:solidFill>
+                          <a:effectLst/>
+                          <a:latin typeface="等线" panose="02010600030101010101" pitchFamily="2" charset="-122"/>
+                          <a:ea typeface="等线" panose="02010600030101010101" pitchFamily="2" charset="-122"/>
+                        </a:rPr>
+                        <a:t>8s</a:t>
+                      </a:r>
+                      <a:endParaRPr lang="en-US" altLang="zh-CN" sz="3200" b="0" i="0" u="none" strike="noStrike" dirty="0">
+                        <a:solidFill>
+                          <a:schemeClr val="bg1"/>
+                        </a:solidFill>
+                        <a:effectLst/>
+                        <a:latin typeface="Arial" panose="020B0604020202020204" pitchFamily="34" charset="0"/>
+                      </a:endParaRPr>
+                    </a:p>
+                  </a:txBody>
+                  <a:tcPr marL="17140" marR="17140" marT="17140" marB="0" anchor="ctr">
+                    <a:lnL>
+                      <a:noFill/>
+                    </a:lnL>
+                    <a:lnR>
+                      <a:noFill/>
+                    </a:lnR>
+                    <a:lnT>
+                      <a:noFill/>
+                    </a:lnT>
+                    <a:lnB>
+                      <a:noFill/>
+                    </a:lnB>
+                    <a:solidFill>
+                      <a:srgbClr val="B4C6E7"/>
+                    </a:solidFill>
+                  </a:tcPr>
+                </a:tc>
+                <a:tc>
+                  <a:txBody>
+                    <a:bodyPr/>
+                    <a:lstStyle/>
+                    <a:p>
+                      <a:pPr algn="ctr" fontAlgn="ctr">
+                        <a:spcBef>
+                          <a:spcPts val="0"/>
+                        </a:spcBef>
+                        <a:spcAft>
+                          <a:spcPts val="0"/>
+                        </a:spcAft>
+                      </a:pPr>
+                      <a:r>
+                        <a:rPr lang="en-US" sz="2000" b="0" i="0" u="none" strike="noStrike" dirty="0">
+                          <a:solidFill>
+                            <a:schemeClr val="bg1"/>
+                          </a:solidFill>
+                          <a:effectLst/>
+                          <a:latin typeface="等线" panose="02010600030101010101" pitchFamily="2" charset="-122"/>
+                          <a:ea typeface="等线" panose="02010600030101010101" pitchFamily="2" charset="-122"/>
+                        </a:rPr>
+                        <a:t>9s</a:t>
+                      </a:r>
+                      <a:endParaRPr lang="en-US" altLang="zh-CN" sz="3200" b="0" i="0" u="none" strike="noStrike" dirty="0">
+                        <a:solidFill>
+                          <a:schemeClr val="bg1"/>
+                        </a:solidFill>
+                        <a:effectLst/>
+                        <a:latin typeface="Arial" panose="020B0604020202020204" pitchFamily="34" charset="0"/>
+                      </a:endParaRPr>
+                    </a:p>
+                  </a:txBody>
+                  <a:tcPr marL="17140" marR="17140" marT="17140" marB="0" anchor="ctr">
+                    <a:lnL>
+                      <a:noFill/>
+                    </a:lnL>
+                    <a:lnR w="6350" cap="flat" cmpd="sng" algn="ctr">
+                      <a:solidFill>
+                        <a:srgbClr val="000000"/>
+                      </a:solidFill>
+                      <a:prstDash val="solid"/>
+                      <a:round/>
+                      <a:headEnd type="none" w="med" len="med"/>
+                      <a:tailEnd type="none" w="med" len="med"/>
+                    </a:lnR>
+                    <a:lnT>
+                      <a:noFill/>
+                    </a:lnT>
+                    <a:lnB>
+                      <a:noFill/>
+                    </a:lnB>
+                    <a:solidFill>
+                      <a:srgbClr val="B4C6E7"/>
+                    </a:solidFill>
+                  </a:tcPr>
+                </a:tc>
+                <a:extLst>
+                  <a:ext uri="{0D108BD9-81ED-4DB2-BD59-A6C34878D82A}">
+                    <a16:rowId xmlns:a16="http://schemas.microsoft.com/office/drawing/2014/main" val="1404555515"/>
+                  </a:ext>
+                </a:extLst>
+              </a:tr>
+              <a:tr h="384616">
+                <a:tc>
+                  <a:txBody>
+                    <a:bodyPr/>
+                    <a:lstStyle/>
+                    <a:p>
+                      <a:pPr algn="ctr" fontAlgn="ctr">
+                        <a:spcBef>
+                          <a:spcPts val="0"/>
+                        </a:spcBef>
+                        <a:spcAft>
+                          <a:spcPts val="0"/>
+                        </a:spcAft>
+                      </a:pPr>
+                      <a:r>
+                        <a:rPr lang="en-US" sz="2000" b="0" i="0" u="none" strike="noStrike">
+                          <a:solidFill>
+                            <a:srgbClr val="000000"/>
+                          </a:solidFill>
+                          <a:effectLst/>
+                          <a:latin typeface="等线" panose="02010600030101010101" pitchFamily="2" charset="-122"/>
+                          <a:ea typeface="等线" panose="02010600030101010101" pitchFamily="2" charset="-122"/>
+                        </a:rPr>
+                        <a:t>18</a:t>
+                      </a:r>
+                      <a:endParaRPr lang="en-US" altLang="zh-CN" sz="3200" b="0" i="0" u="none" strike="noStrike">
+                        <a:effectLst/>
+                        <a:latin typeface="Arial" panose="020B0604020202020204" pitchFamily="34" charset="0"/>
+                      </a:endParaRPr>
+                    </a:p>
+                  </a:txBody>
+                  <a:tcPr marL="17140" marR="17140" marT="17140" marB="0" anchor="ctr">
+                    <a:lnL w="6350" cap="flat" cmpd="sng" algn="ctr">
+                      <a:solidFill>
+                        <a:srgbClr val="000000"/>
+                      </a:solidFill>
+                      <a:prstDash val="solid"/>
+                      <a:round/>
+                      <a:headEnd type="none" w="med" len="med"/>
+                      <a:tailEnd type="none" w="med" len="med"/>
+                    </a:lnL>
+                    <a:lnR>
+                      <a:noFill/>
+                    </a:lnR>
+                    <a:lnT>
+                      <a:noFill/>
+                    </a:lnT>
+                    <a:lnB>
+                      <a:noFill/>
+                    </a:lnB>
+                  </a:tcPr>
+                </a:tc>
+                <a:tc>
+                  <a:txBody>
+                    <a:bodyPr/>
+                    <a:lstStyle/>
+                    <a:p>
+                      <a:pPr algn="ctr" fontAlgn="ctr">
+                        <a:spcBef>
+                          <a:spcPts val="0"/>
+                        </a:spcBef>
+                        <a:spcAft>
+                          <a:spcPts val="0"/>
+                        </a:spcAft>
+                      </a:pPr>
+                      <a:r>
+                        <a:rPr lang="en-US" sz="2000" b="0" i="0" u="none" strike="noStrike">
+                          <a:solidFill>
+                            <a:srgbClr val="000000"/>
+                          </a:solidFill>
+                          <a:effectLst/>
+                          <a:latin typeface="等线" panose="02010600030101010101" pitchFamily="2" charset="-122"/>
+                          <a:ea typeface="等线" panose="02010600030101010101" pitchFamily="2" charset="-122"/>
+                        </a:rPr>
+                        <a:t>19</a:t>
+                      </a:r>
+                      <a:endParaRPr lang="en-US" altLang="zh-CN" sz="3200" b="0" i="0" u="none" strike="noStrike">
+                        <a:effectLst/>
+                        <a:latin typeface="Arial" panose="020B0604020202020204" pitchFamily="34" charset="0"/>
+                      </a:endParaRPr>
+                    </a:p>
+                  </a:txBody>
+                  <a:tcPr marL="17140" marR="17140" marT="17140" marB="0" anchor="ctr">
+                    <a:lnL>
+                      <a:noFill/>
+                    </a:lnL>
+                    <a:lnR>
+                      <a:noFill/>
+                    </a:lnR>
+                    <a:lnT>
+                      <a:noFill/>
+                    </a:lnT>
+                    <a:lnB>
+                      <a:noFill/>
+                    </a:lnB>
+                  </a:tcPr>
+                </a:tc>
+                <a:tc>
+                  <a:txBody>
+                    <a:bodyPr/>
+                    <a:lstStyle/>
+                    <a:p>
+                      <a:pPr algn="ctr" fontAlgn="ctr">
+                        <a:spcBef>
+                          <a:spcPts val="0"/>
+                        </a:spcBef>
+                        <a:spcAft>
+                          <a:spcPts val="0"/>
+                        </a:spcAft>
+                      </a:pPr>
+                      <a:r>
+                        <a:rPr lang="en-US" sz="2000" b="0" i="0" u="none" strike="noStrike">
+                          <a:solidFill>
+                            <a:srgbClr val="000000"/>
+                          </a:solidFill>
+                          <a:effectLst/>
+                          <a:latin typeface="等线" panose="02010600030101010101" pitchFamily="2" charset="-122"/>
+                          <a:ea typeface="等线" panose="02010600030101010101" pitchFamily="2" charset="-122"/>
+                        </a:rPr>
+                        <a:t>20</a:t>
+                      </a:r>
+                      <a:endParaRPr lang="en-US" altLang="zh-CN" sz="3200" b="0" i="0" u="none" strike="noStrike">
+                        <a:effectLst/>
+                        <a:latin typeface="Arial" panose="020B0604020202020204" pitchFamily="34" charset="0"/>
+                      </a:endParaRPr>
+                    </a:p>
+                  </a:txBody>
+                  <a:tcPr marL="17140" marR="17140" marT="17140" marB="0" anchor="ctr">
+                    <a:lnL>
+                      <a:noFill/>
+                    </a:lnL>
+                    <a:lnR>
+                      <a:noFill/>
+                    </a:lnR>
+                    <a:lnT>
+                      <a:noFill/>
+                    </a:lnT>
+                    <a:lnB>
+                      <a:noFill/>
+                    </a:lnB>
+                  </a:tcPr>
+                </a:tc>
+                <a:tc>
+                  <a:txBody>
+                    <a:bodyPr/>
+                    <a:lstStyle/>
+                    <a:p>
+                      <a:pPr algn="ctr" fontAlgn="ctr">
+                        <a:spcBef>
+                          <a:spcPts val="0"/>
+                        </a:spcBef>
+                        <a:spcAft>
+                          <a:spcPts val="0"/>
+                        </a:spcAft>
+                      </a:pPr>
+                      <a:r>
+                        <a:rPr lang="en-US" sz="2000" b="0" i="0" u="none" strike="noStrike">
+                          <a:solidFill>
+                            <a:srgbClr val="000000"/>
+                          </a:solidFill>
+                          <a:effectLst/>
+                          <a:latin typeface="等线" panose="02010600030101010101" pitchFamily="2" charset="-122"/>
+                          <a:ea typeface="等线" panose="02010600030101010101" pitchFamily="2" charset="-122"/>
+                        </a:rPr>
+                        <a:t>21</a:t>
+                      </a:r>
+                      <a:endParaRPr lang="en-US" altLang="zh-CN" sz="3200" b="0" i="0" u="none" strike="noStrike">
+                        <a:effectLst/>
+                        <a:latin typeface="Arial" panose="020B0604020202020204" pitchFamily="34" charset="0"/>
+                      </a:endParaRPr>
+                    </a:p>
+                  </a:txBody>
+                  <a:tcPr marL="17140" marR="17140" marT="17140" marB="0" anchor="ctr">
+                    <a:lnL>
+                      <a:noFill/>
+                    </a:lnL>
+                    <a:lnR>
+                      <a:noFill/>
+                    </a:lnR>
+                    <a:lnT>
+                      <a:noFill/>
+                    </a:lnT>
+                    <a:lnB>
+                      <a:noFill/>
+                    </a:lnB>
+                  </a:tcPr>
+                </a:tc>
+                <a:tc>
+                  <a:txBody>
+                    <a:bodyPr/>
+                    <a:lstStyle/>
+                    <a:p>
+                      <a:pPr algn="ctr" fontAlgn="ctr">
+                        <a:spcBef>
+                          <a:spcPts val="0"/>
+                        </a:spcBef>
+                        <a:spcAft>
+                          <a:spcPts val="0"/>
+                        </a:spcAft>
+                      </a:pPr>
+                      <a:r>
+                        <a:rPr lang="en-US" sz="2000" b="0" i="0" u="none" strike="noStrike">
+                          <a:solidFill>
+                            <a:srgbClr val="000000"/>
+                          </a:solidFill>
+                          <a:effectLst/>
+                          <a:latin typeface="等线" panose="02010600030101010101" pitchFamily="2" charset="-122"/>
+                          <a:ea typeface="等线" panose="02010600030101010101" pitchFamily="2" charset="-122"/>
+                        </a:rPr>
+                        <a:t>22</a:t>
+                      </a:r>
+                      <a:endParaRPr lang="en-US" altLang="zh-CN" sz="3200" b="0" i="0" u="none" strike="noStrike">
+                        <a:effectLst/>
+                        <a:latin typeface="Arial" panose="020B0604020202020204" pitchFamily="34" charset="0"/>
+                      </a:endParaRPr>
+                    </a:p>
+                  </a:txBody>
+                  <a:tcPr marL="17140" marR="17140" marT="17140" marB="0" anchor="ctr">
+                    <a:lnL>
+                      <a:noFill/>
+                    </a:lnL>
+                    <a:lnR>
+                      <a:noFill/>
+                    </a:lnR>
+                    <a:lnT>
+                      <a:noFill/>
+                    </a:lnT>
+                    <a:lnB>
+                      <a:noFill/>
+                    </a:lnB>
+                  </a:tcPr>
+                </a:tc>
+                <a:tc>
+                  <a:txBody>
+                    <a:bodyPr/>
+                    <a:lstStyle/>
+                    <a:p>
+                      <a:pPr algn="ctr" fontAlgn="ctr">
+                        <a:spcBef>
+                          <a:spcPts val="0"/>
+                        </a:spcBef>
+                        <a:spcAft>
+                          <a:spcPts val="0"/>
+                        </a:spcAft>
+                      </a:pPr>
+                      <a:r>
+                        <a:rPr lang="en-US" sz="2000" b="0" i="0" u="none" strike="noStrike">
+                          <a:solidFill>
+                            <a:srgbClr val="000000"/>
+                          </a:solidFill>
+                          <a:effectLst/>
+                          <a:latin typeface="等线" panose="02010600030101010101" pitchFamily="2" charset="-122"/>
+                          <a:ea typeface="等线" panose="02010600030101010101" pitchFamily="2" charset="-122"/>
+                        </a:rPr>
+                        <a:t>23</a:t>
+                      </a:r>
+                      <a:endParaRPr lang="en-US" altLang="zh-CN" sz="3200" b="0" i="0" u="none" strike="noStrike">
+                        <a:effectLst/>
+                        <a:latin typeface="Arial" panose="020B0604020202020204" pitchFamily="34" charset="0"/>
+                      </a:endParaRPr>
+                    </a:p>
+                  </a:txBody>
+                  <a:tcPr marL="17140" marR="17140" marT="17140" marB="0" anchor="ctr">
+                    <a:lnL>
+                      <a:noFill/>
+                    </a:lnL>
+                    <a:lnR>
+                      <a:noFill/>
+                    </a:lnR>
+                    <a:lnT>
+                      <a:noFill/>
+                    </a:lnT>
+                    <a:lnB>
+                      <a:noFill/>
+                    </a:lnB>
+                  </a:tcPr>
+                </a:tc>
+                <a:tc>
+                  <a:txBody>
+                    <a:bodyPr/>
+                    <a:lstStyle/>
+                    <a:p>
+                      <a:pPr algn="ctr" fontAlgn="ctr">
+                        <a:spcBef>
+                          <a:spcPts val="0"/>
+                        </a:spcBef>
+                        <a:spcAft>
+                          <a:spcPts val="0"/>
+                        </a:spcAft>
+                      </a:pPr>
+                      <a:r>
+                        <a:rPr lang="en-US" sz="2000" b="0" i="0" u="none" strike="noStrike">
+                          <a:solidFill>
+                            <a:srgbClr val="000000"/>
+                          </a:solidFill>
+                          <a:effectLst/>
+                          <a:latin typeface="等线" panose="02010600030101010101" pitchFamily="2" charset="-122"/>
+                          <a:ea typeface="等线" panose="02010600030101010101" pitchFamily="2" charset="-122"/>
+                        </a:rPr>
+                        <a:t>24</a:t>
+                      </a:r>
+                      <a:endParaRPr lang="en-US" altLang="zh-CN" sz="3200" b="0" i="0" u="none" strike="noStrike">
+                        <a:effectLst/>
+                        <a:latin typeface="Arial" panose="020B0604020202020204" pitchFamily="34" charset="0"/>
+                      </a:endParaRPr>
+                    </a:p>
+                  </a:txBody>
+                  <a:tcPr marL="17140" marR="17140" marT="17140" marB="0" anchor="ctr">
+                    <a:lnL>
+                      <a:noFill/>
+                    </a:lnL>
+                    <a:lnR>
+                      <a:noFill/>
+                    </a:lnR>
+                    <a:lnT>
+                      <a:noFill/>
+                    </a:lnT>
+                    <a:lnB>
+                      <a:noFill/>
+                    </a:lnB>
+                  </a:tcPr>
+                </a:tc>
+                <a:tc>
+                  <a:txBody>
+                    <a:bodyPr/>
+                    <a:lstStyle/>
+                    <a:p>
+                      <a:pPr algn="ctr" fontAlgn="ctr">
+                        <a:spcBef>
+                          <a:spcPts val="0"/>
+                        </a:spcBef>
+                        <a:spcAft>
+                          <a:spcPts val="0"/>
+                        </a:spcAft>
+                      </a:pPr>
+                      <a:r>
+                        <a:rPr lang="en-US" sz="2000" b="0" i="0" u="none" strike="noStrike">
+                          <a:solidFill>
+                            <a:srgbClr val="000000"/>
+                          </a:solidFill>
+                          <a:effectLst/>
+                          <a:latin typeface="等线" panose="02010600030101010101" pitchFamily="2" charset="-122"/>
+                          <a:ea typeface="等线" panose="02010600030101010101" pitchFamily="2" charset="-122"/>
+                        </a:rPr>
+                        <a:t>25</a:t>
+                      </a:r>
+                      <a:endParaRPr lang="en-US" altLang="zh-CN" sz="3200" b="0" i="0" u="none" strike="noStrike">
+                        <a:effectLst/>
+                        <a:latin typeface="Arial" panose="020B0604020202020204" pitchFamily="34" charset="0"/>
+                      </a:endParaRPr>
+                    </a:p>
+                  </a:txBody>
+                  <a:tcPr marL="17140" marR="17140" marT="17140" marB="0" anchor="ctr">
+                    <a:lnL>
+                      <a:noFill/>
+                    </a:lnL>
+                    <a:lnR>
+                      <a:noFill/>
+                    </a:lnR>
+                    <a:lnT>
+                      <a:noFill/>
+                    </a:lnT>
+                    <a:lnB>
+                      <a:noFill/>
+                    </a:lnB>
+                  </a:tcPr>
+                </a:tc>
+                <a:tc>
+                  <a:txBody>
+                    <a:bodyPr/>
+                    <a:lstStyle/>
+                    <a:p>
+                      <a:pPr algn="ctr" fontAlgn="ctr">
+                        <a:spcBef>
+                          <a:spcPts val="0"/>
+                        </a:spcBef>
+                        <a:spcAft>
+                          <a:spcPts val="0"/>
+                        </a:spcAft>
+                      </a:pPr>
+                      <a:r>
+                        <a:rPr lang="en-US" sz="2000" b="0" i="0" u="none" strike="noStrike">
+                          <a:solidFill>
+                            <a:srgbClr val="000000"/>
+                          </a:solidFill>
+                          <a:effectLst/>
+                          <a:latin typeface="等线" panose="02010600030101010101" pitchFamily="2" charset="-122"/>
+                          <a:ea typeface="等线" panose="02010600030101010101" pitchFamily="2" charset="-122"/>
+                        </a:rPr>
+                        <a:t>26</a:t>
+                      </a:r>
+                      <a:endParaRPr lang="en-US" altLang="zh-CN" sz="3200" b="0" i="0" u="none" strike="noStrike">
+                        <a:effectLst/>
+                        <a:latin typeface="Arial" panose="020B0604020202020204" pitchFamily="34" charset="0"/>
+                      </a:endParaRPr>
+                    </a:p>
+                  </a:txBody>
+                  <a:tcPr marL="17140" marR="17140" marT="17140" marB="0" anchor="ctr">
+                    <a:lnL>
+                      <a:noFill/>
+                    </a:lnL>
+                    <a:lnR w="6350" cap="flat" cmpd="sng" algn="ctr">
+                      <a:solidFill>
+                        <a:srgbClr val="000000"/>
+                      </a:solidFill>
+                      <a:prstDash val="solid"/>
+                      <a:round/>
+                      <a:headEnd type="none" w="med" len="med"/>
+                      <a:tailEnd type="none" w="med" len="med"/>
+                    </a:lnR>
+                    <a:lnT>
+                      <a:noFill/>
+                    </a:lnT>
+                    <a:lnB>
+                      <a:noFill/>
+                    </a:lnB>
+                  </a:tcPr>
+                </a:tc>
+                <a:extLst>
+                  <a:ext uri="{0D108BD9-81ED-4DB2-BD59-A6C34878D82A}">
+                    <a16:rowId xmlns:a16="http://schemas.microsoft.com/office/drawing/2014/main" val="660621086"/>
+                  </a:ext>
+                </a:extLst>
+              </a:tr>
+              <a:tr h="384616">
+                <a:tc>
+                  <a:txBody>
+                    <a:bodyPr/>
+                    <a:lstStyle/>
+                    <a:p>
+                      <a:pPr algn="ctr" fontAlgn="ctr">
+                        <a:spcBef>
+                          <a:spcPts val="0"/>
+                        </a:spcBef>
+                        <a:spcAft>
+                          <a:spcPts val="0"/>
+                        </a:spcAft>
+                      </a:pPr>
+                      <a:r>
+                        <a:rPr lang="en-US" sz="2000" b="0" i="0" u="none" strike="noStrike" dirty="0">
+                          <a:solidFill>
+                            <a:schemeClr val="bg1"/>
+                          </a:solidFill>
+                          <a:effectLst/>
+                          <a:latin typeface="等线" panose="02010600030101010101" pitchFamily="2" charset="-122"/>
+                          <a:ea typeface="等线" panose="02010600030101010101" pitchFamily="2" charset="-122"/>
+                        </a:rPr>
+                        <a:t>East</a:t>
+                      </a:r>
+                      <a:endParaRPr lang="en-US" altLang="zh-CN" sz="3200" b="0" i="0" u="none" strike="noStrike" dirty="0">
+                        <a:solidFill>
+                          <a:schemeClr val="bg1"/>
+                        </a:solidFill>
+                        <a:effectLst/>
+                        <a:latin typeface="Arial" panose="020B0604020202020204" pitchFamily="34" charset="0"/>
+                      </a:endParaRPr>
+                    </a:p>
+                  </a:txBody>
+                  <a:tcPr marL="17140" marR="17140" marT="17140" marB="0" anchor="ctr">
+                    <a:lnL w="6350" cap="flat" cmpd="sng" algn="ctr">
+                      <a:solidFill>
+                        <a:srgbClr val="000000"/>
+                      </a:solidFill>
+                      <a:prstDash val="solid"/>
+                      <a:round/>
+                      <a:headEnd type="none" w="med" len="med"/>
+                      <a:tailEnd type="none" w="med" len="med"/>
+                    </a:lnL>
+                    <a:lnR>
+                      <a:noFill/>
+                    </a:lnR>
+                    <a:lnT>
+                      <a:noFill/>
+                    </a:lnT>
+                    <a:lnB>
+                      <a:noFill/>
+                    </a:lnB>
+                    <a:solidFill>
+                      <a:srgbClr val="B4C6E7"/>
+                    </a:solidFill>
+                  </a:tcPr>
+                </a:tc>
+                <a:tc>
+                  <a:txBody>
+                    <a:bodyPr/>
+                    <a:lstStyle/>
+                    <a:p>
+                      <a:pPr algn="ctr" fontAlgn="ctr">
+                        <a:spcBef>
+                          <a:spcPts val="0"/>
+                        </a:spcBef>
+                        <a:spcAft>
+                          <a:spcPts val="0"/>
+                        </a:spcAft>
+                      </a:pPr>
+                      <a:r>
+                        <a:rPr lang="en-US" sz="2000" b="0" i="0" u="none" strike="noStrike" dirty="0">
+                          <a:solidFill>
+                            <a:schemeClr val="bg1"/>
+                          </a:solidFill>
+                          <a:effectLst/>
+                          <a:latin typeface="等线" panose="02010600030101010101" pitchFamily="2" charset="-122"/>
+                          <a:ea typeface="等线" panose="02010600030101010101" pitchFamily="2" charset="-122"/>
+                        </a:rPr>
+                        <a:t>South</a:t>
+                      </a:r>
+                      <a:endParaRPr lang="en-US" altLang="zh-CN" sz="3200" b="0" i="0" u="none" strike="noStrike" dirty="0">
+                        <a:solidFill>
+                          <a:schemeClr val="bg1"/>
+                        </a:solidFill>
+                        <a:effectLst/>
+                        <a:latin typeface="Arial" panose="020B0604020202020204" pitchFamily="34" charset="0"/>
+                      </a:endParaRPr>
+                    </a:p>
+                  </a:txBody>
+                  <a:tcPr marL="17140" marR="17140" marT="17140" marB="0" anchor="ctr">
+                    <a:lnL>
+                      <a:noFill/>
+                    </a:lnL>
+                    <a:lnR>
+                      <a:noFill/>
+                    </a:lnR>
+                    <a:lnT>
+                      <a:noFill/>
+                    </a:lnT>
+                    <a:lnB>
+                      <a:noFill/>
+                    </a:lnB>
+                    <a:solidFill>
+                      <a:srgbClr val="B4C6E7"/>
+                    </a:solidFill>
+                  </a:tcPr>
+                </a:tc>
+                <a:tc>
+                  <a:txBody>
+                    <a:bodyPr/>
+                    <a:lstStyle/>
+                    <a:p>
+                      <a:pPr algn="ctr" fontAlgn="ctr">
+                        <a:spcBef>
+                          <a:spcPts val="0"/>
+                        </a:spcBef>
+                        <a:spcAft>
+                          <a:spcPts val="0"/>
+                        </a:spcAft>
+                      </a:pPr>
+                      <a:r>
+                        <a:rPr lang="en-US" sz="2000" b="0" i="0" u="none" strike="noStrike" dirty="0">
+                          <a:solidFill>
+                            <a:schemeClr val="bg1"/>
+                          </a:solidFill>
+                          <a:effectLst/>
+                          <a:latin typeface="等线" panose="02010600030101010101" pitchFamily="2" charset="-122"/>
+                          <a:ea typeface="等线" panose="02010600030101010101" pitchFamily="2" charset="-122"/>
+                        </a:rPr>
+                        <a:t>West</a:t>
+                      </a:r>
+                      <a:endParaRPr lang="en-US" altLang="zh-CN" sz="3200" b="0" i="0" u="none" strike="noStrike" dirty="0">
+                        <a:solidFill>
+                          <a:schemeClr val="bg1"/>
+                        </a:solidFill>
+                        <a:effectLst/>
+                        <a:latin typeface="Arial" panose="020B0604020202020204" pitchFamily="34" charset="0"/>
+                      </a:endParaRPr>
+                    </a:p>
+                  </a:txBody>
+                  <a:tcPr marL="17140" marR="17140" marT="17140" marB="0" anchor="ctr">
+                    <a:lnL>
+                      <a:noFill/>
+                    </a:lnL>
+                    <a:lnR>
+                      <a:noFill/>
+                    </a:lnR>
+                    <a:lnT>
+                      <a:noFill/>
+                    </a:lnT>
+                    <a:lnB>
+                      <a:noFill/>
+                    </a:lnB>
+                    <a:solidFill>
+                      <a:srgbClr val="B4C6E7"/>
+                    </a:solidFill>
+                  </a:tcPr>
+                </a:tc>
+                <a:tc>
+                  <a:txBody>
+                    <a:bodyPr/>
+                    <a:lstStyle/>
+                    <a:p>
+                      <a:pPr algn="ctr" fontAlgn="ctr">
+                        <a:spcBef>
+                          <a:spcPts val="0"/>
+                        </a:spcBef>
+                        <a:spcAft>
+                          <a:spcPts val="0"/>
+                        </a:spcAft>
+                      </a:pPr>
+                      <a:r>
+                        <a:rPr lang="en-US" sz="2000" b="0" i="0" u="none" strike="noStrike" dirty="0">
+                          <a:solidFill>
+                            <a:schemeClr val="bg1"/>
+                          </a:solidFill>
+                          <a:effectLst/>
+                          <a:latin typeface="等线" panose="02010600030101010101" pitchFamily="2" charset="-122"/>
+                          <a:ea typeface="等线" panose="02010600030101010101" pitchFamily="2" charset="-122"/>
+                        </a:rPr>
+                        <a:t>North</a:t>
+                      </a:r>
+                      <a:endParaRPr lang="en-US" altLang="zh-CN" sz="3200" b="0" i="0" u="none" strike="noStrike" dirty="0">
+                        <a:solidFill>
+                          <a:schemeClr val="bg1"/>
+                        </a:solidFill>
+                        <a:effectLst/>
+                        <a:latin typeface="Arial" panose="020B0604020202020204" pitchFamily="34" charset="0"/>
+                      </a:endParaRPr>
+                    </a:p>
+                  </a:txBody>
+                  <a:tcPr marL="17140" marR="17140" marT="17140" marB="0" anchor="ctr">
+                    <a:lnL>
+                      <a:noFill/>
+                    </a:lnL>
+                    <a:lnR>
+                      <a:noFill/>
+                    </a:lnR>
+                    <a:lnT>
+                      <a:noFill/>
+                    </a:lnT>
+                    <a:lnB>
+                      <a:noFill/>
+                    </a:lnB>
+                    <a:solidFill>
+                      <a:srgbClr val="B4C6E7"/>
+                    </a:solidFill>
+                  </a:tcPr>
+                </a:tc>
+                <a:tc>
+                  <a:txBody>
+                    <a:bodyPr/>
+                    <a:lstStyle/>
+                    <a:p>
+                      <a:pPr algn="ctr" fontAlgn="ctr">
+                        <a:spcBef>
+                          <a:spcPts val="0"/>
+                        </a:spcBef>
+                        <a:spcAft>
+                          <a:spcPts val="0"/>
+                        </a:spcAft>
+                      </a:pPr>
+                      <a:r>
+                        <a:rPr lang="en-US" sz="2000" b="0" i="0" u="none" strike="noStrike" dirty="0">
+                          <a:solidFill>
+                            <a:schemeClr val="bg1"/>
+                          </a:solidFill>
+                          <a:effectLst/>
+                          <a:latin typeface="等线" panose="02010600030101010101" pitchFamily="2" charset="-122"/>
+                          <a:ea typeface="等线" panose="02010600030101010101" pitchFamily="2" charset="-122"/>
+                        </a:rPr>
+                        <a:t>Haku</a:t>
+                      </a:r>
+                      <a:endParaRPr lang="en-US" altLang="zh-CN" sz="3200" b="0" i="0" u="none" strike="noStrike" dirty="0">
+                        <a:solidFill>
+                          <a:schemeClr val="bg1"/>
+                        </a:solidFill>
+                        <a:effectLst/>
+                        <a:latin typeface="Arial" panose="020B0604020202020204" pitchFamily="34" charset="0"/>
+                      </a:endParaRPr>
+                    </a:p>
+                  </a:txBody>
+                  <a:tcPr marL="17140" marR="17140" marT="17140" marB="0" anchor="ctr">
+                    <a:lnL>
+                      <a:noFill/>
+                    </a:lnL>
+                    <a:lnR>
+                      <a:noFill/>
+                    </a:lnR>
+                    <a:lnT>
+                      <a:noFill/>
+                    </a:lnT>
+                    <a:lnB>
+                      <a:noFill/>
+                    </a:lnB>
+                    <a:solidFill>
+                      <a:srgbClr val="B4C6E7"/>
+                    </a:solidFill>
+                  </a:tcPr>
+                </a:tc>
+                <a:tc>
+                  <a:txBody>
+                    <a:bodyPr/>
+                    <a:lstStyle/>
+                    <a:p>
+                      <a:pPr algn="ctr" fontAlgn="ctr">
+                        <a:spcBef>
+                          <a:spcPts val="0"/>
+                        </a:spcBef>
+                        <a:spcAft>
+                          <a:spcPts val="0"/>
+                        </a:spcAft>
+                      </a:pPr>
+                      <a:r>
+                        <a:rPr lang="en-US" sz="2000" b="0" i="0" u="none" strike="noStrike" dirty="0" err="1">
+                          <a:solidFill>
+                            <a:schemeClr val="bg1"/>
+                          </a:solidFill>
+                          <a:effectLst/>
+                          <a:latin typeface="等线" panose="02010600030101010101" pitchFamily="2" charset="-122"/>
+                          <a:ea typeface="等线" panose="02010600030101010101" pitchFamily="2" charset="-122"/>
+                        </a:rPr>
+                        <a:t>Hatsu</a:t>
+                      </a:r>
+                      <a:endParaRPr lang="en-US" altLang="zh-CN" sz="3200" b="0" i="0" u="none" strike="noStrike" dirty="0">
+                        <a:solidFill>
+                          <a:schemeClr val="bg1"/>
+                        </a:solidFill>
+                        <a:effectLst/>
+                        <a:latin typeface="Arial" panose="020B0604020202020204" pitchFamily="34" charset="0"/>
+                      </a:endParaRPr>
+                    </a:p>
+                  </a:txBody>
+                  <a:tcPr marL="17140" marR="17140" marT="17140" marB="0" anchor="ctr">
+                    <a:lnL>
+                      <a:noFill/>
+                    </a:lnL>
+                    <a:lnR>
+                      <a:noFill/>
+                    </a:lnR>
+                    <a:lnT>
+                      <a:noFill/>
+                    </a:lnT>
+                    <a:lnB>
+                      <a:noFill/>
+                    </a:lnB>
+                    <a:solidFill>
+                      <a:srgbClr val="B4C6E7"/>
+                    </a:solidFill>
+                  </a:tcPr>
+                </a:tc>
+                <a:tc>
+                  <a:txBody>
+                    <a:bodyPr/>
+                    <a:lstStyle/>
+                    <a:p>
+                      <a:pPr algn="ctr" fontAlgn="ctr">
+                        <a:spcBef>
+                          <a:spcPts val="0"/>
+                        </a:spcBef>
+                        <a:spcAft>
+                          <a:spcPts val="0"/>
+                        </a:spcAft>
+                      </a:pPr>
+                      <a:r>
+                        <a:rPr lang="en-US" sz="2000" b="0" i="0" u="none" strike="noStrike" dirty="0">
+                          <a:solidFill>
+                            <a:schemeClr val="bg1"/>
+                          </a:solidFill>
+                          <a:effectLst/>
+                          <a:latin typeface="等线" panose="02010600030101010101" pitchFamily="2" charset="-122"/>
+                          <a:ea typeface="等线" panose="02010600030101010101" pitchFamily="2" charset="-122"/>
+                        </a:rPr>
+                        <a:t>Chu</a:t>
+                      </a:r>
+                      <a:endParaRPr lang="en-US" altLang="zh-CN" sz="3200" b="0" i="0" u="none" strike="noStrike" dirty="0">
+                        <a:solidFill>
+                          <a:schemeClr val="bg1"/>
+                        </a:solidFill>
+                        <a:effectLst/>
+                        <a:latin typeface="Arial" panose="020B0604020202020204" pitchFamily="34" charset="0"/>
+                      </a:endParaRPr>
+                    </a:p>
+                  </a:txBody>
+                  <a:tcPr marL="17140" marR="17140" marT="17140" marB="0" anchor="ctr">
+                    <a:lnL>
+                      <a:noFill/>
+                    </a:lnL>
+                    <a:lnR>
+                      <a:noFill/>
+                    </a:lnR>
+                    <a:lnT>
+                      <a:noFill/>
+                    </a:lnT>
+                    <a:lnB>
+                      <a:noFill/>
+                    </a:lnB>
+                    <a:solidFill>
+                      <a:srgbClr val="B4C6E7"/>
+                    </a:solidFill>
+                  </a:tcPr>
+                </a:tc>
+                <a:tc>
+                  <a:txBody>
+                    <a:bodyPr/>
+                    <a:lstStyle/>
+                    <a:p>
+                      <a:pPr algn="ctr" fontAlgn="ctr">
+                        <a:spcBef>
+                          <a:spcPts val="0"/>
+                        </a:spcBef>
+                        <a:spcAft>
+                          <a:spcPts val="0"/>
+                        </a:spcAft>
+                      </a:pPr>
+                      <a:endParaRPr lang="zh-CN" altLang="en-US" sz="3200" b="0" i="0" u="none" strike="noStrike">
+                        <a:effectLst/>
+                        <a:latin typeface="Arial" panose="020B0604020202020204" pitchFamily="34" charset="0"/>
+                      </a:endParaRPr>
+                    </a:p>
+                  </a:txBody>
+                  <a:tcPr marL="17140" marR="17140" marT="17140" marB="0" anchor="ctr">
+                    <a:lnL>
+                      <a:noFill/>
+                    </a:lnL>
+                    <a:lnR>
+                      <a:noFill/>
+                    </a:lnR>
+                    <a:lnT>
+                      <a:noFill/>
+                    </a:lnT>
+                    <a:lnB>
+                      <a:noFill/>
+                    </a:lnB>
+                  </a:tcPr>
+                </a:tc>
+                <a:tc>
+                  <a:txBody>
+                    <a:bodyPr/>
+                    <a:lstStyle/>
+                    <a:p>
+                      <a:pPr algn="ctr" fontAlgn="ctr">
+                        <a:spcBef>
+                          <a:spcPts val="0"/>
+                        </a:spcBef>
+                        <a:spcAft>
+                          <a:spcPts val="0"/>
+                        </a:spcAft>
+                      </a:pPr>
+                      <a:r>
+                        <a:rPr lang="en-US" altLang="zh-CN" sz="2000" b="0" i="0" u="none" strike="noStrike" dirty="0">
+                          <a:solidFill>
+                            <a:srgbClr val="000000"/>
+                          </a:solidFill>
+                          <a:effectLst/>
+                          <a:latin typeface="等线" panose="02010600030101010101" pitchFamily="2" charset="-122"/>
+                          <a:ea typeface="等线" panose="02010600030101010101" pitchFamily="2" charset="-122"/>
+                        </a:rPr>
+                        <a:t>Escape</a:t>
+                      </a:r>
+                      <a:r>
+                        <a:rPr lang="zh-CN" altLang="en-US" sz="2000" b="0" i="0" u="none" strike="noStrike" dirty="0">
+                          <a:solidFill>
+                            <a:srgbClr val="000000"/>
+                          </a:solidFill>
+                          <a:effectLst/>
+                          <a:latin typeface="等线" panose="02010600030101010101" pitchFamily="2" charset="-122"/>
+                          <a:ea typeface="等线" panose="02010600030101010101" pitchFamily="2" charset="-122"/>
+                        </a:rPr>
+                        <a:t>　</a:t>
+                      </a:r>
+                      <a:endParaRPr lang="zh-CN" altLang="en-US" sz="3200" b="0" i="0" u="none" strike="noStrike" dirty="0">
+                        <a:effectLst/>
+                        <a:latin typeface="Arial" panose="020B0604020202020204" pitchFamily="34" charset="0"/>
+                      </a:endParaRPr>
+                    </a:p>
+                  </a:txBody>
+                  <a:tcPr marL="17140" marR="17140" marT="17140" marB="0" anchor="ctr">
+                    <a:lnL>
+                      <a:noFill/>
+                    </a:lnL>
+                    <a:lnR w="6350" cap="flat" cmpd="sng" algn="ctr">
+                      <a:solidFill>
+                        <a:srgbClr val="000000"/>
+                      </a:solidFill>
+                      <a:prstDash val="solid"/>
+                      <a:round/>
+                      <a:headEnd type="none" w="med" len="med"/>
+                      <a:tailEnd type="none" w="med" len="med"/>
+                    </a:lnR>
+                    <a:lnT>
+                      <a:noFill/>
+                    </a:lnT>
+                    <a:lnB>
+                      <a:noFill/>
+                    </a:lnB>
+                    <a:solidFill>
+                      <a:schemeClr val="accent1">
+                        <a:lumMod val="60000"/>
+                        <a:lumOff val="40000"/>
+                      </a:schemeClr>
+                    </a:solidFill>
+                  </a:tcPr>
+                </a:tc>
+                <a:extLst>
+                  <a:ext uri="{0D108BD9-81ED-4DB2-BD59-A6C34878D82A}">
+                    <a16:rowId xmlns:a16="http://schemas.microsoft.com/office/drawing/2014/main" val="2527750556"/>
+                  </a:ext>
+                </a:extLst>
+              </a:tr>
+              <a:tr h="384616">
+                <a:tc>
+                  <a:txBody>
+                    <a:bodyPr/>
+                    <a:lstStyle/>
+                    <a:p>
+                      <a:pPr algn="ctr" fontAlgn="ctr">
+                        <a:spcBef>
+                          <a:spcPts val="0"/>
+                        </a:spcBef>
+                        <a:spcAft>
+                          <a:spcPts val="0"/>
+                        </a:spcAft>
+                      </a:pPr>
+                      <a:r>
+                        <a:rPr lang="en-US" sz="2000" b="0" i="0" u="none" strike="noStrike">
+                          <a:solidFill>
+                            <a:srgbClr val="000000"/>
+                          </a:solidFill>
+                          <a:effectLst/>
+                          <a:latin typeface="等线" panose="02010600030101010101" pitchFamily="2" charset="-122"/>
+                          <a:ea typeface="等线" panose="02010600030101010101" pitchFamily="2" charset="-122"/>
+                        </a:rPr>
+                        <a:t>27</a:t>
+                      </a:r>
+                      <a:endParaRPr lang="en-US" altLang="zh-CN" sz="3200" b="0" i="0" u="none" strike="noStrike">
+                        <a:effectLst/>
+                        <a:latin typeface="Arial" panose="020B0604020202020204" pitchFamily="34" charset="0"/>
+                      </a:endParaRPr>
+                    </a:p>
+                  </a:txBody>
+                  <a:tcPr marL="17140" marR="17140" marT="17140" marB="0" anchor="ctr">
+                    <a:lnL w="6350" cap="flat" cmpd="sng" algn="ctr">
+                      <a:solidFill>
+                        <a:srgbClr val="000000"/>
+                      </a:solidFill>
+                      <a:prstDash val="solid"/>
+                      <a:round/>
+                      <a:headEnd type="none" w="med" len="med"/>
+                      <a:tailEnd type="none" w="med" len="med"/>
+                    </a:lnL>
+                    <a:lnR>
+                      <a:noFill/>
+                    </a:lnR>
+                    <a:lnT>
+                      <a:noFill/>
+                    </a:lnT>
+                    <a:lnB>
+                      <a:noFill/>
+                    </a:lnB>
+                  </a:tcPr>
+                </a:tc>
+                <a:tc>
+                  <a:txBody>
+                    <a:bodyPr/>
+                    <a:lstStyle/>
+                    <a:p>
+                      <a:pPr algn="ctr" fontAlgn="ctr">
+                        <a:spcBef>
+                          <a:spcPts val="0"/>
+                        </a:spcBef>
+                        <a:spcAft>
+                          <a:spcPts val="0"/>
+                        </a:spcAft>
+                      </a:pPr>
+                      <a:r>
+                        <a:rPr lang="en-US" sz="2000" b="0" i="0" u="none" strike="noStrike">
+                          <a:solidFill>
+                            <a:srgbClr val="000000"/>
+                          </a:solidFill>
+                          <a:effectLst/>
+                          <a:latin typeface="等线" panose="02010600030101010101" pitchFamily="2" charset="-122"/>
+                          <a:ea typeface="等线" panose="02010600030101010101" pitchFamily="2" charset="-122"/>
+                        </a:rPr>
+                        <a:t>28</a:t>
+                      </a:r>
+                      <a:endParaRPr lang="en-US" altLang="zh-CN" sz="3200" b="0" i="0" u="none" strike="noStrike">
+                        <a:effectLst/>
+                        <a:latin typeface="Arial" panose="020B0604020202020204" pitchFamily="34" charset="0"/>
+                      </a:endParaRPr>
+                    </a:p>
+                  </a:txBody>
+                  <a:tcPr marL="17140" marR="17140" marT="17140" marB="0" anchor="ctr">
+                    <a:lnL>
+                      <a:noFill/>
+                    </a:lnL>
+                    <a:lnR>
+                      <a:noFill/>
+                    </a:lnR>
+                    <a:lnT>
+                      <a:noFill/>
+                    </a:lnT>
+                    <a:lnB>
+                      <a:noFill/>
+                    </a:lnB>
+                  </a:tcPr>
+                </a:tc>
+                <a:tc>
+                  <a:txBody>
+                    <a:bodyPr/>
+                    <a:lstStyle/>
+                    <a:p>
+                      <a:pPr algn="ctr" fontAlgn="ctr">
+                        <a:spcBef>
+                          <a:spcPts val="0"/>
+                        </a:spcBef>
+                        <a:spcAft>
+                          <a:spcPts val="0"/>
+                        </a:spcAft>
+                      </a:pPr>
+                      <a:r>
+                        <a:rPr lang="en-US" sz="2000" b="0" i="0" u="none" strike="noStrike">
+                          <a:solidFill>
+                            <a:srgbClr val="000000"/>
+                          </a:solidFill>
+                          <a:effectLst/>
+                          <a:latin typeface="等线" panose="02010600030101010101" pitchFamily="2" charset="-122"/>
+                          <a:ea typeface="等线" panose="02010600030101010101" pitchFamily="2" charset="-122"/>
+                        </a:rPr>
+                        <a:t>29</a:t>
+                      </a:r>
+                      <a:endParaRPr lang="en-US" altLang="zh-CN" sz="3200" b="0" i="0" u="none" strike="noStrike">
+                        <a:effectLst/>
+                        <a:latin typeface="Arial" panose="020B0604020202020204" pitchFamily="34" charset="0"/>
+                      </a:endParaRPr>
+                    </a:p>
+                  </a:txBody>
+                  <a:tcPr marL="17140" marR="17140" marT="17140" marB="0" anchor="ctr">
+                    <a:lnL>
+                      <a:noFill/>
+                    </a:lnL>
+                    <a:lnR>
+                      <a:noFill/>
+                    </a:lnR>
+                    <a:lnT>
+                      <a:noFill/>
+                    </a:lnT>
+                    <a:lnB>
+                      <a:noFill/>
+                    </a:lnB>
+                  </a:tcPr>
+                </a:tc>
+                <a:tc>
+                  <a:txBody>
+                    <a:bodyPr/>
+                    <a:lstStyle/>
+                    <a:p>
+                      <a:pPr algn="ctr" fontAlgn="ctr">
+                        <a:spcBef>
+                          <a:spcPts val="0"/>
+                        </a:spcBef>
+                        <a:spcAft>
+                          <a:spcPts val="0"/>
+                        </a:spcAft>
+                      </a:pPr>
+                      <a:r>
+                        <a:rPr lang="en-US" sz="2000" b="0" i="0" u="none" strike="noStrike">
+                          <a:solidFill>
+                            <a:srgbClr val="000000"/>
+                          </a:solidFill>
+                          <a:effectLst/>
+                          <a:latin typeface="等线" panose="02010600030101010101" pitchFamily="2" charset="-122"/>
+                          <a:ea typeface="等线" panose="02010600030101010101" pitchFamily="2" charset="-122"/>
+                        </a:rPr>
+                        <a:t>30</a:t>
+                      </a:r>
+                      <a:endParaRPr lang="en-US" altLang="zh-CN" sz="3200" b="0" i="0" u="none" strike="noStrike">
+                        <a:effectLst/>
+                        <a:latin typeface="Arial" panose="020B0604020202020204" pitchFamily="34" charset="0"/>
+                      </a:endParaRPr>
+                    </a:p>
+                  </a:txBody>
+                  <a:tcPr marL="17140" marR="17140" marT="17140" marB="0" anchor="ctr">
+                    <a:lnL>
+                      <a:noFill/>
+                    </a:lnL>
+                    <a:lnR>
+                      <a:noFill/>
+                    </a:lnR>
+                    <a:lnT>
+                      <a:noFill/>
+                    </a:lnT>
+                    <a:lnB>
+                      <a:noFill/>
+                    </a:lnB>
+                  </a:tcPr>
+                </a:tc>
+                <a:tc>
+                  <a:txBody>
+                    <a:bodyPr/>
+                    <a:lstStyle/>
+                    <a:p>
+                      <a:pPr algn="ctr" fontAlgn="ctr">
+                        <a:spcBef>
+                          <a:spcPts val="0"/>
+                        </a:spcBef>
+                        <a:spcAft>
+                          <a:spcPts val="0"/>
+                        </a:spcAft>
+                      </a:pPr>
+                      <a:r>
+                        <a:rPr lang="en-US" sz="2000" b="0" i="0" u="none" strike="noStrike">
+                          <a:solidFill>
+                            <a:srgbClr val="000000"/>
+                          </a:solidFill>
+                          <a:effectLst/>
+                          <a:latin typeface="等线" panose="02010600030101010101" pitchFamily="2" charset="-122"/>
+                          <a:ea typeface="等线" panose="02010600030101010101" pitchFamily="2" charset="-122"/>
+                        </a:rPr>
+                        <a:t>31</a:t>
+                      </a:r>
+                      <a:endParaRPr lang="en-US" altLang="zh-CN" sz="3200" b="0" i="0" u="none" strike="noStrike">
+                        <a:effectLst/>
+                        <a:latin typeface="Arial" panose="020B0604020202020204" pitchFamily="34" charset="0"/>
+                      </a:endParaRPr>
+                    </a:p>
+                  </a:txBody>
+                  <a:tcPr marL="17140" marR="17140" marT="17140" marB="0" anchor="ctr">
+                    <a:lnL>
+                      <a:noFill/>
+                    </a:lnL>
+                    <a:lnR>
+                      <a:noFill/>
+                    </a:lnR>
+                    <a:lnT>
+                      <a:noFill/>
+                    </a:lnT>
+                    <a:lnB>
+                      <a:noFill/>
+                    </a:lnB>
+                  </a:tcPr>
+                </a:tc>
+                <a:tc>
+                  <a:txBody>
+                    <a:bodyPr/>
+                    <a:lstStyle/>
+                    <a:p>
+                      <a:pPr algn="ctr" fontAlgn="ctr">
+                        <a:spcBef>
+                          <a:spcPts val="0"/>
+                        </a:spcBef>
+                        <a:spcAft>
+                          <a:spcPts val="0"/>
+                        </a:spcAft>
+                      </a:pPr>
+                      <a:r>
+                        <a:rPr lang="en-US" sz="2000" b="0" i="0" u="none" strike="noStrike">
+                          <a:solidFill>
+                            <a:srgbClr val="000000"/>
+                          </a:solidFill>
+                          <a:effectLst/>
+                          <a:latin typeface="等线" panose="02010600030101010101" pitchFamily="2" charset="-122"/>
+                          <a:ea typeface="等线" panose="02010600030101010101" pitchFamily="2" charset="-122"/>
+                        </a:rPr>
+                        <a:t>32</a:t>
+                      </a:r>
+                      <a:endParaRPr lang="en-US" altLang="zh-CN" sz="3200" b="0" i="0" u="none" strike="noStrike">
+                        <a:effectLst/>
+                        <a:latin typeface="Arial" panose="020B0604020202020204" pitchFamily="34" charset="0"/>
+                      </a:endParaRPr>
+                    </a:p>
+                  </a:txBody>
+                  <a:tcPr marL="17140" marR="17140" marT="17140" marB="0" anchor="ctr">
+                    <a:lnL>
+                      <a:noFill/>
+                    </a:lnL>
+                    <a:lnR>
+                      <a:noFill/>
+                    </a:lnR>
+                    <a:lnT>
+                      <a:noFill/>
+                    </a:lnT>
+                    <a:lnB>
+                      <a:noFill/>
+                    </a:lnB>
+                  </a:tcPr>
+                </a:tc>
+                <a:tc>
+                  <a:txBody>
+                    <a:bodyPr/>
+                    <a:lstStyle/>
+                    <a:p>
+                      <a:pPr algn="ctr" fontAlgn="ctr">
+                        <a:spcBef>
+                          <a:spcPts val="0"/>
+                        </a:spcBef>
+                        <a:spcAft>
+                          <a:spcPts val="0"/>
+                        </a:spcAft>
+                      </a:pPr>
+                      <a:r>
+                        <a:rPr lang="en-US" sz="2000" b="0" i="0" u="none" strike="noStrike">
+                          <a:solidFill>
+                            <a:srgbClr val="000000"/>
+                          </a:solidFill>
+                          <a:effectLst/>
+                          <a:latin typeface="等线" panose="02010600030101010101" pitchFamily="2" charset="-122"/>
+                          <a:ea typeface="等线" panose="02010600030101010101" pitchFamily="2" charset="-122"/>
+                        </a:rPr>
+                        <a:t>33</a:t>
+                      </a:r>
+                      <a:endParaRPr lang="en-US" altLang="zh-CN" sz="3200" b="0" i="0" u="none" strike="noStrike">
+                        <a:effectLst/>
+                        <a:latin typeface="Arial" panose="020B0604020202020204" pitchFamily="34" charset="0"/>
+                      </a:endParaRPr>
+                    </a:p>
+                  </a:txBody>
+                  <a:tcPr marL="17140" marR="17140" marT="17140" marB="0" anchor="ctr">
+                    <a:lnL>
+                      <a:noFill/>
+                    </a:lnL>
+                    <a:lnR>
+                      <a:noFill/>
+                    </a:lnR>
+                    <a:lnT>
+                      <a:noFill/>
+                    </a:lnT>
+                    <a:lnB>
+                      <a:noFill/>
+                    </a:lnB>
+                  </a:tcPr>
+                </a:tc>
+                <a:tc>
+                  <a:txBody>
+                    <a:bodyPr/>
+                    <a:lstStyle/>
+                    <a:p>
+                      <a:pPr algn="ctr" fontAlgn="ctr">
+                        <a:spcBef>
+                          <a:spcPts val="0"/>
+                        </a:spcBef>
+                        <a:spcAft>
+                          <a:spcPts val="0"/>
+                        </a:spcAft>
+                      </a:pPr>
+                      <a:endParaRPr lang="zh-CN" altLang="en-US" sz="3200" b="0" i="0" u="none" strike="noStrike">
+                        <a:effectLst/>
+                        <a:latin typeface="Arial" panose="020B0604020202020204" pitchFamily="34" charset="0"/>
+                      </a:endParaRPr>
+                    </a:p>
+                  </a:txBody>
+                  <a:tcPr marL="17140" marR="17140" marT="17140" marB="0" anchor="ctr">
+                    <a:lnL>
+                      <a:noFill/>
+                    </a:lnL>
+                    <a:lnR>
+                      <a:noFill/>
+                    </a:lnR>
+                    <a:lnT>
+                      <a:noFill/>
+                    </a:lnT>
+                    <a:lnB>
+                      <a:noFill/>
+                    </a:lnB>
+                  </a:tcPr>
+                </a:tc>
+                <a:tc>
+                  <a:txBody>
+                    <a:bodyPr/>
+                    <a:lstStyle/>
+                    <a:p>
+                      <a:pPr algn="ctr" fontAlgn="ctr">
+                        <a:spcBef>
+                          <a:spcPts val="0"/>
+                        </a:spcBef>
+                        <a:spcAft>
+                          <a:spcPts val="0"/>
+                        </a:spcAft>
+                      </a:pPr>
+                      <a:r>
+                        <a:rPr lang="en-US" altLang="zh-CN" sz="2000" b="0" i="0" u="none" strike="noStrike" dirty="0">
+                          <a:solidFill>
+                            <a:srgbClr val="000000"/>
+                          </a:solidFill>
+                          <a:effectLst/>
+                          <a:latin typeface="等线" panose="02010600030101010101" pitchFamily="2" charset="-122"/>
+                          <a:ea typeface="等线" panose="02010600030101010101" pitchFamily="2" charset="-122"/>
+                        </a:rPr>
+                        <a:t>43</a:t>
+                      </a:r>
+                      <a:r>
+                        <a:rPr lang="zh-CN" altLang="en-US" sz="2000" b="0" i="0" u="none" strike="noStrike" dirty="0">
+                          <a:solidFill>
+                            <a:srgbClr val="000000"/>
+                          </a:solidFill>
+                          <a:effectLst/>
+                          <a:latin typeface="等线" panose="02010600030101010101" pitchFamily="2" charset="-122"/>
+                          <a:ea typeface="等线" panose="02010600030101010101" pitchFamily="2" charset="-122"/>
+                        </a:rPr>
+                        <a:t>　</a:t>
+                      </a:r>
+                      <a:endParaRPr lang="zh-CN" altLang="en-US" sz="3200" b="0" i="0" u="none" strike="noStrike" dirty="0">
+                        <a:effectLst/>
+                        <a:latin typeface="Arial" panose="020B0604020202020204" pitchFamily="34" charset="0"/>
+                      </a:endParaRPr>
+                    </a:p>
+                  </a:txBody>
+                  <a:tcPr marL="17140" marR="17140" marT="17140" marB="0" anchor="ctr">
+                    <a:lnL>
+                      <a:noFill/>
+                    </a:lnL>
+                    <a:lnR w="6350" cap="flat" cmpd="sng" algn="ctr">
+                      <a:solidFill>
+                        <a:srgbClr val="000000"/>
+                      </a:solidFill>
+                      <a:prstDash val="solid"/>
+                      <a:round/>
+                      <a:headEnd type="none" w="med" len="med"/>
+                      <a:tailEnd type="none" w="med" len="med"/>
+                    </a:lnR>
+                    <a:lnT>
+                      <a:noFill/>
+                    </a:lnT>
+                    <a:lnB>
+                      <a:noFill/>
+                    </a:lnB>
+                  </a:tcPr>
+                </a:tc>
+                <a:extLst>
+                  <a:ext uri="{0D108BD9-81ED-4DB2-BD59-A6C34878D82A}">
+                    <a16:rowId xmlns:a16="http://schemas.microsoft.com/office/drawing/2014/main" val="3347131722"/>
+                  </a:ext>
+                </a:extLst>
+              </a:tr>
+              <a:tr h="384616">
+                <a:tc>
+                  <a:txBody>
+                    <a:bodyPr/>
+                    <a:lstStyle/>
+                    <a:p>
+                      <a:pPr algn="ctr" fontAlgn="ctr">
+                        <a:spcBef>
+                          <a:spcPts val="0"/>
+                        </a:spcBef>
+                        <a:spcAft>
+                          <a:spcPts val="0"/>
+                        </a:spcAft>
+                      </a:pPr>
+                      <a:r>
+                        <a:rPr lang="en-US" sz="2000" b="0" i="0" u="none" strike="noStrike" dirty="0" err="1">
+                          <a:solidFill>
+                            <a:schemeClr val="bg1"/>
+                          </a:solidFill>
+                          <a:effectLst/>
+                          <a:latin typeface="等线" panose="02010600030101010101" pitchFamily="2" charset="-122"/>
+                          <a:ea typeface="等线" panose="02010600030101010101" pitchFamily="2" charset="-122"/>
+                        </a:rPr>
+                        <a:t>Riichi</a:t>
+                      </a:r>
+                      <a:endParaRPr lang="en-US" altLang="zh-CN" sz="3200" b="0" i="0" u="none" strike="noStrike" dirty="0">
+                        <a:solidFill>
+                          <a:schemeClr val="bg1"/>
+                        </a:solidFill>
+                        <a:effectLst/>
+                        <a:latin typeface="Arial" panose="020B0604020202020204" pitchFamily="34" charset="0"/>
+                      </a:endParaRPr>
+                    </a:p>
+                  </a:txBody>
+                  <a:tcPr marL="17140" marR="17140" marT="17140" marB="0" anchor="ctr">
+                    <a:lnL w="6350" cap="flat" cmpd="sng" algn="ctr">
+                      <a:solidFill>
+                        <a:srgbClr val="000000"/>
+                      </a:solidFill>
+                      <a:prstDash val="solid"/>
+                      <a:round/>
+                      <a:headEnd type="none" w="med" len="med"/>
+                      <a:tailEnd type="none" w="med" len="med"/>
+                    </a:lnL>
+                    <a:lnR>
+                      <a:noFill/>
+                    </a:lnR>
+                    <a:lnT>
+                      <a:noFill/>
+                    </a:lnT>
+                    <a:lnB>
+                      <a:noFill/>
+                    </a:lnB>
+                    <a:solidFill>
+                      <a:srgbClr val="B4C6E7"/>
+                    </a:solidFill>
+                  </a:tcPr>
+                </a:tc>
+                <a:tc>
+                  <a:txBody>
+                    <a:bodyPr/>
+                    <a:lstStyle/>
+                    <a:p>
+                      <a:pPr algn="ctr" fontAlgn="ctr">
+                        <a:spcBef>
+                          <a:spcPts val="0"/>
+                        </a:spcBef>
+                        <a:spcAft>
+                          <a:spcPts val="0"/>
+                        </a:spcAft>
+                      </a:pPr>
+                      <a:r>
+                        <a:rPr lang="en-US" sz="2000" b="0" i="0" u="none" strike="noStrike" dirty="0">
+                          <a:solidFill>
+                            <a:schemeClr val="bg1"/>
+                          </a:solidFill>
+                          <a:effectLst/>
+                          <a:latin typeface="等线" panose="02010600030101010101" pitchFamily="2" charset="-122"/>
+                          <a:ea typeface="等线" panose="02010600030101010101" pitchFamily="2" charset="-122"/>
+                        </a:rPr>
+                        <a:t>Chi</a:t>
+                      </a:r>
+                      <a:endParaRPr lang="en-US" altLang="zh-CN" sz="3200" b="0" i="0" u="none" strike="noStrike" dirty="0">
+                        <a:solidFill>
+                          <a:schemeClr val="bg1"/>
+                        </a:solidFill>
+                        <a:effectLst/>
+                        <a:latin typeface="Arial" panose="020B0604020202020204" pitchFamily="34" charset="0"/>
+                      </a:endParaRPr>
+                    </a:p>
+                  </a:txBody>
+                  <a:tcPr marL="17140" marR="17140" marT="17140" marB="0" anchor="ctr">
+                    <a:lnL>
+                      <a:noFill/>
+                    </a:lnL>
+                    <a:lnR>
+                      <a:noFill/>
+                    </a:lnR>
+                    <a:lnT>
+                      <a:noFill/>
+                    </a:lnT>
+                    <a:lnB>
+                      <a:noFill/>
+                    </a:lnB>
+                    <a:solidFill>
+                      <a:srgbClr val="B4C6E7"/>
+                    </a:solidFill>
+                  </a:tcPr>
+                </a:tc>
+                <a:tc>
+                  <a:txBody>
+                    <a:bodyPr/>
+                    <a:lstStyle/>
+                    <a:p>
+                      <a:pPr algn="ctr" fontAlgn="ctr">
+                        <a:spcBef>
+                          <a:spcPts val="0"/>
+                        </a:spcBef>
+                        <a:spcAft>
+                          <a:spcPts val="0"/>
+                        </a:spcAft>
+                      </a:pPr>
+                      <a:r>
+                        <a:rPr lang="en-US" sz="2000" b="0" i="0" u="none" strike="noStrike" dirty="0" err="1">
+                          <a:solidFill>
+                            <a:schemeClr val="bg1"/>
+                          </a:solidFill>
+                          <a:effectLst/>
+                          <a:latin typeface="等线" panose="02010600030101010101" pitchFamily="2" charset="-122"/>
+                          <a:ea typeface="等线" panose="02010600030101010101" pitchFamily="2" charset="-122"/>
+                        </a:rPr>
+                        <a:t>Pon</a:t>
+                      </a:r>
+                      <a:r>
+                        <a:rPr lang="en-US" sz="2000" b="0" i="0" u="none" strike="noStrike" dirty="0">
+                          <a:solidFill>
+                            <a:schemeClr val="bg1"/>
+                          </a:solidFill>
+                          <a:effectLst/>
+                          <a:latin typeface="等线" panose="02010600030101010101" pitchFamily="2" charset="-122"/>
+                          <a:ea typeface="等线" panose="02010600030101010101" pitchFamily="2" charset="-122"/>
+                        </a:rPr>
+                        <a:t> </a:t>
+                      </a:r>
+                      <a:endParaRPr lang="en-US" altLang="zh-CN" sz="3200" b="0" i="0" u="none" strike="noStrike" dirty="0">
+                        <a:solidFill>
+                          <a:schemeClr val="bg1"/>
+                        </a:solidFill>
+                        <a:effectLst/>
+                        <a:latin typeface="Arial" panose="020B0604020202020204" pitchFamily="34" charset="0"/>
+                      </a:endParaRPr>
+                    </a:p>
+                  </a:txBody>
+                  <a:tcPr marL="17140" marR="17140" marT="17140" marB="0" anchor="ctr">
+                    <a:lnL>
+                      <a:noFill/>
+                    </a:lnL>
+                    <a:lnR>
+                      <a:noFill/>
+                    </a:lnR>
+                    <a:lnT>
+                      <a:noFill/>
+                    </a:lnT>
+                    <a:lnB>
+                      <a:noFill/>
+                    </a:lnB>
+                    <a:solidFill>
+                      <a:srgbClr val="B4C6E7"/>
+                    </a:solidFill>
+                  </a:tcPr>
+                </a:tc>
+                <a:tc>
+                  <a:txBody>
+                    <a:bodyPr/>
+                    <a:lstStyle/>
+                    <a:p>
+                      <a:pPr algn="ctr" fontAlgn="ctr">
+                        <a:spcBef>
+                          <a:spcPts val="0"/>
+                        </a:spcBef>
+                        <a:spcAft>
+                          <a:spcPts val="0"/>
+                        </a:spcAft>
+                      </a:pPr>
+                      <a:r>
+                        <a:rPr lang="en-US" sz="2000" b="0" i="0" u="none" strike="noStrike" dirty="0">
+                          <a:solidFill>
+                            <a:schemeClr val="bg1"/>
+                          </a:solidFill>
+                          <a:effectLst/>
+                          <a:latin typeface="等线" panose="02010600030101010101" pitchFamily="2" charset="-122"/>
+                          <a:ea typeface="等线" panose="02010600030101010101" pitchFamily="2" charset="-122"/>
+                        </a:rPr>
+                        <a:t>An-Kan</a:t>
+                      </a:r>
+                      <a:endParaRPr lang="en-US" altLang="zh-CN" sz="3200" b="0" i="0" u="none" strike="noStrike" dirty="0">
+                        <a:solidFill>
+                          <a:schemeClr val="bg1"/>
+                        </a:solidFill>
+                        <a:effectLst/>
+                        <a:latin typeface="Arial" panose="020B0604020202020204" pitchFamily="34" charset="0"/>
+                      </a:endParaRPr>
+                    </a:p>
+                  </a:txBody>
+                  <a:tcPr marL="17140" marR="17140" marT="17140" marB="0" anchor="ctr">
+                    <a:lnL>
+                      <a:noFill/>
+                    </a:lnL>
+                    <a:lnR>
+                      <a:noFill/>
+                    </a:lnR>
+                    <a:lnT>
+                      <a:noFill/>
+                    </a:lnT>
+                    <a:lnB>
+                      <a:noFill/>
+                    </a:lnB>
+                    <a:solidFill>
+                      <a:srgbClr val="B4C6E7"/>
+                    </a:solidFill>
+                  </a:tcPr>
+                </a:tc>
+                <a:tc>
+                  <a:txBody>
+                    <a:bodyPr/>
+                    <a:lstStyle/>
+                    <a:p>
+                      <a:pPr algn="ctr" fontAlgn="ctr">
+                        <a:spcBef>
+                          <a:spcPts val="0"/>
+                        </a:spcBef>
+                        <a:spcAft>
+                          <a:spcPts val="0"/>
+                        </a:spcAft>
+                      </a:pPr>
+                      <a:r>
+                        <a:rPr lang="en-US" sz="2000" b="0" i="0" u="none" strike="noStrike" dirty="0">
+                          <a:solidFill>
+                            <a:schemeClr val="bg1"/>
+                          </a:solidFill>
+                          <a:effectLst/>
+                          <a:latin typeface="等线" panose="02010600030101010101" pitchFamily="2" charset="-122"/>
+                          <a:ea typeface="等线" panose="02010600030101010101" pitchFamily="2" charset="-122"/>
+                        </a:rPr>
+                        <a:t>Min-Kan</a:t>
+                      </a:r>
+                      <a:endParaRPr lang="en-US" altLang="zh-CN" sz="3200" b="0" i="0" u="none" strike="noStrike" dirty="0">
+                        <a:solidFill>
+                          <a:schemeClr val="bg1"/>
+                        </a:solidFill>
+                        <a:effectLst/>
+                        <a:latin typeface="Arial" panose="020B0604020202020204" pitchFamily="34" charset="0"/>
+                      </a:endParaRPr>
+                    </a:p>
+                  </a:txBody>
+                  <a:tcPr marL="17140" marR="17140" marT="17140" marB="0" anchor="ctr">
+                    <a:lnL>
+                      <a:noFill/>
+                    </a:lnL>
+                    <a:lnR>
+                      <a:noFill/>
+                    </a:lnR>
+                    <a:lnT>
+                      <a:noFill/>
+                    </a:lnT>
+                    <a:lnB>
+                      <a:noFill/>
+                    </a:lnB>
+                    <a:solidFill>
+                      <a:srgbClr val="B4C6E7"/>
+                    </a:solidFill>
+                  </a:tcPr>
+                </a:tc>
+                <a:tc>
+                  <a:txBody>
+                    <a:bodyPr/>
+                    <a:lstStyle/>
+                    <a:p>
+                      <a:pPr algn="ctr" fontAlgn="ctr">
+                        <a:spcBef>
+                          <a:spcPts val="0"/>
+                        </a:spcBef>
+                        <a:spcAft>
+                          <a:spcPts val="0"/>
+                        </a:spcAft>
+                      </a:pPr>
+                      <a:r>
+                        <a:rPr lang="en-US" sz="2000" b="0" i="0" u="none" strike="noStrike" dirty="0">
+                          <a:solidFill>
+                            <a:schemeClr val="bg1"/>
+                          </a:solidFill>
+                          <a:effectLst/>
+                          <a:latin typeface="等线" panose="02010600030101010101" pitchFamily="2" charset="-122"/>
+                          <a:ea typeface="等线" panose="02010600030101010101" pitchFamily="2" charset="-122"/>
+                        </a:rPr>
+                        <a:t>Add-Kan</a:t>
+                      </a:r>
+                      <a:endParaRPr lang="en-US" altLang="zh-CN" sz="3200" b="0" i="0" u="none" strike="noStrike" dirty="0">
+                        <a:solidFill>
+                          <a:schemeClr val="bg1"/>
+                        </a:solidFill>
+                        <a:effectLst/>
+                        <a:latin typeface="Arial" panose="020B0604020202020204" pitchFamily="34" charset="0"/>
+                      </a:endParaRPr>
+                    </a:p>
+                  </a:txBody>
+                  <a:tcPr marL="17140" marR="17140" marT="17140" marB="0" anchor="ctr">
+                    <a:lnL>
+                      <a:noFill/>
+                    </a:lnL>
+                    <a:lnR>
+                      <a:noFill/>
+                    </a:lnR>
+                    <a:lnT>
+                      <a:noFill/>
+                    </a:lnT>
+                    <a:lnB>
+                      <a:noFill/>
+                    </a:lnB>
+                    <a:solidFill>
+                      <a:srgbClr val="B4C6E7"/>
+                    </a:solidFill>
+                  </a:tcPr>
+                </a:tc>
+                <a:tc>
+                  <a:txBody>
+                    <a:bodyPr/>
+                    <a:lstStyle/>
+                    <a:p>
+                      <a:pPr algn="ctr" fontAlgn="ctr">
+                        <a:spcBef>
+                          <a:spcPts val="0"/>
+                        </a:spcBef>
+                        <a:spcAft>
+                          <a:spcPts val="0"/>
+                        </a:spcAft>
+                      </a:pPr>
+                      <a:r>
+                        <a:rPr lang="en-US" sz="2000" b="0" i="0" u="none" strike="noStrike" dirty="0">
+                          <a:solidFill>
+                            <a:schemeClr val="bg1"/>
+                          </a:solidFill>
+                          <a:effectLst/>
+                          <a:latin typeface="等线" panose="02010600030101010101" pitchFamily="2" charset="-122"/>
+                          <a:ea typeface="等线" panose="02010600030101010101" pitchFamily="2" charset="-122"/>
+                        </a:rPr>
+                        <a:t>Ron</a:t>
+                      </a:r>
+                      <a:endParaRPr lang="en-US" altLang="zh-CN" sz="3200" b="0" i="0" u="none" strike="noStrike" dirty="0">
+                        <a:solidFill>
+                          <a:schemeClr val="bg1"/>
+                        </a:solidFill>
+                        <a:effectLst/>
+                        <a:latin typeface="Arial" panose="020B0604020202020204" pitchFamily="34" charset="0"/>
+                      </a:endParaRPr>
+                    </a:p>
+                  </a:txBody>
+                  <a:tcPr marL="17140" marR="17140" marT="17140" marB="0" anchor="ctr">
+                    <a:lnL>
+                      <a:noFill/>
+                    </a:lnL>
+                    <a:lnR>
+                      <a:noFill/>
+                    </a:lnR>
+                    <a:lnT>
+                      <a:noFill/>
+                    </a:lnT>
+                    <a:lnB>
+                      <a:noFill/>
+                    </a:lnB>
+                    <a:solidFill>
+                      <a:srgbClr val="B4C6E7"/>
+                    </a:solidFill>
+                  </a:tcPr>
+                </a:tc>
+                <a:tc>
+                  <a:txBody>
+                    <a:bodyPr/>
+                    <a:lstStyle/>
+                    <a:p>
+                      <a:pPr algn="ctr" fontAlgn="ctr">
+                        <a:spcBef>
+                          <a:spcPts val="0"/>
+                        </a:spcBef>
+                        <a:spcAft>
+                          <a:spcPts val="0"/>
+                        </a:spcAft>
+                      </a:pPr>
+                      <a:r>
+                        <a:rPr lang="en-US" sz="2000" b="0" i="0" u="none" strike="noStrike" dirty="0" err="1">
+                          <a:solidFill>
+                            <a:schemeClr val="bg1"/>
+                          </a:solidFill>
+                          <a:effectLst/>
+                          <a:latin typeface="等线" panose="02010600030101010101" pitchFamily="2" charset="-122"/>
+                          <a:ea typeface="等线" panose="02010600030101010101" pitchFamily="2" charset="-122"/>
+                        </a:rPr>
+                        <a:t>Tsumo</a:t>
+                      </a:r>
+                      <a:endParaRPr lang="en-US" altLang="zh-CN" sz="3200" b="0" i="0" u="none" strike="noStrike" dirty="0">
+                        <a:solidFill>
+                          <a:schemeClr val="bg1"/>
+                        </a:solidFill>
+                        <a:effectLst/>
+                        <a:latin typeface="Arial" panose="020B0604020202020204" pitchFamily="34" charset="0"/>
+                      </a:endParaRPr>
+                    </a:p>
+                  </a:txBody>
+                  <a:tcPr marL="17140" marR="17140" marT="17140" marB="0" anchor="ctr">
+                    <a:lnL>
+                      <a:noFill/>
+                    </a:lnL>
+                    <a:lnR>
+                      <a:noFill/>
+                    </a:lnR>
+                    <a:lnT>
+                      <a:noFill/>
+                    </a:lnT>
+                    <a:lnB>
+                      <a:noFill/>
+                    </a:lnB>
+                    <a:solidFill>
+                      <a:srgbClr val="B4C6E7"/>
+                    </a:solidFill>
+                  </a:tcPr>
+                </a:tc>
+                <a:tc>
+                  <a:txBody>
+                    <a:bodyPr/>
+                    <a:lstStyle/>
+                    <a:p>
+                      <a:pPr algn="ctr" fontAlgn="ctr">
+                        <a:spcBef>
+                          <a:spcPts val="0"/>
+                        </a:spcBef>
+                        <a:spcAft>
+                          <a:spcPts val="0"/>
+                        </a:spcAft>
+                      </a:pPr>
+                      <a:r>
+                        <a:rPr lang="en-US" sz="2000" b="0" i="0" u="none" strike="noStrike" dirty="0">
+                          <a:solidFill>
+                            <a:schemeClr val="bg1"/>
+                          </a:solidFill>
+                          <a:effectLst/>
+                          <a:latin typeface="等线" panose="02010600030101010101" pitchFamily="2" charset="-122"/>
+                          <a:ea typeface="等线" panose="02010600030101010101" pitchFamily="2" charset="-122"/>
+                        </a:rPr>
+                        <a:t>Push</a:t>
+                      </a:r>
+                      <a:endParaRPr lang="en-US" altLang="zh-CN" sz="3200" b="0" i="0" u="none" strike="noStrike" dirty="0">
+                        <a:solidFill>
+                          <a:schemeClr val="bg1"/>
+                        </a:solidFill>
+                        <a:effectLst/>
+                        <a:latin typeface="Arial" panose="020B0604020202020204" pitchFamily="34" charset="0"/>
+                      </a:endParaRPr>
+                    </a:p>
+                  </a:txBody>
+                  <a:tcPr marL="17140" marR="17140" marT="17140" marB="0" anchor="ctr">
+                    <a:lnL>
+                      <a:noFill/>
+                    </a:lnL>
+                    <a:lnR w="6350" cap="flat" cmpd="sng" algn="ctr">
+                      <a:solidFill>
+                        <a:srgbClr val="000000"/>
+                      </a:solidFill>
+                      <a:prstDash val="solid"/>
+                      <a:round/>
+                      <a:headEnd type="none" w="med" len="med"/>
+                      <a:tailEnd type="none" w="med" len="med"/>
+                    </a:lnR>
+                    <a:lnT>
+                      <a:noFill/>
+                    </a:lnT>
+                    <a:lnB>
+                      <a:noFill/>
+                    </a:lnB>
+                    <a:solidFill>
+                      <a:srgbClr val="B4C6E7"/>
+                    </a:solidFill>
+                  </a:tcPr>
+                </a:tc>
+                <a:extLst>
+                  <a:ext uri="{0D108BD9-81ED-4DB2-BD59-A6C34878D82A}">
+                    <a16:rowId xmlns:a16="http://schemas.microsoft.com/office/drawing/2014/main" val="2252057423"/>
+                  </a:ext>
+                </a:extLst>
+              </a:tr>
+              <a:tr h="384616">
+                <a:tc>
+                  <a:txBody>
+                    <a:bodyPr/>
+                    <a:lstStyle/>
+                    <a:p>
+                      <a:pPr algn="ctr" fontAlgn="ctr">
+                        <a:spcBef>
+                          <a:spcPts val="0"/>
+                        </a:spcBef>
+                        <a:spcAft>
+                          <a:spcPts val="0"/>
+                        </a:spcAft>
+                      </a:pPr>
+                      <a:r>
+                        <a:rPr lang="en-US" sz="2000" b="0" i="0" u="none" strike="noStrike" dirty="0">
+                          <a:solidFill>
+                            <a:srgbClr val="000000"/>
+                          </a:solidFill>
+                          <a:effectLst/>
+                          <a:latin typeface="等线" panose="02010600030101010101" pitchFamily="2" charset="-122"/>
+                          <a:ea typeface="等线" panose="02010600030101010101" pitchFamily="2" charset="-122"/>
+                        </a:rPr>
+                        <a:t>34</a:t>
+                      </a:r>
+                      <a:endParaRPr lang="en-US" altLang="zh-CN" sz="3200" b="0" i="0" u="none" strike="noStrike" dirty="0">
+                        <a:effectLst/>
+                        <a:latin typeface="Arial" panose="020B0604020202020204" pitchFamily="34" charset="0"/>
+                      </a:endParaRPr>
+                    </a:p>
+                  </a:txBody>
+                  <a:tcPr marL="17140" marR="17140" marT="17140" marB="0" anchor="ctr">
+                    <a:lnL w="6350" cap="flat" cmpd="sng" algn="ctr">
+                      <a:solidFill>
+                        <a:srgbClr val="000000"/>
+                      </a:solidFill>
+                      <a:prstDash val="solid"/>
+                      <a:round/>
+                      <a:headEnd type="none" w="med" len="med"/>
+                      <a:tailEnd type="none" w="med" len="med"/>
+                    </a:lnL>
+                    <a:lnR>
+                      <a:noFill/>
+                    </a:lnR>
+                    <a:lnT>
+                      <a:noFill/>
+                    </a:lnT>
+                    <a:lnB w="6350" cap="flat" cmpd="sng" algn="ctr">
+                      <a:solidFill>
+                        <a:srgbClr val="000000"/>
+                      </a:solidFill>
+                      <a:prstDash val="solid"/>
+                      <a:round/>
+                      <a:headEnd type="none" w="med" len="med"/>
+                      <a:tailEnd type="none" w="med" len="med"/>
+                    </a:lnB>
+                  </a:tcPr>
+                </a:tc>
+                <a:tc>
+                  <a:txBody>
+                    <a:bodyPr/>
+                    <a:lstStyle/>
+                    <a:p>
+                      <a:pPr algn="ctr" fontAlgn="ctr">
+                        <a:spcBef>
+                          <a:spcPts val="0"/>
+                        </a:spcBef>
+                        <a:spcAft>
+                          <a:spcPts val="0"/>
+                        </a:spcAft>
+                      </a:pPr>
+                      <a:r>
+                        <a:rPr lang="en-US" sz="2000" b="0" i="0" u="none" strike="noStrike" dirty="0">
+                          <a:solidFill>
+                            <a:srgbClr val="000000"/>
+                          </a:solidFill>
+                          <a:effectLst/>
+                          <a:latin typeface="等线" panose="02010600030101010101" pitchFamily="2" charset="-122"/>
+                          <a:ea typeface="等线" panose="02010600030101010101" pitchFamily="2" charset="-122"/>
+                        </a:rPr>
+                        <a:t>35</a:t>
+                      </a:r>
+                      <a:endParaRPr lang="en-US" altLang="zh-CN" sz="3200" b="0" i="0" u="none" strike="noStrike" dirty="0">
+                        <a:effectLst/>
+                        <a:latin typeface="Arial" panose="020B0604020202020204" pitchFamily="34" charset="0"/>
+                      </a:endParaRPr>
+                    </a:p>
+                  </a:txBody>
+                  <a:tcPr marL="17140" marR="17140" marT="17140" marB="0" anchor="ctr">
+                    <a:lnL>
+                      <a:noFill/>
+                    </a:lnL>
+                    <a:lnR>
+                      <a:noFill/>
+                    </a:lnR>
+                    <a:lnT>
+                      <a:noFill/>
+                    </a:lnT>
+                    <a:lnB w="6350" cap="flat" cmpd="sng" algn="ctr">
+                      <a:solidFill>
+                        <a:srgbClr val="000000"/>
+                      </a:solidFill>
+                      <a:prstDash val="solid"/>
+                      <a:round/>
+                      <a:headEnd type="none" w="med" len="med"/>
+                      <a:tailEnd type="none" w="med" len="med"/>
+                    </a:lnB>
+                  </a:tcPr>
+                </a:tc>
+                <a:tc>
+                  <a:txBody>
+                    <a:bodyPr/>
+                    <a:lstStyle/>
+                    <a:p>
+                      <a:pPr algn="ctr" fontAlgn="ctr">
+                        <a:spcBef>
+                          <a:spcPts val="0"/>
+                        </a:spcBef>
+                        <a:spcAft>
+                          <a:spcPts val="0"/>
+                        </a:spcAft>
+                      </a:pPr>
+                      <a:r>
+                        <a:rPr lang="en-US" sz="2000" b="0" i="0" u="none" strike="noStrike">
+                          <a:solidFill>
+                            <a:srgbClr val="000000"/>
+                          </a:solidFill>
+                          <a:effectLst/>
+                          <a:latin typeface="等线" panose="02010600030101010101" pitchFamily="2" charset="-122"/>
+                          <a:ea typeface="等线" panose="02010600030101010101" pitchFamily="2" charset="-122"/>
+                        </a:rPr>
+                        <a:t>36</a:t>
+                      </a:r>
+                      <a:endParaRPr lang="en-US" altLang="zh-CN" sz="3200" b="0" i="0" u="none" strike="noStrike">
+                        <a:effectLst/>
+                        <a:latin typeface="Arial" panose="020B0604020202020204" pitchFamily="34" charset="0"/>
+                      </a:endParaRPr>
+                    </a:p>
+                  </a:txBody>
+                  <a:tcPr marL="17140" marR="17140" marT="17140" marB="0" anchor="ctr">
+                    <a:lnL>
+                      <a:noFill/>
+                    </a:lnL>
+                    <a:lnR>
+                      <a:noFill/>
+                    </a:lnR>
+                    <a:lnT>
+                      <a:noFill/>
+                    </a:lnT>
+                    <a:lnB w="6350" cap="flat" cmpd="sng" algn="ctr">
+                      <a:solidFill>
+                        <a:srgbClr val="000000"/>
+                      </a:solidFill>
+                      <a:prstDash val="solid"/>
+                      <a:round/>
+                      <a:headEnd type="none" w="med" len="med"/>
+                      <a:tailEnd type="none" w="med" len="med"/>
+                    </a:lnB>
+                  </a:tcPr>
+                </a:tc>
+                <a:tc>
+                  <a:txBody>
+                    <a:bodyPr/>
+                    <a:lstStyle/>
+                    <a:p>
+                      <a:pPr algn="ctr" fontAlgn="ctr">
+                        <a:spcBef>
+                          <a:spcPts val="0"/>
+                        </a:spcBef>
+                        <a:spcAft>
+                          <a:spcPts val="0"/>
+                        </a:spcAft>
+                      </a:pPr>
+                      <a:r>
+                        <a:rPr lang="en-US" sz="2000" b="0" i="0" u="none" strike="noStrike">
+                          <a:solidFill>
+                            <a:srgbClr val="000000"/>
+                          </a:solidFill>
+                          <a:effectLst/>
+                          <a:latin typeface="等线" panose="02010600030101010101" pitchFamily="2" charset="-122"/>
+                          <a:ea typeface="等线" panose="02010600030101010101" pitchFamily="2" charset="-122"/>
+                        </a:rPr>
+                        <a:t>37</a:t>
+                      </a:r>
+                      <a:endParaRPr lang="en-US" altLang="zh-CN" sz="3200" b="0" i="0" u="none" strike="noStrike">
+                        <a:effectLst/>
+                        <a:latin typeface="Arial" panose="020B0604020202020204" pitchFamily="34" charset="0"/>
+                      </a:endParaRPr>
+                    </a:p>
+                  </a:txBody>
+                  <a:tcPr marL="17140" marR="17140" marT="17140" marB="0" anchor="ctr">
+                    <a:lnL>
+                      <a:noFill/>
+                    </a:lnL>
+                    <a:lnR>
+                      <a:noFill/>
+                    </a:lnR>
+                    <a:lnT>
+                      <a:noFill/>
+                    </a:lnT>
+                    <a:lnB w="6350" cap="flat" cmpd="sng" algn="ctr">
+                      <a:solidFill>
+                        <a:srgbClr val="000000"/>
+                      </a:solidFill>
+                      <a:prstDash val="solid"/>
+                      <a:round/>
+                      <a:headEnd type="none" w="med" len="med"/>
+                      <a:tailEnd type="none" w="med" len="med"/>
+                    </a:lnB>
+                  </a:tcPr>
+                </a:tc>
+                <a:tc>
+                  <a:txBody>
+                    <a:bodyPr/>
+                    <a:lstStyle/>
+                    <a:p>
+                      <a:pPr algn="ctr" fontAlgn="ctr">
+                        <a:spcBef>
+                          <a:spcPts val="0"/>
+                        </a:spcBef>
+                        <a:spcAft>
+                          <a:spcPts val="0"/>
+                        </a:spcAft>
+                      </a:pPr>
+                      <a:r>
+                        <a:rPr lang="en-US" sz="2000" b="0" i="0" u="none" strike="noStrike">
+                          <a:solidFill>
+                            <a:srgbClr val="000000"/>
+                          </a:solidFill>
+                          <a:effectLst/>
+                          <a:latin typeface="等线" panose="02010600030101010101" pitchFamily="2" charset="-122"/>
+                          <a:ea typeface="等线" panose="02010600030101010101" pitchFamily="2" charset="-122"/>
+                        </a:rPr>
+                        <a:t>38</a:t>
+                      </a:r>
+                      <a:endParaRPr lang="en-US" altLang="zh-CN" sz="3200" b="0" i="0" u="none" strike="noStrike">
+                        <a:effectLst/>
+                        <a:latin typeface="Arial" panose="020B0604020202020204" pitchFamily="34" charset="0"/>
+                      </a:endParaRPr>
+                    </a:p>
+                  </a:txBody>
+                  <a:tcPr marL="17140" marR="17140" marT="17140" marB="0" anchor="ctr">
+                    <a:lnL>
+                      <a:noFill/>
+                    </a:lnL>
+                    <a:lnR>
+                      <a:noFill/>
+                    </a:lnR>
+                    <a:lnT>
+                      <a:noFill/>
+                    </a:lnT>
+                    <a:lnB w="6350" cap="flat" cmpd="sng" algn="ctr">
+                      <a:solidFill>
+                        <a:srgbClr val="000000"/>
+                      </a:solidFill>
+                      <a:prstDash val="solid"/>
+                      <a:round/>
+                      <a:headEnd type="none" w="med" len="med"/>
+                      <a:tailEnd type="none" w="med" len="med"/>
+                    </a:lnB>
+                  </a:tcPr>
+                </a:tc>
+                <a:tc>
+                  <a:txBody>
+                    <a:bodyPr/>
+                    <a:lstStyle/>
+                    <a:p>
+                      <a:pPr algn="ctr" fontAlgn="ctr">
+                        <a:spcBef>
+                          <a:spcPts val="0"/>
+                        </a:spcBef>
+                        <a:spcAft>
+                          <a:spcPts val="0"/>
+                        </a:spcAft>
+                      </a:pPr>
+                      <a:r>
+                        <a:rPr lang="en-US" sz="2000" b="0" i="0" u="none" strike="noStrike">
+                          <a:solidFill>
+                            <a:srgbClr val="000000"/>
+                          </a:solidFill>
+                          <a:effectLst/>
+                          <a:latin typeface="等线" panose="02010600030101010101" pitchFamily="2" charset="-122"/>
+                          <a:ea typeface="等线" panose="02010600030101010101" pitchFamily="2" charset="-122"/>
+                        </a:rPr>
+                        <a:t>39</a:t>
+                      </a:r>
+                      <a:endParaRPr lang="en-US" altLang="zh-CN" sz="3200" b="0" i="0" u="none" strike="noStrike">
+                        <a:effectLst/>
+                        <a:latin typeface="Arial" panose="020B0604020202020204" pitchFamily="34" charset="0"/>
+                      </a:endParaRPr>
+                    </a:p>
+                  </a:txBody>
+                  <a:tcPr marL="17140" marR="17140" marT="17140" marB="0" anchor="ctr">
+                    <a:lnL>
+                      <a:noFill/>
+                    </a:lnL>
+                    <a:lnR>
+                      <a:noFill/>
+                    </a:lnR>
+                    <a:lnT>
+                      <a:noFill/>
+                    </a:lnT>
+                    <a:lnB w="6350" cap="flat" cmpd="sng" algn="ctr">
+                      <a:solidFill>
+                        <a:srgbClr val="000000"/>
+                      </a:solidFill>
+                      <a:prstDash val="solid"/>
+                      <a:round/>
+                      <a:headEnd type="none" w="med" len="med"/>
+                      <a:tailEnd type="none" w="med" len="med"/>
+                    </a:lnB>
+                  </a:tcPr>
+                </a:tc>
+                <a:tc>
+                  <a:txBody>
+                    <a:bodyPr/>
+                    <a:lstStyle/>
+                    <a:p>
+                      <a:pPr algn="ctr" fontAlgn="ctr">
+                        <a:spcBef>
+                          <a:spcPts val="0"/>
+                        </a:spcBef>
+                        <a:spcAft>
+                          <a:spcPts val="0"/>
+                        </a:spcAft>
+                      </a:pPr>
+                      <a:r>
+                        <a:rPr lang="en-US" sz="2000" b="0" i="0" u="none" strike="noStrike">
+                          <a:solidFill>
+                            <a:srgbClr val="000000"/>
+                          </a:solidFill>
+                          <a:effectLst/>
+                          <a:latin typeface="等线" panose="02010600030101010101" pitchFamily="2" charset="-122"/>
+                          <a:ea typeface="等线" panose="02010600030101010101" pitchFamily="2" charset="-122"/>
+                        </a:rPr>
+                        <a:t>40</a:t>
+                      </a:r>
+                      <a:endParaRPr lang="en-US" altLang="zh-CN" sz="3200" b="0" i="0" u="none" strike="noStrike">
+                        <a:effectLst/>
+                        <a:latin typeface="Arial" panose="020B0604020202020204" pitchFamily="34" charset="0"/>
+                      </a:endParaRPr>
+                    </a:p>
+                  </a:txBody>
+                  <a:tcPr marL="17140" marR="17140" marT="17140" marB="0" anchor="ctr">
+                    <a:lnL>
+                      <a:noFill/>
+                    </a:lnL>
+                    <a:lnR>
+                      <a:noFill/>
+                    </a:lnR>
+                    <a:lnT>
+                      <a:noFill/>
+                    </a:lnT>
+                    <a:lnB w="6350" cap="flat" cmpd="sng" algn="ctr">
+                      <a:solidFill>
+                        <a:srgbClr val="000000"/>
+                      </a:solidFill>
+                      <a:prstDash val="solid"/>
+                      <a:round/>
+                      <a:headEnd type="none" w="med" len="med"/>
+                      <a:tailEnd type="none" w="med" len="med"/>
+                    </a:lnB>
+                  </a:tcPr>
+                </a:tc>
+                <a:tc>
+                  <a:txBody>
+                    <a:bodyPr/>
+                    <a:lstStyle/>
+                    <a:p>
+                      <a:pPr algn="ctr" fontAlgn="ctr">
+                        <a:spcBef>
+                          <a:spcPts val="0"/>
+                        </a:spcBef>
+                        <a:spcAft>
+                          <a:spcPts val="0"/>
+                        </a:spcAft>
+                      </a:pPr>
+                      <a:r>
+                        <a:rPr lang="en-US" sz="2000" b="0" i="0" u="none" strike="noStrike">
+                          <a:solidFill>
+                            <a:srgbClr val="000000"/>
+                          </a:solidFill>
+                          <a:effectLst/>
+                          <a:latin typeface="等线" panose="02010600030101010101" pitchFamily="2" charset="-122"/>
+                          <a:ea typeface="等线" panose="02010600030101010101" pitchFamily="2" charset="-122"/>
+                        </a:rPr>
+                        <a:t>41</a:t>
+                      </a:r>
+                      <a:endParaRPr lang="en-US" altLang="zh-CN" sz="3200" b="0" i="0" u="none" strike="noStrike">
+                        <a:effectLst/>
+                        <a:latin typeface="Arial" panose="020B0604020202020204" pitchFamily="34" charset="0"/>
+                      </a:endParaRPr>
+                    </a:p>
+                  </a:txBody>
+                  <a:tcPr marL="17140" marR="17140" marT="17140" marB="0" anchor="ctr">
+                    <a:lnL>
+                      <a:noFill/>
+                    </a:lnL>
+                    <a:lnR>
+                      <a:noFill/>
+                    </a:lnR>
+                    <a:lnT>
+                      <a:noFill/>
+                    </a:lnT>
+                    <a:lnB w="6350" cap="flat" cmpd="sng" algn="ctr">
+                      <a:solidFill>
+                        <a:srgbClr val="000000"/>
+                      </a:solidFill>
+                      <a:prstDash val="solid"/>
+                      <a:round/>
+                      <a:headEnd type="none" w="med" len="med"/>
+                      <a:tailEnd type="none" w="med" len="med"/>
+                    </a:lnB>
+                  </a:tcPr>
+                </a:tc>
+                <a:tc>
+                  <a:txBody>
+                    <a:bodyPr/>
+                    <a:lstStyle/>
+                    <a:p>
+                      <a:pPr algn="ctr" fontAlgn="ctr">
+                        <a:spcBef>
+                          <a:spcPts val="0"/>
+                        </a:spcBef>
+                        <a:spcAft>
+                          <a:spcPts val="0"/>
+                        </a:spcAft>
+                      </a:pPr>
+                      <a:r>
+                        <a:rPr lang="en-US" sz="2000" b="0" i="0" u="none" strike="noStrike" dirty="0">
+                          <a:solidFill>
+                            <a:srgbClr val="000000"/>
+                          </a:solidFill>
+                          <a:effectLst/>
+                          <a:latin typeface="等线" panose="02010600030101010101" pitchFamily="2" charset="-122"/>
+                          <a:ea typeface="等线" panose="02010600030101010101" pitchFamily="2" charset="-122"/>
+                        </a:rPr>
+                        <a:t>42</a:t>
+                      </a:r>
+                      <a:endParaRPr lang="en-US" altLang="zh-CN" sz="3200" b="0" i="0" u="none" strike="noStrike" dirty="0">
+                        <a:effectLst/>
+                        <a:latin typeface="Arial" panose="020B0604020202020204" pitchFamily="34" charset="0"/>
+                      </a:endParaRPr>
+                    </a:p>
+                  </a:txBody>
+                  <a:tcPr marL="17140" marR="17140" marT="17140" marB="0" anchor="ctr">
+                    <a:lnL>
+                      <a:noFill/>
+                    </a:lnL>
+                    <a:lnR w="6350" cap="flat" cmpd="sng" algn="ctr">
+                      <a:solidFill>
+                        <a:srgbClr val="000000"/>
+                      </a:solidFill>
+                      <a:prstDash val="solid"/>
+                      <a:round/>
+                      <a:headEnd type="none" w="med" len="med"/>
+                      <a:tailEnd type="none" w="med" len="med"/>
+                    </a:lnR>
+                    <a:lnT>
+                      <a:noFill/>
+                    </a:lnT>
+                    <a:lnB w="6350" cap="flat" cmpd="sng" algn="ctr">
+                      <a:solidFill>
+                        <a:srgbClr val="000000"/>
+                      </a:solidFill>
+                      <a:prstDash val="solid"/>
+                      <a:round/>
+                      <a:headEnd type="none" w="med" len="med"/>
+                      <a:tailEnd type="none" w="med" len="med"/>
+                    </a:lnB>
+                  </a:tcPr>
+                </a:tc>
+                <a:extLst>
+                  <a:ext uri="{0D108BD9-81ED-4DB2-BD59-A6C34878D82A}">
+                    <a16:rowId xmlns:a16="http://schemas.microsoft.com/office/drawing/2014/main" val="3078014959"/>
+                  </a:ext>
+                </a:extLst>
+              </a:tr>
+            </a:tbl>
+          </a:graphicData>
+        </a:graphic>
+      </p:graphicFrame>
+      <p:sp>
+        <p:nvSpPr>
+          <p:cNvPr id="3" name="TextBox 2">
+            <a:extLst>
+              <a:ext uri="{FF2B5EF4-FFF2-40B4-BE49-F238E27FC236}">
+                <a16:creationId xmlns:a16="http://schemas.microsoft.com/office/drawing/2014/main" id="{3B4EFFF8-4500-4124-85F8-704A2C44FBC7}"/>
+              </a:ext>
+            </a:extLst>
+          </p:cNvPr>
+          <p:cNvSpPr txBox="1"/>
+          <p:nvPr/>
+        </p:nvSpPr>
+        <p:spPr>
+          <a:xfrm>
+            <a:off x="2592197" y="101385"/>
+            <a:ext cx="7927597" cy="523220"/>
+          </a:xfrm>
+          <a:prstGeom prst="rect">
+            <a:avLst/>
+          </a:prstGeom>
+          <a:noFill/>
+        </p:spPr>
+        <p:txBody>
+          <a:bodyPr wrap="square" rtlCol="0">
+            <a:spAutoFit/>
+          </a:bodyPr>
+          <a:lstStyle/>
+          <a:p>
+            <a:r>
+              <a:rPr lang="en-US" altLang="zh-CN" sz="2800" dirty="0"/>
+              <a:t>Action Encoding (discrete type, with mask)</a:t>
+            </a:r>
+            <a:endParaRPr lang="zh-CN" altLang="en-US" sz="2800" dirty="0"/>
+          </a:p>
+        </p:txBody>
+      </p:sp>
     </p:spTree>
     <p:extLst>
       <p:ext uri="{BB962C8B-B14F-4D97-AF65-F5344CB8AC3E}">
@@ -7608,137 +12758,242 @@
         </p:nvSpPr>
         <p:spPr/>
         <p:txBody>
-          <a:bodyPr/>
+          <a:bodyPr>
+            <a:normAutofit/>
+          </a:bodyPr>
           <a:lstStyle/>
           <a:p>
             <a:r>
-              <a:rPr lang="zh-CN" altLang="en-US" dirty="0"/>
-              <a:t>打牌                         </a:t>
-            </a:r>
-            <a:r>
-              <a:rPr lang="en-US" altLang="zh-CN" dirty="0"/>
-              <a:t>	 					</a:t>
-            </a:r>
-            <a:r>
-              <a:rPr lang="zh-CN" altLang="en-US" dirty="0"/>
+              <a:rPr lang="en-US" altLang="zh-CN" sz="2400" dirty="0"/>
+              <a:t>(</a:t>
+            </a:r>
+            <a:r>
+              <a:rPr lang="zh-CN" altLang="en-US" sz="2400" dirty="0"/>
+              <a:t>打牌阶段</a:t>
+            </a:r>
+            <a:r>
+              <a:rPr lang="en-US" altLang="zh-CN" sz="2400" dirty="0"/>
+              <a:t>)       </a:t>
+            </a:r>
+            <a:r>
+              <a:rPr lang="zh-CN" altLang="en-US" sz="2400" dirty="0"/>
+              <a:t>打牌 </a:t>
+            </a:r>
+            <a:r>
+              <a:rPr lang="en-US" altLang="zh-CN" sz="2400" dirty="0"/>
+              <a:t>or </a:t>
+            </a:r>
+            <a:r>
+              <a:rPr lang="zh-CN" altLang="en-US" sz="2400" dirty="0"/>
+              <a:t>暗杠</a:t>
+            </a:r>
+            <a:r>
+              <a:rPr lang="en-US" altLang="zh-CN" sz="2400" dirty="0"/>
+              <a:t>/</a:t>
+            </a:r>
+            <a:r>
+              <a:rPr lang="zh-CN" altLang="en-US" sz="2400" dirty="0"/>
+              <a:t>加杠</a:t>
+            </a:r>
+            <a:r>
+              <a:rPr lang="en-US" altLang="zh-CN" sz="2400" dirty="0"/>
+              <a:t>:</a:t>
+            </a:r>
+            <a:r>
+              <a:rPr lang="zh-CN" altLang="en-US" sz="2400" dirty="0"/>
+              <a:t>（被鸣的牌处为</a:t>
+            </a:r>
+            <a:r>
+              <a:rPr lang="en-US" altLang="zh-CN" sz="2400" dirty="0"/>
+              <a:t>0</a:t>
+            </a:r>
+            <a:r>
+              <a:rPr lang="zh-CN" altLang="en-US" sz="2400" dirty="0"/>
+              <a:t>）       </a:t>
+            </a:r>
+            <a:r>
+              <a:rPr lang="en-US" altLang="zh-CN" sz="2400" dirty="0"/>
+              <a:t>		</a:t>
+            </a:r>
+            <a:r>
+              <a:rPr lang="zh-CN" altLang="en-US" sz="2400" dirty="0"/>
               <a:t>√</a:t>
             </a:r>
-            <a:endParaRPr lang="en-US" altLang="zh-CN" dirty="0"/>
-          </a:p>
-          <a:p>
-            <a:r>
-              <a:rPr lang="zh-CN" altLang="en-US" dirty="0"/>
+            <a:endParaRPr lang="en-US" altLang="zh-CN" sz="2400" dirty="0"/>
+          </a:p>
+          <a:p>
+            <a:r>
+              <a:rPr lang="en-US" altLang="zh-CN" sz="2400" dirty="0"/>
+              <a:t>(</a:t>
+            </a:r>
+            <a:r>
+              <a:rPr lang="zh-CN" altLang="en-US" sz="2400" dirty="0"/>
+              <a:t>打牌阶段后） 立直 </a:t>
+            </a:r>
+            <a:r>
+              <a:rPr lang="en-US" altLang="zh-CN" sz="2400" dirty="0"/>
+              <a:t>or not</a:t>
+            </a:r>
+            <a:r>
+              <a:rPr lang="zh-CN" altLang="en-US" sz="2400" dirty="0"/>
+              <a:t>（视为打牌后的一个单独决策）</a:t>
+            </a:r>
+            <a:r>
+              <a:rPr lang="en-US" altLang="zh-CN" sz="2400" dirty="0"/>
+              <a:t>		</a:t>
+            </a:r>
+            <a:r>
+              <a:rPr lang="zh-CN" altLang="en-US" sz="2400" dirty="0"/>
+              <a:t>√</a:t>
+            </a:r>
+            <a:endParaRPr lang="en-US" altLang="zh-CN" sz="2400" dirty="0"/>
+          </a:p>
+          <a:p>
+            <a:r>
+              <a:rPr lang="en-US" altLang="zh-CN" sz="2400" dirty="0"/>
+              <a:t>(</a:t>
+            </a:r>
+            <a:r>
+              <a:rPr lang="zh-CN" altLang="en-US" sz="2400" dirty="0"/>
+              <a:t>别人打牌后</a:t>
+            </a:r>
+            <a:r>
+              <a:rPr lang="en-US" altLang="zh-CN" sz="2400" dirty="0"/>
+              <a:t>)   </a:t>
+            </a:r>
+            <a:r>
+              <a:rPr lang="zh-CN" altLang="en-US" sz="2400" dirty="0"/>
+              <a:t>鸣牌（吃</a:t>
+            </a:r>
+            <a:r>
+              <a:rPr lang="en-US" altLang="zh-CN" sz="2400" dirty="0"/>
+              <a:t>,</a:t>
+            </a:r>
+            <a:r>
+              <a:rPr lang="zh-CN" altLang="en-US" sz="2400" dirty="0"/>
+              <a:t>碰</a:t>
+            </a:r>
+            <a:r>
+              <a:rPr lang="en-US" altLang="zh-CN" sz="2400" dirty="0"/>
+              <a:t>,</a:t>
+            </a:r>
+            <a:r>
+              <a:rPr lang="zh-CN" altLang="en-US" sz="2400" dirty="0"/>
+              <a:t>明杠）</a:t>
+            </a:r>
+            <a:r>
+              <a:rPr lang="en-US" altLang="zh-CN" sz="2400" dirty="0"/>
+              <a:t>or </a:t>
+            </a:r>
+            <a:r>
+              <a:rPr lang="zh-CN" altLang="en-US" sz="2400" dirty="0"/>
+              <a:t>和</a:t>
+            </a:r>
+            <a:r>
+              <a:rPr lang="en-US" altLang="zh-CN" sz="2400" dirty="0"/>
+              <a:t>: </a:t>
+            </a:r>
+            <a:r>
+              <a:rPr lang="zh-CN" altLang="en-US" sz="2400" dirty="0"/>
+              <a:t>把铳牌收入手</a:t>
+            </a:r>
+            <a:r>
+              <a:rPr lang="en-US" altLang="zh-CN" sz="2400" dirty="0"/>
+              <a:t> or </a:t>
+            </a:r>
+            <a:r>
+              <a:rPr lang="zh-CN" altLang="en-US" sz="2400" dirty="0"/>
+              <a:t>见逃</a:t>
+            </a:r>
+            <a:r>
+              <a:rPr lang="en-US" altLang="zh-CN" sz="2400" dirty="0"/>
+              <a:t>	</a:t>
+            </a:r>
+            <a:r>
+              <a:rPr lang="zh-CN" altLang="en-US" sz="2400" dirty="0"/>
+              <a:t>√</a:t>
+            </a:r>
+            <a:endParaRPr lang="en-US" altLang="zh-CN" sz="2400" dirty="0"/>
+          </a:p>
+          <a:p>
+            <a:r>
+              <a:rPr lang="en-US" altLang="zh-CN" sz="2400" dirty="0"/>
+              <a:t>(</a:t>
+            </a:r>
+            <a:r>
+              <a:rPr lang="zh-CN" altLang="en-US" sz="2400" dirty="0"/>
+              <a:t>摸牌后</a:t>
+            </a:r>
+            <a:r>
+              <a:rPr lang="en-US" altLang="zh-CN" sz="2400" dirty="0"/>
+              <a:t>)	    </a:t>
+            </a:r>
+            <a:r>
+              <a:rPr lang="zh-CN" altLang="en-US" sz="2400" dirty="0"/>
+              <a:t>自摸</a:t>
+            </a:r>
+            <a:r>
+              <a:rPr lang="en-US" altLang="zh-CN" sz="2400" dirty="0"/>
+              <a:t>: keep current state or </a:t>
+            </a:r>
+            <a:r>
+              <a:rPr lang="zh-CN" altLang="en-US" sz="2400" dirty="0"/>
               <a:t>打牌</a:t>
             </a:r>
             <a:r>
-              <a:rPr lang="en-US" altLang="zh-CN" dirty="0"/>
-              <a:t>+</a:t>
-            </a:r>
-            <a:r>
-              <a:rPr lang="zh-CN" altLang="en-US" dirty="0"/>
-              <a:t>立直</a:t>
-            </a:r>
-            <a:r>
-              <a:rPr lang="en-US" altLang="zh-CN" dirty="0"/>
-              <a:t>		</a:t>
-            </a:r>
-            <a:r>
-              <a:rPr lang="zh-CN" altLang="en-US" dirty="0"/>
-              <a:t> </a:t>
-            </a:r>
-            <a:r>
-              <a:rPr lang="en-US" altLang="zh-CN" dirty="0"/>
+              <a:rPr lang="en-US" altLang="zh-CN" sz="2400" dirty="0"/>
+              <a:t>				</a:t>
+            </a:r>
+            <a:r>
+              <a:rPr lang="zh-CN" altLang="en-US" sz="2400" dirty="0"/>
+              <a:t>√</a:t>
+            </a:r>
+            <a:endParaRPr lang="en-US" altLang="zh-CN" sz="2400" dirty="0"/>
+          </a:p>
+          <a:p>
+            <a:r>
+              <a:rPr lang="zh-CN" altLang="en-US" sz="2400" dirty="0"/>
+              <a:t>特殊： </a:t>
+            </a:r>
+            <a:r>
+              <a:rPr lang="en-US" altLang="zh-CN" sz="2400" dirty="0"/>
+              <a:t>(</a:t>
+            </a:r>
+            <a:r>
+              <a:rPr lang="zh-CN" altLang="en-US" sz="2400" dirty="0"/>
+              <a:t>别人鸣牌后</a:t>
+            </a:r>
+            <a:r>
+              <a:rPr lang="en-US" altLang="zh-CN" sz="2400" dirty="0"/>
+              <a:t>)</a:t>
+            </a:r>
+            <a:r>
+              <a:rPr lang="zh-CN" altLang="en-US" sz="2400" dirty="0"/>
+              <a:t>： 抢杠 </a:t>
+            </a:r>
+            <a:r>
+              <a:rPr lang="en-US" altLang="zh-CN" sz="2400" dirty="0"/>
+              <a:t>or </a:t>
+            </a:r>
+            <a:r>
+              <a:rPr lang="zh-CN" altLang="en-US" sz="2400" dirty="0"/>
+              <a:t>见逃</a:t>
+            </a:r>
+            <a:r>
+              <a:rPr lang="en-US" altLang="zh-CN" sz="2400" dirty="0"/>
               <a:t>					</a:t>
             </a:r>
             <a:r>
-              <a:rPr lang="zh-CN" altLang="en-US" dirty="0"/>
+              <a:rPr lang="zh-CN" altLang="en-US" sz="2400" dirty="0"/>
               <a:t>√</a:t>
             </a:r>
-            <a:endParaRPr lang="en-US" altLang="zh-CN" dirty="0"/>
-          </a:p>
-          <a:p>
-            <a:r>
-              <a:rPr lang="zh-CN" altLang="en-US" dirty="0"/>
-              <a:t>鸣牌 （吃碰杠）</a:t>
-            </a:r>
-            <a:r>
-              <a:rPr lang="en-US" altLang="zh-CN" dirty="0"/>
-              <a:t>	</a:t>
-            </a:r>
-            <a:r>
-              <a:rPr lang="zh-CN" altLang="en-US" dirty="0"/>
-              <a:t> </a:t>
-            </a:r>
-            <a:r>
-              <a:rPr lang="en-US" altLang="zh-CN" dirty="0"/>
-              <a:t>					</a:t>
-            </a:r>
-            <a:r>
-              <a:rPr lang="zh-CN" altLang="en-US" dirty="0"/>
-              <a:t>√</a:t>
-            </a:r>
-            <a:endParaRPr lang="en-US" altLang="zh-CN" dirty="0"/>
-          </a:p>
-          <a:p>
-            <a:r>
-              <a:rPr lang="zh-CN" altLang="en-US" dirty="0"/>
-              <a:t>暗杠</a:t>
-            </a:r>
-            <a:r>
-              <a:rPr lang="en-US" altLang="zh-CN" dirty="0"/>
-              <a:t>: </a:t>
-            </a:r>
-            <a:r>
-              <a:rPr lang="zh-CN" altLang="en-US" dirty="0"/>
-              <a:t>直接手牌转化到副露 （被鸣的牌处为</a:t>
-            </a:r>
-            <a:r>
-              <a:rPr lang="en-US" altLang="zh-CN" dirty="0"/>
-              <a:t>0</a:t>
-            </a:r>
-            <a:r>
-              <a:rPr lang="zh-CN" altLang="en-US" dirty="0"/>
-              <a:t>） </a:t>
-            </a:r>
-            <a:r>
-              <a:rPr lang="en-US" altLang="zh-CN" dirty="0"/>
-              <a:t>	</a:t>
-            </a:r>
-            <a:r>
-              <a:rPr lang="zh-CN" altLang="en-US" dirty="0"/>
-              <a:t>√</a:t>
-            </a:r>
-            <a:endParaRPr lang="en-US" altLang="zh-CN" dirty="0"/>
-          </a:p>
-          <a:p>
-            <a:r>
-              <a:rPr lang="zh-CN" altLang="en-US" dirty="0"/>
-              <a:t>自摸</a:t>
-            </a:r>
-            <a:r>
-              <a:rPr lang="en-US" altLang="zh-CN" dirty="0"/>
-              <a:t>: keep current state + </a:t>
-            </a:r>
-            <a:r>
-              <a:rPr lang="zh-CN" altLang="en-US" dirty="0"/>
-              <a:t>打牌</a:t>
-            </a:r>
-            <a:r>
-              <a:rPr lang="en-US" altLang="zh-CN" dirty="0"/>
-              <a:t>(+</a:t>
-            </a:r>
-            <a:r>
-              <a:rPr lang="zh-CN" altLang="en-US" dirty="0"/>
-              <a:t>立直）</a:t>
-            </a:r>
-            <a:r>
-              <a:rPr lang="en-US" altLang="zh-CN" dirty="0"/>
-              <a:t>		</a:t>
-            </a:r>
-            <a:r>
-              <a:rPr lang="zh-CN" altLang="en-US" dirty="0"/>
-              <a:t>√</a:t>
-            </a:r>
+            <a:endParaRPr lang="en-US" altLang="zh-CN" sz="2400" dirty="0"/>
+          </a:p>
+          <a:p>
+            <a:endParaRPr lang="en-US" altLang="zh-CN" sz="2400" dirty="0"/>
+          </a:p>
+          <a:p>
+            <a:endParaRPr lang="en-US" altLang="zh-CN" sz="2400" dirty="0"/>
           </a:p>
         </p:txBody>
       </p:sp>
@@ -7855,6 +13110,13 @@
           <a:p>
             <a:r>
               <a:rPr lang="zh-CN" altLang="en-US" dirty="0"/>
+              <a:t>考虑抢杠</a:t>
+            </a:r>
+            <a:endParaRPr lang="en-US" altLang="zh-CN" dirty="0"/>
+          </a:p>
+          <a:p>
+            <a:r>
+              <a:rPr lang="zh-CN" altLang="en-US" dirty="0"/>
               <a:t>包牌： </a:t>
             </a:r>
             <a:r>
@@ -7879,7 +13141,7 @@
         </p:nvSpPr>
         <p:spPr>
           <a:xfrm>
-            <a:off x="1711569" y="4557574"/>
+            <a:off x="1501844" y="4901523"/>
             <a:ext cx="8487508" cy="1754326"/>
           </a:xfrm>
           <a:prstGeom prst="rect">
@@ -7920,6 +13182,243 @@
 </file>
 
 <file path=ppt/slides/slide7.xml><?xml version="1.0" encoding="utf-8"?>
+<p:sld xmlns:a="http://schemas.openxmlformats.org/drawingml/2006/main" xmlns:r="http://schemas.openxmlformats.org/officeDocument/2006/relationships" xmlns:p="http://schemas.openxmlformats.org/presentationml/2006/main">
+  <p:cSld>
+    <p:spTree>
+      <p:nvGrpSpPr>
+        <p:cNvPr id="1" name=""/>
+        <p:cNvGrpSpPr/>
+        <p:nvPr/>
+      </p:nvGrpSpPr>
+      <p:grpSpPr>
+        <a:xfrm>
+          <a:off x="0" y="0"/>
+          <a:ext cx="0" cy="0"/>
+          <a:chOff x="0" y="0"/>
+          <a:chExt cx="0" cy="0"/>
+        </a:xfrm>
+      </p:grpSpPr>
+      <p:sp>
+        <p:nvSpPr>
+          <p:cNvPr id="5" name="TextBox 4">
+            <a:extLst>
+              <a:ext uri="{FF2B5EF4-FFF2-40B4-BE49-F238E27FC236}">
+                <a16:creationId xmlns:a16="http://schemas.microsoft.com/office/drawing/2014/main" id="{7821425C-6615-459B-9689-8D483D1C3F45}"/>
+              </a:ext>
+            </a:extLst>
+          </p:cNvPr>
+          <p:cNvSpPr txBox="1"/>
+          <p:nvPr/>
+        </p:nvSpPr>
+        <p:spPr>
+          <a:xfrm>
+            <a:off x="964734" y="-77517"/>
+            <a:ext cx="8181402" cy="6740307"/>
+          </a:xfrm>
+          <a:prstGeom prst="rect">
+            <a:avLst/>
+          </a:prstGeom>
+          <a:noFill/>
+        </p:spPr>
+        <p:txBody>
+          <a:bodyPr wrap="square">
+            <a:spAutoFit/>
+          </a:bodyPr>
+          <a:lstStyle/>
+          <a:p>
+            <a:endParaRPr lang="zh-CN" altLang="en-US" dirty="0"/>
+          </a:p>
+          <a:p>
+            <a:r>
+              <a:rPr lang="zh-CN" altLang="en-US" dirty="0"/>
+              <a:t>抢杠！！！！！！！！！！！！！</a:t>
+            </a:r>
+          </a:p>
+          <a:p>
+            <a:r>
+              <a:rPr lang="en-US" altLang="zh-CN" dirty="0"/>
+              <a:t>G53 {}</a:t>
+            </a:r>
+          </a:p>
+          <a:p>
+            <a:r>
+              <a:rPr lang="en-US" altLang="zh-CN" dirty="0"/>
+              <a:t>T36 {}</a:t>
+            </a:r>
+          </a:p>
+          <a:p>
+            <a:r>
+              <a:rPr lang="en-US" altLang="zh-CN" dirty="0"/>
+              <a:t>D36 {}</a:t>
+            </a:r>
+          </a:p>
+          <a:p>
+            <a:r>
+              <a:rPr lang="en-US" altLang="zh-CN" dirty="0"/>
+              <a:t>N {'who': '1', 'm': '21863'}</a:t>
+            </a:r>
+          </a:p>
+          <a:p>
+            <a:r>
+              <a:rPr lang="en-US" altLang="zh-CN" dirty="0"/>
+              <a:t>E18 {}</a:t>
+            </a:r>
+          </a:p>
+          <a:p>
+            <a:r>
+              <a:rPr lang="en-US" altLang="zh-CN" dirty="0"/>
+              <a:t>V62 {}</a:t>
+            </a:r>
+          </a:p>
+          <a:p>
+            <a:r>
+              <a:rPr lang="en-US" altLang="zh-CN" dirty="0"/>
+              <a:t>F62 {}</a:t>
+            </a:r>
+          </a:p>
+          <a:p>
+            <a:r>
+              <a:rPr lang="en-US" altLang="zh-CN" dirty="0"/>
+              <a:t>W56 {}</a:t>
+            </a:r>
+          </a:p>
+          <a:p>
+            <a:r>
+              <a:rPr lang="en-US" altLang="zh-CN" dirty="0"/>
+              <a:t>G56 {}</a:t>
+            </a:r>
+          </a:p>
+          <a:p>
+            <a:r>
+              <a:rPr lang="en-US" altLang="zh-CN" dirty="0"/>
+              <a:t>N {'who': '1', 'm': '21578'}</a:t>
+            </a:r>
+          </a:p>
+          <a:p>
+            <a:r>
+              <a:rPr lang="en-US" altLang="zh-CN" dirty="0"/>
+              <a:t>E60 {}</a:t>
+            </a:r>
+          </a:p>
+          <a:p>
+            <a:r>
+              <a:rPr lang="en-US" altLang="zh-CN" dirty="0"/>
+              <a:t>V92 {}</a:t>
+            </a:r>
+          </a:p>
+          <a:p>
+            <a:r>
+              <a:rPr lang="en-US" altLang="zh-CN" dirty="0"/>
+              <a:t>F84 {}</a:t>
+            </a:r>
+          </a:p>
+          <a:p>
+            <a:r>
+              <a:rPr lang="en-US" altLang="zh-CN" dirty="0"/>
+              <a:t>N {'who': '3', 'm': '48135'}</a:t>
+            </a:r>
+          </a:p>
+          <a:p>
+            <a:r>
+              <a:rPr lang="en-US" altLang="zh-CN" dirty="0"/>
+              <a:t>G107 {}</a:t>
+            </a:r>
+          </a:p>
+          <a:p>
+            <a:r>
+              <a:rPr lang="en-US" altLang="zh-CN" dirty="0"/>
+              <a:t>T96 {}</a:t>
+            </a:r>
+          </a:p>
+          <a:p>
+            <a:r>
+              <a:rPr lang="en-US" altLang="zh-CN" dirty="0"/>
+              <a:t>D96 {}</a:t>
+            </a:r>
+          </a:p>
+          <a:p>
+            <a:r>
+              <a:rPr lang="en-US" altLang="zh-CN" dirty="0"/>
+              <a:t>U58 {}</a:t>
+            </a:r>
+          </a:p>
+          <a:p>
+            <a:r>
+              <a:rPr lang="en-US" altLang="zh-CN" dirty="0"/>
+              <a:t>N {'who': '1', 'm': '21586'}</a:t>
+            </a:r>
+          </a:p>
+          <a:p>
+            <a:r>
+              <a:rPr lang="en-US" altLang="zh-CN" dirty="0"/>
+              <a:t>AGARI {'</a:t>
+            </a:r>
+            <a:r>
+              <a:rPr lang="en-US" altLang="zh-CN" dirty="0" err="1"/>
+              <a:t>ba</a:t>
+            </a:r>
+            <a:r>
+              <a:rPr lang="en-US" altLang="zh-CN" dirty="0"/>
+              <a:t>': '0,0', '</a:t>
+            </a:r>
+            <a:r>
+              <a:rPr lang="en-US" altLang="zh-CN" dirty="0" err="1"/>
+              <a:t>hai</a:t>
+            </a:r>
+            <a:r>
+              <a:rPr lang="en-US" altLang="zh-CN" dirty="0"/>
+              <a:t>': '48,52,58,65,66,67,92,93,95,100,102', 'm': '4215', 'machi': '58', 'ten': '30,5800,0', '</a:t>
+            </a:r>
+            <a:r>
+              <a:rPr lang="en-US" altLang="zh-CN" dirty="0" err="1"/>
+              <a:t>yaku</a:t>
+            </a:r>
+            <a:r>
+              <a:rPr lang="en-US" altLang="zh-CN" dirty="0"/>
+              <a:t>': '3,1,8,1,54,1', '</a:t>
+            </a:r>
+            <a:r>
+              <a:rPr lang="en-US" altLang="zh-CN" dirty="0" err="1"/>
+              <a:t>doraHai</a:t>
+            </a:r>
+            <a:r>
+              <a:rPr lang="en-US" altLang="zh-CN" dirty="0"/>
+              <a:t>': '34', 'who': '2', '</a:t>
+            </a:r>
+            <a:r>
+              <a:rPr lang="en-US" altLang="zh-CN" dirty="0" err="1"/>
+              <a:t>fromWho</a:t>
+            </a:r>
+            <a:r>
+              <a:rPr lang="en-US" altLang="zh-CN" dirty="0"/>
+              <a:t>': '1', '</a:t>
+            </a:r>
+            <a:r>
+              <a:rPr lang="en-US" altLang="zh-CN" dirty="0" err="1"/>
+              <a:t>sc</a:t>
+            </a:r>
+            <a:r>
+              <a:rPr lang="en-US" altLang="zh-CN" dirty="0"/>
+              <a:t>': '212,0,262,-58,235,58,291,0'}</a:t>
+            </a:r>
+            <a:endParaRPr lang="zh-CN" altLang="en-US" dirty="0"/>
+          </a:p>
+        </p:txBody>
+      </p:sp>
+    </p:spTree>
+    <p:extLst>
+      <p:ext uri="{BB962C8B-B14F-4D97-AF65-F5344CB8AC3E}">
+        <p14:creationId xmlns:p14="http://schemas.microsoft.com/office/powerpoint/2010/main" val="885241909"/>
+      </p:ext>
+    </p:extLst>
+  </p:cSld>
+  <p:clrMapOvr>
+    <a:masterClrMapping/>
+  </p:clrMapOvr>
+</p:sld>
+</file>
+
+<file path=ppt/slides/slide8.xml><?xml version="1.0" encoding="utf-8"?>
 <p:sld xmlns:a="http://schemas.openxmlformats.org/drawingml/2006/main" xmlns:r="http://schemas.openxmlformats.org/officeDocument/2006/relationships" xmlns:p="http://schemas.openxmlformats.org/presentationml/2006/main">
   <p:cSld>
     <p:spTree>
@@ -8019,6 +13518,24 @@
             </a:pPr>
             <a:r>
               <a:rPr lang="zh-CN" altLang="en-US" sz="2400" dirty="0"/>
+              <a:t>食断的</a:t>
+            </a:r>
+            <a:r>
+              <a:rPr lang="en-US" altLang="zh-CN" sz="2400" dirty="0"/>
+              <a:t>action</a:t>
+            </a:r>
+            <a:r>
+              <a:rPr lang="zh-CN" altLang="en-US" sz="2400" dirty="0"/>
+              <a:t>限制！！！！</a:t>
+            </a:r>
+            <a:endParaRPr lang="en-US" altLang="zh-CN" sz="2400" dirty="0"/>
+          </a:p>
+          <a:p>
+            <a:pPr marL="514350" indent="-514350">
+              <a:buAutoNum type="arabicPeriod"/>
+            </a:pPr>
+            <a:r>
+              <a:rPr lang="zh-CN" altLang="en-US" sz="2400" dirty="0"/>
               <a:t>记录一些</a:t>
             </a:r>
             <a:r>
@@ -8097,36 +13614,6 @@
               <a:buAutoNum type="arabicPeriod"/>
             </a:pPr>
             <a:endParaRPr lang="en-US" altLang="zh-CN" sz="2400" dirty="0"/>
-          </a:p>
-          <a:p>
-            <a:pPr marL="514350" indent="-514350">
-              <a:buAutoNum type="arabicPeriod"/>
-            </a:pPr>
-            <a:r>
-              <a:rPr lang="en-US" altLang="zh-CN" sz="2400" dirty="0"/>
-              <a:t>Check </a:t>
-            </a:r>
-            <a:r>
-              <a:rPr lang="en-US" altLang="zh-CN" sz="2400" dirty="0" err="1"/>
-              <a:t>root.child.tag</a:t>
-            </a:r>
-            <a:r>
-              <a:rPr lang="en-US" altLang="zh-CN" sz="2400" dirty="0"/>
-              <a:t> or </a:t>
-            </a:r>
-            <a:r>
-              <a:rPr lang="en-US" altLang="zh-CN" sz="2400" dirty="0" err="1"/>
-              <a:t>attrib</a:t>
-            </a:r>
-            <a:r>
-              <a:rPr lang="en-US" altLang="zh-CN" sz="2400" dirty="0"/>
-              <a:t> str to </a:t>
-            </a:r>
-            <a:r>
-              <a:rPr lang="en-US" altLang="zh-CN" sz="2400"/>
-              <a:t>int correct!!</a:t>
-            </a:r>
-            <a:endParaRPr lang="zh-CN" altLang="en-US" sz="2400" dirty="0"/>
           </a:p>
         </p:txBody>
       </p:sp>
@@ -8143,7 +13630,7 @@
 </p:sld>
 </file>
 
-<file path=ppt/slides/slide8.xml><?xml version="1.0" encoding="utf-8"?>
+<file path=ppt/slides/slide9.xml><?xml version="1.0" encoding="utf-8"?>
 <p:sld xmlns:a="http://schemas.openxmlformats.org/drawingml/2006/main" xmlns:r="http://schemas.openxmlformats.org/officeDocument/2006/relationships" xmlns:p="http://schemas.openxmlformats.org/presentationml/2006/main">
   <p:cSld>
     <p:spTree>
@@ -9617,78 +15104,6 @@
     <p:extLst>
       <p:ext uri="{BB962C8B-B14F-4D97-AF65-F5344CB8AC3E}">
         <p14:creationId xmlns:p14="http://schemas.microsoft.com/office/powerpoint/2010/main" val="1222348204"/>
-      </p:ext>
-    </p:extLst>
-  </p:cSld>
-  <p:clrMapOvr>
-    <a:masterClrMapping/>
-  </p:clrMapOvr>
-</p:sld>
-</file>
-
-<file path=ppt/slides/slide9.xml><?xml version="1.0" encoding="utf-8"?>
-<p:sld xmlns:a="http://schemas.openxmlformats.org/drawingml/2006/main" xmlns:r="http://schemas.openxmlformats.org/officeDocument/2006/relationships" xmlns:p="http://schemas.openxmlformats.org/presentationml/2006/main">
-  <p:cSld>
-    <p:spTree>
-      <p:nvGrpSpPr>
-        <p:cNvPr id="1" name=""/>
-        <p:cNvGrpSpPr/>
-        <p:nvPr/>
-      </p:nvGrpSpPr>
-      <p:grpSpPr>
-        <a:xfrm>
-          <a:off x="0" y="0"/>
-          <a:ext cx="0" cy="0"/>
-          <a:chOff x="0" y="0"/>
-          <a:chExt cx="0" cy="0"/>
-        </a:xfrm>
-      </p:grpSpPr>
-      <p:sp>
-        <p:nvSpPr>
-          <p:cNvPr id="2" name="Title 1"/>
-          <p:cNvSpPr>
-            <a:spLocks noGrp="1"/>
-          </p:cNvSpPr>
-          <p:nvPr>
-            <p:ph type="ctrTitle"/>
-          </p:nvPr>
-        </p:nvSpPr>
-        <p:spPr/>
-        <p:txBody>
-          <a:bodyPr/>
-          <a:lstStyle/>
-          <a:p>
-            <a:r>
-              <a:rPr lang="en-US" altLang="zh-CN" dirty="0"/>
-              <a:t>Step Setting</a:t>
-            </a:r>
-            <a:endParaRPr lang="zh-CN" altLang="en-US" dirty="0"/>
-          </a:p>
-        </p:txBody>
-      </p:sp>
-      <p:sp>
-        <p:nvSpPr>
-          <p:cNvPr id="3" name="Subtitle 2"/>
-          <p:cNvSpPr>
-            <a:spLocks noGrp="1"/>
-          </p:cNvSpPr>
-          <p:nvPr>
-            <p:ph type="subTitle" idx="1"/>
-          </p:nvPr>
-        </p:nvSpPr>
-        <p:spPr/>
-        <p:txBody>
-          <a:bodyPr/>
-          <a:lstStyle/>
-          <a:p>
-            <a:endParaRPr lang="zh-CN" altLang="en-US"/>
-          </a:p>
-        </p:txBody>
-      </p:sp>
-    </p:spTree>
-    <p:extLst>
-      <p:ext uri="{BB962C8B-B14F-4D97-AF65-F5344CB8AC3E}">
-        <p14:creationId xmlns:p14="http://schemas.microsoft.com/office/powerpoint/2010/main" val="3008687155"/>
       </p:ext>
     </p:extLst>
   </p:cSld>

--- a/AI/FrostVer3.pptx
+++ b/AI/FrostVer3.pptx
@@ -265,7 +265,7 @@
           <a:p>
             <a:fld id="{5FEBFD95-8CFD-49BE-B999-985DD76DD94F}" type="datetimeFigureOut">
               <a:rPr lang="zh-CN" altLang="en-US" smtClean="0"/>
-              <a:t>2021/7/20</a:t>
+              <a:t>2021/7/26</a:t>
             </a:fld>
             <a:endParaRPr lang="zh-CN" altLang="en-US"/>
           </a:p>
@@ -435,7 +435,7 @@
           <a:p>
             <a:fld id="{5FEBFD95-8CFD-49BE-B999-985DD76DD94F}" type="datetimeFigureOut">
               <a:rPr lang="zh-CN" altLang="en-US" smtClean="0"/>
-              <a:t>2021/7/20</a:t>
+              <a:t>2021/7/26</a:t>
             </a:fld>
             <a:endParaRPr lang="zh-CN" altLang="en-US"/>
           </a:p>
@@ -615,7 +615,7 @@
           <a:p>
             <a:fld id="{5FEBFD95-8CFD-49BE-B999-985DD76DD94F}" type="datetimeFigureOut">
               <a:rPr lang="zh-CN" altLang="en-US" smtClean="0"/>
-              <a:t>2021/7/20</a:t>
+              <a:t>2021/7/26</a:t>
             </a:fld>
             <a:endParaRPr lang="zh-CN" altLang="en-US"/>
           </a:p>
@@ -785,7 +785,7 @@
           <a:p>
             <a:fld id="{5FEBFD95-8CFD-49BE-B999-985DD76DD94F}" type="datetimeFigureOut">
               <a:rPr lang="zh-CN" altLang="en-US" smtClean="0"/>
-              <a:t>2021/7/20</a:t>
+              <a:t>2021/7/26</a:t>
             </a:fld>
             <a:endParaRPr lang="zh-CN" altLang="en-US"/>
           </a:p>
@@ -1031,7 +1031,7 @@
           <a:p>
             <a:fld id="{5FEBFD95-8CFD-49BE-B999-985DD76DD94F}" type="datetimeFigureOut">
               <a:rPr lang="zh-CN" altLang="en-US" smtClean="0"/>
-              <a:t>2021/7/20</a:t>
+              <a:t>2021/7/26</a:t>
             </a:fld>
             <a:endParaRPr lang="zh-CN" altLang="en-US"/>
           </a:p>
@@ -1263,7 +1263,7 @@
           <a:p>
             <a:fld id="{5FEBFD95-8CFD-49BE-B999-985DD76DD94F}" type="datetimeFigureOut">
               <a:rPr lang="zh-CN" altLang="en-US" smtClean="0"/>
-              <a:t>2021/7/20</a:t>
+              <a:t>2021/7/26</a:t>
             </a:fld>
             <a:endParaRPr lang="zh-CN" altLang="en-US"/>
           </a:p>
@@ -1630,7 +1630,7 @@
           <a:p>
             <a:fld id="{5FEBFD95-8CFD-49BE-B999-985DD76DD94F}" type="datetimeFigureOut">
               <a:rPr lang="zh-CN" altLang="en-US" smtClean="0"/>
-              <a:t>2021/7/20</a:t>
+              <a:t>2021/7/26</a:t>
             </a:fld>
             <a:endParaRPr lang="zh-CN" altLang="en-US"/>
           </a:p>
@@ -1748,7 +1748,7 @@
           <a:p>
             <a:fld id="{5FEBFD95-8CFD-49BE-B999-985DD76DD94F}" type="datetimeFigureOut">
               <a:rPr lang="zh-CN" altLang="en-US" smtClean="0"/>
-              <a:t>2021/7/20</a:t>
+              <a:t>2021/7/26</a:t>
             </a:fld>
             <a:endParaRPr lang="zh-CN" altLang="en-US"/>
           </a:p>
@@ -1843,7 +1843,7 @@
           <a:p>
             <a:fld id="{5FEBFD95-8CFD-49BE-B999-985DD76DD94F}" type="datetimeFigureOut">
               <a:rPr lang="zh-CN" altLang="en-US" smtClean="0"/>
-              <a:t>2021/7/20</a:t>
+              <a:t>2021/7/26</a:t>
             </a:fld>
             <a:endParaRPr lang="zh-CN" altLang="en-US"/>
           </a:p>
@@ -2120,7 +2120,7 @@
           <a:p>
             <a:fld id="{5FEBFD95-8CFD-49BE-B999-985DD76DD94F}" type="datetimeFigureOut">
               <a:rPr lang="zh-CN" altLang="en-US" smtClean="0"/>
-              <a:t>2021/7/20</a:t>
+              <a:t>2021/7/26</a:t>
             </a:fld>
             <a:endParaRPr lang="zh-CN" altLang="en-US"/>
           </a:p>
@@ -2373,7 +2373,7 @@
           <a:p>
             <a:fld id="{5FEBFD95-8CFD-49BE-B999-985DD76DD94F}" type="datetimeFigureOut">
               <a:rPr lang="zh-CN" altLang="en-US" smtClean="0"/>
-              <a:t>2021/7/20</a:t>
+              <a:t>2021/7/26</a:t>
             </a:fld>
             <a:endParaRPr lang="zh-CN" altLang="en-US"/>
           </a:p>
@@ -2586,7 +2586,7 @@
           <a:p>
             <a:fld id="{5FEBFD95-8CFD-49BE-B999-985DD76DD94F}" type="datetimeFigureOut">
               <a:rPr lang="zh-CN" altLang="en-US" smtClean="0"/>
-              <a:t>2021/7/20</a:t>
+              <a:t>2021/7/26</a:t>
             </a:fld>
             <a:endParaRPr lang="zh-CN" altLang="en-US"/>
           </a:p>
@@ -12792,24 +12792,8 @@
               <a:t>/</a:t>
             </a:r>
             <a:r>
-              <a:rPr lang="zh-CN" altLang="en-US" sz="2400" dirty="0"/>
-              <a:t>加杠</a:t>
-            </a:r>
-            <a:r>
-              <a:rPr lang="en-US" altLang="zh-CN" sz="2400" dirty="0"/>
-              <a:t>:</a:t>
-            </a:r>
-            <a:r>
-              <a:rPr lang="zh-CN" altLang="en-US" sz="2400" dirty="0"/>
-              <a:t>（被鸣的牌处为</a:t>
-            </a:r>
-            <a:r>
-              <a:rPr lang="en-US" altLang="zh-CN" sz="2400" dirty="0"/>
-              <a:t>0</a:t>
-            </a:r>
-            <a:r>
-              <a:rPr lang="zh-CN" altLang="en-US" sz="2400" dirty="0"/>
-              <a:t>）       </a:t>
+              <a:rPr lang="zh-CN" altLang="en-US" sz="2400"/>
+              <a:t>加杠       </a:t>
             </a:r>
             <a:r>
               <a:rPr lang="en-US" altLang="zh-CN" sz="2400" dirty="0"/>
